--- a/docs/hidden_lake_anonymous_network_view.pptx
+++ b/docs/hidden_lake_anonymous_network_view.pptx
@@ -5,7 +5,7 @@
     <p:sldMasterId id="2147483648" r:id="rId1"/>
   </p:sldMasterIdLst>
   <p:notesMasterIdLst>
-    <p:notesMasterId r:id="rId26"/>
+    <p:notesMasterId r:id="rId27"/>
   </p:notesMasterIdLst>
   <p:sldIdLst>
     <p:sldId id="256" r:id="rId4"/>
@@ -30,6 +30,7 @@
     <p:sldId id="275" r:id="rId23"/>
     <p:sldId id="276" r:id="rId24"/>
     <p:sldId id="277" r:id="rId25"/>
+    <p:sldId id="278" r:id="rId26"/>
   </p:sldIdLst>
   <p:sldSz cx="12192000" cy="6858000"/>
   <p:notesSz cx="6858000" cy="9144000"/>
@@ -1694,6 +1695,96 @@
       </p:grpSpPr>
       <p:sp>
         <p:nvSpPr>
+          <p:cNvPr id="1866275837" name="Slide Image Placeholder 1"/>
+          <p:cNvSpPr>
+            <a:spLocks noChangeAspect="1" noGrp="1" noRot="1"/>
+          </p:cNvSpPr>
+          <p:nvPr>
+            <p:ph type="sldImg"/>
+          </p:nvPr>
+        </p:nvSpPr>
+        <p:spPr bwMode="auto">
+          <a:xfrm>
+            <a:off x="685800" y="1143000"/>
+            <a:ext cx="5486400" cy="3086100"/>
+          </a:xfrm>
+        </p:spPr>
+      </p:sp>
+      <p:sp>
+        <p:nvSpPr>
+          <p:cNvPr id="1952741038" name="Notes Placeholder 2"/>
+          <p:cNvSpPr>
+            <a:spLocks noGrp="1"/>
+          </p:cNvSpPr>
+          <p:nvPr>
+            <p:ph type="body" idx="1"/>
+          </p:nvPr>
+        </p:nvSpPr>
+        <p:spPr bwMode="auto"/>
+        <p:txBody>
+          <a:bodyPr/>
+          <a:lstStyle/>
+          <a:p>
+            <a:pPr>
+              <a:defRPr/>
+            </a:pPr>
+            <a:endParaRPr lang="ru-RU">
+              <a:latin typeface="Arial"/>
+              <a:cs typeface="Arial"/>
+            </a:endParaRPr>
+          </a:p>
+        </p:txBody>
+      </p:sp>
+      <p:sp>
+        <p:nvSpPr>
+          <p:cNvPr id="904200831" name="Slide Number Placeholder 3"/>
+          <p:cNvSpPr>
+            <a:spLocks noGrp="1"/>
+          </p:cNvSpPr>
+          <p:nvPr>
+            <p:ph type="sldNum" sz="quarter" idx="10"/>
+          </p:nvPr>
+        </p:nvSpPr>
+        <p:spPr bwMode="auto"/>
+        <p:txBody>
+          <a:bodyPr/>
+          <a:lstStyle/>
+          <a:p>
+            <a:pPr>
+              <a:defRPr/>
+            </a:pPr>
+            <a:fld id="{91E7313B-E0CE-4A32-1F62-C7394EC57783}" type="slidenum">
+              <a:rPr lang="ru-RU"/>
+              <a:t/>
+            </a:fld>
+            <a:endParaRPr lang="ru-RU"/>
+          </a:p>
+        </p:txBody>
+      </p:sp>
+    </p:spTree>
+  </p:cSld>
+</p:notes>
+</file>
+
+<file path=ppt/notesSlides/notesSlide22.xml><?xml version="1.0" encoding="utf-8"?>
+<p:notes xmlns:a="http://schemas.openxmlformats.org/drawingml/2006/main" xmlns:r="http://schemas.openxmlformats.org/officeDocument/2006/relationships" xmlns:p="http://schemas.openxmlformats.org/presentationml/2006/main" xmlns:m="http://schemas.openxmlformats.org/officeDocument/2006/math" xmlns:w="http://schemas.openxmlformats.org/wordprocessingml/2006/main">
+  <p:cSld name="">
+    <p:spTree>
+      <p:nvGrpSpPr>
+        <p:cNvPr id="1" name=""/>
+        <p:cNvGrpSpPr/>
+        <p:nvPr/>
+      </p:nvGrpSpPr>
+      <p:grpSpPr bwMode="auto">
+        <a:xfrm>
+          <a:off x="0" y="0"/>
+          <a:ext cx="0" cy="0"/>
+          <a:chOff x="0" y="0"/>
+          <a:chExt cx="0" cy="0"/>
+        </a:xfrm>
+      </p:grpSpPr>
+      <p:sp>
+        <p:nvSpPr>
           <p:cNvPr id="1780811880" name="Slide Image Placeholder 1"/>
           <p:cNvSpPr>
             <a:spLocks noChangeAspect="1" noGrp="1" noRot="1"/>
@@ -1765,7 +1856,7 @@
 </p:notes>
 </file>
 
-<file path=ppt/notesSlides/notesSlide22.xml><?xml version="1.0" encoding="utf-8"?>
+<file path=ppt/notesSlides/notesSlide23.xml><?xml version="1.0" encoding="utf-8"?>
 <p:notes xmlns:a="http://schemas.openxmlformats.org/drawingml/2006/main" xmlns:r="http://schemas.openxmlformats.org/officeDocument/2006/relationships" xmlns:p="http://schemas.openxmlformats.org/presentationml/2006/main" xmlns:m="http://schemas.openxmlformats.org/officeDocument/2006/math" xmlns:w="http://schemas.openxmlformats.org/wordprocessingml/2006/main">
   <p:cSld name="">
     <p:spTree>
@@ -6484,8 +6575,8 @@
         </p:nvSpPr>
         <p:spPr bwMode="auto">
           <a:xfrm flipH="0" flipV="0">
-            <a:off x="661296" y="2914650"/>
-            <a:ext cx="10752257" cy="2743199"/>
+            <a:off x="661295" y="2914650"/>
+            <a:ext cx="10752256" cy="3105149"/>
           </a:xfrm>
         </p:spPr>
         <p:txBody>
@@ -6663,7 +6754,7 @@
               <a:defRPr/>
             </a:pPr>
             <a:r>
-              <a:rPr lang="ru-RU" sz="2400" b="0" i="0" u="none" strike="noStrike" cap="none" spc="0">
+              <a:rPr lang="ru-RU" sz="2600" b="0" i="0" u="none" strike="noStrike" cap="none" spc="0">
                 <a:solidFill>
                   <a:schemeClr val="bg1"/>
                 </a:solidFill>
@@ -6674,7 +6765,7 @@
               <a:t>На текущий момент существует </a:t>
             </a:r>
             <a:r>
-              <a:rPr lang="ru-RU" sz="2400" b="0" i="0" u="none" strike="noStrike" cap="none" spc="0">
+              <a:rPr lang="ru-RU" sz="2600" b="0" i="0" u="none" strike="noStrike" cap="none" spc="0">
                 <a:solidFill>
                   <a:schemeClr val="bg1"/>
                 </a:solidFill>
@@ -6685,7 +6776,7 @@
               <a:t>6 сервисов</a:t>
             </a:r>
             <a:r>
-              <a:rPr lang="ru-RU" sz="2400" b="0" i="0" u="none" strike="noStrike" cap="none" spc="0">
+              <a:rPr lang="ru-RU" sz="2600" b="0" i="0" u="none" strike="noStrike" cap="none" spc="0">
                 <a:solidFill>
                   <a:schemeClr val="bg1"/>
                 </a:solidFill>
@@ -6696,7 +6787,7 @@
               <a:t>, где один </a:t>
             </a:r>
             <a:r>
-              <a:rPr lang="ru-RU" sz="2400" b="1" i="0" u="none" strike="noStrike" cap="none" spc="0">
+              <a:rPr lang="ru-RU" sz="2600" b="1" i="0" u="none" strike="noStrike" cap="none" spc="0">
                 <a:solidFill>
                   <a:schemeClr val="bg1"/>
                 </a:solidFill>
@@ -6707,7 +6798,7 @@
               <a:t>основной </a:t>
             </a:r>
             <a:r>
-              <a:rPr lang="ru-RU" sz="2400" b="0" i="0" u="none" strike="noStrike" cap="none" spc="0">
+              <a:rPr lang="ru-RU" sz="2600" b="0" i="0" u="none" strike="noStrike" cap="none" spc="0">
                 <a:solidFill>
                   <a:schemeClr val="bg1"/>
                 </a:solidFill>
@@ -6718,7 +6809,7 @@
               <a:t>сервис — HLS, два </a:t>
             </a:r>
             <a:r>
-              <a:rPr lang="ru-RU" sz="2400" b="1" i="0" u="none" strike="noStrike" cap="none" spc="0">
+              <a:rPr lang="ru-RU" sz="2600" b="1" i="0" u="none" strike="noStrike" cap="none" spc="0">
                 <a:solidFill>
                   <a:schemeClr val="bg1"/>
                 </a:solidFill>
@@ -6729,7 +6820,7 @@
               <a:t>прикладных </a:t>
             </a:r>
             <a:r>
-              <a:rPr lang="ru-RU" sz="2400" b="0" i="0" u="none" strike="noStrike" cap="none" spc="0">
+              <a:rPr lang="ru-RU" sz="2600" b="0" i="0" u="none" strike="noStrike" cap="none" spc="0">
                 <a:solidFill>
                   <a:schemeClr val="bg1"/>
                 </a:solidFill>
@@ -6740,7 +6831,7 @@
               <a:t>сервиса — HLM, HLF, три </a:t>
             </a:r>
             <a:r>
-              <a:rPr lang="ru-RU" sz="2400" b="1" i="0" u="none" strike="noStrike" cap="none" spc="0">
+              <a:rPr lang="ru-RU" sz="2600" b="1" i="0" u="none" strike="noStrike" cap="none" spc="0">
                 <a:solidFill>
                   <a:schemeClr val="bg1"/>
                 </a:solidFill>
@@ -6751,7 +6842,7 @@
               <a:t>вспомогательных </a:t>
             </a:r>
             <a:r>
-              <a:rPr lang="ru-RU" sz="2400" b="0" i="0" u="none" strike="noStrike" cap="none" spc="0">
+              <a:rPr lang="ru-RU" sz="2600" b="0" i="0" u="none" strike="noStrike" cap="none" spc="0">
                 <a:solidFill>
                   <a:schemeClr val="bg1"/>
                 </a:solidFill>
@@ -6761,7 +6852,7 @@
               </a:rPr>
               <a:t>сервиса — HLT, HLE, HLL</a:t>
             </a:r>
-            <a:endParaRPr lang="ru-RU" sz="2400" b="0" i="0" u="none" strike="noStrike" cap="none" spc="0">
+            <a:endParaRPr sz="2600" b="0" i="0" u="none" strike="noStrike" cap="none" spc="0">
               <a:solidFill>
                 <a:schemeClr val="bg1"/>
               </a:solidFill>
@@ -6777,7 +6868,7 @@
               <a:defRPr/>
             </a:pPr>
             <a:r>
-              <a:rPr lang="ru-RU" sz="2400" b="0" i="0" u="none" strike="noStrike" cap="none" spc="0">
+              <a:rPr lang="ru-RU" sz="2600" b="0" i="0" u="none" strike="noStrike" cap="none" spc="0">
                 <a:solidFill>
                   <a:schemeClr val="bg1"/>
                 </a:solidFill>
@@ -6788,7 +6879,7 @@
               <a:t>В описании сети «Hidden Lake» могут существовать также специфичные сервисы — </a:t>
             </a:r>
             <a:r>
-              <a:rPr lang="ru-RU" sz="2400" b="1" i="0" u="none" strike="noStrike" cap="none" spc="0">
+              <a:rPr lang="ru-RU" sz="2600" b="1" i="0" u="none" strike="noStrike" cap="none" spc="0">
                 <a:solidFill>
                   <a:schemeClr val="bg1"/>
                 </a:solidFill>
@@ -6799,7 +6890,7 @@
               <a:t>адаптеры</a:t>
             </a:r>
             <a:r>
-              <a:rPr lang="ru-RU" sz="2400" b="0" i="0" u="none" strike="noStrike" cap="none" spc="0">
+              <a:rPr lang="ru-RU" sz="2600" b="0" i="0" u="none" strike="noStrike" cap="none" spc="0">
                 <a:solidFill>
                   <a:schemeClr val="bg1"/>
                 </a:solidFill>
@@ -6830,8 +6921,8 @@
         </p:nvSpPr>
         <p:spPr bwMode="auto">
           <a:xfrm flipH="0" flipV="0">
-            <a:off x="1198725" y="1227990"/>
-            <a:ext cx="9677398" cy="1087317"/>
+            <a:off x="1049699" y="1123949"/>
+            <a:ext cx="10096499" cy="1104899"/>
           </a:xfrm>
         </p:spPr>
         <p:txBody>
@@ -7007,7 +7098,7 @@
               <a:defRPr/>
             </a:pPr>
             <a:r>
-              <a:rPr lang="ru-RU" sz="2800" b="0">
+              <a:rPr lang="ru-RU" sz="3000" b="0">
                 <a:solidFill>
                   <a:schemeClr val="bg1"/>
                 </a:solidFill>
@@ -7018,7 +7109,7 @@
               <a:t>Философия разработки</a:t>
             </a:r>
             <a:r>
-              <a:rPr lang="ru-RU" sz="2800" b="0" i="0" u="none" strike="noStrike" cap="none" spc="0">
+              <a:rPr lang="ru-RU" sz="3000" b="0" i="0" u="none" strike="noStrike" cap="none" spc="0">
                 <a:solidFill>
                   <a:schemeClr val="bg1"/>
                 </a:solidFill>
@@ -7029,7 +7120,7 @@
               <a:t> </a:t>
             </a:r>
             <a:r>
-              <a:rPr lang="ru-RU" sz="2800" b="0" i="0" u="none" strike="noStrike" cap="none" spc="0">
+              <a:rPr lang="ru-RU" sz="3000" b="0" i="0" u="none" strike="noStrike" cap="none" spc="0">
                 <a:solidFill>
                   <a:schemeClr val="bg1"/>
                 </a:solidFill>
@@ -7040,7 +7131,7 @@
               <a:t>сети</a:t>
             </a:r>
             <a:r>
-              <a:rPr lang="ru-RU" sz="2800" b="0">
+              <a:rPr lang="ru-RU" sz="3000" b="0">
                 <a:solidFill>
                   <a:schemeClr val="bg1"/>
                 </a:solidFill>
@@ -7051,7 +7142,7 @@
               <a:t> «Hidden Lake»</a:t>
             </a:r>
             <a:r>
-              <a:rPr lang="ru-RU" sz="2800" b="0" i="0" u="none" strike="noStrike" cap="none" spc="0">
+              <a:rPr lang="ru-RU" sz="3000" b="0" i="0" u="none" strike="noStrike" cap="none" spc="0">
                 <a:solidFill>
                   <a:schemeClr val="bg1"/>
                 </a:solidFill>
@@ -7062,7 +7153,7 @@
               <a:t> </a:t>
             </a:r>
             <a:r>
-              <a:rPr lang="ru-RU" sz="2800" b="0">
+              <a:rPr lang="ru-RU" sz="3000" b="0">
                 <a:solidFill>
                   <a:schemeClr val="bg1"/>
                 </a:solidFill>
@@ -7073,7 +7164,7 @@
               <a:t>основывается на </a:t>
             </a:r>
             <a:r>
-              <a:rPr lang="ru-RU" sz="2800" b="1">
+              <a:rPr lang="ru-RU" sz="3000" b="1">
                 <a:solidFill>
                   <a:schemeClr val="bg1"/>
                 </a:solidFill>
@@ -7084,7 +7175,7 @@
               <a:t>микросервисной </a:t>
             </a:r>
             <a:r>
-              <a:rPr lang="ru-RU" sz="2800" b="0">
+              <a:rPr lang="ru-RU" sz="3000" b="0">
                 <a:solidFill>
                   <a:schemeClr val="bg1"/>
                 </a:solidFill>
@@ -7094,7 +7185,7 @@
               </a:rPr>
               <a:t>архитектуре</a:t>
             </a:r>
-            <a:endParaRPr lang="ru-RU" sz="2800" b="0">
+            <a:endParaRPr sz="3000" b="0">
               <a:solidFill>
                 <a:schemeClr val="bg1"/>
               </a:solidFill>
@@ -9047,8 +9138,8 @@
         </p:nvSpPr>
         <p:spPr bwMode="auto">
           <a:xfrm flipH="0" flipV="0">
-            <a:off x="417630" y="2577241"/>
-            <a:ext cx="5885393" cy="1809752"/>
+            <a:off x="417629" y="2577240"/>
+            <a:ext cx="5885392" cy="2020403"/>
           </a:xfrm>
         </p:spPr>
         <p:txBody>
@@ -9254,7 +9345,7 @@
                 <a:ea typeface="DejaVu Serif"/>
                 <a:cs typeface="DejaVu Serif"/>
               </a:rPr>
-              <a:t>для создания анонимных коммуникаций в централизованных системах</a:t>
+              <a:t>для создания анонимных коммуникаций в инородных системах, включая централизованные</a:t>
             </a:r>
             <a:endParaRPr sz="2800" b="0">
               <a:solidFill>
@@ -9886,16 +9977,23 @@
         </p:nvPicPr>
         <p:blipFill>
           <a:blip r:embed="rId3"/>
+          <a:srcRect l="0" t="0" r="765" b="0"/>
           <a:stretch/>
         </p:blipFill>
         <p:spPr bwMode="auto">
           <a:xfrm flipH="0" flipV="0">
-            <a:off x="1282531" y="2638981"/>
-            <a:ext cx="9402230" cy="3354441"/>
+            <a:off x="1337565" y="2638980"/>
+            <a:ext cx="9330268" cy="3354440"/>
           </a:xfrm>
           <a:prstGeom prst="rect">
             <a:avLst/>
           </a:prstGeom>
+          <a:ln w="57150">
+            <a:solidFill>
+              <a:schemeClr val="bg2"/>
+            </a:solidFill>
+            <a:prstDash val="solid"/>
+          </a:ln>
         </p:spPr>
       </p:pic>
       <p:sp>
@@ -9910,13 +10008,13 @@
         </p:nvSpPr>
         <p:spPr bwMode="auto">
           <a:xfrm flipH="0" flipV="0">
-            <a:off x="1087797" y="805608"/>
-            <a:ext cx="9791697" cy="550219"/>
+            <a:off x="859199" y="805608"/>
+            <a:ext cx="10286999" cy="642191"/>
           </a:xfrm>
         </p:spPr>
         <p:txBody>
           <a:bodyPr vertOverflow="overflow" horzOverflow="overflow" vert="horz" wrap="square" lIns="91440" tIns="45720" rIns="91440" bIns="45720" numCol="1" spcCol="0" rtlCol="0" fromWordArt="0" anchor="t" anchorCtr="0" forceAA="0" upright="0" compatLnSpc="0">
-            <a:normAutofit fontScale="85000" lnSpcReduction="3000"/>
+            <a:normAutofit fontScale="90000" lnSpcReduction="2000"/>
           </a:bodyPr>
           <a:lstStyle/>
           <a:p>
@@ -9932,7 +10030,18 @@
                 <a:ea typeface="DejaVu Serif"/>
                 <a:cs typeface="DejaVu Serif"/>
               </a:rPr>
-              <a:t>Формальное описание композиции сервисов</a:t>
+              <a:t>Формальное </a:t>
+            </a:r>
+            <a:r>
+              <a:rPr lang="ru-RU" sz="3600" b="0" i="0">
+                <a:solidFill>
+                  <a:schemeClr val="bg1"/>
+                </a:solidFill>
+                <a:latin typeface="DejaVu Serif"/>
+                <a:ea typeface="DejaVu Serif"/>
+                <a:cs typeface="DejaVu Serif"/>
+              </a:rPr>
+              <a:t>описание композиции сервисов</a:t>
             </a:r>
             <a:endParaRPr sz="3600" b="0">
               <a:solidFill>
@@ -9986,6 +10095,3529 @@
       </p:grpSpPr>
       <p:sp>
         <p:nvSpPr>
+          <p:cNvPr id="1577229581" name="Subtitle 2"/>
+          <p:cNvSpPr>
+            <a:spLocks noGrp="1"/>
+          </p:cNvSpPr>
+          <p:nvPr>
+            <p:ph type="subTitle" idx="1"/>
+          </p:nvPr>
+        </p:nvSpPr>
+        <p:spPr bwMode="auto">
+          <a:xfrm flipH="0" flipV="0">
+            <a:off x="6712" y="408136"/>
+            <a:ext cx="12178575" cy="550216"/>
+          </a:xfrm>
+        </p:spPr>
+        <p:txBody>
+          <a:bodyPr vertOverflow="overflow" horzOverflow="overflow" vert="horz" wrap="square" lIns="91440" tIns="45720" rIns="91440" bIns="45720" numCol="1" spcCol="0" rtlCol="0" fromWordArt="0" anchor="t" anchorCtr="0" forceAA="0" upright="0" compatLnSpc="0">
+            <a:normAutofit/>
+          </a:bodyPr>
+          <a:lstStyle/>
+          <a:p>
+            <a:pPr>
+              <a:defRPr/>
+            </a:pPr>
+            <a:r>
+              <a:rPr lang="ru-RU" sz="3600" b="0" i="0">
+                <a:solidFill>
+                  <a:schemeClr val="bg1"/>
+                </a:solidFill>
+                <a:latin typeface="DejaVu Serif"/>
+                <a:ea typeface="DejaVu Serif"/>
+                <a:cs typeface="DejaVu Serif"/>
+              </a:rPr>
+              <a:t>Сравнение с другими анонимными сетями</a:t>
+            </a:r>
+            <a:endParaRPr sz="3600" b="0">
+              <a:solidFill>
+                <a:schemeClr val="bg1"/>
+              </a:solidFill>
+              <a:latin typeface="DejaVu Serif"/>
+              <a:cs typeface="DejaVu Serif"/>
+            </a:endParaRPr>
+          </a:p>
+        </p:txBody>
+      </p:sp>
+      <p:graphicFrame>
+        <p:nvGraphicFramePr>
+          <p:cNvPr id="1654802226" name=""/>
+          <p:cNvGraphicFramePr>
+            <a:graphicFrameLocks xmlns:a="http://schemas.openxmlformats.org/drawingml/2006/main"/>
+          </p:cNvGraphicFramePr>
+          <p:nvPr/>
+        </p:nvGraphicFramePr>
+        <p:xfrm>
+          <a:off x="6712" y="1197706"/>
+          <a:ext cx="12178575" cy="5685211"/>
+        </p:xfrm>
+        <a:graphic>
+          <a:graphicData uri="http://schemas.openxmlformats.org/drawingml/2006/table">
+            <a:tbl>
+              <a:tblPr firstRow="1" firstCol="1" lastRow="0" lastCol="0" bandRow="1" bandCol="0">
+                <a:tableStyleId>{5C22544A-7EE6-4342-B048-85BDC9FD1C3A}</a:tableStyleId>
+              </a:tblPr>
+              <a:tblGrid>
+                <a:gridCol w="4410000"/>
+                <a:gridCol w="1800000"/>
+                <a:gridCol w="1440000"/>
+                <a:gridCol w="900000"/>
+                <a:gridCol w="900000"/>
+                <a:gridCol w="1530000"/>
+                <a:gridCol w="1170000"/>
+              </a:tblGrid>
+              <a:tr h="568575">
+                <a:tc>
+                  <a:txBody>
+                    <a:bodyPr/>
+                    <a:p>
+                      <a:pPr marL="0" marR="0" indent="0" algn="ctr">
+                        <a:spcBef>
+                          <a:spcPts val="0"/>
+                        </a:spcBef>
+                        <a:spcAft>
+                          <a:spcPts val="0"/>
+                        </a:spcAft>
+                        <a:defRPr/>
+                      </a:pPr>
+                      <a:r>
+                        <a:rPr lang="ru-RU" sz="2200">
+                          <a:latin typeface="Times New Roman"/>
+                          <a:ea typeface="Times New Roman"/>
+                          <a:cs typeface="Times New Roman"/>
+                        </a:rPr>
+                        <a:t> </a:t>
+                      </a:r>
+                      <a:endParaRPr sz="2200">
+                        <a:latin typeface="Times New Roman"/>
+                        <a:cs typeface="Times New Roman"/>
+                      </a:endParaRPr>
+                    </a:p>
+                  </a:txBody>
+                  <a:tcPr vert="horz" anchor="ctr">
+                    <a:lnL w="28575" algn="ctr">
+                      <a:solidFill>
+                        <a:schemeClr val="tx1"/>
+                      </a:solidFill>
+                    </a:lnL>
+                    <a:lnR w="28575" algn="ctr">
+                      <a:solidFill>
+                        <a:schemeClr val="tx1"/>
+                      </a:solidFill>
+                    </a:lnR>
+                    <a:lnT w="28575" algn="ctr">
+                      <a:solidFill>
+                        <a:schemeClr val="tx1"/>
+                      </a:solidFill>
+                    </a:lnT>
+                    <a:lnB w="28575" algn="ctr">
+                      <a:solidFill>
+                        <a:schemeClr val="tx1"/>
+                      </a:solidFill>
+                    </a:lnB>
+                    <a:solidFill>
+                      <a:schemeClr val="tx1">
+                        <a:lumMod val="75000"/>
+                        <a:lumOff val="25000"/>
+                      </a:schemeClr>
+                    </a:solidFill>
+                  </a:tcPr>
+                </a:tc>
+                <a:tc>
+                  <a:txBody>
+                    <a:bodyPr/>
+                    <a:p>
+                      <a:pPr marL="0" marR="0" indent="0" algn="ctr">
+                        <a:spcBef>
+                          <a:spcPts val="0"/>
+                        </a:spcBef>
+                        <a:spcAft>
+                          <a:spcPts val="0"/>
+                        </a:spcAft>
+                        <a:defRPr/>
+                      </a:pPr>
+                      <a:r>
+                        <a:rPr lang="ru-RU" sz="2200" b="1">
+                          <a:latin typeface="Times New Roman"/>
+                          <a:ea typeface="Times New Roman"/>
+                          <a:cs typeface="Times New Roman"/>
+                        </a:rPr>
+                        <a:t>Hidden Lake</a:t>
+                      </a:r>
+                      <a:endParaRPr sz="2200" b="1">
+                        <a:latin typeface="Times New Roman"/>
+                        <a:cs typeface="Times New Roman"/>
+                      </a:endParaRPr>
+                    </a:p>
+                  </a:txBody>
+                  <a:tcPr vert="horz" anchor="ctr">
+                    <a:lnL w="28575" algn="ctr">
+                      <a:solidFill>
+                        <a:schemeClr val="tx1"/>
+                      </a:solidFill>
+                    </a:lnL>
+                    <a:lnR w="28575" algn="ctr">
+                      <a:solidFill>
+                        <a:schemeClr val="tx1"/>
+                      </a:solidFill>
+                    </a:lnR>
+                    <a:lnT w="28575" algn="ctr">
+                      <a:solidFill>
+                        <a:schemeClr val="tx1"/>
+                      </a:solidFill>
+                    </a:lnT>
+                    <a:lnB w="28575" algn="ctr">
+                      <a:solidFill>
+                        <a:schemeClr val="tx1"/>
+                      </a:solidFill>
+                    </a:lnB>
+                    <a:solidFill>
+                      <a:schemeClr val="tx1">
+                        <a:lumMod val="75000"/>
+                        <a:lumOff val="25000"/>
+                      </a:schemeClr>
+                    </a:solidFill>
+                  </a:tcPr>
+                </a:tc>
+                <a:tc>
+                  <a:txBody>
+                    <a:bodyPr/>
+                    <a:p>
+                      <a:pPr marL="0" marR="0" indent="0" algn="ctr">
+                        <a:spcBef>
+                          <a:spcPts val="0"/>
+                        </a:spcBef>
+                        <a:spcAft>
+                          <a:spcPts val="0"/>
+                        </a:spcAft>
+                        <a:defRPr/>
+                      </a:pPr>
+                      <a:r>
+                        <a:rPr lang="ru-RU" sz="2200" b="1">
+                          <a:latin typeface="Times New Roman"/>
+                          <a:ea typeface="Times New Roman"/>
+                          <a:cs typeface="Times New Roman"/>
+                        </a:rPr>
+                        <a:t>Herbivore</a:t>
+                      </a:r>
+                      <a:endParaRPr sz="2200" b="1">
+                        <a:latin typeface="Times New Roman"/>
+                        <a:cs typeface="Times New Roman"/>
+                      </a:endParaRPr>
+                    </a:p>
+                  </a:txBody>
+                  <a:tcPr vert="horz" anchor="ctr">
+                    <a:lnL w="28575" algn="ctr">
+                      <a:solidFill>
+                        <a:schemeClr val="tx1"/>
+                      </a:solidFill>
+                    </a:lnL>
+                    <a:lnR w="28575" algn="ctr">
+                      <a:solidFill>
+                        <a:schemeClr val="tx1"/>
+                      </a:solidFill>
+                    </a:lnR>
+                    <a:lnT w="28575" algn="ctr">
+                      <a:solidFill>
+                        <a:schemeClr val="tx1"/>
+                      </a:solidFill>
+                    </a:lnT>
+                    <a:lnB w="28575" algn="ctr">
+                      <a:solidFill>
+                        <a:schemeClr val="tx1"/>
+                      </a:solidFill>
+                    </a:lnB>
+                    <a:solidFill>
+                      <a:schemeClr val="tx1">
+                        <a:lumMod val="75000"/>
+                        <a:lumOff val="25000"/>
+                      </a:schemeClr>
+                    </a:solidFill>
+                  </a:tcPr>
+                </a:tc>
+                <a:tc>
+                  <a:txBody>
+                    <a:bodyPr/>
+                    <a:p>
+                      <a:pPr marL="0" marR="0" indent="0" algn="ctr">
+                        <a:spcBef>
+                          <a:spcPts val="0"/>
+                        </a:spcBef>
+                        <a:spcAft>
+                          <a:spcPts val="0"/>
+                        </a:spcAft>
+                        <a:defRPr/>
+                      </a:pPr>
+                      <a:r>
+                        <a:rPr lang="ru-RU" sz="2200" b="1">
+                          <a:latin typeface="Times New Roman"/>
+                          <a:ea typeface="Times New Roman"/>
+                          <a:cs typeface="Times New Roman"/>
+                        </a:rPr>
+                        <a:t>I2P</a:t>
+                      </a:r>
+                      <a:endParaRPr sz="2200" b="1">
+                        <a:latin typeface="Times New Roman"/>
+                        <a:cs typeface="Times New Roman"/>
+                      </a:endParaRPr>
+                    </a:p>
+                  </a:txBody>
+                  <a:tcPr vert="horz" anchor="ctr">
+                    <a:lnL w="28575" algn="ctr">
+                      <a:solidFill>
+                        <a:schemeClr val="tx1"/>
+                      </a:solidFill>
+                    </a:lnL>
+                    <a:lnR w="28575" algn="ctr">
+                      <a:solidFill>
+                        <a:schemeClr val="tx1"/>
+                      </a:solidFill>
+                    </a:lnR>
+                    <a:lnT w="28575" algn="ctr">
+                      <a:solidFill>
+                        <a:schemeClr val="tx1"/>
+                      </a:solidFill>
+                    </a:lnT>
+                    <a:lnB w="28575" algn="ctr">
+                      <a:solidFill>
+                        <a:schemeClr val="tx1"/>
+                      </a:solidFill>
+                    </a:lnB>
+                    <a:solidFill>
+                      <a:schemeClr val="tx1">
+                        <a:lumMod val="75000"/>
+                        <a:lumOff val="25000"/>
+                      </a:schemeClr>
+                    </a:solidFill>
+                  </a:tcPr>
+                </a:tc>
+                <a:tc>
+                  <a:txBody>
+                    <a:bodyPr/>
+                    <a:p>
+                      <a:pPr marL="0" marR="0" indent="0" algn="ctr">
+                        <a:spcBef>
+                          <a:spcPts val="0"/>
+                        </a:spcBef>
+                        <a:spcAft>
+                          <a:spcPts val="0"/>
+                        </a:spcAft>
+                        <a:defRPr/>
+                      </a:pPr>
+                      <a:r>
+                        <a:rPr lang="ru-RU" sz="2200" b="1">
+                          <a:latin typeface="Times New Roman"/>
+                          <a:ea typeface="Times New Roman"/>
+                          <a:cs typeface="Times New Roman"/>
+                        </a:rPr>
+                        <a:t>Tor</a:t>
+                      </a:r>
+                      <a:endParaRPr sz="2200" b="1">
+                        <a:latin typeface="Times New Roman"/>
+                        <a:cs typeface="Times New Roman"/>
+                      </a:endParaRPr>
+                    </a:p>
+                  </a:txBody>
+                  <a:tcPr vert="horz" anchor="ctr">
+                    <a:lnL w="28575" algn="ctr">
+                      <a:solidFill>
+                        <a:schemeClr val="tx1"/>
+                      </a:solidFill>
+                    </a:lnL>
+                    <a:lnR w="28575" algn="ctr">
+                      <a:solidFill>
+                        <a:schemeClr val="tx1"/>
+                      </a:solidFill>
+                    </a:lnR>
+                    <a:lnT w="28575" algn="ctr">
+                      <a:solidFill>
+                        <a:schemeClr val="tx1"/>
+                      </a:solidFill>
+                    </a:lnT>
+                    <a:lnB w="28575" algn="ctr">
+                      <a:solidFill>
+                        <a:schemeClr val="tx1"/>
+                      </a:solidFill>
+                    </a:lnB>
+                    <a:solidFill>
+                      <a:schemeClr val="tx1">
+                        <a:lumMod val="75000"/>
+                        <a:lumOff val="25000"/>
+                      </a:schemeClr>
+                    </a:solidFill>
+                  </a:tcPr>
+                </a:tc>
+                <a:tc>
+                  <a:txBody>
+                    <a:bodyPr/>
+                    <a:p>
+                      <a:pPr marL="0" marR="0" indent="0" algn="ctr">
+                        <a:spcBef>
+                          <a:spcPts val="0"/>
+                        </a:spcBef>
+                        <a:spcAft>
+                          <a:spcPts val="0"/>
+                        </a:spcAft>
+                        <a:defRPr/>
+                      </a:pPr>
+                      <a:r>
+                        <a:rPr lang="ru-RU" sz="2200" b="1">
+                          <a:latin typeface="Times New Roman"/>
+                          <a:ea typeface="Times New Roman"/>
+                          <a:cs typeface="Times New Roman"/>
+                        </a:rPr>
+                        <a:t>Mixminion</a:t>
+                      </a:r>
+                      <a:endParaRPr sz="2200" b="1">
+                        <a:latin typeface="Times New Roman"/>
+                        <a:cs typeface="Times New Roman"/>
+                      </a:endParaRPr>
+                    </a:p>
+                  </a:txBody>
+                  <a:tcPr vert="horz" anchor="ctr">
+                    <a:lnL w="28575" algn="ctr">
+                      <a:solidFill>
+                        <a:schemeClr val="tx1"/>
+                      </a:solidFill>
+                    </a:lnL>
+                    <a:lnR w="28575" algn="ctr">
+                      <a:solidFill>
+                        <a:schemeClr val="tx1"/>
+                      </a:solidFill>
+                    </a:lnR>
+                    <a:lnT w="28575" algn="ctr">
+                      <a:solidFill>
+                        <a:schemeClr val="tx1"/>
+                      </a:solidFill>
+                    </a:lnT>
+                    <a:lnB w="28575" algn="ctr">
+                      <a:solidFill>
+                        <a:schemeClr val="tx1"/>
+                      </a:solidFill>
+                    </a:lnB>
+                    <a:solidFill>
+                      <a:schemeClr val="tx1">
+                        <a:lumMod val="75000"/>
+                        <a:lumOff val="25000"/>
+                      </a:schemeClr>
+                    </a:solidFill>
+                  </a:tcPr>
+                </a:tc>
+                <a:tc>
+                  <a:txBody>
+                    <a:bodyPr/>
+                    <a:p>
+                      <a:pPr algn="ctr">
+                        <a:defRPr/>
+                      </a:pPr>
+                      <a:r>
+                        <a:rPr lang="ru-RU" sz="2200" b="1" i="0" u="none" strike="noStrike" cap="none" spc="0">
+                          <a:solidFill>
+                            <a:schemeClr val="lt1"/>
+                          </a:solidFill>
+                          <a:latin typeface="Times New Roman"/>
+                          <a:ea typeface="Times New Roman"/>
+                          <a:cs typeface="Times New Roman"/>
+                        </a:rPr>
+                        <a:t>Crowds</a:t>
+                      </a:r>
+                      <a:endParaRPr sz="2200" b="1">
+                        <a:latin typeface="Times New Roman"/>
+                        <a:ea typeface="Times New Roman"/>
+                        <a:cs typeface="Times New Roman"/>
+                      </a:endParaRPr>
+                    </a:p>
+                  </a:txBody>
+                  <a:tcPr vert="horz" anchor="ctr">
+                    <a:lnL w="28575" algn="ctr">
+                      <a:solidFill>
+                        <a:schemeClr val="tx1"/>
+                      </a:solidFill>
+                    </a:lnL>
+                    <a:lnR w="28575" algn="ctr">
+                      <a:solidFill>
+                        <a:schemeClr val="tx1"/>
+                      </a:solidFill>
+                    </a:lnR>
+                    <a:lnT w="28575" algn="ctr">
+                      <a:solidFill>
+                        <a:schemeClr val="tx1"/>
+                      </a:solidFill>
+                    </a:lnT>
+                    <a:lnB w="28575" algn="ctr">
+                      <a:solidFill>
+                        <a:schemeClr val="tx1"/>
+                      </a:solidFill>
+                    </a:lnB>
+                    <a:solidFill>
+                      <a:schemeClr val="tx1">
+                        <a:lumMod val="75000"/>
+                        <a:lumOff val="25000"/>
+                      </a:schemeClr>
+                    </a:solidFill>
+                  </a:tcPr>
+                </a:tc>
+              </a:tr>
+              <a:tr h="720659">
+                <a:tc>
+                  <a:txBody>
+                    <a:bodyPr/>
+                    <a:p>
+                      <a:pPr marL="0" marR="0" indent="0" algn="ctr">
+                        <a:spcBef>
+                          <a:spcPts val="0"/>
+                        </a:spcBef>
+                        <a:spcAft>
+                          <a:spcPts val="0"/>
+                        </a:spcAft>
+                        <a:defRPr/>
+                      </a:pPr>
+                      <a:r>
+                        <a:rPr sz="2200" b="1">
+                          <a:latin typeface="Times New Roman"/>
+                          <a:cs typeface="Times New Roman"/>
+                        </a:rPr>
+                        <a:t>Децентрализованная архитектура</a:t>
+                      </a:r>
+                      <a:endParaRPr sz="2200" b="1">
+                        <a:latin typeface="Times New Roman"/>
+                        <a:cs typeface="Times New Roman"/>
+                      </a:endParaRPr>
+                    </a:p>
+                  </a:txBody>
+                  <a:tcPr vert="horz" anchor="ctr">
+                    <a:lnL w="28575" algn="ctr">
+                      <a:solidFill>
+                        <a:schemeClr val="tx1"/>
+                      </a:solidFill>
+                    </a:lnL>
+                    <a:lnR w="28575" algn="ctr">
+                      <a:solidFill>
+                        <a:schemeClr val="tx1"/>
+                      </a:solidFill>
+                    </a:lnR>
+                    <a:lnT w="28575" algn="ctr">
+                      <a:solidFill>
+                        <a:schemeClr val="tx1"/>
+                      </a:solidFill>
+                    </a:lnT>
+                    <a:lnB w="28575" algn="ctr">
+                      <a:solidFill>
+                        <a:schemeClr val="tx1"/>
+                      </a:solidFill>
+                    </a:lnB>
+                    <a:solidFill>
+                      <a:schemeClr val="tx1">
+                        <a:lumMod val="75000"/>
+                        <a:lumOff val="25000"/>
+                      </a:schemeClr>
+                    </a:solidFill>
+                  </a:tcPr>
+                </a:tc>
+                <a:tc>
+                  <a:txBody>
+                    <a:bodyPr/>
+                    <a:p>
+                      <a:pPr marL="0" marR="0" indent="0" algn="ctr">
+                        <a:spcBef>
+                          <a:spcPts val="0"/>
+                        </a:spcBef>
+                        <a:spcAft>
+                          <a:spcPts val="0"/>
+                        </a:spcAft>
+                        <a:defRPr/>
+                      </a:pPr>
+                      <a:r>
+                        <a:rPr lang="ru-RU" sz="2800" b="1">
+                          <a:latin typeface="Times New Roman"/>
+                          <a:ea typeface="Times New Roman"/>
+                          <a:cs typeface="Times New Roman"/>
+                        </a:rPr>
+                        <a:t>+</a:t>
+                      </a:r>
+                      <a:endParaRPr sz="2800" b="1">
+                        <a:latin typeface="Times New Roman"/>
+                        <a:cs typeface="Times New Roman"/>
+                      </a:endParaRPr>
+                    </a:p>
+                  </a:txBody>
+                  <a:tcPr vert="horz" anchor="ctr">
+                    <a:lnL w="28575" algn="ctr">
+                      <a:solidFill>
+                        <a:schemeClr val="tx1"/>
+                      </a:solidFill>
+                    </a:lnL>
+                    <a:lnR w="28575" algn="ctr">
+                      <a:solidFill>
+                        <a:schemeClr val="tx1"/>
+                      </a:solidFill>
+                    </a:lnR>
+                    <a:lnT w="28575" algn="ctr">
+                      <a:solidFill>
+                        <a:schemeClr val="tx1"/>
+                      </a:solidFill>
+                    </a:lnT>
+                    <a:lnB w="28575" algn="ctr">
+                      <a:solidFill>
+                        <a:schemeClr val="tx1"/>
+                      </a:solidFill>
+                    </a:lnB>
+                    <a:solidFill>
+                      <a:schemeClr val="bg2"/>
+                    </a:solidFill>
+                  </a:tcPr>
+                </a:tc>
+                <a:tc>
+                  <a:txBody>
+                    <a:bodyPr/>
+                    <a:p>
+                      <a:pPr marL="0" marR="0" indent="0" algn="ctr">
+                        <a:spcBef>
+                          <a:spcPts val="0"/>
+                        </a:spcBef>
+                        <a:spcAft>
+                          <a:spcPts val="0"/>
+                        </a:spcAft>
+                        <a:defRPr/>
+                      </a:pPr>
+                      <a:r>
+                        <a:rPr lang="ru-RU" sz="2800" b="1">
+                          <a:latin typeface="Times New Roman"/>
+                          <a:ea typeface="Times New Roman"/>
+                          <a:cs typeface="Times New Roman"/>
+                        </a:rPr>
+                        <a:t>+</a:t>
+                      </a:r>
+                      <a:endParaRPr sz="2800" b="1">
+                        <a:latin typeface="Times New Roman"/>
+                        <a:cs typeface="Times New Roman"/>
+                      </a:endParaRPr>
+                    </a:p>
+                  </a:txBody>
+                  <a:tcPr vert="horz" anchor="ctr">
+                    <a:lnL w="28575" algn="ctr">
+                      <a:solidFill>
+                        <a:schemeClr val="tx1"/>
+                      </a:solidFill>
+                    </a:lnL>
+                    <a:lnR w="28575" algn="ctr">
+                      <a:solidFill>
+                        <a:schemeClr val="tx1"/>
+                      </a:solidFill>
+                    </a:lnR>
+                    <a:lnT w="28575" algn="ctr">
+                      <a:solidFill>
+                        <a:schemeClr val="tx1"/>
+                      </a:solidFill>
+                    </a:lnT>
+                    <a:lnB w="28575" algn="ctr">
+                      <a:solidFill>
+                        <a:schemeClr val="tx1"/>
+                      </a:solidFill>
+                    </a:lnB>
+                    <a:solidFill>
+                      <a:schemeClr val="bg1"/>
+                    </a:solidFill>
+                  </a:tcPr>
+                </a:tc>
+                <a:tc>
+                  <a:txBody>
+                    <a:bodyPr/>
+                    <a:p>
+                      <a:pPr marL="0" marR="0" indent="0" algn="ctr">
+                        <a:spcBef>
+                          <a:spcPts val="0"/>
+                        </a:spcBef>
+                        <a:spcAft>
+                          <a:spcPts val="0"/>
+                        </a:spcAft>
+                        <a:defRPr/>
+                      </a:pPr>
+                      <a:r>
+                        <a:rPr lang="ru-RU" sz="2800" b="1">
+                          <a:latin typeface="Times New Roman"/>
+                          <a:ea typeface="Times New Roman"/>
+                          <a:cs typeface="Times New Roman"/>
+                        </a:rPr>
+                        <a:t>+</a:t>
+                      </a:r>
+                      <a:endParaRPr sz="2800" b="1">
+                        <a:latin typeface="Times New Roman"/>
+                        <a:cs typeface="Times New Roman"/>
+                      </a:endParaRPr>
+                    </a:p>
+                  </a:txBody>
+                  <a:tcPr vert="horz" anchor="ctr">
+                    <a:lnL w="28575" algn="ctr">
+                      <a:solidFill>
+                        <a:schemeClr val="tx1"/>
+                      </a:solidFill>
+                    </a:lnL>
+                    <a:lnR w="28575" algn="ctr">
+                      <a:solidFill>
+                        <a:schemeClr val="tx1"/>
+                      </a:solidFill>
+                    </a:lnR>
+                    <a:lnT w="28575" algn="ctr">
+                      <a:solidFill>
+                        <a:schemeClr val="tx1"/>
+                      </a:solidFill>
+                    </a:lnT>
+                    <a:lnB w="28575" algn="ctr">
+                      <a:solidFill>
+                        <a:schemeClr val="tx1"/>
+                      </a:solidFill>
+                    </a:lnB>
+                    <a:solidFill>
+                      <a:schemeClr val="bg1"/>
+                    </a:solidFill>
+                  </a:tcPr>
+                </a:tc>
+                <a:tc>
+                  <a:txBody>
+                    <a:bodyPr/>
+                    <a:p>
+                      <a:pPr marL="0" marR="0" indent="0" algn="ctr">
+                        <a:spcBef>
+                          <a:spcPts val="0"/>
+                        </a:spcBef>
+                        <a:spcAft>
+                          <a:spcPts val="0"/>
+                        </a:spcAft>
+                        <a:defRPr/>
+                      </a:pPr>
+                      <a:r>
+                        <a:rPr lang="ru-RU" sz="2800" b="1">
+                          <a:latin typeface="Times New Roman"/>
+                          <a:ea typeface="Times New Roman"/>
+                          <a:cs typeface="Times New Roman"/>
+                        </a:rPr>
+                        <a:t>-</a:t>
+                      </a:r>
+                      <a:endParaRPr sz="2800" b="1">
+                        <a:latin typeface="Times New Roman"/>
+                        <a:cs typeface="Times New Roman"/>
+                      </a:endParaRPr>
+                    </a:p>
+                  </a:txBody>
+                  <a:tcPr vert="horz" anchor="ctr">
+                    <a:lnL w="28575" algn="ctr">
+                      <a:solidFill>
+                        <a:schemeClr val="tx1"/>
+                      </a:solidFill>
+                    </a:lnL>
+                    <a:lnR w="28575" algn="ctr">
+                      <a:solidFill>
+                        <a:schemeClr val="tx1"/>
+                      </a:solidFill>
+                    </a:lnR>
+                    <a:lnT w="28575" algn="ctr">
+                      <a:solidFill>
+                        <a:schemeClr val="tx1"/>
+                      </a:solidFill>
+                    </a:lnT>
+                    <a:lnB w="28575" algn="ctr">
+                      <a:solidFill>
+                        <a:schemeClr val="tx1"/>
+                      </a:solidFill>
+                    </a:lnB>
+                    <a:solidFill>
+                      <a:schemeClr val="bg1"/>
+                    </a:solidFill>
+                  </a:tcPr>
+                </a:tc>
+                <a:tc>
+                  <a:txBody>
+                    <a:bodyPr/>
+                    <a:p>
+                      <a:pPr marL="0" marR="0" indent="0" algn="ctr">
+                        <a:spcBef>
+                          <a:spcPts val="0"/>
+                        </a:spcBef>
+                        <a:spcAft>
+                          <a:spcPts val="0"/>
+                        </a:spcAft>
+                        <a:defRPr/>
+                      </a:pPr>
+                      <a:r>
+                        <a:rPr sz="2800" b="1">
+                          <a:latin typeface="Times New Roman"/>
+                          <a:ea typeface="Times New Roman"/>
+                          <a:cs typeface="Times New Roman"/>
+                        </a:rPr>
+                        <a:t>-</a:t>
+                      </a:r>
+                      <a:endParaRPr sz="2800" b="1">
+                        <a:latin typeface="Times New Roman"/>
+                        <a:cs typeface="Times New Roman"/>
+                      </a:endParaRPr>
+                    </a:p>
+                  </a:txBody>
+                  <a:tcPr vert="horz" anchor="ctr">
+                    <a:lnL w="28575" algn="ctr">
+                      <a:solidFill>
+                        <a:schemeClr val="tx1"/>
+                      </a:solidFill>
+                    </a:lnL>
+                    <a:lnR w="28575" algn="ctr">
+                      <a:solidFill>
+                        <a:schemeClr val="tx1"/>
+                      </a:solidFill>
+                    </a:lnR>
+                    <a:lnT w="28575" algn="ctr">
+                      <a:solidFill>
+                        <a:schemeClr val="tx1"/>
+                      </a:solidFill>
+                    </a:lnT>
+                    <a:lnB w="28575" algn="ctr">
+                      <a:solidFill>
+                        <a:schemeClr val="tx1"/>
+                      </a:solidFill>
+                    </a:lnB>
+                    <a:solidFill>
+                      <a:schemeClr val="bg1"/>
+                    </a:solidFill>
+                  </a:tcPr>
+                </a:tc>
+                <a:tc>
+                  <a:txBody>
+                    <a:bodyPr/>
+                    <a:p>
+                      <a:pPr algn="ctr">
+                        <a:defRPr/>
+                      </a:pPr>
+                      <a:r>
+                        <a:rPr lang="ru-RU" sz="2800" b="1" i="0" u="none" strike="noStrike" cap="none" spc="0">
+                          <a:solidFill>
+                            <a:schemeClr val="dk1"/>
+                          </a:solidFill>
+                          <a:latin typeface="Times New Roman"/>
+                          <a:ea typeface="Times New Roman"/>
+                          <a:cs typeface="Times New Roman"/>
+                        </a:rPr>
+                        <a:t>+</a:t>
+                      </a:r>
+                      <a:endParaRPr sz="2800" b="1">
+                        <a:latin typeface="Times New Roman"/>
+                        <a:cs typeface="Times New Roman"/>
+                      </a:endParaRPr>
+                    </a:p>
+                  </a:txBody>
+                  <a:tcPr vert="horz" anchor="ctr">
+                    <a:lnL w="28575" algn="ctr">
+                      <a:solidFill>
+                        <a:schemeClr val="tx1"/>
+                      </a:solidFill>
+                    </a:lnL>
+                    <a:lnR w="28575" algn="ctr">
+                      <a:solidFill>
+                        <a:schemeClr val="tx1"/>
+                      </a:solidFill>
+                    </a:lnR>
+                    <a:lnT w="28575" algn="ctr">
+                      <a:solidFill>
+                        <a:schemeClr val="tx1"/>
+                      </a:solidFill>
+                    </a:lnT>
+                    <a:lnB w="28575" algn="ctr">
+                      <a:solidFill>
+                        <a:schemeClr val="tx1"/>
+                      </a:solidFill>
+                    </a:lnB>
+                    <a:solidFill>
+                      <a:schemeClr val="bg1"/>
+                    </a:solidFill>
+                  </a:tcPr>
+                </a:tc>
+              </a:tr>
+              <a:tr h="498383">
+                <a:tc>
+                  <a:txBody>
+                    <a:bodyPr/>
+                    <a:p>
+                      <a:pPr marL="0" marR="0" indent="0" algn="ctr">
+                        <a:spcBef>
+                          <a:spcPts val="0"/>
+                        </a:spcBef>
+                        <a:spcAft>
+                          <a:spcPts val="0"/>
+                        </a:spcAft>
+                        <a:defRPr/>
+                      </a:pPr>
+                      <a:r>
+                        <a:rPr lang="ru-RU" sz="2200" b="1">
+                          <a:latin typeface="Times New Roman"/>
+                          <a:ea typeface="Times New Roman"/>
+                          <a:cs typeface="Times New Roman"/>
+                        </a:rPr>
+                        <a:t>Сервисная API реализация</a:t>
+                      </a:r>
+                      <a:endParaRPr sz="2200" b="1">
+                        <a:latin typeface="Times New Roman"/>
+                        <a:cs typeface="Times New Roman"/>
+                      </a:endParaRPr>
+                    </a:p>
+                  </a:txBody>
+                  <a:tcPr vert="horz" anchor="ctr">
+                    <a:lnL w="28575" algn="ctr">
+                      <a:solidFill>
+                        <a:schemeClr val="tx1"/>
+                      </a:solidFill>
+                    </a:lnL>
+                    <a:lnR w="28575" algn="ctr">
+                      <a:solidFill>
+                        <a:schemeClr val="tx1"/>
+                      </a:solidFill>
+                    </a:lnR>
+                    <a:lnT w="28575" algn="ctr">
+                      <a:solidFill>
+                        <a:schemeClr val="tx1"/>
+                      </a:solidFill>
+                    </a:lnT>
+                    <a:lnB w="28575" algn="ctr">
+                      <a:solidFill>
+                        <a:schemeClr val="tx1"/>
+                      </a:solidFill>
+                    </a:lnB>
+                    <a:solidFill>
+                      <a:schemeClr val="tx1">
+                        <a:lumMod val="75000"/>
+                        <a:lumOff val="25000"/>
+                      </a:schemeClr>
+                    </a:solidFill>
+                  </a:tcPr>
+                </a:tc>
+                <a:tc>
+                  <a:txBody>
+                    <a:bodyPr/>
+                    <a:p>
+                      <a:pPr marL="0" marR="0" indent="0" algn="ctr">
+                        <a:spcBef>
+                          <a:spcPts val="0"/>
+                        </a:spcBef>
+                        <a:spcAft>
+                          <a:spcPts val="0"/>
+                        </a:spcAft>
+                        <a:defRPr/>
+                      </a:pPr>
+                      <a:r>
+                        <a:rPr lang="ru-RU" sz="2800" b="1">
+                          <a:latin typeface="Times New Roman"/>
+                          <a:ea typeface="Times New Roman"/>
+                          <a:cs typeface="Times New Roman"/>
+                        </a:rPr>
+                        <a:t>+</a:t>
+                      </a:r>
+                      <a:endParaRPr sz="2800" b="1">
+                        <a:latin typeface="Times New Roman"/>
+                        <a:cs typeface="Times New Roman"/>
+                      </a:endParaRPr>
+                    </a:p>
+                  </a:txBody>
+                  <a:tcPr vert="horz" anchor="ctr">
+                    <a:lnL w="28575" algn="ctr">
+                      <a:solidFill>
+                        <a:schemeClr val="tx1"/>
+                      </a:solidFill>
+                    </a:lnL>
+                    <a:lnR w="28575" algn="ctr">
+                      <a:solidFill>
+                        <a:schemeClr val="tx1"/>
+                      </a:solidFill>
+                    </a:lnR>
+                    <a:lnT w="28575" algn="ctr">
+                      <a:solidFill>
+                        <a:schemeClr val="tx1"/>
+                      </a:solidFill>
+                    </a:lnT>
+                    <a:lnB w="28575" algn="ctr">
+                      <a:solidFill>
+                        <a:schemeClr val="tx1"/>
+                      </a:solidFill>
+                    </a:lnB>
+                    <a:solidFill>
+                      <a:schemeClr val="bg2"/>
+                    </a:solidFill>
+                  </a:tcPr>
+                </a:tc>
+                <a:tc>
+                  <a:txBody>
+                    <a:bodyPr/>
+                    <a:p>
+                      <a:pPr marL="0" marR="0" indent="0" algn="ctr">
+                        <a:spcBef>
+                          <a:spcPts val="0"/>
+                        </a:spcBef>
+                        <a:spcAft>
+                          <a:spcPts val="0"/>
+                        </a:spcAft>
+                        <a:defRPr/>
+                      </a:pPr>
+                      <a:r>
+                        <a:rPr lang="ru-RU" sz="2800" b="1">
+                          <a:latin typeface="Times New Roman"/>
+                          <a:ea typeface="Times New Roman"/>
+                          <a:cs typeface="Times New Roman"/>
+                        </a:rPr>
+                        <a:t>-</a:t>
+                      </a:r>
+                      <a:endParaRPr sz="2800" b="1">
+                        <a:latin typeface="Times New Roman"/>
+                        <a:cs typeface="Times New Roman"/>
+                      </a:endParaRPr>
+                    </a:p>
+                  </a:txBody>
+                  <a:tcPr vert="horz" anchor="ctr">
+                    <a:lnL w="28575" algn="ctr">
+                      <a:solidFill>
+                        <a:schemeClr val="tx1"/>
+                      </a:solidFill>
+                    </a:lnL>
+                    <a:lnR w="28575" algn="ctr">
+                      <a:solidFill>
+                        <a:schemeClr val="tx1"/>
+                      </a:solidFill>
+                    </a:lnR>
+                    <a:lnT w="28575" algn="ctr">
+                      <a:solidFill>
+                        <a:schemeClr val="tx1"/>
+                      </a:solidFill>
+                    </a:lnT>
+                    <a:lnB w="28575" algn="ctr">
+                      <a:solidFill>
+                        <a:schemeClr val="tx1"/>
+                      </a:solidFill>
+                    </a:lnB>
+                    <a:solidFill>
+                      <a:schemeClr val="bg1"/>
+                    </a:solidFill>
+                  </a:tcPr>
+                </a:tc>
+                <a:tc>
+                  <a:txBody>
+                    <a:bodyPr/>
+                    <a:p>
+                      <a:pPr marL="0" marR="0" indent="0" algn="ctr">
+                        <a:spcBef>
+                          <a:spcPts val="0"/>
+                        </a:spcBef>
+                        <a:spcAft>
+                          <a:spcPts val="0"/>
+                        </a:spcAft>
+                        <a:defRPr/>
+                      </a:pPr>
+                      <a:r>
+                        <a:rPr lang="ru-RU" sz="2800" b="1">
+                          <a:latin typeface="Times New Roman"/>
+                          <a:ea typeface="Times New Roman"/>
+                          <a:cs typeface="Times New Roman"/>
+                        </a:rPr>
+                        <a:t>+</a:t>
+                      </a:r>
+                      <a:endParaRPr sz="2800" b="1">
+                        <a:latin typeface="Times New Roman"/>
+                        <a:cs typeface="Times New Roman"/>
+                      </a:endParaRPr>
+                    </a:p>
+                  </a:txBody>
+                  <a:tcPr vert="horz" anchor="ctr">
+                    <a:lnL w="28575" algn="ctr">
+                      <a:solidFill>
+                        <a:schemeClr val="tx1"/>
+                      </a:solidFill>
+                    </a:lnL>
+                    <a:lnR w="28575" algn="ctr">
+                      <a:solidFill>
+                        <a:schemeClr val="tx1"/>
+                      </a:solidFill>
+                    </a:lnR>
+                    <a:lnT w="28575" algn="ctr">
+                      <a:solidFill>
+                        <a:schemeClr val="tx1"/>
+                      </a:solidFill>
+                    </a:lnT>
+                    <a:lnB w="28575" algn="ctr">
+                      <a:solidFill>
+                        <a:schemeClr val="tx1"/>
+                      </a:solidFill>
+                    </a:lnB>
+                    <a:solidFill>
+                      <a:schemeClr val="bg1"/>
+                    </a:solidFill>
+                  </a:tcPr>
+                </a:tc>
+                <a:tc>
+                  <a:txBody>
+                    <a:bodyPr/>
+                    <a:p>
+                      <a:pPr marL="0" marR="0" indent="0" algn="ctr">
+                        <a:spcBef>
+                          <a:spcPts val="0"/>
+                        </a:spcBef>
+                        <a:spcAft>
+                          <a:spcPts val="0"/>
+                        </a:spcAft>
+                        <a:defRPr/>
+                      </a:pPr>
+                      <a:r>
+                        <a:rPr lang="ru-RU" sz="2800" b="1">
+                          <a:latin typeface="Times New Roman"/>
+                          <a:ea typeface="Times New Roman"/>
+                          <a:cs typeface="Times New Roman"/>
+                        </a:rPr>
+                        <a:t>+</a:t>
+                      </a:r>
+                      <a:endParaRPr sz="2800" b="1">
+                        <a:latin typeface="Times New Roman"/>
+                        <a:cs typeface="Times New Roman"/>
+                      </a:endParaRPr>
+                    </a:p>
+                  </a:txBody>
+                  <a:tcPr vert="horz" anchor="ctr">
+                    <a:lnL w="28575" algn="ctr">
+                      <a:solidFill>
+                        <a:schemeClr val="tx1"/>
+                      </a:solidFill>
+                    </a:lnL>
+                    <a:lnR w="28575" algn="ctr">
+                      <a:solidFill>
+                        <a:schemeClr val="tx1"/>
+                      </a:solidFill>
+                    </a:lnR>
+                    <a:lnT w="28575" algn="ctr">
+                      <a:solidFill>
+                        <a:schemeClr val="tx1"/>
+                      </a:solidFill>
+                    </a:lnT>
+                    <a:lnB w="28575" algn="ctr">
+                      <a:solidFill>
+                        <a:schemeClr val="tx1"/>
+                      </a:solidFill>
+                    </a:lnB>
+                    <a:solidFill>
+                      <a:schemeClr val="bg1"/>
+                    </a:solidFill>
+                  </a:tcPr>
+                </a:tc>
+                <a:tc>
+                  <a:txBody>
+                    <a:bodyPr/>
+                    <a:p>
+                      <a:pPr marL="0" marR="0" indent="0" algn="ctr">
+                        <a:spcBef>
+                          <a:spcPts val="0"/>
+                        </a:spcBef>
+                        <a:spcAft>
+                          <a:spcPts val="0"/>
+                        </a:spcAft>
+                        <a:defRPr/>
+                      </a:pPr>
+                      <a:r>
+                        <a:rPr lang="ru-RU" sz="2800" b="1">
+                          <a:latin typeface="Times New Roman"/>
+                          <a:ea typeface="Times New Roman"/>
+                          <a:cs typeface="Times New Roman"/>
+                        </a:rPr>
+                        <a:t>-</a:t>
+                      </a:r>
+                      <a:endParaRPr sz="2800" b="1">
+                        <a:latin typeface="Times New Roman"/>
+                        <a:cs typeface="Times New Roman"/>
+                      </a:endParaRPr>
+                    </a:p>
+                  </a:txBody>
+                  <a:tcPr vert="horz" anchor="ctr">
+                    <a:lnL w="28575" algn="ctr">
+                      <a:solidFill>
+                        <a:schemeClr val="tx1"/>
+                      </a:solidFill>
+                    </a:lnL>
+                    <a:lnR w="28575" algn="ctr">
+                      <a:solidFill>
+                        <a:schemeClr val="tx1"/>
+                      </a:solidFill>
+                    </a:lnR>
+                    <a:lnT w="28575" algn="ctr">
+                      <a:solidFill>
+                        <a:schemeClr val="tx1"/>
+                      </a:solidFill>
+                    </a:lnT>
+                    <a:lnB w="28575" algn="ctr">
+                      <a:solidFill>
+                        <a:schemeClr val="tx1"/>
+                      </a:solidFill>
+                    </a:lnB>
+                    <a:solidFill>
+                      <a:schemeClr val="bg1"/>
+                    </a:solidFill>
+                  </a:tcPr>
+                </a:tc>
+                <a:tc>
+                  <a:txBody>
+                    <a:bodyPr/>
+                    <a:p>
+                      <a:pPr algn="ctr">
+                        <a:defRPr/>
+                      </a:pPr>
+                      <a:r>
+                        <a:rPr lang="ru-RU" sz="2800" b="1" i="0" u="none" strike="noStrike" cap="none" spc="0">
+                          <a:solidFill>
+                            <a:schemeClr val="dk1"/>
+                          </a:solidFill>
+                          <a:latin typeface="Times New Roman"/>
+                          <a:ea typeface="Times New Roman"/>
+                          <a:cs typeface="Times New Roman"/>
+                        </a:rPr>
+                        <a:t>-</a:t>
+                      </a:r>
+                      <a:endParaRPr sz="2800" b="1">
+                        <a:latin typeface="Times New Roman"/>
+                        <a:cs typeface="Times New Roman"/>
+                      </a:endParaRPr>
+                    </a:p>
+                  </a:txBody>
+                  <a:tcPr vert="horz" anchor="ctr">
+                    <a:lnL w="28575" algn="ctr">
+                      <a:solidFill>
+                        <a:schemeClr val="tx1"/>
+                      </a:solidFill>
+                    </a:lnL>
+                    <a:lnR w="28575" algn="ctr">
+                      <a:solidFill>
+                        <a:schemeClr val="tx1"/>
+                      </a:solidFill>
+                    </a:lnR>
+                    <a:lnT w="28575" algn="ctr">
+                      <a:solidFill>
+                        <a:schemeClr val="tx1"/>
+                      </a:solidFill>
+                    </a:lnT>
+                    <a:lnB w="28575" algn="ctr">
+                      <a:solidFill>
+                        <a:schemeClr val="tx1"/>
+                      </a:solidFill>
+                    </a:lnB>
+                    <a:solidFill>
+                      <a:schemeClr val="bg1"/>
+                    </a:solidFill>
+                  </a:tcPr>
+                </a:tc>
+              </a:tr>
+              <a:tr h="498383">
+                <a:tc>
+                  <a:txBody>
+                    <a:bodyPr/>
+                    <a:p>
+                      <a:pPr marL="0" marR="0" indent="0" algn="ctr">
+                        <a:spcBef>
+                          <a:spcPts val="0"/>
+                        </a:spcBef>
+                        <a:spcAft>
+                          <a:spcPts val="0"/>
+                        </a:spcAft>
+                        <a:defRPr/>
+                      </a:pPr>
+                      <a:r>
+                        <a:rPr lang="ru-RU" sz="2200" b="1">
+                          <a:latin typeface="Times New Roman"/>
+                          <a:ea typeface="Times New Roman"/>
+                          <a:cs typeface="Times New Roman"/>
+                        </a:rPr>
+                        <a:t>Задержка в передаче данных</a:t>
+                      </a:r>
+                      <a:endParaRPr sz="2200" b="1">
+                        <a:latin typeface="Times New Roman"/>
+                        <a:cs typeface="Times New Roman"/>
+                      </a:endParaRPr>
+                    </a:p>
+                  </a:txBody>
+                  <a:tcPr vert="horz" anchor="ctr">
+                    <a:lnL w="28575" algn="ctr">
+                      <a:solidFill>
+                        <a:schemeClr val="tx1"/>
+                      </a:solidFill>
+                    </a:lnL>
+                    <a:lnR w="28575" algn="ctr">
+                      <a:solidFill>
+                        <a:schemeClr val="tx1"/>
+                      </a:solidFill>
+                    </a:lnR>
+                    <a:lnT w="28575" algn="ctr">
+                      <a:solidFill>
+                        <a:schemeClr val="tx1"/>
+                      </a:solidFill>
+                    </a:lnT>
+                    <a:lnB w="28575" algn="ctr">
+                      <a:solidFill>
+                        <a:schemeClr val="tx1"/>
+                      </a:solidFill>
+                    </a:lnB>
+                    <a:solidFill>
+                      <a:schemeClr val="tx1">
+                        <a:lumMod val="75000"/>
+                        <a:lumOff val="25000"/>
+                      </a:schemeClr>
+                    </a:solidFill>
+                  </a:tcPr>
+                </a:tc>
+                <a:tc>
+                  <a:txBody>
+                    <a:bodyPr/>
+                    <a:p>
+                      <a:pPr marL="0" marR="0" indent="0" algn="ctr">
+                        <a:spcBef>
+                          <a:spcPts val="0"/>
+                        </a:spcBef>
+                        <a:spcAft>
+                          <a:spcPts val="0"/>
+                        </a:spcAft>
+                        <a:defRPr/>
+                      </a:pPr>
+                      <a:r>
+                        <a:rPr lang="ru-RU" sz="2800" b="1">
+                          <a:latin typeface="Times New Roman"/>
+                          <a:ea typeface="Times New Roman"/>
+                          <a:cs typeface="Times New Roman"/>
+                        </a:rPr>
+                        <a:t>+</a:t>
+                      </a:r>
+                      <a:endParaRPr sz="2800" b="1">
+                        <a:latin typeface="Times New Roman"/>
+                        <a:cs typeface="Times New Roman"/>
+                      </a:endParaRPr>
+                    </a:p>
+                  </a:txBody>
+                  <a:tcPr vert="horz" anchor="ctr">
+                    <a:lnL w="28575" algn="ctr">
+                      <a:solidFill>
+                        <a:schemeClr val="tx1"/>
+                      </a:solidFill>
+                    </a:lnL>
+                    <a:lnR w="28575" algn="ctr">
+                      <a:solidFill>
+                        <a:schemeClr val="tx1"/>
+                      </a:solidFill>
+                    </a:lnR>
+                    <a:lnT w="28575" algn="ctr">
+                      <a:solidFill>
+                        <a:schemeClr val="tx1"/>
+                      </a:solidFill>
+                    </a:lnT>
+                    <a:lnB w="28575" algn="ctr">
+                      <a:solidFill>
+                        <a:schemeClr val="tx1"/>
+                      </a:solidFill>
+                    </a:lnB>
+                    <a:solidFill>
+                      <a:schemeClr val="bg2"/>
+                    </a:solidFill>
+                  </a:tcPr>
+                </a:tc>
+                <a:tc>
+                  <a:txBody>
+                    <a:bodyPr/>
+                    <a:p>
+                      <a:pPr marL="0" marR="0" indent="0" algn="ctr">
+                        <a:spcBef>
+                          <a:spcPts val="0"/>
+                        </a:spcBef>
+                        <a:spcAft>
+                          <a:spcPts val="0"/>
+                        </a:spcAft>
+                        <a:defRPr/>
+                      </a:pPr>
+                      <a:r>
+                        <a:rPr lang="ru-RU" sz="2800" b="1">
+                          <a:latin typeface="Times New Roman"/>
+                          <a:ea typeface="Times New Roman"/>
+                          <a:cs typeface="Times New Roman"/>
+                        </a:rPr>
+                        <a:t>+</a:t>
+                      </a:r>
+                      <a:endParaRPr sz="2800" b="1">
+                        <a:latin typeface="Times New Roman"/>
+                        <a:cs typeface="Times New Roman"/>
+                      </a:endParaRPr>
+                    </a:p>
+                  </a:txBody>
+                  <a:tcPr vert="horz" anchor="ctr">
+                    <a:lnL w="28575" algn="ctr">
+                      <a:solidFill>
+                        <a:schemeClr val="tx1"/>
+                      </a:solidFill>
+                    </a:lnL>
+                    <a:lnR w="28575" algn="ctr">
+                      <a:solidFill>
+                        <a:schemeClr val="tx1"/>
+                      </a:solidFill>
+                    </a:lnR>
+                    <a:lnT w="28575" algn="ctr">
+                      <a:solidFill>
+                        <a:schemeClr val="tx1"/>
+                      </a:solidFill>
+                    </a:lnT>
+                    <a:lnB w="28575" algn="ctr">
+                      <a:solidFill>
+                        <a:schemeClr val="tx1"/>
+                      </a:solidFill>
+                    </a:lnB>
+                    <a:solidFill>
+                      <a:schemeClr val="bg1"/>
+                    </a:solidFill>
+                  </a:tcPr>
+                </a:tc>
+                <a:tc>
+                  <a:txBody>
+                    <a:bodyPr/>
+                    <a:p>
+                      <a:pPr marL="0" marR="0" indent="0" algn="ctr">
+                        <a:spcBef>
+                          <a:spcPts val="0"/>
+                        </a:spcBef>
+                        <a:spcAft>
+                          <a:spcPts val="0"/>
+                        </a:spcAft>
+                        <a:defRPr/>
+                      </a:pPr>
+                      <a:r>
+                        <a:rPr lang="ru-RU" sz="2800" b="1">
+                          <a:latin typeface="Times New Roman"/>
+                          <a:ea typeface="Times New Roman"/>
+                          <a:cs typeface="Times New Roman"/>
+                        </a:rPr>
+                        <a:t>-</a:t>
+                      </a:r>
+                      <a:endParaRPr sz="2800" b="1">
+                        <a:latin typeface="Times New Roman"/>
+                        <a:cs typeface="Times New Roman"/>
+                      </a:endParaRPr>
+                    </a:p>
+                  </a:txBody>
+                  <a:tcPr vert="horz" anchor="ctr">
+                    <a:lnL w="28575" algn="ctr">
+                      <a:solidFill>
+                        <a:schemeClr val="tx1"/>
+                      </a:solidFill>
+                    </a:lnL>
+                    <a:lnR w="28575" algn="ctr">
+                      <a:solidFill>
+                        <a:schemeClr val="tx1"/>
+                      </a:solidFill>
+                    </a:lnR>
+                    <a:lnT w="28575" algn="ctr">
+                      <a:solidFill>
+                        <a:schemeClr val="tx1"/>
+                      </a:solidFill>
+                    </a:lnT>
+                    <a:lnB w="28575" algn="ctr">
+                      <a:solidFill>
+                        <a:schemeClr val="tx1"/>
+                      </a:solidFill>
+                    </a:lnB>
+                    <a:solidFill>
+                      <a:schemeClr val="bg1"/>
+                    </a:solidFill>
+                  </a:tcPr>
+                </a:tc>
+                <a:tc>
+                  <a:txBody>
+                    <a:bodyPr/>
+                    <a:p>
+                      <a:pPr marL="0" marR="0" indent="0" algn="ctr">
+                        <a:spcBef>
+                          <a:spcPts val="0"/>
+                        </a:spcBef>
+                        <a:spcAft>
+                          <a:spcPts val="0"/>
+                        </a:spcAft>
+                        <a:defRPr/>
+                      </a:pPr>
+                      <a:r>
+                        <a:rPr lang="ru-RU" sz="2800" b="1">
+                          <a:latin typeface="Times New Roman"/>
+                          <a:ea typeface="Times New Roman"/>
+                          <a:cs typeface="Times New Roman"/>
+                        </a:rPr>
+                        <a:t>-</a:t>
+                      </a:r>
+                      <a:endParaRPr sz="2800" b="1">
+                        <a:latin typeface="Times New Roman"/>
+                        <a:cs typeface="Times New Roman"/>
+                      </a:endParaRPr>
+                    </a:p>
+                  </a:txBody>
+                  <a:tcPr vert="horz" anchor="ctr">
+                    <a:lnL w="28575" algn="ctr">
+                      <a:solidFill>
+                        <a:schemeClr val="tx1"/>
+                      </a:solidFill>
+                    </a:lnL>
+                    <a:lnR w="28575" algn="ctr">
+                      <a:solidFill>
+                        <a:schemeClr val="tx1"/>
+                      </a:solidFill>
+                    </a:lnR>
+                    <a:lnT w="28575" algn="ctr">
+                      <a:solidFill>
+                        <a:schemeClr val="tx1"/>
+                      </a:solidFill>
+                    </a:lnT>
+                    <a:lnB w="28575" algn="ctr">
+                      <a:solidFill>
+                        <a:schemeClr val="tx1"/>
+                      </a:solidFill>
+                    </a:lnB>
+                    <a:solidFill>
+                      <a:schemeClr val="bg1"/>
+                    </a:solidFill>
+                  </a:tcPr>
+                </a:tc>
+                <a:tc>
+                  <a:txBody>
+                    <a:bodyPr/>
+                    <a:p>
+                      <a:pPr marL="0" marR="0" indent="0" algn="ctr">
+                        <a:spcBef>
+                          <a:spcPts val="0"/>
+                        </a:spcBef>
+                        <a:spcAft>
+                          <a:spcPts val="0"/>
+                        </a:spcAft>
+                        <a:defRPr/>
+                      </a:pPr>
+                      <a:r>
+                        <a:rPr lang="ru-RU" sz="2800" b="1">
+                          <a:latin typeface="Times New Roman"/>
+                          <a:ea typeface="Times New Roman"/>
+                          <a:cs typeface="Times New Roman"/>
+                        </a:rPr>
+                        <a:t>+</a:t>
+                      </a:r>
+                      <a:endParaRPr sz="2800" b="1">
+                        <a:latin typeface="Times New Roman"/>
+                        <a:cs typeface="Times New Roman"/>
+                      </a:endParaRPr>
+                    </a:p>
+                  </a:txBody>
+                  <a:tcPr vert="horz" anchor="ctr">
+                    <a:lnL w="28575" algn="ctr">
+                      <a:solidFill>
+                        <a:schemeClr val="tx1"/>
+                      </a:solidFill>
+                    </a:lnL>
+                    <a:lnR w="28575" algn="ctr">
+                      <a:solidFill>
+                        <a:schemeClr val="tx1"/>
+                      </a:solidFill>
+                    </a:lnR>
+                    <a:lnT w="28575" algn="ctr">
+                      <a:solidFill>
+                        <a:schemeClr val="tx1"/>
+                      </a:solidFill>
+                    </a:lnT>
+                    <a:lnB w="28575" algn="ctr">
+                      <a:solidFill>
+                        <a:schemeClr val="tx1"/>
+                      </a:solidFill>
+                    </a:lnB>
+                    <a:solidFill>
+                      <a:schemeClr val="bg1"/>
+                    </a:solidFill>
+                  </a:tcPr>
+                </a:tc>
+                <a:tc>
+                  <a:txBody>
+                    <a:bodyPr/>
+                    <a:p>
+                      <a:pPr algn="ctr">
+                        <a:defRPr/>
+                      </a:pPr>
+                      <a:r>
+                        <a:rPr lang="ru-RU" sz="2800" b="1" i="0" u="none" strike="noStrike" cap="none" spc="0">
+                          <a:solidFill>
+                            <a:schemeClr val="dk1"/>
+                          </a:solidFill>
+                          <a:latin typeface="Times New Roman"/>
+                          <a:ea typeface="Times New Roman"/>
+                          <a:cs typeface="Times New Roman"/>
+                        </a:rPr>
+                        <a:t>-</a:t>
+                      </a:r>
+                      <a:endParaRPr sz="2800" b="1">
+                        <a:latin typeface="Times New Roman"/>
+                        <a:cs typeface="Times New Roman"/>
+                      </a:endParaRPr>
+                    </a:p>
+                  </a:txBody>
+                  <a:tcPr vert="horz" anchor="ctr">
+                    <a:lnL w="28575" algn="ctr">
+                      <a:solidFill>
+                        <a:schemeClr val="tx1"/>
+                      </a:solidFill>
+                    </a:lnL>
+                    <a:lnR w="28575" algn="ctr">
+                      <a:solidFill>
+                        <a:schemeClr val="tx1"/>
+                      </a:solidFill>
+                    </a:lnR>
+                    <a:lnT w="28575" algn="ctr">
+                      <a:solidFill>
+                        <a:schemeClr val="tx1"/>
+                      </a:solidFill>
+                    </a:lnT>
+                    <a:lnB w="28575" algn="ctr">
+                      <a:solidFill>
+                        <a:schemeClr val="tx1"/>
+                      </a:solidFill>
+                    </a:lnB>
+                    <a:solidFill>
+                      <a:schemeClr val="bg1"/>
+                    </a:solidFill>
+                  </a:tcPr>
+                </a:tc>
+              </a:tr>
+              <a:tr h="498383">
+                <a:tc>
+                  <a:txBody>
+                    <a:bodyPr/>
+                    <a:p>
+                      <a:pPr marL="0" marR="0" indent="0" algn="ctr">
+                        <a:spcBef>
+                          <a:spcPts val="0"/>
+                        </a:spcBef>
+                        <a:spcAft>
+                          <a:spcPts val="0"/>
+                        </a:spcAft>
+                        <a:defRPr/>
+                      </a:pPr>
+                      <a:r>
+                        <a:rPr lang="ru-RU" sz="2200" b="1">
+                          <a:latin typeface="Times New Roman"/>
+                          <a:ea typeface="Times New Roman"/>
+                          <a:cs typeface="Times New Roman"/>
+                        </a:rPr>
+                        <a:t>Закрытая архитектура сети</a:t>
+                      </a:r>
+                      <a:endParaRPr sz="2200" b="1">
+                        <a:latin typeface="Times New Roman"/>
+                        <a:ea typeface="Times New Roman"/>
+                        <a:cs typeface="Times New Roman"/>
+                      </a:endParaRPr>
+                    </a:p>
+                  </a:txBody>
+                  <a:tcPr vert="horz" anchor="ctr">
+                    <a:lnL w="28575" algn="ctr">
+                      <a:solidFill>
+                        <a:schemeClr val="tx1"/>
+                      </a:solidFill>
+                    </a:lnL>
+                    <a:lnR w="28575" algn="ctr">
+                      <a:solidFill>
+                        <a:schemeClr val="tx1"/>
+                      </a:solidFill>
+                    </a:lnR>
+                    <a:lnT w="28575" algn="ctr">
+                      <a:solidFill>
+                        <a:schemeClr val="tx1"/>
+                      </a:solidFill>
+                    </a:lnT>
+                    <a:lnB w="28575" algn="ctr">
+                      <a:solidFill>
+                        <a:schemeClr val="tx1"/>
+                      </a:solidFill>
+                    </a:lnB>
+                    <a:solidFill>
+                      <a:schemeClr val="tx1">
+                        <a:lumMod val="75000"/>
+                        <a:lumOff val="25000"/>
+                      </a:schemeClr>
+                    </a:solidFill>
+                  </a:tcPr>
+                </a:tc>
+                <a:tc>
+                  <a:txBody>
+                    <a:bodyPr/>
+                    <a:p>
+                      <a:pPr marL="0" marR="0" indent="0" algn="ctr">
+                        <a:spcBef>
+                          <a:spcPts val="0"/>
+                        </a:spcBef>
+                        <a:spcAft>
+                          <a:spcPts val="0"/>
+                        </a:spcAft>
+                        <a:defRPr/>
+                      </a:pPr>
+                      <a:r>
+                        <a:rPr lang="ru-RU" sz="2800" b="1">
+                          <a:latin typeface="Times New Roman"/>
+                          <a:ea typeface="Times New Roman"/>
+                          <a:cs typeface="Times New Roman"/>
+                        </a:rPr>
+                        <a:t>+</a:t>
+                      </a:r>
+                      <a:endParaRPr sz="2800" b="1">
+                        <a:latin typeface="Times New Roman"/>
+                        <a:cs typeface="Times New Roman"/>
+                      </a:endParaRPr>
+                    </a:p>
+                  </a:txBody>
+                  <a:tcPr vert="horz" anchor="ctr">
+                    <a:lnL w="28575" algn="ctr">
+                      <a:solidFill>
+                        <a:schemeClr val="tx1"/>
+                      </a:solidFill>
+                    </a:lnL>
+                    <a:lnR w="28575" algn="ctr">
+                      <a:solidFill>
+                        <a:schemeClr val="tx1"/>
+                      </a:solidFill>
+                    </a:lnR>
+                    <a:lnT w="28575" algn="ctr">
+                      <a:solidFill>
+                        <a:schemeClr val="tx1"/>
+                      </a:solidFill>
+                    </a:lnT>
+                    <a:lnB w="28575" algn="ctr">
+                      <a:solidFill>
+                        <a:schemeClr val="tx1"/>
+                      </a:solidFill>
+                    </a:lnB>
+                    <a:solidFill>
+                      <a:schemeClr val="bg2"/>
+                    </a:solidFill>
+                  </a:tcPr>
+                </a:tc>
+                <a:tc>
+                  <a:txBody>
+                    <a:bodyPr/>
+                    <a:p>
+                      <a:pPr marL="0" marR="0" indent="0" algn="ctr">
+                        <a:spcBef>
+                          <a:spcPts val="0"/>
+                        </a:spcBef>
+                        <a:spcAft>
+                          <a:spcPts val="0"/>
+                        </a:spcAft>
+                        <a:defRPr/>
+                      </a:pPr>
+                      <a:r>
+                        <a:rPr lang="ru-RU" sz="2800" b="1">
+                          <a:latin typeface="Times New Roman"/>
+                          <a:ea typeface="Times New Roman"/>
+                          <a:cs typeface="Times New Roman"/>
+                        </a:rPr>
+                        <a:t>-</a:t>
+                      </a:r>
+                      <a:endParaRPr sz="2800" b="1">
+                        <a:latin typeface="Times New Roman"/>
+                        <a:cs typeface="Times New Roman"/>
+                      </a:endParaRPr>
+                    </a:p>
+                  </a:txBody>
+                  <a:tcPr vert="horz" anchor="ctr">
+                    <a:lnL w="28575" algn="ctr">
+                      <a:solidFill>
+                        <a:schemeClr val="tx1"/>
+                      </a:solidFill>
+                    </a:lnL>
+                    <a:lnR w="28575" algn="ctr">
+                      <a:solidFill>
+                        <a:schemeClr val="tx1"/>
+                      </a:solidFill>
+                    </a:lnR>
+                    <a:lnT w="28575" algn="ctr">
+                      <a:solidFill>
+                        <a:schemeClr val="tx1"/>
+                      </a:solidFill>
+                    </a:lnT>
+                    <a:lnB w="28575" algn="ctr">
+                      <a:solidFill>
+                        <a:schemeClr val="tx1"/>
+                      </a:solidFill>
+                    </a:lnB>
+                    <a:solidFill>
+                      <a:schemeClr val="bg1"/>
+                    </a:solidFill>
+                  </a:tcPr>
+                </a:tc>
+                <a:tc>
+                  <a:txBody>
+                    <a:bodyPr/>
+                    <a:p>
+                      <a:pPr marL="0" marR="0" indent="0" algn="ctr">
+                        <a:spcBef>
+                          <a:spcPts val="0"/>
+                        </a:spcBef>
+                        <a:spcAft>
+                          <a:spcPts val="0"/>
+                        </a:spcAft>
+                        <a:defRPr/>
+                      </a:pPr>
+                      <a:r>
+                        <a:rPr lang="ru-RU" sz="2800" b="1">
+                          <a:latin typeface="Times New Roman"/>
+                          <a:ea typeface="Times New Roman"/>
+                          <a:cs typeface="Times New Roman"/>
+                        </a:rPr>
+                        <a:t>+</a:t>
+                      </a:r>
+                      <a:endParaRPr sz="2800" b="1">
+                        <a:latin typeface="Times New Roman"/>
+                        <a:cs typeface="Times New Roman"/>
+                      </a:endParaRPr>
+                    </a:p>
+                  </a:txBody>
+                  <a:tcPr vert="horz" anchor="ctr">
+                    <a:lnL w="28575" algn="ctr">
+                      <a:solidFill>
+                        <a:schemeClr val="tx1"/>
+                      </a:solidFill>
+                    </a:lnL>
+                    <a:lnR w="28575" algn="ctr">
+                      <a:solidFill>
+                        <a:schemeClr val="tx1"/>
+                      </a:solidFill>
+                    </a:lnR>
+                    <a:lnT w="28575" algn="ctr">
+                      <a:solidFill>
+                        <a:schemeClr val="tx1"/>
+                      </a:solidFill>
+                    </a:lnT>
+                    <a:lnB w="28575" algn="ctr">
+                      <a:solidFill>
+                        <a:schemeClr val="tx1"/>
+                      </a:solidFill>
+                    </a:lnB>
+                    <a:solidFill>
+                      <a:schemeClr val="bg1"/>
+                    </a:solidFill>
+                  </a:tcPr>
+                </a:tc>
+                <a:tc>
+                  <a:txBody>
+                    <a:bodyPr/>
+                    <a:p>
+                      <a:pPr marL="0" marR="0" indent="0" algn="ctr">
+                        <a:spcBef>
+                          <a:spcPts val="0"/>
+                        </a:spcBef>
+                        <a:spcAft>
+                          <a:spcPts val="0"/>
+                        </a:spcAft>
+                        <a:defRPr/>
+                      </a:pPr>
+                      <a:r>
+                        <a:rPr lang="ru-RU" sz="2800" b="1">
+                          <a:latin typeface="Times New Roman"/>
+                          <a:ea typeface="Times New Roman"/>
+                          <a:cs typeface="Times New Roman"/>
+                        </a:rPr>
+                        <a:t>+/-</a:t>
+                      </a:r>
+                      <a:endParaRPr sz="2800" b="1">
+                        <a:latin typeface="Times New Roman"/>
+                        <a:cs typeface="Times New Roman"/>
+                      </a:endParaRPr>
+                    </a:p>
+                  </a:txBody>
+                  <a:tcPr vert="horz" anchor="ctr">
+                    <a:lnL w="28575" algn="ctr">
+                      <a:solidFill>
+                        <a:schemeClr val="tx1"/>
+                      </a:solidFill>
+                    </a:lnL>
+                    <a:lnR w="28575" algn="ctr">
+                      <a:solidFill>
+                        <a:schemeClr val="tx1"/>
+                      </a:solidFill>
+                    </a:lnR>
+                    <a:lnT w="28575" algn="ctr">
+                      <a:solidFill>
+                        <a:schemeClr val="tx1"/>
+                      </a:solidFill>
+                    </a:lnT>
+                    <a:lnB w="28575" algn="ctr">
+                      <a:solidFill>
+                        <a:schemeClr val="tx1"/>
+                      </a:solidFill>
+                    </a:lnB>
+                    <a:solidFill>
+                      <a:schemeClr val="bg1"/>
+                    </a:solidFill>
+                  </a:tcPr>
+                </a:tc>
+                <a:tc>
+                  <a:txBody>
+                    <a:bodyPr/>
+                    <a:p>
+                      <a:pPr algn="ctr">
+                        <a:defRPr/>
+                      </a:pPr>
+                      <a:r>
+                        <a:rPr sz="2800" b="1">
+                          <a:latin typeface="Times New Roman"/>
+                          <a:ea typeface="Times New Roman"/>
+                          <a:cs typeface="Times New Roman"/>
+                        </a:rPr>
+                        <a:t>-</a:t>
+                      </a:r>
+                      <a:endParaRPr sz="2800" b="1">
+                        <a:latin typeface="Times New Roman"/>
+                        <a:cs typeface="Times New Roman"/>
+                      </a:endParaRPr>
+                    </a:p>
+                  </a:txBody>
+                  <a:tcPr vert="horz" anchor="ctr">
+                    <a:lnL w="28575" algn="ctr">
+                      <a:solidFill>
+                        <a:schemeClr val="tx1"/>
+                      </a:solidFill>
+                    </a:lnL>
+                    <a:lnR w="28575" algn="ctr">
+                      <a:solidFill>
+                        <a:schemeClr val="tx1"/>
+                      </a:solidFill>
+                    </a:lnR>
+                    <a:lnT w="28575" algn="ctr">
+                      <a:solidFill>
+                        <a:schemeClr val="tx1"/>
+                      </a:solidFill>
+                    </a:lnT>
+                    <a:lnB w="28575" algn="ctr">
+                      <a:solidFill>
+                        <a:schemeClr val="tx1"/>
+                      </a:solidFill>
+                    </a:lnB>
+                    <a:solidFill>
+                      <a:schemeClr val="bg1"/>
+                    </a:solidFill>
+                  </a:tcPr>
+                </a:tc>
+                <a:tc>
+                  <a:txBody>
+                    <a:bodyPr/>
+                    <a:p>
+                      <a:pPr marL="0" marR="0" indent="0" algn="ctr">
+                        <a:spcBef>
+                          <a:spcPts val="0"/>
+                        </a:spcBef>
+                        <a:spcAft>
+                          <a:spcPts val="0"/>
+                        </a:spcAft>
+                        <a:defRPr/>
+                      </a:pPr>
+                      <a:r>
+                        <a:rPr lang="ru-RU" sz="2800" b="1" i="0" u="none" strike="noStrike" cap="none" spc="0">
+                          <a:solidFill>
+                            <a:schemeClr val="dk1"/>
+                          </a:solidFill>
+                          <a:latin typeface="Times New Roman"/>
+                          <a:ea typeface="Times New Roman"/>
+                          <a:cs typeface="Times New Roman"/>
+                        </a:rPr>
+                        <a:t>-</a:t>
+                      </a:r>
+                      <a:endParaRPr sz="2800" b="1">
+                        <a:latin typeface="Times New Roman"/>
+                        <a:cs typeface="Times New Roman"/>
+                      </a:endParaRPr>
+                    </a:p>
+                  </a:txBody>
+                  <a:tcPr vert="horz" anchor="ctr">
+                    <a:lnL w="28575" algn="ctr">
+                      <a:solidFill>
+                        <a:schemeClr val="tx1"/>
+                      </a:solidFill>
+                    </a:lnL>
+                    <a:lnR w="28575" algn="ctr">
+                      <a:solidFill>
+                        <a:schemeClr val="tx1"/>
+                      </a:solidFill>
+                    </a:lnR>
+                    <a:lnT w="28575" algn="ctr">
+                      <a:solidFill>
+                        <a:schemeClr val="tx1"/>
+                      </a:solidFill>
+                    </a:lnT>
+                    <a:lnB w="28575" algn="ctr">
+                      <a:solidFill>
+                        <a:schemeClr val="tx1"/>
+                      </a:solidFill>
+                    </a:lnB>
+                    <a:solidFill>
+                      <a:schemeClr val="bg1"/>
+                    </a:solidFill>
+                  </a:tcPr>
+                </a:tc>
+              </a:tr>
+              <a:tr h="720659">
+                <a:tc>
+                  <a:txBody>
+                    <a:bodyPr/>
+                    <a:p>
+                      <a:pPr marL="0" marR="0" indent="0" algn="ctr">
+                        <a:spcBef>
+                          <a:spcPts val="0"/>
+                        </a:spcBef>
+                        <a:spcAft>
+                          <a:spcPts val="0"/>
+                        </a:spcAft>
+                        <a:defRPr/>
+                      </a:pPr>
+                      <a:r>
+                        <a:rPr lang="ru-RU" sz="2200" b="1">
+                          <a:latin typeface="Times New Roman"/>
+                          <a:ea typeface="Times New Roman"/>
+                          <a:cs typeface="Times New Roman"/>
+                        </a:rPr>
+                        <a:t>Сокрытие факта генерации данных</a:t>
+                      </a:r>
+                      <a:endParaRPr lang="ru-RU" sz="2200" b="1">
+                        <a:latin typeface="Times New Roman"/>
+                        <a:ea typeface="Times New Roman"/>
+                        <a:cs typeface="Times New Roman"/>
+                      </a:endParaRPr>
+                    </a:p>
+                  </a:txBody>
+                  <a:tcPr vert="horz" anchor="ctr">
+                    <a:lnL w="28575" algn="ctr">
+                      <a:solidFill>
+                        <a:schemeClr val="tx1"/>
+                      </a:solidFill>
+                    </a:lnL>
+                    <a:lnR w="28575" algn="ctr">
+                      <a:solidFill>
+                        <a:schemeClr val="tx1"/>
+                      </a:solidFill>
+                    </a:lnR>
+                    <a:lnT w="28575" algn="ctr">
+                      <a:solidFill>
+                        <a:schemeClr val="tx1"/>
+                      </a:solidFill>
+                    </a:lnT>
+                    <a:lnB w="28575" algn="ctr">
+                      <a:solidFill>
+                        <a:schemeClr val="tx1"/>
+                      </a:solidFill>
+                    </a:lnB>
+                    <a:solidFill>
+                      <a:schemeClr val="tx1">
+                        <a:lumMod val="75000"/>
+                        <a:lumOff val="25000"/>
+                      </a:schemeClr>
+                    </a:solidFill>
+                  </a:tcPr>
+                </a:tc>
+                <a:tc>
+                  <a:txBody>
+                    <a:bodyPr/>
+                    <a:p>
+                      <a:pPr marL="0" marR="0" indent="0" algn="ctr">
+                        <a:spcBef>
+                          <a:spcPts val="0"/>
+                        </a:spcBef>
+                        <a:spcAft>
+                          <a:spcPts val="0"/>
+                        </a:spcAft>
+                        <a:defRPr/>
+                      </a:pPr>
+                      <a:r>
+                        <a:rPr lang="ru-RU" sz="2800" b="1">
+                          <a:latin typeface="Times New Roman"/>
+                          <a:ea typeface="Times New Roman"/>
+                          <a:cs typeface="Times New Roman"/>
+                        </a:rPr>
+                        <a:t>+</a:t>
+                      </a:r>
+                      <a:endParaRPr sz="2800" b="1">
+                        <a:latin typeface="Times New Roman"/>
+                        <a:cs typeface="Times New Roman"/>
+                      </a:endParaRPr>
+                    </a:p>
+                  </a:txBody>
+                  <a:tcPr vert="horz" anchor="ctr">
+                    <a:lnL w="28575" algn="ctr">
+                      <a:solidFill>
+                        <a:schemeClr val="tx1"/>
+                      </a:solidFill>
+                    </a:lnL>
+                    <a:lnR w="28575" algn="ctr">
+                      <a:solidFill>
+                        <a:schemeClr val="tx1"/>
+                      </a:solidFill>
+                    </a:lnR>
+                    <a:lnT w="28575" algn="ctr">
+                      <a:solidFill>
+                        <a:schemeClr val="tx1"/>
+                      </a:solidFill>
+                    </a:lnT>
+                    <a:lnB w="28575" algn="ctr">
+                      <a:solidFill>
+                        <a:schemeClr val="tx1"/>
+                      </a:solidFill>
+                    </a:lnB>
+                    <a:solidFill>
+                      <a:schemeClr val="bg2"/>
+                    </a:solidFill>
+                  </a:tcPr>
+                </a:tc>
+                <a:tc>
+                  <a:txBody>
+                    <a:bodyPr/>
+                    <a:p>
+                      <a:pPr marL="0" marR="0" indent="0" algn="ctr">
+                        <a:spcBef>
+                          <a:spcPts val="0"/>
+                        </a:spcBef>
+                        <a:spcAft>
+                          <a:spcPts val="0"/>
+                        </a:spcAft>
+                        <a:defRPr/>
+                      </a:pPr>
+                      <a:r>
+                        <a:rPr lang="ru-RU" sz="2800" b="1">
+                          <a:latin typeface="Times New Roman"/>
+                          <a:ea typeface="Times New Roman"/>
+                          <a:cs typeface="Times New Roman"/>
+                        </a:rPr>
+                        <a:t>-</a:t>
+                      </a:r>
+                      <a:endParaRPr sz="2800" b="1">
+                        <a:latin typeface="Times New Roman"/>
+                        <a:cs typeface="Times New Roman"/>
+                      </a:endParaRPr>
+                    </a:p>
+                  </a:txBody>
+                  <a:tcPr vert="horz" anchor="ctr">
+                    <a:lnL w="28575" algn="ctr">
+                      <a:solidFill>
+                        <a:schemeClr val="tx1"/>
+                      </a:solidFill>
+                    </a:lnL>
+                    <a:lnR w="28575" algn="ctr">
+                      <a:solidFill>
+                        <a:schemeClr val="tx1"/>
+                      </a:solidFill>
+                    </a:lnR>
+                    <a:lnT w="28575" algn="ctr">
+                      <a:solidFill>
+                        <a:schemeClr val="tx1"/>
+                      </a:solidFill>
+                    </a:lnT>
+                    <a:lnB w="28575" algn="ctr">
+                      <a:solidFill>
+                        <a:schemeClr val="tx1"/>
+                      </a:solidFill>
+                    </a:lnB>
+                    <a:solidFill>
+                      <a:schemeClr val="bg1"/>
+                    </a:solidFill>
+                  </a:tcPr>
+                </a:tc>
+                <a:tc>
+                  <a:txBody>
+                    <a:bodyPr/>
+                    <a:p>
+                      <a:pPr marL="0" marR="0" indent="0" algn="ctr">
+                        <a:spcBef>
+                          <a:spcPts val="0"/>
+                        </a:spcBef>
+                        <a:spcAft>
+                          <a:spcPts val="0"/>
+                        </a:spcAft>
+                        <a:defRPr/>
+                      </a:pPr>
+                      <a:r>
+                        <a:rPr lang="ru-RU" sz="2800" b="1">
+                          <a:latin typeface="Times New Roman"/>
+                          <a:ea typeface="Times New Roman"/>
+                          <a:cs typeface="Times New Roman"/>
+                        </a:rPr>
+                        <a:t>-</a:t>
+                      </a:r>
+                      <a:endParaRPr sz="2800" b="1">
+                        <a:latin typeface="Times New Roman"/>
+                        <a:cs typeface="Times New Roman"/>
+                      </a:endParaRPr>
+                    </a:p>
+                  </a:txBody>
+                  <a:tcPr vert="horz" anchor="ctr">
+                    <a:lnL w="28575" algn="ctr">
+                      <a:solidFill>
+                        <a:schemeClr val="tx1"/>
+                      </a:solidFill>
+                    </a:lnL>
+                    <a:lnR w="28575" algn="ctr">
+                      <a:solidFill>
+                        <a:schemeClr val="tx1"/>
+                      </a:solidFill>
+                    </a:lnR>
+                    <a:lnT w="28575" algn="ctr">
+                      <a:solidFill>
+                        <a:schemeClr val="tx1"/>
+                      </a:solidFill>
+                    </a:lnT>
+                    <a:lnB w="28575" algn="ctr">
+                      <a:solidFill>
+                        <a:schemeClr val="tx1"/>
+                      </a:solidFill>
+                    </a:lnB>
+                    <a:solidFill>
+                      <a:schemeClr val="bg1"/>
+                    </a:solidFill>
+                  </a:tcPr>
+                </a:tc>
+                <a:tc>
+                  <a:txBody>
+                    <a:bodyPr/>
+                    <a:p>
+                      <a:pPr marL="0" marR="0" indent="0" algn="ctr">
+                        <a:spcBef>
+                          <a:spcPts val="0"/>
+                        </a:spcBef>
+                        <a:spcAft>
+                          <a:spcPts val="0"/>
+                        </a:spcAft>
+                        <a:defRPr/>
+                      </a:pPr>
+                      <a:r>
+                        <a:rPr lang="ru-RU" sz="2800" b="1">
+                          <a:latin typeface="Times New Roman"/>
+                          <a:ea typeface="Times New Roman"/>
+                          <a:cs typeface="Times New Roman"/>
+                        </a:rPr>
+                        <a:t>-</a:t>
+                      </a:r>
+                      <a:endParaRPr sz="2800" b="1">
+                        <a:latin typeface="Times New Roman"/>
+                        <a:cs typeface="Times New Roman"/>
+                      </a:endParaRPr>
+                    </a:p>
+                  </a:txBody>
+                  <a:tcPr vert="horz" anchor="ctr">
+                    <a:lnL w="28575" algn="ctr">
+                      <a:solidFill>
+                        <a:schemeClr val="tx1"/>
+                      </a:solidFill>
+                    </a:lnL>
+                    <a:lnR w="28575" algn="ctr">
+                      <a:solidFill>
+                        <a:schemeClr val="tx1"/>
+                      </a:solidFill>
+                    </a:lnR>
+                    <a:lnT w="28575" algn="ctr">
+                      <a:solidFill>
+                        <a:schemeClr val="tx1"/>
+                      </a:solidFill>
+                    </a:lnT>
+                    <a:lnB w="28575" algn="ctr">
+                      <a:solidFill>
+                        <a:schemeClr val="tx1"/>
+                      </a:solidFill>
+                    </a:lnB>
+                    <a:solidFill>
+                      <a:schemeClr val="bg1"/>
+                    </a:solidFill>
+                  </a:tcPr>
+                </a:tc>
+                <a:tc>
+                  <a:txBody>
+                    <a:bodyPr/>
+                    <a:p>
+                      <a:pPr algn="ctr">
+                        <a:defRPr/>
+                      </a:pPr>
+                      <a:r>
+                        <a:rPr sz="2800" b="1">
+                          <a:latin typeface="Times New Roman"/>
+                          <a:ea typeface="Times New Roman"/>
+                          <a:cs typeface="Times New Roman"/>
+                        </a:rPr>
+                        <a:t>-</a:t>
+                      </a:r>
+                      <a:endParaRPr sz="2800" b="1">
+                        <a:latin typeface="Times New Roman"/>
+                        <a:cs typeface="Times New Roman"/>
+                      </a:endParaRPr>
+                    </a:p>
+                  </a:txBody>
+                  <a:tcPr vert="horz" anchor="ctr">
+                    <a:lnL w="28575" algn="ctr">
+                      <a:solidFill>
+                        <a:schemeClr val="tx1"/>
+                      </a:solidFill>
+                    </a:lnL>
+                    <a:lnR w="28575" algn="ctr">
+                      <a:solidFill>
+                        <a:schemeClr val="tx1"/>
+                      </a:solidFill>
+                    </a:lnR>
+                    <a:lnT w="28575" algn="ctr">
+                      <a:solidFill>
+                        <a:schemeClr val="tx1"/>
+                      </a:solidFill>
+                    </a:lnT>
+                    <a:lnB w="28575" algn="ctr">
+                      <a:solidFill>
+                        <a:schemeClr val="tx1"/>
+                      </a:solidFill>
+                    </a:lnB>
+                    <a:solidFill>
+                      <a:schemeClr val="bg1"/>
+                    </a:solidFill>
+                  </a:tcPr>
+                </a:tc>
+                <a:tc>
+                  <a:txBody>
+                    <a:bodyPr/>
+                    <a:p>
+                      <a:pPr marL="0" marR="0" indent="0" algn="ctr">
+                        <a:spcBef>
+                          <a:spcPts val="0"/>
+                        </a:spcBef>
+                        <a:spcAft>
+                          <a:spcPts val="0"/>
+                        </a:spcAft>
+                        <a:defRPr/>
+                      </a:pPr>
+                      <a:r>
+                        <a:rPr lang="ru-RU" sz="2800" b="1" i="0" u="none" strike="noStrike" cap="none" spc="0">
+                          <a:solidFill>
+                            <a:schemeClr val="dk1"/>
+                          </a:solidFill>
+                          <a:latin typeface="Times New Roman"/>
+                          <a:ea typeface="Times New Roman"/>
+                          <a:cs typeface="Times New Roman"/>
+                        </a:rPr>
+                        <a:t>-</a:t>
+                      </a:r>
+                      <a:endParaRPr sz="2800" b="1" i="0" u="none" strike="noStrike" cap="none" spc="0">
+                        <a:solidFill>
+                          <a:schemeClr val="dk1"/>
+                        </a:solidFill>
+                        <a:latin typeface="Times New Roman"/>
+                        <a:cs typeface="Times New Roman"/>
+                      </a:endParaRPr>
+                    </a:p>
+                  </a:txBody>
+                  <a:tcPr vert="horz" anchor="ctr">
+                    <a:lnL w="28575" algn="ctr">
+                      <a:solidFill>
+                        <a:schemeClr val="tx1"/>
+                      </a:solidFill>
+                    </a:lnL>
+                    <a:lnR w="28575" algn="ctr">
+                      <a:solidFill>
+                        <a:schemeClr val="tx1"/>
+                      </a:solidFill>
+                    </a:lnR>
+                    <a:lnT w="28575" algn="ctr">
+                      <a:solidFill>
+                        <a:schemeClr val="tx1"/>
+                      </a:solidFill>
+                    </a:lnT>
+                    <a:lnB w="28575" algn="ctr">
+                      <a:solidFill>
+                        <a:schemeClr val="tx1"/>
+                      </a:solidFill>
+                    </a:lnB>
+                    <a:solidFill>
+                      <a:schemeClr val="bg1"/>
+                    </a:solidFill>
+                  </a:tcPr>
+                </a:tc>
+              </a:tr>
+              <a:tr h="720659">
+                <a:tc>
+                  <a:txBody>
+                    <a:bodyPr/>
+                    <a:p>
+                      <a:pPr marL="0" marR="0" indent="0" algn="ctr">
+                        <a:spcBef>
+                          <a:spcPts val="0"/>
+                        </a:spcBef>
+                        <a:spcAft>
+                          <a:spcPts val="0"/>
+                        </a:spcAft>
+                        <a:defRPr/>
+                      </a:pPr>
+                      <a:r>
+                        <a:rPr lang="ru-RU" sz="2200" b="1">
+                          <a:latin typeface="Times New Roman"/>
+                          <a:ea typeface="Times New Roman"/>
+                          <a:cs typeface="Times New Roman"/>
+                        </a:rPr>
+                        <a:t>Сокрытие получателя от отправителя</a:t>
+                      </a:r>
+                      <a:endParaRPr sz="2200" b="1">
+                        <a:latin typeface="Times New Roman"/>
+                        <a:ea typeface="Times New Roman"/>
+                        <a:cs typeface="Times New Roman"/>
+                      </a:endParaRPr>
+                    </a:p>
+                  </a:txBody>
+                  <a:tcPr vert="horz" anchor="ctr">
+                    <a:lnL w="28575" algn="ctr">
+                      <a:solidFill>
+                        <a:schemeClr val="tx1"/>
+                      </a:solidFill>
+                    </a:lnL>
+                    <a:lnR w="28575" algn="ctr">
+                      <a:solidFill>
+                        <a:schemeClr val="tx1"/>
+                      </a:solidFill>
+                      <a:bevel/>
+                    </a:lnR>
+                    <a:lnT w="28575" algn="ctr">
+                      <a:solidFill>
+                        <a:schemeClr val="tx1"/>
+                      </a:solidFill>
+                    </a:lnT>
+                    <a:lnB w="28575" algn="ctr">
+                      <a:solidFill>
+                        <a:schemeClr val="tx1"/>
+                      </a:solidFill>
+                    </a:lnB>
+                    <a:solidFill>
+                      <a:schemeClr val="tx1">
+                        <a:lumMod val="75000"/>
+                        <a:lumOff val="25000"/>
+                      </a:schemeClr>
+                    </a:solidFill>
+                  </a:tcPr>
+                </a:tc>
+                <a:tc>
+                  <a:txBody>
+                    <a:bodyPr/>
+                    <a:p>
+                      <a:pPr marL="0" marR="0" indent="0" algn="ctr">
+                        <a:spcBef>
+                          <a:spcPts val="0"/>
+                        </a:spcBef>
+                        <a:spcAft>
+                          <a:spcPts val="0"/>
+                        </a:spcAft>
+                        <a:defRPr/>
+                      </a:pPr>
+                      <a:r>
+                        <a:rPr lang="ru-RU" sz="2800" b="1">
+                          <a:latin typeface="Times New Roman"/>
+                          <a:ea typeface="Times New Roman"/>
+                          <a:cs typeface="Times New Roman"/>
+                        </a:rPr>
+                        <a:t>-</a:t>
+                      </a:r>
+                      <a:endParaRPr sz="2800" b="1">
+                        <a:latin typeface="Times New Roman"/>
+                        <a:cs typeface="Times New Roman"/>
+                      </a:endParaRPr>
+                    </a:p>
+                  </a:txBody>
+                  <a:tcPr vert="horz" anchor="ctr">
+                    <a:lnL w="28575" algn="ctr">
+                      <a:solidFill>
+                        <a:schemeClr val="tx1"/>
+                      </a:solidFill>
+                    </a:lnL>
+                    <a:lnR w="28575" algn="ctr">
+                      <a:solidFill>
+                        <a:schemeClr val="tx1"/>
+                      </a:solidFill>
+                    </a:lnR>
+                    <a:lnT w="28575" algn="ctr">
+                      <a:solidFill>
+                        <a:schemeClr val="tx1"/>
+                      </a:solidFill>
+                      <a:bevel/>
+                    </a:lnT>
+                    <a:lnB w="28575" algn="ctr">
+                      <a:solidFill>
+                        <a:schemeClr val="tx1"/>
+                      </a:solidFill>
+                    </a:lnB>
+                    <a:solidFill>
+                      <a:schemeClr val="bg2"/>
+                    </a:solidFill>
+                  </a:tcPr>
+                </a:tc>
+                <a:tc>
+                  <a:txBody>
+                    <a:bodyPr/>
+                    <a:p>
+                      <a:pPr marL="0" marR="0" indent="0" algn="ctr">
+                        <a:spcBef>
+                          <a:spcPts val="0"/>
+                        </a:spcBef>
+                        <a:spcAft>
+                          <a:spcPts val="0"/>
+                        </a:spcAft>
+                        <a:defRPr/>
+                      </a:pPr>
+                      <a:r>
+                        <a:rPr lang="ru-RU" sz="2800" b="1">
+                          <a:latin typeface="Times New Roman"/>
+                          <a:ea typeface="Times New Roman"/>
+                          <a:cs typeface="Times New Roman"/>
+                        </a:rPr>
+                        <a:t>-</a:t>
+                      </a:r>
+                      <a:endParaRPr sz="2800" b="1">
+                        <a:latin typeface="Times New Roman"/>
+                        <a:cs typeface="Times New Roman"/>
+                      </a:endParaRPr>
+                    </a:p>
+                  </a:txBody>
+                  <a:tcPr vert="horz" anchor="ctr">
+                    <a:lnL w="28575" algn="ctr">
+                      <a:solidFill>
+                        <a:schemeClr val="tx1"/>
+                      </a:solidFill>
+                    </a:lnL>
+                    <a:lnR w="28575" algn="ctr">
+                      <a:solidFill>
+                        <a:schemeClr val="tx1"/>
+                      </a:solidFill>
+                    </a:lnR>
+                    <a:lnT w="28575" algn="ctr">
+                      <a:solidFill>
+                        <a:schemeClr val="tx1"/>
+                      </a:solidFill>
+                      <a:bevel/>
+                    </a:lnT>
+                    <a:lnB w="28575" algn="ctr">
+                      <a:solidFill>
+                        <a:schemeClr val="tx1"/>
+                      </a:solidFill>
+                    </a:lnB>
+                    <a:solidFill>
+                      <a:schemeClr val="bg1"/>
+                    </a:solidFill>
+                  </a:tcPr>
+                </a:tc>
+                <a:tc>
+                  <a:txBody>
+                    <a:bodyPr/>
+                    <a:p>
+                      <a:pPr marL="0" marR="0" indent="0" algn="ctr">
+                        <a:spcBef>
+                          <a:spcPts val="0"/>
+                        </a:spcBef>
+                        <a:spcAft>
+                          <a:spcPts val="0"/>
+                        </a:spcAft>
+                        <a:defRPr/>
+                      </a:pPr>
+                      <a:r>
+                        <a:rPr lang="ru-RU" sz="2800" b="1">
+                          <a:latin typeface="Times New Roman"/>
+                          <a:ea typeface="Times New Roman"/>
+                          <a:cs typeface="Times New Roman"/>
+                        </a:rPr>
+                        <a:t>+</a:t>
+                      </a:r>
+                      <a:endParaRPr sz="2800" b="1">
+                        <a:latin typeface="Times New Roman"/>
+                        <a:cs typeface="Times New Roman"/>
+                      </a:endParaRPr>
+                    </a:p>
+                  </a:txBody>
+                  <a:tcPr vert="horz" anchor="ctr">
+                    <a:lnL w="28575" algn="ctr">
+                      <a:solidFill>
+                        <a:schemeClr val="tx1"/>
+                      </a:solidFill>
+                      <a:bevel/>
+                    </a:lnL>
+                    <a:lnR w="28575" algn="ctr">
+                      <a:solidFill>
+                        <a:schemeClr val="tx1"/>
+                      </a:solidFill>
+                    </a:lnR>
+                    <a:lnT w="28575" algn="ctr">
+                      <a:solidFill>
+                        <a:schemeClr val="tx1"/>
+                      </a:solidFill>
+                    </a:lnT>
+                    <a:lnB w="28575" algn="ctr">
+                      <a:solidFill>
+                        <a:schemeClr val="tx1"/>
+                      </a:solidFill>
+                    </a:lnB>
+                    <a:solidFill>
+                      <a:schemeClr val="bg1"/>
+                    </a:solidFill>
+                  </a:tcPr>
+                </a:tc>
+                <a:tc>
+                  <a:txBody>
+                    <a:bodyPr/>
+                    <a:p>
+                      <a:pPr marL="0" marR="0" indent="0" algn="ctr">
+                        <a:spcBef>
+                          <a:spcPts val="0"/>
+                        </a:spcBef>
+                        <a:spcAft>
+                          <a:spcPts val="0"/>
+                        </a:spcAft>
+                        <a:defRPr/>
+                      </a:pPr>
+                      <a:r>
+                        <a:rPr lang="ru-RU" sz="2800" b="1">
+                          <a:latin typeface="Times New Roman"/>
+                          <a:ea typeface="Times New Roman"/>
+                          <a:cs typeface="Times New Roman"/>
+                        </a:rPr>
+                        <a:t>+/-</a:t>
+                      </a:r>
+                      <a:endParaRPr sz="2800" b="1">
+                        <a:latin typeface="Times New Roman"/>
+                        <a:cs typeface="Times New Roman"/>
+                      </a:endParaRPr>
+                    </a:p>
+                  </a:txBody>
+                  <a:tcPr vert="horz" anchor="ctr">
+                    <a:lnL w="28575" algn="ctr">
+                      <a:solidFill>
+                        <a:schemeClr val="tx1"/>
+                      </a:solidFill>
+                    </a:lnL>
+                    <a:lnR w="28575" algn="ctr">
+                      <a:solidFill>
+                        <a:schemeClr val="tx1"/>
+                      </a:solidFill>
+                    </a:lnR>
+                    <a:lnT w="28575" algn="ctr">
+                      <a:solidFill>
+                        <a:schemeClr val="tx1"/>
+                      </a:solidFill>
+                      <a:bevel/>
+                    </a:lnT>
+                    <a:lnB w="28575" algn="ctr">
+                      <a:solidFill>
+                        <a:schemeClr val="tx1"/>
+                      </a:solidFill>
+                    </a:lnB>
+                    <a:solidFill>
+                      <a:schemeClr val="bg1"/>
+                    </a:solidFill>
+                  </a:tcPr>
+                </a:tc>
+                <a:tc>
+                  <a:txBody>
+                    <a:bodyPr/>
+                    <a:p>
+                      <a:pPr algn="ctr">
+                        <a:defRPr/>
+                      </a:pPr>
+                      <a:r>
+                        <a:rPr sz="2800" b="1">
+                          <a:latin typeface="Times New Roman"/>
+                          <a:ea typeface="Times New Roman"/>
+                          <a:cs typeface="Times New Roman"/>
+                        </a:rPr>
+                        <a:t>-</a:t>
+                      </a:r>
+                      <a:endParaRPr sz="2800" b="1">
+                        <a:latin typeface="Times New Roman"/>
+                        <a:cs typeface="Times New Roman"/>
+                      </a:endParaRPr>
+                    </a:p>
+                  </a:txBody>
+                  <a:tcPr vert="horz" anchor="ctr">
+                    <a:lnL w="28575" algn="ctr">
+                      <a:solidFill>
+                        <a:schemeClr val="tx1"/>
+                      </a:solidFill>
+                      <a:bevel/>
+                    </a:lnL>
+                    <a:lnR w="28575" algn="ctr">
+                      <a:solidFill>
+                        <a:schemeClr val="tx1"/>
+                      </a:solidFill>
+                    </a:lnR>
+                    <a:lnT w="28575" algn="ctr">
+                      <a:solidFill>
+                        <a:schemeClr val="tx1"/>
+                      </a:solidFill>
+                    </a:lnT>
+                    <a:lnB w="28575" algn="ctr">
+                      <a:solidFill>
+                        <a:schemeClr val="tx1"/>
+                      </a:solidFill>
+                    </a:lnB>
+                    <a:solidFill>
+                      <a:schemeClr val="bg1"/>
+                    </a:solidFill>
+                  </a:tcPr>
+                </a:tc>
+                <a:tc>
+                  <a:txBody>
+                    <a:bodyPr/>
+                    <a:p>
+                      <a:pPr marL="0" marR="0" indent="0" algn="ctr">
+                        <a:spcBef>
+                          <a:spcPts val="0"/>
+                        </a:spcBef>
+                        <a:spcAft>
+                          <a:spcPts val="0"/>
+                        </a:spcAft>
+                        <a:defRPr/>
+                      </a:pPr>
+                      <a:r>
+                        <a:rPr lang="ru-RU" sz="2800" b="1" i="0" u="none" strike="noStrike" cap="none" spc="0">
+                          <a:solidFill>
+                            <a:schemeClr val="dk1"/>
+                          </a:solidFill>
+                          <a:latin typeface="Times New Roman"/>
+                          <a:ea typeface="Times New Roman"/>
+                          <a:cs typeface="Times New Roman"/>
+                        </a:rPr>
+                        <a:t>-</a:t>
+                      </a:r>
+                      <a:endParaRPr sz="2800" b="1" i="0" u="none" strike="noStrike" cap="none" spc="0">
+                        <a:solidFill>
+                          <a:schemeClr val="dk1"/>
+                        </a:solidFill>
+                        <a:latin typeface="Times New Roman"/>
+                        <a:cs typeface="Times New Roman"/>
+                      </a:endParaRPr>
+                    </a:p>
+                  </a:txBody>
+                  <a:tcPr vert="horz" anchor="ctr">
+                    <a:lnL w="28575" algn="ctr">
+                      <a:solidFill>
+                        <a:schemeClr val="tx1"/>
+                      </a:solidFill>
+                      <a:bevel/>
+                    </a:lnL>
+                    <a:lnR w="28575" algn="ctr">
+                      <a:solidFill>
+                        <a:schemeClr val="tx1"/>
+                      </a:solidFill>
+                    </a:lnR>
+                    <a:lnT w="28575" algn="ctr">
+                      <a:solidFill>
+                        <a:schemeClr val="tx1"/>
+                      </a:solidFill>
+                    </a:lnT>
+                    <a:lnB w="28575" algn="ctr">
+                      <a:solidFill>
+                        <a:schemeClr val="tx1"/>
+                      </a:solidFill>
+                    </a:lnB>
+                    <a:solidFill>
+                      <a:schemeClr val="bg1"/>
+                    </a:solidFill>
+                  </a:tcPr>
+                </a:tc>
+              </a:tr>
+              <a:tr h="720659">
+                <a:tc>
+                  <a:txBody>
+                    <a:bodyPr/>
+                    <a:p>
+                      <a:pPr marL="0" marR="0" indent="0" algn="ctr">
+                        <a:spcBef>
+                          <a:spcPts val="0"/>
+                        </a:spcBef>
+                        <a:spcAft>
+                          <a:spcPts val="0"/>
+                        </a:spcAft>
+                        <a:defRPr/>
+                      </a:pPr>
+                      <a:r>
+                        <a:rPr lang="ru-RU" sz="2200" b="1">
+                          <a:latin typeface="Times New Roman"/>
+                          <a:ea typeface="Times New Roman"/>
+                          <a:cs typeface="Times New Roman"/>
+                        </a:rPr>
+                        <a:t>Сокрытие отправителя от получателя</a:t>
+                      </a:r>
+                      <a:endParaRPr sz="2200" b="1">
+                        <a:latin typeface="Times New Roman"/>
+                        <a:ea typeface="Times New Roman"/>
+                        <a:cs typeface="Times New Roman"/>
+                      </a:endParaRPr>
+                    </a:p>
+                  </a:txBody>
+                  <a:tcPr vert="horz" anchor="ctr">
+                    <a:lnL w="28575" algn="ctr">
+                      <a:solidFill>
+                        <a:schemeClr val="tx1"/>
+                      </a:solidFill>
+                    </a:lnL>
+                    <a:lnR w="28575" algn="ctr">
+                      <a:solidFill>
+                        <a:schemeClr val="tx1"/>
+                      </a:solidFill>
+                    </a:lnR>
+                    <a:lnT w="28575" algn="ctr">
+                      <a:solidFill>
+                        <a:schemeClr val="tx1"/>
+                      </a:solidFill>
+                    </a:lnT>
+                    <a:lnB w="28575" algn="ctr">
+                      <a:solidFill>
+                        <a:schemeClr val="tx1"/>
+                      </a:solidFill>
+                    </a:lnB>
+                    <a:solidFill>
+                      <a:schemeClr val="tx1">
+                        <a:lumMod val="75000"/>
+                        <a:lumOff val="25000"/>
+                      </a:schemeClr>
+                    </a:solidFill>
+                  </a:tcPr>
+                </a:tc>
+                <a:tc>
+                  <a:txBody>
+                    <a:bodyPr/>
+                    <a:p>
+                      <a:pPr marL="0" marR="0" indent="0" algn="ctr">
+                        <a:spcBef>
+                          <a:spcPts val="0"/>
+                        </a:spcBef>
+                        <a:spcAft>
+                          <a:spcPts val="0"/>
+                        </a:spcAft>
+                        <a:defRPr/>
+                      </a:pPr>
+                      <a:r>
+                        <a:rPr lang="ru-RU" sz="2800" b="1">
+                          <a:latin typeface="Times New Roman"/>
+                          <a:ea typeface="Times New Roman"/>
+                          <a:cs typeface="Times New Roman"/>
+                        </a:rPr>
+                        <a:t>-</a:t>
+                      </a:r>
+                      <a:endParaRPr sz="2800" b="1">
+                        <a:latin typeface="Times New Roman"/>
+                        <a:cs typeface="Times New Roman"/>
+                      </a:endParaRPr>
+                    </a:p>
+                  </a:txBody>
+                  <a:tcPr vert="horz" anchor="ctr">
+                    <a:lnL w="28575" algn="ctr">
+                      <a:solidFill>
+                        <a:schemeClr val="tx1"/>
+                      </a:solidFill>
+                    </a:lnL>
+                    <a:lnR w="28575" algn="ctr">
+                      <a:solidFill>
+                        <a:schemeClr val="tx1"/>
+                      </a:solidFill>
+                    </a:lnR>
+                    <a:lnT w="28575" algn="ctr">
+                      <a:solidFill>
+                        <a:schemeClr val="tx1"/>
+                      </a:solidFill>
+                    </a:lnT>
+                    <a:lnB w="28575" algn="ctr">
+                      <a:solidFill>
+                        <a:schemeClr val="tx1"/>
+                      </a:solidFill>
+                    </a:lnB>
+                    <a:solidFill>
+                      <a:schemeClr val="bg2"/>
+                    </a:solidFill>
+                  </a:tcPr>
+                </a:tc>
+                <a:tc>
+                  <a:txBody>
+                    <a:bodyPr/>
+                    <a:p>
+                      <a:pPr marL="0" marR="0" indent="0" algn="ctr">
+                        <a:spcBef>
+                          <a:spcPts val="0"/>
+                        </a:spcBef>
+                        <a:spcAft>
+                          <a:spcPts val="0"/>
+                        </a:spcAft>
+                        <a:defRPr/>
+                      </a:pPr>
+                      <a:r>
+                        <a:rPr lang="ru-RU" sz="2800" b="1">
+                          <a:latin typeface="Times New Roman"/>
+                          <a:ea typeface="Times New Roman"/>
+                          <a:cs typeface="Times New Roman"/>
+                        </a:rPr>
+                        <a:t>+</a:t>
+                      </a:r>
+                      <a:endParaRPr sz="2800" b="1">
+                        <a:latin typeface="Times New Roman"/>
+                        <a:cs typeface="Times New Roman"/>
+                      </a:endParaRPr>
+                    </a:p>
+                  </a:txBody>
+                  <a:tcPr vert="horz" anchor="ctr">
+                    <a:lnL w="28575" algn="ctr">
+                      <a:solidFill>
+                        <a:schemeClr val="tx1"/>
+                      </a:solidFill>
+                    </a:lnL>
+                    <a:lnR w="28575" algn="ctr">
+                      <a:solidFill>
+                        <a:schemeClr val="tx1"/>
+                      </a:solidFill>
+                    </a:lnR>
+                    <a:lnT w="28575" algn="ctr">
+                      <a:solidFill>
+                        <a:schemeClr val="tx1"/>
+                      </a:solidFill>
+                    </a:lnT>
+                    <a:lnB w="28575" algn="ctr">
+                      <a:solidFill>
+                        <a:schemeClr val="tx1"/>
+                      </a:solidFill>
+                    </a:lnB>
+                    <a:solidFill>
+                      <a:schemeClr val="bg1"/>
+                    </a:solidFill>
+                  </a:tcPr>
+                </a:tc>
+                <a:tc>
+                  <a:txBody>
+                    <a:bodyPr/>
+                    <a:p>
+                      <a:pPr marL="0" marR="0" indent="0" algn="ctr">
+                        <a:spcBef>
+                          <a:spcPts val="0"/>
+                        </a:spcBef>
+                        <a:spcAft>
+                          <a:spcPts val="0"/>
+                        </a:spcAft>
+                        <a:defRPr/>
+                      </a:pPr>
+                      <a:r>
+                        <a:rPr lang="ru-RU" sz="2800" b="1">
+                          <a:latin typeface="Times New Roman"/>
+                          <a:ea typeface="Times New Roman"/>
+                          <a:cs typeface="Times New Roman"/>
+                        </a:rPr>
+                        <a:t>+</a:t>
+                      </a:r>
+                      <a:endParaRPr sz="2800" b="1">
+                        <a:latin typeface="Times New Roman"/>
+                        <a:cs typeface="Times New Roman"/>
+                      </a:endParaRPr>
+                    </a:p>
+                  </a:txBody>
+                  <a:tcPr vert="horz" anchor="ctr">
+                    <a:lnL w="28575" algn="ctr">
+                      <a:solidFill>
+                        <a:schemeClr val="tx1"/>
+                      </a:solidFill>
+                    </a:lnL>
+                    <a:lnR w="28575" algn="ctr">
+                      <a:solidFill>
+                        <a:schemeClr val="tx1"/>
+                      </a:solidFill>
+                    </a:lnR>
+                    <a:lnT w="28575" algn="ctr">
+                      <a:solidFill>
+                        <a:schemeClr val="tx1"/>
+                      </a:solidFill>
+                    </a:lnT>
+                    <a:lnB w="28575" algn="ctr">
+                      <a:solidFill>
+                        <a:schemeClr val="tx1"/>
+                      </a:solidFill>
+                    </a:lnB>
+                    <a:solidFill>
+                      <a:schemeClr val="bg1"/>
+                    </a:solidFill>
+                  </a:tcPr>
+                </a:tc>
+                <a:tc>
+                  <a:txBody>
+                    <a:bodyPr/>
+                    <a:p>
+                      <a:pPr marL="0" marR="0" indent="0" algn="ctr">
+                        <a:spcBef>
+                          <a:spcPts val="0"/>
+                        </a:spcBef>
+                        <a:spcAft>
+                          <a:spcPts val="0"/>
+                        </a:spcAft>
+                        <a:defRPr/>
+                      </a:pPr>
+                      <a:r>
+                        <a:rPr lang="ru-RU" sz="2800" b="1">
+                          <a:latin typeface="Times New Roman"/>
+                          <a:ea typeface="Times New Roman"/>
+                          <a:cs typeface="Times New Roman"/>
+                        </a:rPr>
+                        <a:t>+</a:t>
+                      </a:r>
+                      <a:endParaRPr sz="2800" b="1">
+                        <a:latin typeface="Times New Roman"/>
+                        <a:cs typeface="Times New Roman"/>
+                      </a:endParaRPr>
+                    </a:p>
+                  </a:txBody>
+                  <a:tcPr vert="horz" anchor="ctr">
+                    <a:lnL w="28575" algn="ctr">
+                      <a:solidFill>
+                        <a:schemeClr val="tx1"/>
+                      </a:solidFill>
+                    </a:lnL>
+                    <a:lnR w="28575" algn="ctr">
+                      <a:solidFill>
+                        <a:schemeClr val="tx1"/>
+                      </a:solidFill>
+                    </a:lnR>
+                    <a:lnT w="28575" algn="ctr">
+                      <a:solidFill>
+                        <a:schemeClr val="tx1"/>
+                      </a:solidFill>
+                    </a:lnT>
+                    <a:lnB w="28575" algn="ctr">
+                      <a:solidFill>
+                        <a:schemeClr val="tx1"/>
+                      </a:solidFill>
+                    </a:lnB>
+                    <a:solidFill>
+                      <a:schemeClr val="bg1"/>
+                    </a:solidFill>
+                  </a:tcPr>
+                </a:tc>
+                <a:tc>
+                  <a:txBody>
+                    <a:bodyPr/>
+                    <a:p>
+                      <a:pPr algn="ctr">
+                        <a:defRPr/>
+                      </a:pPr>
+                      <a:r>
+                        <a:rPr sz="2800" b="1">
+                          <a:latin typeface="Times New Roman"/>
+                          <a:ea typeface="Times New Roman"/>
+                          <a:cs typeface="Times New Roman"/>
+                        </a:rPr>
+                        <a:t>+</a:t>
+                      </a:r>
+                      <a:endParaRPr sz="2800" b="1">
+                        <a:latin typeface="Times New Roman"/>
+                        <a:cs typeface="Times New Roman"/>
+                      </a:endParaRPr>
+                    </a:p>
+                  </a:txBody>
+                  <a:tcPr vert="horz" anchor="ctr">
+                    <a:lnL w="28575" algn="ctr">
+                      <a:solidFill>
+                        <a:schemeClr val="tx1"/>
+                      </a:solidFill>
+                    </a:lnL>
+                    <a:lnR w="28575" algn="ctr">
+                      <a:solidFill>
+                        <a:schemeClr val="tx1"/>
+                      </a:solidFill>
+                    </a:lnR>
+                    <a:lnT w="28575" algn="ctr">
+                      <a:solidFill>
+                        <a:schemeClr val="tx1"/>
+                      </a:solidFill>
+                    </a:lnT>
+                    <a:lnB w="28575" algn="ctr">
+                      <a:solidFill>
+                        <a:schemeClr val="tx1"/>
+                      </a:solidFill>
+                    </a:lnB>
+                    <a:solidFill>
+                      <a:schemeClr val="bg1"/>
+                    </a:solidFill>
+                  </a:tcPr>
+                </a:tc>
+                <a:tc>
+                  <a:txBody>
+                    <a:bodyPr/>
+                    <a:p>
+                      <a:pPr marL="0" marR="0" indent="0" algn="ctr">
+                        <a:spcBef>
+                          <a:spcPts val="0"/>
+                        </a:spcBef>
+                        <a:spcAft>
+                          <a:spcPts val="0"/>
+                        </a:spcAft>
+                        <a:defRPr/>
+                      </a:pPr>
+                      <a:r>
+                        <a:rPr lang="ru-RU" sz="2800" b="1" i="0" u="none" strike="noStrike" cap="none" spc="0">
+                          <a:solidFill>
+                            <a:schemeClr val="dk1"/>
+                          </a:solidFill>
+                          <a:latin typeface="Times New Roman"/>
+                          <a:ea typeface="Times New Roman"/>
+                          <a:cs typeface="Times New Roman"/>
+                        </a:rPr>
+                        <a:t>+</a:t>
+                      </a:r>
+                      <a:endParaRPr sz="2800" b="1" i="0" u="none" strike="noStrike" cap="none" spc="0">
+                        <a:solidFill>
+                          <a:schemeClr val="dk1"/>
+                        </a:solidFill>
+                        <a:latin typeface="Times New Roman"/>
+                        <a:cs typeface="Times New Roman"/>
+                      </a:endParaRPr>
+                    </a:p>
+                  </a:txBody>
+                  <a:tcPr vert="horz" anchor="ctr">
+                    <a:lnL w="28575" algn="ctr">
+                      <a:solidFill>
+                        <a:schemeClr val="tx1"/>
+                      </a:solidFill>
+                    </a:lnL>
+                    <a:lnR w="28575" algn="ctr">
+                      <a:solidFill>
+                        <a:schemeClr val="tx1"/>
+                      </a:solidFill>
+                    </a:lnR>
+                    <a:lnT w="28575" algn="ctr">
+                      <a:solidFill>
+                        <a:schemeClr val="tx1"/>
+                      </a:solidFill>
+                    </a:lnT>
+                    <a:lnB w="28575" algn="ctr">
+                      <a:solidFill>
+                        <a:schemeClr val="tx1"/>
+                      </a:solidFill>
+                    </a:lnB>
+                    <a:solidFill>
+                      <a:schemeClr val="bg1"/>
+                    </a:solidFill>
+                  </a:tcPr>
+                </a:tc>
+              </a:tr>
+              <a:tr h="485581">
+                <a:tc>
+                  <a:txBody>
+                    <a:bodyPr/>
+                    <a:p>
+                      <a:pPr marL="0" marR="0" indent="0" algn="ctr">
+                        <a:spcBef>
+                          <a:spcPts val="0"/>
+                        </a:spcBef>
+                        <a:spcAft>
+                          <a:spcPts val="0"/>
+                        </a:spcAft>
+                        <a:defRPr/>
+                      </a:pPr>
+                      <a:r>
+                        <a:rPr lang="ru-RU" sz="2200" b="1">
+                          <a:latin typeface="Times New Roman"/>
+                          <a:ea typeface="Times New Roman"/>
+                          <a:cs typeface="Times New Roman"/>
+                        </a:rPr>
+                        <a:t>Задача анонимизации</a:t>
+                      </a:r>
+                      <a:endParaRPr sz="2200" b="1">
+                        <a:latin typeface="Times New Roman"/>
+                        <a:ea typeface="Times New Roman"/>
+                        <a:cs typeface="Times New Roman"/>
+                      </a:endParaRPr>
+                    </a:p>
+                  </a:txBody>
+                  <a:tcPr vert="horz" anchor="ctr">
+                    <a:lnL w="28575" algn="ctr">
+                      <a:solidFill>
+                        <a:schemeClr val="tx1"/>
+                      </a:solidFill>
+                    </a:lnL>
+                    <a:lnR w="28575" algn="ctr">
+                      <a:solidFill>
+                        <a:schemeClr val="tx1"/>
+                      </a:solidFill>
+                    </a:lnR>
+                    <a:lnT w="28575" algn="ctr">
+                      <a:solidFill>
+                        <a:schemeClr val="tx1"/>
+                      </a:solidFill>
+                    </a:lnT>
+                    <a:lnB w="28575" algn="ctr">
+                      <a:solidFill>
+                        <a:schemeClr val="tx1"/>
+                      </a:solidFill>
+                    </a:lnB>
+                    <a:solidFill>
+                      <a:schemeClr val="tx1">
+                        <a:lumMod val="75000"/>
+                        <a:lumOff val="25000"/>
+                      </a:schemeClr>
+                    </a:solidFill>
+                  </a:tcPr>
+                </a:tc>
+                <a:tc>
+                  <a:txBody>
+                    <a:bodyPr/>
+                    <a:p>
+                      <a:pPr marL="0" marR="0" indent="0" algn="ctr">
+                        <a:spcBef>
+                          <a:spcPts val="0"/>
+                        </a:spcBef>
+                        <a:spcAft>
+                          <a:spcPts val="0"/>
+                        </a:spcAft>
+                        <a:defRPr/>
+                      </a:pPr>
+                      <a:r>
+                        <a:rPr lang="ru-RU" sz="2000" b="1">
+                          <a:latin typeface="Times New Roman"/>
+                          <a:ea typeface="Times New Roman"/>
+                          <a:cs typeface="Times New Roman"/>
+                        </a:rPr>
+                        <a:t>QB</a:t>
+                      </a:r>
+                      <a:endParaRPr lang="ru-RU" sz="2000" b="1">
+                        <a:latin typeface="Times New Roman"/>
+                        <a:ea typeface="Times New Roman"/>
+                        <a:cs typeface="Times New Roman"/>
+                      </a:endParaRPr>
+                    </a:p>
+                  </a:txBody>
+                  <a:tcPr vert="horz" anchor="ctr">
+                    <a:lnL w="28575" algn="ctr">
+                      <a:solidFill>
+                        <a:schemeClr val="tx1"/>
+                      </a:solidFill>
+                    </a:lnL>
+                    <a:lnR w="28575" algn="ctr">
+                      <a:solidFill>
+                        <a:schemeClr val="tx1"/>
+                      </a:solidFill>
+                    </a:lnR>
+                    <a:lnT w="28575" algn="ctr">
+                      <a:solidFill>
+                        <a:schemeClr val="tx1"/>
+                      </a:solidFill>
+                    </a:lnT>
+                    <a:lnB w="28575" algn="ctr">
+                      <a:solidFill>
+                        <a:schemeClr val="tx1"/>
+                      </a:solidFill>
+                    </a:lnB>
+                    <a:solidFill>
+                      <a:schemeClr val="bg2"/>
+                    </a:solidFill>
+                  </a:tcPr>
+                </a:tc>
+                <a:tc>
+                  <a:txBody>
+                    <a:bodyPr/>
+                    <a:p>
+                      <a:pPr marL="0" marR="0" indent="0" algn="ctr">
+                        <a:spcBef>
+                          <a:spcPts val="0"/>
+                        </a:spcBef>
+                        <a:spcAft>
+                          <a:spcPts val="0"/>
+                        </a:spcAft>
+                        <a:defRPr/>
+                      </a:pPr>
+                      <a:r>
+                        <a:rPr lang="ru-RU" sz="2000" b="1">
+                          <a:latin typeface="Times New Roman"/>
+                          <a:ea typeface="Times New Roman"/>
+                          <a:cs typeface="Times New Roman"/>
+                        </a:rPr>
+                        <a:t>DC</a:t>
+                      </a:r>
+                      <a:endParaRPr lang="ru-RU" sz="2000" b="1">
+                        <a:latin typeface="Times New Roman"/>
+                        <a:ea typeface="Times New Roman"/>
+                        <a:cs typeface="Times New Roman"/>
+                      </a:endParaRPr>
+                    </a:p>
+                  </a:txBody>
+                  <a:tcPr vert="horz" anchor="ctr">
+                    <a:lnL w="28575" algn="ctr">
+                      <a:solidFill>
+                        <a:schemeClr val="tx1"/>
+                      </a:solidFill>
+                    </a:lnL>
+                    <a:lnR w="28575" algn="ctr">
+                      <a:solidFill>
+                        <a:schemeClr val="tx1"/>
+                      </a:solidFill>
+                    </a:lnR>
+                    <a:lnT w="28575" algn="ctr">
+                      <a:solidFill>
+                        <a:schemeClr val="tx1"/>
+                      </a:solidFill>
+                    </a:lnT>
+                    <a:lnB w="28575" algn="ctr">
+                      <a:solidFill>
+                        <a:schemeClr val="tx1"/>
+                      </a:solidFill>
+                    </a:lnB>
+                    <a:solidFill>
+                      <a:schemeClr val="bg1"/>
+                    </a:solidFill>
+                  </a:tcPr>
+                </a:tc>
+                <a:tc>
+                  <a:txBody>
+                    <a:bodyPr/>
+                    <a:p>
+                      <a:pPr marL="0" marR="0" indent="0" algn="ctr">
+                        <a:spcBef>
+                          <a:spcPts val="0"/>
+                        </a:spcBef>
+                        <a:spcAft>
+                          <a:spcPts val="0"/>
+                        </a:spcAft>
+                        <a:defRPr/>
+                      </a:pPr>
+                      <a:r>
+                        <a:rPr lang="ru-RU" sz="2000" b="1">
+                          <a:latin typeface="Times New Roman"/>
+                          <a:ea typeface="Times New Roman"/>
+                          <a:cs typeface="Times New Roman"/>
+                        </a:rPr>
+                        <a:t>Onion</a:t>
+                      </a:r>
+                      <a:endParaRPr lang="ru-RU" sz="2000" b="1">
+                        <a:latin typeface="Times New Roman"/>
+                        <a:ea typeface="Times New Roman"/>
+                        <a:cs typeface="Times New Roman"/>
+                      </a:endParaRPr>
+                    </a:p>
+                  </a:txBody>
+                  <a:tcPr vert="horz" anchor="ctr">
+                    <a:lnL w="28575" algn="ctr">
+                      <a:solidFill>
+                        <a:schemeClr val="tx1"/>
+                      </a:solidFill>
+                    </a:lnL>
+                    <a:lnR w="28575" algn="ctr">
+                      <a:solidFill>
+                        <a:schemeClr val="tx1"/>
+                      </a:solidFill>
+                    </a:lnR>
+                    <a:lnT w="28575" algn="ctr">
+                      <a:solidFill>
+                        <a:schemeClr val="tx1"/>
+                      </a:solidFill>
+                    </a:lnT>
+                    <a:lnB w="28575" algn="ctr">
+                      <a:solidFill>
+                        <a:schemeClr val="tx1"/>
+                      </a:solidFill>
+                    </a:lnB>
+                    <a:solidFill>
+                      <a:schemeClr val="bg1"/>
+                    </a:solidFill>
+                  </a:tcPr>
+                </a:tc>
+                <a:tc>
+                  <a:txBody>
+                    <a:bodyPr/>
+                    <a:p>
+                      <a:pPr marL="0" marR="0" indent="0" algn="ctr">
+                        <a:spcBef>
+                          <a:spcPts val="0"/>
+                        </a:spcBef>
+                        <a:spcAft>
+                          <a:spcPts val="0"/>
+                        </a:spcAft>
+                        <a:defRPr/>
+                      </a:pPr>
+                      <a:r>
+                        <a:rPr lang="ru-RU" sz="2000" b="1">
+                          <a:latin typeface="Times New Roman"/>
+                          <a:ea typeface="Times New Roman"/>
+                          <a:cs typeface="Times New Roman"/>
+                        </a:rPr>
+                        <a:t>Onion</a:t>
+                      </a:r>
+                      <a:endParaRPr lang="ru-RU" sz="2000" b="1">
+                        <a:latin typeface="Times New Roman"/>
+                        <a:ea typeface="Times New Roman"/>
+                        <a:cs typeface="Times New Roman"/>
+                      </a:endParaRPr>
+                    </a:p>
+                  </a:txBody>
+                  <a:tcPr vert="horz" anchor="ctr">
+                    <a:lnL w="28575" algn="ctr">
+                      <a:solidFill>
+                        <a:schemeClr val="tx1"/>
+                      </a:solidFill>
+                    </a:lnL>
+                    <a:lnR w="28575" algn="ctr">
+                      <a:solidFill>
+                        <a:schemeClr val="tx1"/>
+                      </a:solidFill>
+                    </a:lnR>
+                    <a:lnT w="28575" algn="ctr">
+                      <a:solidFill>
+                        <a:schemeClr val="tx1"/>
+                      </a:solidFill>
+                    </a:lnT>
+                    <a:lnB w="28575" algn="ctr">
+                      <a:solidFill>
+                        <a:schemeClr val="tx1"/>
+                      </a:solidFill>
+                    </a:lnB>
+                    <a:solidFill>
+                      <a:schemeClr val="bg1"/>
+                    </a:solidFill>
+                  </a:tcPr>
+                </a:tc>
+                <a:tc>
+                  <a:txBody>
+                    <a:bodyPr/>
+                    <a:p>
+                      <a:pPr marL="0" marR="0" indent="0" algn="ctr">
+                        <a:spcBef>
+                          <a:spcPts val="0"/>
+                        </a:spcBef>
+                        <a:spcAft>
+                          <a:spcPts val="0"/>
+                        </a:spcAft>
+                        <a:defRPr/>
+                      </a:pPr>
+                      <a:r>
+                        <a:rPr lang="ru-RU" sz="2000" b="1" i="0" u="none" strike="noStrike" cap="none" spc="0">
+                          <a:solidFill>
+                            <a:schemeClr val="dk1"/>
+                          </a:solidFill>
+                          <a:latin typeface="Times New Roman"/>
+                          <a:ea typeface="Times New Roman"/>
+                          <a:cs typeface="Times New Roman"/>
+                        </a:rPr>
+                        <a:t>Onion</a:t>
+                      </a:r>
+                      <a:endParaRPr lang="ru-RU" sz="2000" b="1">
+                        <a:latin typeface="Times New Roman"/>
+                        <a:ea typeface="Times New Roman"/>
+                        <a:cs typeface="Times New Roman"/>
+                      </a:endParaRPr>
+                    </a:p>
+                  </a:txBody>
+                  <a:tcPr vert="horz" anchor="ctr">
+                    <a:lnL w="28575" algn="ctr">
+                      <a:solidFill>
+                        <a:schemeClr val="tx1"/>
+                      </a:solidFill>
+                    </a:lnL>
+                    <a:lnR w="28575" algn="ctr">
+                      <a:solidFill>
+                        <a:schemeClr val="tx1"/>
+                      </a:solidFill>
+                    </a:lnR>
+                    <a:lnT w="28575" algn="ctr">
+                      <a:solidFill>
+                        <a:schemeClr val="tx1"/>
+                      </a:solidFill>
+                    </a:lnT>
+                    <a:lnB w="28575" algn="ctr">
+                      <a:solidFill>
+                        <a:schemeClr val="tx1"/>
+                      </a:solidFill>
+                    </a:lnB>
+                    <a:solidFill>
+                      <a:schemeClr val="bg1"/>
+                    </a:solidFill>
+                  </a:tcPr>
+                </a:tc>
+                <a:tc>
+                  <a:txBody>
+                    <a:bodyPr/>
+                    <a:p>
+                      <a:pPr algn="ctr">
+                        <a:defRPr/>
+                      </a:pPr>
+                      <a:r>
+                        <a:rPr lang="ru-RU" sz="2000" b="1" i="0" u="none" strike="noStrike" cap="none" spc="0">
+                          <a:solidFill>
+                            <a:schemeClr val="dk1"/>
+                          </a:solidFill>
+                          <a:latin typeface="Times New Roman"/>
+                          <a:ea typeface="Times New Roman"/>
+                          <a:cs typeface="Times New Roman"/>
+                        </a:rPr>
+                        <a:t>Proxy</a:t>
+                      </a:r>
+                      <a:endParaRPr lang="ru-RU" sz="2000" b="1">
+                        <a:latin typeface="Times New Roman"/>
+                        <a:ea typeface="Times New Roman"/>
+                        <a:cs typeface="Times New Roman"/>
+                      </a:endParaRPr>
+                    </a:p>
+                  </a:txBody>
+                  <a:tcPr vert="horz" anchor="ctr">
+                    <a:lnL w="28575" algn="ctr">
+                      <a:solidFill>
+                        <a:schemeClr val="tx1"/>
+                      </a:solidFill>
+                    </a:lnL>
+                    <a:lnR w="28575" algn="ctr">
+                      <a:solidFill>
+                        <a:schemeClr val="tx1"/>
+                      </a:solidFill>
+                    </a:lnR>
+                    <a:lnT w="28575" algn="ctr">
+                      <a:solidFill>
+                        <a:schemeClr val="tx1"/>
+                      </a:solidFill>
+                      <a:bevel/>
+                    </a:lnT>
+                    <a:lnB w="28575" algn="ctr">
+                      <a:solidFill>
+                        <a:schemeClr val="tx1"/>
+                      </a:solidFill>
+                    </a:lnB>
+                    <a:solidFill>
+                      <a:schemeClr val="bg1"/>
+                    </a:solidFill>
+                  </a:tcPr>
+                </a:tc>
+              </a:tr>
+            </a:tbl>
+          </a:graphicData>
+        </a:graphic>
+      </p:graphicFrame>
+    </p:spTree>
+  </p:cSld>
+  <p:clrMapOvr>
+    <a:masterClrMapping/>
+  </p:clrMapOvr>
+  <mc:AlternateContent xmlns:mc="http://schemas.openxmlformats.org/markup-compatibility/2006">
+    <mc:Choice xmlns:p159="http://schemas.microsoft.com/office/powerpoint/2015/09/main" xmlns:p14="http://schemas.microsoft.com/office/powerpoint/2010/main" Requires="p159">
+      <p:transition p14:dur="2000" advClick="1"/>
+    </mc:Choice>
+    <mc:Fallback>
+      <p:transition advClick="1"/>
+    </mc:Fallback>
+  </mc:AlternateContent>
+</p:sld>
+</file>
+
+<file path=ppt/slides/slide22.xml><?xml version="1.0" encoding="utf-8"?>
+<p:sld xmlns:a="http://schemas.openxmlformats.org/drawingml/2006/main" xmlns:r="http://schemas.openxmlformats.org/officeDocument/2006/relationships" xmlns:p="http://schemas.openxmlformats.org/presentationml/2006/main" xmlns:m="http://schemas.openxmlformats.org/officeDocument/2006/math" xmlns:w="http://schemas.openxmlformats.org/wordprocessingml/2006/main" showMasterPhAnim="0" show="1">
+  <p:cSld name="">
+    <p:bg>
+      <p:bgPr shadeToTitle="0">
+        <a:solidFill>
+          <a:schemeClr val="tx1"/>
+        </a:solidFill>
+      </p:bgPr>
+    </p:bg>
+    <p:spTree>
+      <p:nvGrpSpPr>
+        <p:cNvPr id="1" name=""/>
+        <p:cNvGrpSpPr/>
+        <p:nvPr/>
+      </p:nvGrpSpPr>
+      <p:grpSpPr bwMode="auto">
+        <a:xfrm>
+          <a:off x="0" y="0"/>
+          <a:ext cx="0" cy="0"/>
+          <a:chOff x="0" y="0"/>
+          <a:chExt cx="0" cy="0"/>
+        </a:xfrm>
+      </p:grpSpPr>
+      <p:sp>
+        <p:nvSpPr>
           <p:cNvPr id="1921860962" name="Subtitle 2"/>
           <p:cNvSpPr>
             <a:spLocks noGrp="1"/>
@@ -10493,12 +14125,18 @@
         </p:blipFill>
         <p:spPr bwMode="auto">
           <a:xfrm flipH="0" flipV="0">
-            <a:off x="7310480" y="2161974"/>
+            <a:off x="7424779" y="2161973"/>
             <a:ext cx="4357644" cy="3791150"/>
           </a:xfrm>
           <a:prstGeom prst="rect">
             <a:avLst/>
           </a:prstGeom>
+          <a:ln w="57150">
+            <a:solidFill>
+              <a:schemeClr val="bg2"/>
+            </a:solidFill>
+            <a:prstDash val="solid"/>
+          </a:ln>
         </p:spPr>
       </p:pic>
     </p:spTree>
@@ -10517,7 +14155,7 @@
 </p:sld>
 </file>
 
-<file path=ppt/slides/slide22.xml><?xml version="1.0" encoding="utf-8"?>
+<file path=ppt/slides/slide23.xml><?xml version="1.0" encoding="utf-8"?>
 <p:sld xmlns:a="http://schemas.openxmlformats.org/drawingml/2006/main" xmlns:r="http://schemas.openxmlformats.org/officeDocument/2006/relationships" xmlns:p="http://schemas.openxmlformats.org/presentationml/2006/main" xmlns:m="http://schemas.openxmlformats.org/officeDocument/2006/math" xmlns:w="http://schemas.openxmlformats.org/wordprocessingml/2006/main" showMasterPhAnim="0" show="1">
   <p:cSld name="">
     <p:bg>
@@ -10758,8 +14396,8 @@
         </p:nvSpPr>
         <p:spPr bwMode="auto">
           <a:xfrm flipH="0" flipV="0">
-            <a:off x="668534" y="2393763"/>
-            <a:ext cx="9829153" cy="3925707"/>
+            <a:off x="668533" y="2393762"/>
+            <a:ext cx="10096665" cy="3925706"/>
           </a:xfrm>
         </p:spPr>
         <p:txBody>
@@ -10961,7 +14599,7 @@
               <a:defRPr/>
             </a:pPr>
             <a:r>
-              <a:rPr lang="ru-RU" sz="2000" b="0" i="0" u="none" strike="noStrike" cap="none" spc="0">
+              <a:rPr lang="ru-RU" sz="2200" b="0" i="0" u="none" strike="noStrike" cap="none" spc="0">
                 <a:solidFill>
                   <a:schemeClr val="bg1"/>
                 </a:solidFill>
@@ -11009,7 +14647,7 @@
               <a:defRPr/>
             </a:pPr>
             <a:r>
-              <a:rPr lang="ru-RU" sz="2000" b="0" i="0" u="none" strike="noStrike" cap="none" spc="0">
+              <a:rPr lang="ru-RU" sz="2200" b="0" i="0" u="none" strike="noStrike" cap="none" spc="0">
                 <a:solidFill>
                   <a:schemeClr val="bg1"/>
                 </a:solidFill>
@@ -11058,7 +14696,7 @@
               <a:defRPr/>
             </a:pPr>
             <a:r>
-              <a:rPr lang="ru-RU" sz="2000" b="0" i="0" u="none" strike="noStrike" cap="none" spc="0">
+              <a:rPr lang="ru-RU" sz="2200" b="0" i="0" u="none" strike="noStrike" cap="none" spc="0">
                 <a:solidFill>
                   <a:schemeClr val="bg1"/>
                 </a:solidFill>
@@ -14076,8 +17714,8 @@
         </p:nvSpPr>
         <p:spPr bwMode="auto">
           <a:xfrm flipH="0" flipV="0">
-            <a:off x="148413" y="255737"/>
-            <a:ext cx="11814663" cy="550217"/>
+            <a:off x="1873" y="408136"/>
+            <a:ext cx="12215197" cy="550216"/>
           </a:xfrm>
         </p:spPr>
         <p:txBody>
@@ -14119,8 +17757,8 @@
           <p:nvPr/>
         </p:nvGraphicFramePr>
         <p:xfrm>
-          <a:off x="1874" y="1104655"/>
-          <a:ext cx="8408275" cy="2961394"/>
+          <a:off x="1873" y="1196241"/>
+          <a:ext cx="12215197" cy="5668152"/>
         </p:xfrm>
         <a:graphic>
           <a:graphicData uri="http://schemas.openxmlformats.org/drawingml/2006/table">
@@ -14474,7 +18112,7 @@
                   </a:tcPr>
                 </a:tc>
               </a:tr>
-              <a:tr h="586985">
+              <a:tr h="511325">
                 <a:tc>
                   <a:txBody>
                     <a:bodyPr/>
@@ -14545,14 +18183,14 @@
                         <a:defRPr/>
                       </a:pPr>
                       <a:r>
-                        <a:rPr lang="ru-RU" sz="2400" b="1">
+                        <a:rPr lang="ru-RU" sz="2800" b="1">
                           <a:latin typeface="Times New Roman"/>
                           <a:ea typeface="Times New Roman"/>
                           <a:cs typeface="Times New Roman"/>
                         </a:rPr>
                         <a:t>+</a:t>
                       </a:r>
-                      <a:endParaRPr sz="2400" b="1">
+                      <a:endParaRPr sz="2800" b="1">
                         <a:latin typeface="Times New Roman"/>
                         <a:cs typeface="Times New Roman"/>
                       </a:endParaRPr>
@@ -14598,14 +18236,14 @@
                         <a:defRPr/>
                       </a:pPr>
                       <a:r>
-                        <a:rPr lang="ru-RU" sz="2400" b="1">
+                        <a:rPr lang="ru-RU" sz="2800" b="1">
                           <a:latin typeface="Times New Roman"/>
                           <a:ea typeface="Times New Roman"/>
                           <a:cs typeface="Times New Roman"/>
                         </a:rPr>
                         <a:t>+</a:t>
                       </a:r>
-                      <a:endParaRPr sz="2400" b="1">
+                      <a:endParaRPr sz="2800" b="1">
                         <a:latin typeface="Times New Roman"/>
                         <a:cs typeface="Times New Roman"/>
                       </a:endParaRPr>
@@ -14651,14 +18289,14 @@
                         <a:defRPr/>
                       </a:pPr>
                       <a:r>
-                        <a:rPr lang="ru-RU" sz="2400" b="1">
+                        <a:rPr lang="ru-RU" sz="2800" b="1">
                           <a:latin typeface="Times New Roman"/>
                           <a:ea typeface="Times New Roman"/>
                           <a:cs typeface="Times New Roman"/>
                         </a:rPr>
                         <a:t>+</a:t>
                       </a:r>
-                      <a:endParaRPr sz="2400" b="1">
+                      <a:endParaRPr sz="2800" b="1">
                         <a:latin typeface="Times New Roman"/>
                         <a:cs typeface="Times New Roman"/>
                       </a:endParaRPr>
@@ -14704,14 +18342,14 @@
                         <a:defRPr/>
                       </a:pPr>
                       <a:r>
-                        <a:rPr lang="ru-RU" sz="2400" b="1">
+                        <a:rPr lang="ru-RU" sz="2800" b="1">
                           <a:latin typeface="Times New Roman"/>
                           <a:ea typeface="Times New Roman"/>
                           <a:cs typeface="Times New Roman"/>
                         </a:rPr>
                         <a:t>-</a:t>
                       </a:r>
-                      <a:endParaRPr sz="2400" b="1">
+                      <a:endParaRPr sz="2800" b="1">
                         <a:latin typeface="Times New Roman"/>
                         <a:cs typeface="Times New Roman"/>
                       </a:endParaRPr>
@@ -14757,14 +18395,14 @@
                         <a:defRPr/>
                       </a:pPr>
                       <a:r>
-                        <a:rPr lang="ru-RU" sz="2400" b="1">
+                        <a:rPr lang="ru-RU" sz="2800" b="1">
                           <a:latin typeface="Times New Roman"/>
                           <a:ea typeface="Times New Roman"/>
                           <a:cs typeface="Times New Roman"/>
                         </a:rPr>
                         <a:t>-</a:t>
                       </a:r>
-                      <a:endParaRPr sz="2400" b="1">
+                      <a:endParaRPr sz="2800" b="1">
                         <a:latin typeface="Times New Roman"/>
                         <a:cs typeface="Times New Roman"/>
                       </a:endParaRPr>
@@ -14868,14 +18506,14 @@
                         <a:defRPr/>
                       </a:pPr>
                       <a:r>
-                        <a:rPr lang="ru-RU" sz="2400" b="1">
+                        <a:rPr lang="ru-RU" sz="2800" b="1">
                           <a:latin typeface="Times New Roman"/>
                           <a:ea typeface="Times New Roman"/>
                           <a:cs typeface="Times New Roman"/>
                         </a:rPr>
                         <a:t>-</a:t>
                       </a:r>
-                      <a:endParaRPr sz="2400" b="1">
+                      <a:endParaRPr sz="2800" b="1">
                         <a:latin typeface="Times New Roman"/>
                         <a:cs typeface="Times New Roman"/>
                       </a:endParaRPr>
@@ -14921,14 +18559,14 @@
                         <a:defRPr/>
                       </a:pPr>
                       <a:r>
-                        <a:rPr lang="ru-RU" sz="2400" b="1">
+                        <a:rPr lang="ru-RU" sz="2800" b="1">
                           <a:latin typeface="Times New Roman"/>
                           <a:ea typeface="Times New Roman"/>
                           <a:cs typeface="Times New Roman"/>
                         </a:rPr>
                         <a:t>+</a:t>
                       </a:r>
-                      <a:endParaRPr sz="2400" b="1">
+                      <a:endParaRPr sz="2800" b="1">
                         <a:latin typeface="Times New Roman"/>
                         <a:cs typeface="Times New Roman"/>
                       </a:endParaRPr>
@@ -14974,14 +18612,14 @@
                         <a:defRPr/>
                       </a:pPr>
                       <a:r>
-                        <a:rPr lang="ru-RU" sz="2400" b="1">
+                        <a:rPr lang="ru-RU" sz="2800" b="1">
                           <a:latin typeface="Times New Roman"/>
                           <a:ea typeface="Times New Roman"/>
                           <a:cs typeface="Times New Roman"/>
                         </a:rPr>
                         <a:t>-</a:t>
                       </a:r>
-                      <a:endParaRPr sz="2400" b="1">
+                      <a:endParaRPr sz="2800" b="1">
                         <a:latin typeface="Times New Roman"/>
                         <a:cs typeface="Times New Roman"/>
                       </a:endParaRPr>
@@ -15027,14 +18665,14 @@
                         <a:defRPr/>
                       </a:pPr>
                       <a:r>
-                        <a:rPr lang="ru-RU" sz="2400" b="1">
+                        <a:rPr lang="ru-RU" sz="2800" b="1">
                           <a:latin typeface="Times New Roman"/>
                           <a:ea typeface="Times New Roman"/>
                           <a:cs typeface="Times New Roman"/>
                         </a:rPr>
                         <a:t>-</a:t>
                       </a:r>
-                      <a:endParaRPr sz="2400" b="1">
+                      <a:endParaRPr sz="2800" b="1">
                         <a:latin typeface="Times New Roman"/>
                         <a:cs typeface="Times New Roman"/>
                       </a:endParaRPr>
@@ -15080,14 +18718,14 @@
                         <a:defRPr/>
                       </a:pPr>
                       <a:r>
-                        <a:rPr lang="ru-RU" sz="2400" b="1">
+                        <a:rPr lang="ru-RU" sz="2800" b="1">
                           <a:latin typeface="Times New Roman"/>
                           <a:ea typeface="Times New Roman"/>
                           <a:cs typeface="Times New Roman"/>
                         </a:rPr>
                         <a:t>-</a:t>
                       </a:r>
-                      <a:endParaRPr sz="2400" b="1">
+                      <a:endParaRPr sz="2800" b="1">
                         <a:latin typeface="Times New Roman"/>
                         <a:cs typeface="Times New Roman"/>
                       </a:endParaRPr>
@@ -15191,14 +18829,14 @@
                         <a:defRPr/>
                       </a:pPr>
                       <a:r>
-                        <a:rPr lang="ru-RU" sz="2400" b="1">
+                        <a:rPr lang="ru-RU" sz="2800" b="1">
                           <a:latin typeface="Times New Roman"/>
                           <a:ea typeface="Times New Roman"/>
                           <a:cs typeface="Times New Roman"/>
                         </a:rPr>
                         <a:t>-</a:t>
                       </a:r>
-                      <a:endParaRPr sz="2400" b="1">
+                      <a:endParaRPr sz="2800" b="1">
                         <a:latin typeface="Times New Roman"/>
                         <a:cs typeface="Times New Roman"/>
                       </a:endParaRPr>
@@ -15244,14 +18882,14 @@
                         <a:defRPr/>
                       </a:pPr>
                       <a:r>
-                        <a:rPr lang="ru-RU" sz="2400" b="1">
+                        <a:rPr lang="ru-RU" sz="2800" b="1">
                           <a:latin typeface="Times New Roman"/>
                           <a:ea typeface="Times New Roman"/>
                           <a:cs typeface="Times New Roman"/>
                         </a:rPr>
                         <a:t>+</a:t>
                       </a:r>
-                      <a:endParaRPr sz="2400" b="1">
+                      <a:endParaRPr sz="2800" b="1">
                         <a:latin typeface="Times New Roman"/>
                         <a:cs typeface="Times New Roman"/>
                       </a:endParaRPr>
@@ -15297,14 +18935,14 @@
                         <a:defRPr/>
                       </a:pPr>
                       <a:r>
-                        <a:rPr lang="ru-RU" sz="2400" b="1">
+                        <a:rPr lang="ru-RU" sz="2800" b="1">
                           <a:latin typeface="Times New Roman"/>
                           <a:ea typeface="Times New Roman"/>
                           <a:cs typeface="Times New Roman"/>
                         </a:rPr>
                         <a:t>+</a:t>
                       </a:r>
-                      <a:endParaRPr sz="2400" b="1">
+                      <a:endParaRPr sz="2800" b="1">
                         <a:latin typeface="Times New Roman"/>
                         <a:cs typeface="Times New Roman"/>
                       </a:endParaRPr>
@@ -15350,14 +18988,14 @@
                         <a:defRPr/>
                       </a:pPr>
                       <a:r>
-                        <a:rPr lang="ru-RU" sz="2400" b="1">
+                        <a:rPr lang="ru-RU" sz="2800" b="1">
                           <a:latin typeface="Times New Roman"/>
                           <a:ea typeface="Times New Roman"/>
                           <a:cs typeface="Times New Roman"/>
                         </a:rPr>
                         <a:t>+</a:t>
                       </a:r>
-                      <a:endParaRPr sz="2400" b="1">
+                      <a:endParaRPr sz="2800" b="1">
                         <a:latin typeface="Times New Roman"/>
                         <a:cs typeface="Times New Roman"/>
                       </a:endParaRPr>
@@ -15403,14 +19041,14 @@
                         <a:defRPr/>
                       </a:pPr>
                       <a:r>
-                        <a:rPr lang="ru-RU" sz="2400" b="1">
+                        <a:rPr lang="ru-RU" sz="2800" b="1">
                           <a:latin typeface="Times New Roman"/>
                           <a:ea typeface="Times New Roman"/>
                           <a:cs typeface="Times New Roman"/>
                         </a:rPr>
                         <a:t>-</a:t>
                       </a:r>
-                      <a:endParaRPr sz="2400" b="1">
+                      <a:endParaRPr sz="2800" b="1">
                         <a:latin typeface="Times New Roman"/>
                         <a:cs typeface="Times New Roman"/>
                       </a:endParaRPr>
@@ -15514,14 +19152,14 @@
                         <a:defRPr/>
                       </a:pPr>
                       <a:r>
-                        <a:rPr lang="ru-RU" sz="2400" b="1">
+                        <a:rPr lang="ru-RU" sz="2800" b="1">
                           <a:latin typeface="Times New Roman"/>
                           <a:ea typeface="Times New Roman"/>
                           <a:cs typeface="Times New Roman"/>
                         </a:rPr>
                         <a:t>-</a:t>
                       </a:r>
-                      <a:endParaRPr sz="2400" b="1">
+                      <a:endParaRPr sz="2800" b="1">
                         <a:latin typeface="Times New Roman"/>
                         <a:cs typeface="Times New Roman"/>
                       </a:endParaRPr>
@@ -15567,14 +19205,14 @@
                         <a:defRPr/>
                       </a:pPr>
                       <a:r>
-                        <a:rPr lang="ru-RU" sz="2400" b="1">
+                        <a:rPr lang="ru-RU" sz="2800" b="1">
                           <a:latin typeface="Times New Roman"/>
                           <a:ea typeface="Times New Roman"/>
                           <a:cs typeface="Times New Roman"/>
                         </a:rPr>
                         <a:t>+</a:t>
                       </a:r>
-                      <a:endParaRPr sz="2400" b="1">
+                      <a:endParaRPr sz="2800" b="1">
                         <a:latin typeface="Times New Roman"/>
                         <a:cs typeface="Times New Roman"/>
                       </a:endParaRPr>
@@ -15620,14 +19258,14 @@
                         <a:defRPr/>
                       </a:pPr>
                       <a:r>
-                        <a:rPr lang="ru-RU" sz="2400" b="1">
+                        <a:rPr lang="ru-RU" sz="2800" b="1">
                           <a:latin typeface="Times New Roman"/>
                           <a:ea typeface="Times New Roman"/>
                           <a:cs typeface="Times New Roman"/>
                         </a:rPr>
                         <a:t>-</a:t>
                       </a:r>
-                      <a:endParaRPr sz="2400" b="1">
+                      <a:endParaRPr sz="2800" b="1">
                         <a:latin typeface="Times New Roman"/>
                         <a:cs typeface="Times New Roman"/>
                       </a:endParaRPr>
@@ -15673,14 +19311,14 @@
                         <a:defRPr/>
                       </a:pPr>
                       <a:r>
-                        <a:rPr lang="ru-RU" sz="2400" b="1">
+                        <a:rPr lang="ru-RU" sz="2800" b="1">
                           <a:latin typeface="Times New Roman"/>
                           <a:ea typeface="Times New Roman"/>
                           <a:cs typeface="Times New Roman"/>
                         </a:rPr>
                         <a:t>+/-</a:t>
                       </a:r>
-                      <a:endParaRPr sz="2400" b="1">
+                      <a:endParaRPr sz="2800" b="1">
                         <a:latin typeface="Times New Roman"/>
                         <a:cs typeface="Times New Roman"/>
                       </a:endParaRPr>
@@ -15726,14 +19364,14 @@
                         <a:defRPr/>
                       </a:pPr>
                       <a:r>
-                        <a:rPr lang="ru-RU" sz="2400" b="1">
+                        <a:rPr lang="ru-RU" sz="2800" b="1">
                           <a:latin typeface="Times New Roman"/>
                           <a:ea typeface="Times New Roman"/>
                           <a:cs typeface="Times New Roman"/>
                         </a:rPr>
                         <a:t>+/-</a:t>
                       </a:r>
-                      <a:endParaRPr sz="2400" b="1">
+                      <a:endParaRPr sz="2800" b="1">
                         <a:latin typeface="Times New Roman"/>
                         <a:cs typeface="Times New Roman"/>
                       </a:endParaRPr>
@@ -15837,14 +19475,14 @@
                         <a:defRPr/>
                       </a:pPr>
                       <a:r>
-                        <a:rPr lang="ru-RU" sz="2400" b="1">
+                        <a:rPr lang="ru-RU" sz="2800" b="1">
                           <a:latin typeface="Times New Roman"/>
                           <a:ea typeface="Times New Roman"/>
                           <a:cs typeface="Times New Roman"/>
                         </a:rPr>
                         <a:t>+/-</a:t>
                       </a:r>
-                      <a:endParaRPr sz="2400" b="1">
+                      <a:endParaRPr sz="2800" b="1">
                         <a:latin typeface="Times New Roman"/>
                         <a:cs typeface="Times New Roman"/>
                       </a:endParaRPr>
@@ -15890,14 +19528,14 @@
                         <a:defRPr/>
                       </a:pPr>
                       <a:r>
-                        <a:rPr lang="ru-RU" sz="2400" b="1">
+                        <a:rPr lang="ru-RU" sz="2800" b="1">
                           <a:latin typeface="Times New Roman"/>
                           <a:ea typeface="Times New Roman"/>
                           <a:cs typeface="Times New Roman"/>
                         </a:rPr>
                         <a:t>-</a:t>
                       </a:r>
-                      <a:endParaRPr sz="2400" b="1">
+                      <a:endParaRPr sz="2800" b="1">
                         <a:latin typeface="Times New Roman"/>
                         <a:cs typeface="Times New Roman"/>
                       </a:endParaRPr>
@@ -15943,14 +19581,14 @@
                         <a:defRPr/>
                       </a:pPr>
                       <a:r>
-                        <a:rPr lang="ru-RU" sz="2400" b="1">
+                        <a:rPr lang="ru-RU" sz="2800" b="1">
                           <a:latin typeface="Times New Roman"/>
                           <a:ea typeface="Times New Roman"/>
                           <a:cs typeface="Times New Roman"/>
                         </a:rPr>
                         <a:t>+</a:t>
                       </a:r>
-                      <a:endParaRPr sz="2400" b="1">
+                      <a:endParaRPr sz="2800" b="1">
                         <a:latin typeface="Times New Roman"/>
                         <a:cs typeface="Times New Roman"/>
                       </a:endParaRPr>
@@ -15996,14 +19634,14 @@
                         <a:defRPr/>
                       </a:pPr>
                       <a:r>
-                        <a:rPr lang="ru-RU" sz="2400" b="1">
+                        <a:rPr lang="ru-RU" sz="2800" b="1">
                           <a:latin typeface="Times New Roman"/>
                           <a:ea typeface="Times New Roman"/>
                           <a:cs typeface="Times New Roman"/>
                         </a:rPr>
                         <a:t>-</a:t>
                       </a:r>
-                      <a:endParaRPr sz="2400" b="1">
+                      <a:endParaRPr sz="2800" b="1">
                         <a:latin typeface="Times New Roman"/>
                         <a:cs typeface="Times New Roman"/>
                       </a:endParaRPr>
@@ -16049,14 +19687,14 @@
                         <a:defRPr/>
                       </a:pPr>
                       <a:r>
-                        <a:rPr lang="ru-RU" sz="2400" b="1">
+                        <a:rPr lang="ru-RU" sz="2800" b="1">
                           <a:latin typeface="Times New Roman"/>
                           <a:ea typeface="Times New Roman"/>
                           <a:cs typeface="Times New Roman"/>
                         </a:rPr>
                         <a:t>-</a:t>
                       </a:r>
-                      <a:endParaRPr sz="2400" b="1">
+                      <a:endParaRPr sz="2800" b="1">
                         <a:latin typeface="Times New Roman"/>
                         <a:cs typeface="Times New Roman"/>
                       </a:endParaRPr>
@@ -16136,6 +19774,7 @@
                       <a:solidFill>
                         <a:schemeClr val="tx1"/>
                       </a:solidFill>
+                      <a:bevel/>
                     </a:lnB>
                     <a:solidFill>
                       <a:schemeClr val="tx1">
@@ -16159,14 +19798,14 @@
                         <a:defRPr/>
                       </a:pPr>
                       <a:r>
-                        <a:rPr lang="ru-RU" sz="2400" b="1">
+                        <a:rPr lang="ru-RU" sz="2800" b="1">
                           <a:latin typeface="Times New Roman"/>
                           <a:ea typeface="Times New Roman"/>
                           <a:cs typeface="Times New Roman"/>
                         </a:rPr>
                         <a:t>+</a:t>
                       </a:r>
-                      <a:endParaRPr sz="2400" b="1">
+                      <a:endParaRPr sz="2800" b="1">
                         <a:latin typeface="Times New Roman"/>
                         <a:cs typeface="Times New Roman"/>
                       </a:endParaRPr>
@@ -16192,6 +19831,7 @@
                       <a:solidFill>
                         <a:schemeClr val="tx1"/>
                       </a:solidFill>
+                      <a:bevel/>
                     </a:lnB>
                     <a:solidFill>
                       <a:schemeClr val="bg2"/>
@@ -16212,14 +19852,14 @@
                         <a:defRPr/>
                       </a:pPr>
                       <a:r>
-                        <a:rPr lang="ru-RU" sz="2400" b="1">
+                        <a:rPr lang="ru-RU" sz="2800" b="1">
                           <a:latin typeface="Times New Roman"/>
                           <a:ea typeface="Times New Roman"/>
                           <a:cs typeface="Times New Roman"/>
                         </a:rPr>
                         <a:t>-</a:t>
                       </a:r>
-                      <a:endParaRPr sz="2400" b="1">
+                      <a:endParaRPr sz="2800" b="1">
                         <a:latin typeface="Times New Roman"/>
                         <a:cs typeface="Times New Roman"/>
                       </a:endParaRPr>
@@ -16235,6 +19875,7 @@
                       <a:solidFill>
                         <a:schemeClr val="tx1"/>
                       </a:solidFill>
+                      <a:bevel/>
                     </a:lnR>
                     <a:lnT w="28575" algn="ctr">
                       <a:solidFill>
@@ -16265,14 +19906,14 @@
                         <a:defRPr/>
                       </a:pPr>
                       <a:r>
-                        <a:rPr lang="ru-RU" sz="2400" b="1">
+                        <a:rPr lang="ru-RU" sz="2800" b="1">
                           <a:latin typeface="Times New Roman"/>
                           <a:ea typeface="Times New Roman"/>
                           <a:cs typeface="Times New Roman"/>
                         </a:rPr>
                         <a:t>-</a:t>
                       </a:r>
-                      <a:endParaRPr sz="2400" b="1">
+                      <a:endParaRPr sz="2800" b="1">
                         <a:latin typeface="Times New Roman"/>
                         <a:cs typeface="Times New Roman"/>
                       </a:endParaRPr>
@@ -16288,6 +19929,7 @@
                       <a:solidFill>
                         <a:schemeClr val="tx1"/>
                       </a:solidFill>
+                      <a:bevel/>
                     </a:lnR>
                     <a:lnT w="28575" algn="ctr">
                       <a:solidFill>
@@ -16318,14 +19960,14 @@
                         <a:defRPr/>
                       </a:pPr>
                       <a:r>
-                        <a:rPr lang="ru-RU" sz="2400" b="1">
+                        <a:rPr lang="ru-RU" sz="2800" b="1">
                           <a:latin typeface="Times New Roman"/>
                           <a:ea typeface="Times New Roman"/>
                           <a:cs typeface="Times New Roman"/>
                         </a:rPr>
                         <a:t>-</a:t>
                       </a:r>
-                      <a:endParaRPr sz="2400" b="1">
+                      <a:endParaRPr sz="2800" b="1">
                         <a:latin typeface="Times New Roman"/>
                         <a:cs typeface="Times New Roman"/>
                       </a:endParaRPr>
@@ -16341,6 +19983,7 @@
                       <a:solidFill>
                         <a:schemeClr val="tx1"/>
                       </a:solidFill>
+                      <a:bevel/>
                     </a:lnR>
                     <a:lnT w="28575" algn="ctr">
                       <a:solidFill>
@@ -16371,14 +20014,14 @@
                         <a:defRPr/>
                       </a:pPr>
                       <a:r>
-                        <a:rPr lang="ru-RU" sz="2400" b="1">
+                        <a:rPr lang="ru-RU" sz="2800" b="1">
                           <a:latin typeface="Times New Roman"/>
                           <a:ea typeface="Times New Roman"/>
                           <a:cs typeface="Times New Roman"/>
                         </a:rPr>
                         <a:t>-</a:t>
                       </a:r>
-                      <a:endParaRPr sz="2400" b="1">
+                      <a:endParaRPr sz="2800" b="1">
                         <a:latin typeface="Times New Roman"/>
                         <a:cs typeface="Times New Roman"/>
                       </a:endParaRPr>
@@ -16394,6 +20037,7 @@
                       <a:solidFill>
                         <a:schemeClr val="tx1"/>
                       </a:solidFill>
+                      <a:bevel/>
                     </a:lnR>
                     <a:lnT w="28575" algn="ctr">
                       <a:solidFill>
@@ -16454,6 +20098,7 @@
                       <a:solidFill>
                         <a:schemeClr val="tx1"/>
                       </a:solidFill>
+                      <a:bevel/>
                     </a:lnT>
                     <a:lnB w="28575" algn="ctr">
                       <a:solidFill>
@@ -16482,14 +20127,14 @@
                         <a:defRPr/>
                       </a:pPr>
                       <a:r>
-                        <a:rPr lang="ru-RU" sz="2400" b="1">
+                        <a:rPr lang="ru-RU" sz="2800" b="1">
                           <a:latin typeface="Times New Roman"/>
                           <a:ea typeface="Times New Roman"/>
                           <a:cs typeface="Times New Roman"/>
                         </a:rPr>
                         <a:t>-</a:t>
                       </a:r>
-                      <a:endParaRPr sz="2400" b="1">
+                      <a:endParaRPr sz="2800" b="1">
                         <a:latin typeface="Times New Roman"/>
                         <a:cs typeface="Times New Roman"/>
                       </a:endParaRPr>
@@ -16505,6 +20150,7 @@
                       <a:solidFill>
                         <a:schemeClr val="tx1"/>
                       </a:solidFill>
+                      <a:bevel/>
                     </a:lnR>
                     <a:lnT w="28575" algn="ctr">
                       <a:solidFill>
@@ -16535,14 +20181,14 @@
                         <a:defRPr/>
                       </a:pPr>
                       <a:r>
-                        <a:rPr lang="ru-RU" sz="2400" b="1">
+                        <a:rPr lang="ru-RU" sz="2800" b="1">
                           <a:latin typeface="Times New Roman"/>
                           <a:ea typeface="Times New Roman"/>
                           <a:cs typeface="Times New Roman"/>
                         </a:rPr>
                         <a:t>-</a:t>
                       </a:r>
-                      <a:endParaRPr sz="2400" b="1">
+                      <a:endParaRPr sz="2800" b="1">
                         <a:latin typeface="Times New Roman"/>
                         <a:cs typeface="Times New Roman"/>
                       </a:endParaRPr>
@@ -16553,6 +20199,7 @@
                       <a:solidFill>
                         <a:schemeClr val="tx1"/>
                       </a:solidFill>
+                      <a:bevel/>
                     </a:lnL>
                     <a:lnR w="28575" algn="ctr">
                       <a:solidFill>
@@ -16588,14 +20235,14 @@
                         <a:defRPr/>
                       </a:pPr>
                       <a:r>
-                        <a:rPr lang="ru-RU" sz="2400" b="1">
+                        <a:rPr lang="ru-RU" sz="2800" b="1">
                           <a:latin typeface="Times New Roman"/>
                           <a:ea typeface="Times New Roman"/>
                           <a:cs typeface="Times New Roman"/>
                         </a:rPr>
                         <a:t>-</a:t>
                       </a:r>
-                      <a:endParaRPr sz="2400" b="1">
+                      <a:endParaRPr sz="2800" b="1">
                         <a:latin typeface="Times New Roman"/>
                         <a:cs typeface="Times New Roman"/>
                       </a:endParaRPr>
@@ -16616,6 +20263,7 @@
                       <a:solidFill>
                         <a:schemeClr val="tx1"/>
                       </a:solidFill>
+                      <a:bevel/>
                     </a:lnT>
                     <a:lnB w="28575" algn="ctr">
                       <a:solidFill>
@@ -16641,14 +20289,14 @@
                         <a:defRPr/>
                       </a:pPr>
                       <a:r>
-                        <a:rPr lang="ru-RU" sz="2400" b="1">
+                        <a:rPr lang="ru-RU" sz="2800" b="1">
                           <a:latin typeface="Times New Roman"/>
                           <a:ea typeface="Times New Roman"/>
                           <a:cs typeface="Times New Roman"/>
                         </a:rPr>
                         <a:t>+</a:t>
                       </a:r>
-                      <a:endParaRPr sz="2400" b="1">
+                      <a:endParaRPr sz="2800" b="1">
                         <a:latin typeface="Times New Roman"/>
                         <a:cs typeface="Times New Roman"/>
                       </a:endParaRPr>
@@ -16659,6 +20307,7 @@
                       <a:solidFill>
                         <a:schemeClr val="tx1"/>
                       </a:solidFill>
+                      <a:bevel/>
                     </a:lnL>
                     <a:lnR w="28575" algn="ctr">
                       <a:solidFill>
@@ -16694,14 +20343,14 @@
                         <a:defRPr/>
                       </a:pPr>
                       <a:r>
-                        <a:rPr lang="ru-RU" sz="2400" b="1">
+                        <a:rPr lang="ru-RU" sz="2800" b="1">
                           <a:latin typeface="Times New Roman"/>
                           <a:ea typeface="Times New Roman"/>
                           <a:cs typeface="Times New Roman"/>
                         </a:rPr>
                         <a:t>+</a:t>
                       </a:r>
-                      <a:endParaRPr sz="2400" b="1">
+                      <a:endParaRPr sz="2800" b="1">
                         <a:latin typeface="Times New Roman"/>
                         <a:cs typeface="Times New Roman"/>
                       </a:endParaRPr>
@@ -16722,6 +20371,7 @@
                       <a:solidFill>
                         <a:schemeClr val="tx1"/>
                       </a:solidFill>
+                      <a:bevel/>
                     </a:lnT>
                     <a:lnB w="28575" algn="ctr">
                       <a:solidFill>
@@ -16805,14 +20455,14 @@
                         <a:defRPr/>
                       </a:pPr>
                       <a:r>
-                        <a:rPr lang="ru-RU" sz="2400" b="1">
+                        <a:rPr lang="ru-RU" sz="2800" b="1">
                           <a:latin typeface="Times New Roman"/>
                           <a:ea typeface="Times New Roman"/>
                           <a:cs typeface="Times New Roman"/>
                         </a:rPr>
                         <a:t>+</a:t>
                       </a:r>
-                      <a:endParaRPr sz="2400" b="1">
+                      <a:endParaRPr sz="2800" b="1">
                         <a:latin typeface="Times New Roman"/>
                         <a:cs typeface="Times New Roman"/>
                       </a:endParaRPr>
@@ -16858,14 +20508,14 @@
                         <a:defRPr/>
                       </a:pPr>
                       <a:r>
-                        <a:rPr lang="ru-RU" sz="2400" b="1">
+                        <a:rPr lang="ru-RU" sz="2800" b="1">
                           <a:latin typeface="Times New Roman"/>
                           <a:ea typeface="Times New Roman"/>
                           <a:cs typeface="Times New Roman"/>
                         </a:rPr>
                         <a:t>-</a:t>
                       </a:r>
-                      <a:endParaRPr sz="2400" b="1">
+                      <a:endParaRPr sz="2800" b="1">
                         <a:latin typeface="Times New Roman"/>
                         <a:cs typeface="Times New Roman"/>
                       </a:endParaRPr>
@@ -16911,14 +20561,14 @@
                         <a:defRPr/>
                       </a:pPr>
                       <a:r>
-                        <a:rPr lang="ru-RU" sz="2400" b="1">
+                        <a:rPr lang="ru-RU" sz="2800" b="1">
                           <a:latin typeface="Times New Roman"/>
                           <a:ea typeface="Times New Roman"/>
                           <a:cs typeface="Times New Roman"/>
                         </a:rPr>
                         <a:t>-</a:t>
                       </a:r>
-                      <a:endParaRPr sz="2400" b="1">
+                      <a:endParaRPr sz="2800" b="1">
                         <a:latin typeface="Times New Roman"/>
                         <a:cs typeface="Times New Roman"/>
                       </a:endParaRPr>
@@ -16964,14 +20614,14 @@
                         <a:defRPr/>
                       </a:pPr>
                       <a:r>
-                        <a:rPr lang="ru-RU" sz="2400" b="1">
+                        <a:rPr lang="ru-RU" sz="2800" b="1">
                           <a:latin typeface="Times New Roman"/>
                           <a:ea typeface="Times New Roman"/>
                           <a:cs typeface="Times New Roman"/>
                         </a:rPr>
                         <a:t>+</a:t>
                       </a:r>
-                      <a:endParaRPr sz="2400" b="1">
+                      <a:endParaRPr sz="2800" b="1">
                         <a:latin typeface="Times New Roman"/>
                         <a:cs typeface="Times New Roman"/>
                       </a:endParaRPr>
@@ -16992,6 +20642,7 @@
                       <a:solidFill>
                         <a:schemeClr val="tx1"/>
                       </a:solidFill>
+                      <a:bevel/>
                     </a:lnT>
                     <a:lnB w="28575" algn="ctr">
                       <a:solidFill>
@@ -17017,14 +20668,14 @@
                         <a:defRPr/>
                       </a:pPr>
                       <a:r>
-                        <a:rPr lang="ru-RU" sz="2400" b="1">
+                        <a:rPr lang="ru-RU" sz="2800" b="1">
                           <a:latin typeface="Times New Roman"/>
                           <a:ea typeface="Times New Roman"/>
                           <a:cs typeface="Times New Roman"/>
                         </a:rPr>
                         <a:t>+</a:t>
                       </a:r>
-                      <a:endParaRPr sz="2400" b="1">
+                      <a:endParaRPr sz="2800" b="1">
                         <a:latin typeface="Times New Roman"/>
                         <a:cs typeface="Times New Roman"/>
                       </a:endParaRPr>
@@ -17100,6 +20751,7 @@
                       <a:solidFill>
                         <a:schemeClr val="tx1"/>
                       </a:solidFill>
+                      <a:bevel/>
                     </a:lnT>
                     <a:lnB w="28575" algn="ctr">
                       <a:solidFill>
@@ -17128,14 +20780,14 @@
                         <a:defRPr/>
                       </a:pPr>
                       <a:r>
-                        <a:rPr lang="ru-RU" sz="2000" b="1">
+                        <a:rPr lang="ru-RU" sz="2200" b="1">
                           <a:latin typeface="Times New Roman"/>
                           <a:ea typeface="Times New Roman"/>
                           <a:cs typeface="Times New Roman"/>
                         </a:rPr>
                         <a:t>5^</a:t>
                       </a:r>
-                      <a:endParaRPr sz="2000" b="1">
+                      <a:endParaRPr sz="2200" b="1">
                         <a:latin typeface="Times New Roman"/>
                         <a:cs typeface="Times New Roman"/>
                       </a:endParaRPr>
@@ -17181,14 +20833,14 @@
                         <a:defRPr/>
                       </a:pPr>
                       <a:r>
-                        <a:rPr lang="ru-RU" sz="2000" b="1">
+                        <a:rPr lang="ru-RU" sz="2200" b="1">
                           <a:latin typeface="Times New Roman"/>
                           <a:ea typeface="Times New Roman"/>
                           <a:cs typeface="Times New Roman"/>
                         </a:rPr>
                         <a:t>6</a:t>
                       </a:r>
-                      <a:endParaRPr sz="2000" b="1">
+                      <a:endParaRPr sz="2200" b="1">
                         <a:latin typeface="Times New Roman"/>
                         <a:cs typeface="Times New Roman"/>
                       </a:endParaRPr>
@@ -17234,14 +20886,14 @@
                         <a:defRPr/>
                       </a:pPr>
                       <a:r>
-                        <a:rPr lang="ru-RU" sz="2000" b="1">
+                        <a:rPr lang="ru-RU" sz="2200" b="1">
                           <a:latin typeface="Times New Roman"/>
                           <a:ea typeface="Times New Roman"/>
                           <a:cs typeface="Times New Roman"/>
                         </a:rPr>
                         <a:t>1^</a:t>
                       </a:r>
-                      <a:endParaRPr sz="2000" b="1">
+                      <a:endParaRPr sz="2200" b="1">
                         <a:latin typeface="Times New Roman"/>
                         <a:cs typeface="Times New Roman"/>
                       </a:endParaRPr>
@@ -17262,6 +20914,7 @@
                       <a:solidFill>
                         <a:schemeClr val="tx1"/>
                       </a:solidFill>
+                      <a:bevel/>
                     </a:lnT>
                     <a:lnB w="28575" algn="ctr">
                       <a:solidFill>
@@ -17287,14 +20940,14 @@
                         <a:defRPr/>
                       </a:pPr>
                       <a:r>
-                        <a:rPr lang="ru-RU" sz="2000" b="1">
+                        <a:rPr lang="ru-RU" sz="2200" b="1">
                           <a:latin typeface="Times New Roman"/>
                           <a:ea typeface="Times New Roman"/>
                           <a:cs typeface="Times New Roman"/>
                         </a:rPr>
                         <a:t>4 или 6</a:t>
                       </a:r>
-                      <a:endParaRPr sz="2000" b="1">
+                      <a:endParaRPr sz="2200" b="1">
                         <a:latin typeface="Times New Roman"/>
                         <a:cs typeface="Times New Roman"/>
                       </a:endParaRPr>
@@ -17340,14 +20993,14 @@
                         <a:defRPr/>
                       </a:pPr>
                       <a:r>
-                        <a:rPr lang="ru-RU" sz="2000" b="1">
+                        <a:rPr lang="ru-RU" sz="2200" b="1">
                           <a:latin typeface="Times New Roman"/>
                           <a:ea typeface="Times New Roman"/>
                           <a:cs typeface="Times New Roman"/>
                         </a:rPr>
                         <a:t>3</a:t>
                       </a:r>
-                      <a:endParaRPr sz="2000" b="1">
+                      <a:endParaRPr sz="2200" b="1">
                         <a:latin typeface="Times New Roman"/>
                         <a:cs typeface="Times New Roman"/>
                       </a:endParaRPr>
@@ -17368,6 +21021,7 @@
                       <a:solidFill>
                         <a:schemeClr val="tx1"/>
                       </a:solidFill>
+                      <a:bevel/>
                     </a:lnT>
                     <a:lnB w="28575" algn="ctr">
                       <a:solidFill>
@@ -17418,6 +21072,7 @@
                       <a:solidFill>
                         <a:schemeClr val="tx1"/>
                       </a:solidFill>
+                      <a:bevel/>
                     </a:lnR>
                     <a:lnT w="28575" algn="ctr">
                       <a:solidFill>
@@ -17479,6 +21134,7 @@
                       <a:solidFill>
                         <a:schemeClr val="tx1"/>
                       </a:solidFill>
+                      <a:bevel/>
                     </a:lnT>
                     <a:lnB w="28575" algn="ctr">
                       <a:solidFill>
@@ -17532,6 +21188,7 @@
                       <a:solidFill>
                         <a:schemeClr val="tx1"/>
                       </a:solidFill>
+                      <a:bevel/>
                     </a:lnT>
                     <a:lnB w="28575" algn="ctr">
                       <a:solidFill>
@@ -17575,6 +21232,7 @@
                       <a:solidFill>
                         <a:schemeClr val="tx1"/>
                       </a:solidFill>
+                      <a:bevel/>
                     </a:lnL>
                     <a:lnR w="28575" algn="ctr">
                       <a:solidFill>
@@ -17638,6 +21296,7 @@
                       <a:solidFill>
                         <a:schemeClr val="tx1"/>
                       </a:solidFill>
+                      <a:bevel/>
                     </a:lnT>
                     <a:lnB w="28575" algn="ctr">
                       <a:solidFill>
@@ -17681,6 +21340,7 @@
                       <a:solidFill>
                         <a:schemeClr val="tx1"/>
                       </a:solidFill>
+                      <a:bevel/>
                     </a:lnL>
                     <a:lnR w="28575" algn="ctr">
                       <a:solidFill>

--- a/docs/hidden_lake_anonymous_network_view.pptx
+++ b/docs/hidden_lake_anonymous_network_view.pptx
@@ -9138,7 +9138,7 @@
         </p:nvSpPr>
         <p:spPr bwMode="auto">
           <a:xfrm flipH="0" flipV="0">
-            <a:off x="417629" y="2577240"/>
+            <a:off x="417628" y="2577240"/>
             <a:ext cx="5885392" cy="2020403"/>
           </a:xfrm>
         </p:spPr>
@@ -12505,7 +12505,7 @@
                           <a:ea typeface="Times New Roman"/>
                           <a:cs typeface="Times New Roman"/>
                         </a:rPr>
-                        <a:t>-</a:t>
+                        <a:t>+/-</a:t>
                       </a:r>
                       <a:endParaRPr sz="2800" b="1">
                         <a:latin typeface="Times New Roman"/>
@@ -12888,7 +12888,7 @@
                           <a:ea typeface="Times New Roman"/>
                           <a:cs typeface="Times New Roman"/>
                         </a:rPr>
-                        <a:t>-</a:t>
+                        <a:t>+/-</a:t>
                       </a:r>
                       <a:endParaRPr sz="2800" b="1">
                         <a:latin typeface="Times New Roman"/>
@@ -19774,7 +19774,6 @@
                       <a:solidFill>
                         <a:schemeClr val="tx1"/>
                       </a:solidFill>
-                      <a:bevel/>
                     </a:lnB>
                     <a:solidFill>
                       <a:schemeClr val="tx1">
@@ -19831,7 +19830,6 @@
                       <a:solidFill>
                         <a:schemeClr val="tx1"/>
                       </a:solidFill>
-                      <a:bevel/>
                     </a:lnB>
                     <a:solidFill>
                       <a:schemeClr val="bg2"/>
@@ -19875,7 +19873,6 @@
                       <a:solidFill>
                         <a:schemeClr val="tx1"/>
                       </a:solidFill>
-                      <a:bevel/>
                     </a:lnR>
                     <a:lnT w="28575" algn="ctr">
                       <a:solidFill>
@@ -19929,7 +19926,6 @@
                       <a:solidFill>
                         <a:schemeClr val="tx1"/>
                       </a:solidFill>
-                      <a:bevel/>
                     </a:lnR>
                     <a:lnT w="28575" algn="ctr">
                       <a:solidFill>
@@ -19983,7 +19979,6 @@
                       <a:solidFill>
                         <a:schemeClr val="tx1"/>
                       </a:solidFill>
-                      <a:bevel/>
                     </a:lnR>
                     <a:lnT w="28575" algn="ctr">
                       <a:solidFill>
@@ -20037,7 +20032,6 @@
                       <a:solidFill>
                         <a:schemeClr val="tx1"/>
                       </a:solidFill>
-                      <a:bevel/>
                     </a:lnR>
                     <a:lnT w="28575" algn="ctr">
                       <a:solidFill>
@@ -20098,7 +20092,6 @@
                       <a:solidFill>
                         <a:schemeClr val="tx1"/>
                       </a:solidFill>
-                      <a:bevel/>
                     </a:lnT>
                     <a:lnB w="28575" algn="ctr">
                       <a:solidFill>
@@ -20150,7 +20143,6 @@
                       <a:solidFill>
                         <a:schemeClr val="tx1"/>
                       </a:solidFill>
-                      <a:bevel/>
                     </a:lnR>
                     <a:lnT w="28575" algn="ctr">
                       <a:solidFill>
@@ -20199,7 +20191,6 @@
                       <a:solidFill>
                         <a:schemeClr val="tx1"/>
                       </a:solidFill>
-                      <a:bevel/>
                     </a:lnL>
                     <a:lnR w="28575" algn="ctr">
                       <a:solidFill>
@@ -20263,7 +20254,6 @@
                       <a:solidFill>
                         <a:schemeClr val="tx1"/>
                       </a:solidFill>
-                      <a:bevel/>
                     </a:lnT>
                     <a:lnB w="28575" algn="ctr">
                       <a:solidFill>
@@ -20307,7 +20297,6 @@
                       <a:solidFill>
                         <a:schemeClr val="tx1"/>
                       </a:solidFill>
-                      <a:bevel/>
                     </a:lnL>
                     <a:lnR w="28575" algn="ctr">
                       <a:solidFill>
@@ -20371,7 +20360,6 @@
                       <a:solidFill>
                         <a:schemeClr val="tx1"/>
                       </a:solidFill>
-                      <a:bevel/>
                     </a:lnT>
                     <a:lnB w="28575" algn="ctr">
                       <a:solidFill>
@@ -20642,7 +20630,6 @@
                       <a:solidFill>
                         <a:schemeClr val="tx1"/>
                       </a:solidFill>
-                      <a:bevel/>
                     </a:lnT>
                     <a:lnB w="28575" algn="ctr">
                       <a:solidFill>
@@ -20751,7 +20738,6 @@
                       <a:solidFill>
                         <a:schemeClr val="tx1"/>
                       </a:solidFill>
-                      <a:bevel/>
                     </a:lnT>
                     <a:lnB w="28575" algn="ctr">
                       <a:solidFill>
@@ -20914,7 +20900,6 @@
                       <a:solidFill>
                         <a:schemeClr val="tx1"/>
                       </a:solidFill>
-                      <a:bevel/>
                     </a:lnT>
                     <a:lnB w="28575" algn="ctr">
                       <a:solidFill>
@@ -21021,7 +21006,6 @@
                       <a:solidFill>
                         <a:schemeClr val="tx1"/>
                       </a:solidFill>
-                      <a:bevel/>
                     </a:lnT>
                     <a:lnB w="28575" algn="ctr">
                       <a:solidFill>
@@ -21072,7 +21056,6 @@
                       <a:solidFill>
                         <a:schemeClr val="tx1"/>
                       </a:solidFill>
-                      <a:bevel/>
                     </a:lnR>
                     <a:lnT w="28575" algn="ctr">
                       <a:solidFill>
@@ -21134,7 +21117,6 @@
                       <a:solidFill>
                         <a:schemeClr val="tx1"/>
                       </a:solidFill>
-                      <a:bevel/>
                     </a:lnT>
                     <a:lnB w="28575" algn="ctr">
                       <a:solidFill>
@@ -21188,7 +21170,6 @@
                       <a:solidFill>
                         <a:schemeClr val="tx1"/>
                       </a:solidFill>
-                      <a:bevel/>
                     </a:lnT>
                     <a:lnB w="28575" algn="ctr">
                       <a:solidFill>
@@ -21232,7 +21213,6 @@
                       <a:solidFill>
                         <a:schemeClr val="tx1"/>
                       </a:solidFill>
-                      <a:bevel/>
                     </a:lnL>
                     <a:lnR w="28575" algn="ctr">
                       <a:solidFill>
@@ -21296,7 +21276,6 @@
                       <a:solidFill>
                         <a:schemeClr val="tx1"/>
                       </a:solidFill>
-                      <a:bevel/>
                     </a:lnT>
                     <a:lnB w="28575" algn="ctr">
                       <a:solidFill>
@@ -21340,7 +21319,6 @@
                       <a:solidFill>
                         <a:schemeClr val="tx1"/>
                       </a:solidFill>
-                      <a:bevel/>
                     </a:lnL>
                     <a:lnR w="28575" algn="ctr">
                       <a:solidFill>

--- a/docs/hidden_lake_anonymous_network_view.pptx
+++ b/docs/hidden_lake_anonymous_network_view.pptx
@@ -14788,13 +14788,13 @@
         </p:nvSpPr>
         <p:spPr bwMode="auto">
           <a:xfrm flipH="0" flipV="0">
-            <a:off x="6004413" y="2116014"/>
-            <a:ext cx="5506267" cy="2656009"/>
+            <a:off x="5680240" y="2005009"/>
+            <a:ext cx="6136297" cy="2847976"/>
           </a:xfrm>
         </p:spPr>
         <p:txBody>
           <a:bodyPr vertOverflow="overflow" horzOverflow="overflow" vert="horz" wrap="square" lIns="91440" tIns="45720" rIns="91440" bIns="45720" numCol="1" spcCol="0" rtlCol="0" fromWordArt="0" anchor="t" anchorCtr="0" forceAA="0" upright="0" compatLnSpc="0">
-            <a:normAutofit fontScale="95000" lnSpcReduction="1000"/>
+            <a:normAutofit/>
           </a:bodyPr>
           <a:lstStyle>
             <a:lvl1pPr marL="0" indent="0" algn="ctr" defTabSz="914400">
@@ -15021,7 +15021,7 @@
         </p:blipFill>
         <p:spPr bwMode="auto">
           <a:xfrm>
-            <a:off x="1102700" y="2085973"/>
+            <a:off x="864574" y="2085972"/>
             <a:ext cx="4543425" cy="2686050"/>
           </a:xfrm>
           <a:prstGeom prst="rect">
@@ -21395,13 +21395,13 @@
         </p:nvSpPr>
         <p:spPr bwMode="auto">
           <a:xfrm flipH="0" flipV="0">
-            <a:off x="6687692" y="1587729"/>
-            <a:ext cx="5128845" cy="3682540"/>
+            <a:off x="6541153" y="1502744"/>
+            <a:ext cx="5312017" cy="3852511"/>
           </a:xfrm>
         </p:spPr>
         <p:txBody>
           <a:bodyPr vertOverflow="overflow" horzOverflow="overflow" vert="horz" wrap="square" lIns="91440" tIns="45720" rIns="91440" bIns="45720" numCol="1" spcCol="0" rtlCol="0" fromWordArt="0" anchor="t" anchorCtr="0" forceAA="0" upright="0" compatLnSpc="0">
-            <a:normAutofit fontScale="95000" lnSpcReduction="1000"/>
+            <a:normAutofit/>
           </a:bodyPr>
           <a:lstStyle>
             <a:lvl1pPr marL="0" indent="0" algn="ctr" defTabSz="914400">
@@ -21796,8 +21796,8 @@
         </p:nvSpPr>
         <p:spPr bwMode="auto">
           <a:xfrm flipH="0" flipV="0">
-            <a:off x="5638061" y="2546105"/>
-            <a:ext cx="5885390" cy="2502144"/>
+            <a:off x="5638060" y="2253028"/>
+            <a:ext cx="5885389" cy="2795220"/>
           </a:xfrm>
         </p:spPr>
         <p:txBody>
@@ -21973,7 +21973,7 @@
               <a:defRPr/>
             </a:pPr>
             <a:r>
-              <a:rPr lang="ru-RU" sz="2600" b="0" i="0" u="none" strike="noStrike" cap="none" spc="0">
+              <a:rPr lang="ru-RU" sz="2800" b="0" i="0" u="none" strike="noStrike" cap="none" spc="0">
                 <a:solidFill>
                   <a:schemeClr val="bg1"/>
                 </a:solidFill>
@@ -21995,7 +21995,7 @@
               <a:t>формировать </a:t>
             </a:r>
             <a:r>
-              <a:rPr lang="ru-RU" sz="2600" b="1" i="0" u="none" strike="noStrike" cap="none" spc="0">
+              <a:rPr lang="ru-RU" sz="2800" b="1" i="0" u="none" strike="noStrike" cap="none" spc="0">
                 <a:solidFill>
                   <a:schemeClr val="bg1"/>
                 </a:solidFill>
@@ -22006,7 +22006,7 @@
               <a:t>тайные каналы связи</a:t>
             </a:r>
             <a:r>
-              <a:rPr lang="ru-RU" sz="2600" b="0" i="0" u="none" strike="noStrike" cap="none" spc="0">
+              <a:rPr lang="ru-RU" sz="2800" b="0" i="0" u="none" strike="noStrike" cap="none" spc="0">
                 <a:solidFill>
                   <a:schemeClr val="bg1"/>
                 </a:solidFill>
@@ -22016,7 +22016,7 @@
               </a:rPr>
               <a:t> с анонимизирующим свойством даже внутри централизованных сервисов</a:t>
             </a:r>
-            <a:endParaRPr sz="2600" b="0">
+            <a:endParaRPr sz="2800" b="0">
               <a:solidFill>
                 <a:schemeClr val="bg1"/>
               </a:solidFill>

--- a/docs/hidden_lake_anonymous_network_view.pptx
+++ b/docs/hidden_lake_anonymous_network_view.pptx
@@ -5,7 +5,7 @@
     <p:sldMasterId id="2147483648" r:id="rId1"/>
   </p:sldMasterIdLst>
   <p:notesMasterIdLst>
-    <p:notesMasterId r:id="rId27"/>
+    <p:notesMasterId r:id="rId30"/>
   </p:notesMasterIdLst>
   <p:sldIdLst>
     <p:sldId id="256" r:id="rId4"/>
@@ -31,6 +31,9 @@
     <p:sldId id="276" r:id="rId24"/>
     <p:sldId id="277" r:id="rId25"/>
     <p:sldId id="278" r:id="rId26"/>
+    <p:sldId id="279" r:id="rId27"/>
+    <p:sldId id="280" r:id="rId28"/>
+    <p:sldId id="281" r:id="rId29"/>
   </p:sldIdLst>
   <p:sldSz cx="12192000" cy="6858000"/>
   <p:notesSz cx="6858000" cy="9144000"/>
@@ -975,6 +978,96 @@
       </p:grpSpPr>
       <p:sp>
         <p:nvSpPr>
+          <p:cNvPr id="118893289" name="Slide Image Placeholder 1"/>
+          <p:cNvSpPr>
+            <a:spLocks noChangeAspect="1" noGrp="1" noRot="1"/>
+          </p:cNvSpPr>
+          <p:nvPr>
+            <p:ph type="sldImg"/>
+          </p:nvPr>
+        </p:nvSpPr>
+        <p:spPr bwMode="auto">
+          <a:xfrm>
+            <a:off x="685800" y="1143000"/>
+            <a:ext cx="5486400" cy="3086100"/>
+          </a:xfrm>
+        </p:spPr>
+      </p:sp>
+      <p:sp>
+        <p:nvSpPr>
+          <p:cNvPr id="1455389325" name="Notes Placeholder 2"/>
+          <p:cNvSpPr>
+            <a:spLocks noGrp="1"/>
+          </p:cNvSpPr>
+          <p:nvPr>
+            <p:ph type="body" idx="1"/>
+          </p:nvPr>
+        </p:nvSpPr>
+        <p:spPr bwMode="auto"/>
+        <p:txBody>
+          <a:bodyPr/>
+          <a:lstStyle/>
+          <a:p>
+            <a:pPr>
+              <a:defRPr/>
+            </a:pPr>
+            <a:endParaRPr lang="ru-RU">
+              <a:latin typeface="Arial"/>
+              <a:cs typeface="Arial"/>
+            </a:endParaRPr>
+          </a:p>
+        </p:txBody>
+      </p:sp>
+      <p:sp>
+        <p:nvSpPr>
+          <p:cNvPr id="365314428" name="Slide Number Placeholder 3"/>
+          <p:cNvSpPr>
+            <a:spLocks noGrp="1"/>
+          </p:cNvSpPr>
+          <p:nvPr>
+            <p:ph type="sldNum" sz="quarter" idx="10"/>
+          </p:nvPr>
+        </p:nvSpPr>
+        <p:spPr bwMode="auto"/>
+        <p:txBody>
+          <a:bodyPr/>
+          <a:lstStyle/>
+          <a:p>
+            <a:pPr>
+              <a:defRPr/>
+            </a:pPr>
+            <a:fld id="{D9DB6DFA-232A-05E9-BD6B-34CD0D5461A0}" type="slidenum">
+              <a:rPr lang="ru-RU"/>
+              <a:t/>
+            </a:fld>
+            <a:endParaRPr lang="ru-RU"/>
+          </a:p>
+        </p:txBody>
+      </p:sp>
+    </p:spTree>
+  </p:cSld>
+</p:notes>
+</file>
+
+<file path=ppt/notesSlides/notesSlide15.xml><?xml version="1.0" encoding="utf-8"?>
+<p:notes xmlns:a="http://schemas.openxmlformats.org/drawingml/2006/main" xmlns:r="http://schemas.openxmlformats.org/officeDocument/2006/relationships" xmlns:p="http://schemas.openxmlformats.org/presentationml/2006/main" xmlns:m="http://schemas.openxmlformats.org/officeDocument/2006/math" xmlns:w="http://schemas.openxmlformats.org/wordprocessingml/2006/main">
+  <p:cSld name="">
+    <p:spTree>
+      <p:nvGrpSpPr>
+        <p:cNvPr id="1" name=""/>
+        <p:cNvGrpSpPr/>
+        <p:nvPr/>
+      </p:nvGrpSpPr>
+      <p:grpSpPr bwMode="auto">
+        <a:xfrm>
+          <a:off x="0" y="0"/>
+          <a:ext cx="0" cy="0"/>
+          <a:chOff x="0" y="0"/>
+          <a:chExt cx="0" cy="0"/>
+        </a:xfrm>
+      </p:grpSpPr>
+      <p:sp>
+        <p:nvSpPr>
           <p:cNvPr id="574307386" name="Slide Image Placeholder 1"/>
           <p:cNvSpPr>
             <a:spLocks noChangeAspect="1" noGrp="1" noRot="1"/>
@@ -1046,7 +1139,7 @@
 </p:notes>
 </file>
 
-<file path=ppt/notesSlides/notesSlide15.xml><?xml version="1.0" encoding="utf-8"?>
+<file path=ppt/notesSlides/notesSlide16.xml><?xml version="1.0" encoding="utf-8"?>
 <p:notes xmlns:a="http://schemas.openxmlformats.org/drawingml/2006/main" xmlns:r="http://schemas.openxmlformats.org/officeDocument/2006/relationships" xmlns:p="http://schemas.openxmlformats.org/presentationml/2006/main" xmlns:m="http://schemas.openxmlformats.org/officeDocument/2006/math" xmlns:w="http://schemas.openxmlformats.org/wordprocessingml/2006/main">
   <p:cSld name="">
     <p:spTree>
@@ -1136,7 +1229,97 @@
 </p:notes>
 </file>
 
-<file path=ppt/notesSlides/notesSlide16.xml><?xml version="1.0" encoding="utf-8"?>
+<file path=ppt/notesSlides/notesSlide17.xml><?xml version="1.0" encoding="utf-8"?>
+<p:notes xmlns:a="http://schemas.openxmlformats.org/drawingml/2006/main" xmlns:r="http://schemas.openxmlformats.org/officeDocument/2006/relationships" xmlns:p="http://schemas.openxmlformats.org/presentationml/2006/main" xmlns:m="http://schemas.openxmlformats.org/officeDocument/2006/math" xmlns:w="http://schemas.openxmlformats.org/wordprocessingml/2006/main">
+  <p:cSld name="">
+    <p:spTree>
+      <p:nvGrpSpPr>
+        <p:cNvPr id="1" name=""/>
+        <p:cNvGrpSpPr/>
+        <p:nvPr/>
+      </p:nvGrpSpPr>
+      <p:grpSpPr bwMode="auto">
+        <a:xfrm>
+          <a:off x="0" y="0"/>
+          <a:ext cx="0" cy="0"/>
+          <a:chOff x="0" y="0"/>
+          <a:chExt cx="0" cy="0"/>
+        </a:xfrm>
+      </p:grpSpPr>
+      <p:sp>
+        <p:nvSpPr>
+          <p:cNvPr id="489431416" name="Slide Image Placeholder 1"/>
+          <p:cNvSpPr>
+            <a:spLocks noChangeAspect="1" noGrp="1" noRot="1"/>
+          </p:cNvSpPr>
+          <p:nvPr>
+            <p:ph type="sldImg"/>
+          </p:nvPr>
+        </p:nvSpPr>
+        <p:spPr bwMode="auto">
+          <a:xfrm>
+            <a:off x="685800" y="1143000"/>
+            <a:ext cx="5486400" cy="3086100"/>
+          </a:xfrm>
+        </p:spPr>
+      </p:sp>
+      <p:sp>
+        <p:nvSpPr>
+          <p:cNvPr id="1056639015" name="Notes Placeholder 2"/>
+          <p:cNvSpPr>
+            <a:spLocks noGrp="1"/>
+          </p:cNvSpPr>
+          <p:nvPr>
+            <p:ph type="body" idx="1"/>
+          </p:nvPr>
+        </p:nvSpPr>
+        <p:spPr bwMode="auto"/>
+        <p:txBody>
+          <a:bodyPr/>
+          <a:lstStyle/>
+          <a:p>
+            <a:pPr>
+              <a:defRPr/>
+            </a:pPr>
+            <a:endParaRPr lang="ru-RU">
+              <a:latin typeface="Arial"/>
+              <a:cs typeface="Arial"/>
+            </a:endParaRPr>
+          </a:p>
+        </p:txBody>
+      </p:sp>
+      <p:sp>
+        <p:nvSpPr>
+          <p:cNvPr id="1163282866" name="Slide Number Placeholder 3"/>
+          <p:cNvSpPr>
+            <a:spLocks noGrp="1"/>
+          </p:cNvSpPr>
+          <p:nvPr>
+            <p:ph type="sldNum" sz="quarter" idx="10"/>
+          </p:nvPr>
+        </p:nvSpPr>
+        <p:spPr bwMode="auto"/>
+        <p:txBody>
+          <a:bodyPr/>
+          <a:lstStyle/>
+          <a:p>
+            <a:pPr>
+              <a:defRPr/>
+            </a:pPr>
+            <a:fld id="{E2BBEDB9-CA33-332F-9391-8F65F1280DBC}" type="slidenum">
+              <a:rPr lang="ru-RU"/>
+              <a:t/>
+            </a:fld>
+            <a:endParaRPr lang="ru-RU"/>
+          </a:p>
+        </p:txBody>
+      </p:sp>
+    </p:spTree>
+  </p:cSld>
+</p:notes>
+</file>
+
+<file path=ppt/notesSlides/notesSlide18.xml><?xml version="1.0" encoding="utf-8"?>
 <p:notes xmlns:a="http://schemas.openxmlformats.org/drawingml/2006/main" xmlns:r="http://schemas.openxmlformats.org/officeDocument/2006/relationships" xmlns:p="http://schemas.openxmlformats.org/presentationml/2006/main" xmlns:m="http://schemas.openxmlformats.org/officeDocument/2006/math" xmlns:w="http://schemas.openxmlformats.org/wordprocessingml/2006/main">
   <p:cSld name="">
     <p:spTree>
@@ -1226,7 +1409,7 @@
 </p:notes>
 </file>
 
-<file path=ppt/notesSlides/notesSlide17.xml><?xml version="1.0" encoding="utf-8"?>
+<file path=ppt/notesSlides/notesSlide19.xml><?xml version="1.0" encoding="utf-8"?>
 <p:notes xmlns:a="http://schemas.openxmlformats.org/drawingml/2006/main" xmlns:r="http://schemas.openxmlformats.org/officeDocument/2006/relationships" xmlns:p="http://schemas.openxmlformats.org/presentationml/2006/main" xmlns:m="http://schemas.openxmlformats.org/officeDocument/2006/math" xmlns:w="http://schemas.openxmlformats.org/wordprocessingml/2006/main">
   <p:cSld name="">
     <p:spTree>
@@ -1245,7 +1428,7 @@
       </p:grpSpPr>
       <p:sp>
         <p:nvSpPr>
-          <p:cNvPr id="1560645010" name="Slide Image Placeholder 1"/>
+          <p:cNvPr id="812861" name="Slide Image Placeholder 1"/>
           <p:cNvSpPr>
             <a:spLocks noChangeAspect="1" noGrp="1" noRot="1"/>
           </p:cNvSpPr>
@@ -1262,7 +1445,7 @@
       </p:sp>
       <p:sp>
         <p:nvSpPr>
-          <p:cNvPr id="1478932081" name="Notes Placeholder 2"/>
+          <p:cNvPr id="693808522" name="Notes Placeholder 2"/>
           <p:cNvSpPr>
             <a:spLocks noGrp="1"/>
           </p:cNvSpPr>
@@ -1287,7 +1470,7 @@
       </p:sp>
       <p:sp>
         <p:nvSpPr>
-          <p:cNvPr id="300991755" name="Slide Number Placeholder 3"/>
+          <p:cNvPr id="726790815" name="Slide Number Placeholder 3"/>
           <p:cNvSpPr>
             <a:spLocks noGrp="1"/>
           </p:cNvSpPr>
@@ -1303,187 +1486,7 @@
             <a:pPr>
               <a:defRPr/>
             </a:pPr>
-            <a:fld id="{1BA97CD8-B379-3D7F-FB5D-96EB1BFE8BAD}" type="slidenum">
-              <a:rPr lang="ru-RU"/>
-              <a:t/>
-            </a:fld>
-            <a:endParaRPr lang="ru-RU"/>
-          </a:p>
-        </p:txBody>
-      </p:sp>
-    </p:spTree>
-  </p:cSld>
-</p:notes>
-</file>
-
-<file path=ppt/notesSlides/notesSlide18.xml><?xml version="1.0" encoding="utf-8"?>
-<p:notes xmlns:a="http://schemas.openxmlformats.org/drawingml/2006/main" xmlns:r="http://schemas.openxmlformats.org/officeDocument/2006/relationships" xmlns:p="http://schemas.openxmlformats.org/presentationml/2006/main" xmlns:m="http://schemas.openxmlformats.org/officeDocument/2006/math" xmlns:w="http://schemas.openxmlformats.org/wordprocessingml/2006/main">
-  <p:cSld name="">
-    <p:spTree>
-      <p:nvGrpSpPr>
-        <p:cNvPr id="1" name=""/>
-        <p:cNvGrpSpPr/>
-        <p:nvPr/>
-      </p:nvGrpSpPr>
-      <p:grpSpPr bwMode="auto">
-        <a:xfrm>
-          <a:off x="0" y="0"/>
-          <a:ext cx="0" cy="0"/>
-          <a:chOff x="0" y="0"/>
-          <a:chExt cx="0" cy="0"/>
-        </a:xfrm>
-      </p:grpSpPr>
-      <p:sp>
-        <p:nvSpPr>
-          <p:cNvPr id="133442018" name="Slide Image Placeholder 1"/>
-          <p:cNvSpPr>
-            <a:spLocks noChangeAspect="1" noGrp="1" noRot="1"/>
-          </p:cNvSpPr>
-          <p:nvPr>
-            <p:ph type="sldImg"/>
-          </p:nvPr>
-        </p:nvSpPr>
-        <p:spPr bwMode="auto">
-          <a:xfrm>
-            <a:off x="685800" y="1143000"/>
-            <a:ext cx="5486400" cy="3086100"/>
-          </a:xfrm>
-        </p:spPr>
-      </p:sp>
-      <p:sp>
-        <p:nvSpPr>
-          <p:cNvPr id="889146850" name="Notes Placeholder 2"/>
-          <p:cNvSpPr>
-            <a:spLocks noGrp="1"/>
-          </p:cNvSpPr>
-          <p:nvPr>
-            <p:ph type="body" idx="1"/>
-          </p:nvPr>
-        </p:nvSpPr>
-        <p:spPr bwMode="auto"/>
-        <p:txBody>
-          <a:bodyPr/>
-          <a:lstStyle/>
-          <a:p>
-            <a:pPr>
-              <a:defRPr/>
-            </a:pPr>
-            <a:endParaRPr lang="ru-RU">
-              <a:latin typeface="Arial"/>
-              <a:cs typeface="Arial"/>
-            </a:endParaRPr>
-          </a:p>
-        </p:txBody>
-      </p:sp>
-      <p:sp>
-        <p:nvSpPr>
-          <p:cNvPr id="1316121892" name="Slide Number Placeholder 3"/>
-          <p:cNvSpPr>
-            <a:spLocks noGrp="1"/>
-          </p:cNvSpPr>
-          <p:nvPr>
-            <p:ph type="sldNum" sz="quarter" idx="10"/>
-          </p:nvPr>
-        </p:nvSpPr>
-        <p:spPr bwMode="auto"/>
-        <p:txBody>
-          <a:bodyPr/>
-          <a:lstStyle/>
-          <a:p>
-            <a:pPr>
-              <a:defRPr/>
-            </a:pPr>
-            <a:fld id="{AF0EDD2A-8ECF-765C-1458-D6CE0083FFE4}" type="slidenum">
-              <a:rPr lang="ru-RU"/>
-              <a:t/>
-            </a:fld>
-            <a:endParaRPr lang="ru-RU"/>
-          </a:p>
-        </p:txBody>
-      </p:sp>
-    </p:spTree>
-  </p:cSld>
-</p:notes>
-</file>
-
-<file path=ppt/notesSlides/notesSlide19.xml><?xml version="1.0" encoding="utf-8"?>
-<p:notes xmlns:a="http://schemas.openxmlformats.org/drawingml/2006/main" xmlns:r="http://schemas.openxmlformats.org/officeDocument/2006/relationships" xmlns:p="http://schemas.openxmlformats.org/presentationml/2006/main" xmlns:m="http://schemas.openxmlformats.org/officeDocument/2006/math" xmlns:w="http://schemas.openxmlformats.org/wordprocessingml/2006/main">
-  <p:cSld name="">
-    <p:spTree>
-      <p:nvGrpSpPr>
-        <p:cNvPr id="1" name=""/>
-        <p:cNvGrpSpPr/>
-        <p:nvPr/>
-      </p:nvGrpSpPr>
-      <p:grpSpPr bwMode="auto">
-        <a:xfrm>
-          <a:off x="0" y="0"/>
-          <a:ext cx="0" cy="0"/>
-          <a:chOff x="0" y="0"/>
-          <a:chExt cx="0" cy="0"/>
-        </a:xfrm>
-      </p:grpSpPr>
-      <p:sp>
-        <p:nvSpPr>
-          <p:cNvPr id="887171195" name="Slide Image Placeholder 1"/>
-          <p:cNvSpPr>
-            <a:spLocks noChangeAspect="1" noGrp="1" noRot="1"/>
-          </p:cNvSpPr>
-          <p:nvPr>
-            <p:ph type="sldImg"/>
-          </p:nvPr>
-        </p:nvSpPr>
-        <p:spPr bwMode="auto">
-          <a:xfrm>
-            <a:off x="685800" y="1143000"/>
-            <a:ext cx="5486400" cy="3086100"/>
-          </a:xfrm>
-        </p:spPr>
-      </p:sp>
-      <p:sp>
-        <p:nvSpPr>
-          <p:cNvPr id="1296665718" name="Notes Placeholder 2"/>
-          <p:cNvSpPr>
-            <a:spLocks noGrp="1"/>
-          </p:cNvSpPr>
-          <p:nvPr>
-            <p:ph type="body" idx="1"/>
-          </p:nvPr>
-        </p:nvSpPr>
-        <p:spPr bwMode="auto"/>
-        <p:txBody>
-          <a:bodyPr/>
-          <a:lstStyle/>
-          <a:p>
-            <a:pPr>
-              <a:defRPr/>
-            </a:pPr>
-            <a:endParaRPr lang="ru-RU">
-              <a:latin typeface="Arial"/>
-              <a:cs typeface="Arial"/>
-            </a:endParaRPr>
-          </a:p>
-        </p:txBody>
-      </p:sp>
-      <p:sp>
-        <p:nvSpPr>
-          <p:cNvPr id="1782754467" name="Slide Number Placeholder 3"/>
-          <p:cNvSpPr>
-            <a:spLocks noGrp="1"/>
-          </p:cNvSpPr>
-          <p:nvPr>
-            <p:ph type="sldNum" sz="quarter" idx="10"/>
-          </p:nvPr>
-        </p:nvSpPr>
-        <p:spPr bwMode="auto"/>
-        <p:txBody>
-          <a:bodyPr/>
-          <a:lstStyle/>
-          <a:p>
-            <a:pPr>
-              <a:defRPr/>
-            </a:pPr>
-            <a:fld id="{83B7ED5F-49BB-5F4A-230A-5CC1BEDB6F7E}" type="slidenum">
+            <a:fld id="{15673679-EA8F-0157-713A-F473ACDABB1A}" type="slidenum">
               <a:rPr lang="ru-RU"/>
               <a:t/>
             </a:fld>
@@ -1605,6 +1608,276 @@
       </p:grpSpPr>
       <p:sp>
         <p:nvSpPr>
+          <p:cNvPr id="1560645010" name="Slide Image Placeholder 1"/>
+          <p:cNvSpPr>
+            <a:spLocks noChangeAspect="1" noGrp="1" noRot="1"/>
+          </p:cNvSpPr>
+          <p:nvPr>
+            <p:ph type="sldImg"/>
+          </p:nvPr>
+        </p:nvSpPr>
+        <p:spPr bwMode="auto">
+          <a:xfrm>
+            <a:off x="685800" y="1143000"/>
+            <a:ext cx="5486400" cy="3086100"/>
+          </a:xfrm>
+        </p:spPr>
+      </p:sp>
+      <p:sp>
+        <p:nvSpPr>
+          <p:cNvPr id="1478932081" name="Notes Placeholder 2"/>
+          <p:cNvSpPr>
+            <a:spLocks noGrp="1"/>
+          </p:cNvSpPr>
+          <p:nvPr>
+            <p:ph type="body" idx="1"/>
+          </p:nvPr>
+        </p:nvSpPr>
+        <p:spPr bwMode="auto"/>
+        <p:txBody>
+          <a:bodyPr/>
+          <a:lstStyle/>
+          <a:p>
+            <a:pPr>
+              <a:defRPr/>
+            </a:pPr>
+            <a:endParaRPr lang="ru-RU">
+              <a:latin typeface="Arial"/>
+              <a:cs typeface="Arial"/>
+            </a:endParaRPr>
+          </a:p>
+        </p:txBody>
+      </p:sp>
+      <p:sp>
+        <p:nvSpPr>
+          <p:cNvPr id="300991755" name="Slide Number Placeholder 3"/>
+          <p:cNvSpPr>
+            <a:spLocks noGrp="1"/>
+          </p:cNvSpPr>
+          <p:nvPr>
+            <p:ph type="sldNum" sz="quarter" idx="10"/>
+          </p:nvPr>
+        </p:nvSpPr>
+        <p:spPr bwMode="auto"/>
+        <p:txBody>
+          <a:bodyPr/>
+          <a:lstStyle/>
+          <a:p>
+            <a:pPr>
+              <a:defRPr/>
+            </a:pPr>
+            <a:fld id="{1BA97CD8-B379-3D7F-FB5D-96EB1BFE8BAD}" type="slidenum">
+              <a:rPr lang="ru-RU"/>
+              <a:t/>
+            </a:fld>
+            <a:endParaRPr lang="ru-RU"/>
+          </a:p>
+        </p:txBody>
+      </p:sp>
+    </p:spTree>
+  </p:cSld>
+</p:notes>
+</file>
+
+<file path=ppt/notesSlides/notesSlide21.xml><?xml version="1.0" encoding="utf-8"?>
+<p:notes xmlns:a="http://schemas.openxmlformats.org/drawingml/2006/main" xmlns:r="http://schemas.openxmlformats.org/officeDocument/2006/relationships" xmlns:p="http://schemas.openxmlformats.org/presentationml/2006/main" xmlns:m="http://schemas.openxmlformats.org/officeDocument/2006/math" xmlns:w="http://schemas.openxmlformats.org/wordprocessingml/2006/main">
+  <p:cSld name="">
+    <p:spTree>
+      <p:nvGrpSpPr>
+        <p:cNvPr id="1" name=""/>
+        <p:cNvGrpSpPr/>
+        <p:nvPr/>
+      </p:nvGrpSpPr>
+      <p:grpSpPr bwMode="auto">
+        <a:xfrm>
+          <a:off x="0" y="0"/>
+          <a:ext cx="0" cy="0"/>
+          <a:chOff x="0" y="0"/>
+          <a:chExt cx="0" cy="0"/>
+        </a:xfrm>
+      </p:grpSpPr>
+      <p:sp>
+        <p:nvSpPr>
+          <p:cNvPr id="133442018" name="Slide Image Placeholder 1"/>
+          <p:cNvSpPr>
+            <a:spLocks noChangeAspect="1" noGrp="1" noRot="1"/>
+          </p:cNvSpPr>
+          <p:nvPr>
+            <p:ph type="sldImg"/>
+          </p:nvPr>
+        </p:nvSpPr>
+        <p:spPr bwMode="auto">
+          <a:xfrm>
+            <a:off x="685800" y="1143000"/>
+            <a:ext cx="5486400" cy="3086100"/>
+          </a:xfrm>
+        </p:spPr>
+      </p:sp>
+      <p:sp>
+        <p:nvSpPr>
+          <p:cNvPr id="889146850" name="Notes Placeholder 2"/>
+          <p:cNvSpPr>
+            <a:spLocks noGrp="1"/>
+          </p:cNvSpPr>
+          <p:nvPr>
+            <p:ph type="body" idx="1"/>
+          </p:nvPr>
+        </p:nvSpPr>
+        <p:spPr bwMode="auto"/>
+        <p:txBody>
+          <a:bodyPr/>
+          <a:lstStyle/>
+          <a:p>
+            <a:pPr>
+              <a:defRPr/>
+            </a:pPr>
+            <a:endParaRPr lang="ru-RU">
+              <a:latin typeface="Arial"/>
+              <a:cs typeface="Arial"/>
+            </a:endParaRPr>
+          </a:p>
+        </p:txBody>
+      </p:sp>
+      <p:sp>
+        <p:nvSpPr>
+          <p:cNvPr id="1316121892" name="Slide Number Placeholder 3"/>
+          <p:cNvSpPr>
+            <a:spLocks noGrp="1"/>
+          </p:cNvSpPr>
+          <p:nvPr>
+            <p:ph type="sldNum" sz="quarter" idx="10"/>
+          </p:nvPr>
+        </p:nvSpPr>
+        <p:spPr bwMode="auto"/>
+        <p:txBody>
+          <a:bodyPr/>
+          <a:lstStyle/>
+          <a:p>
+            <a:pPr>
+              <a:defRPr/>
+            </a:pPr>
+            <a:fld id="{AF0EDD2A-8ECF-765C-1458-D6CE0083FFE4}" type="slidenum">
+              <a:rPr lang="ru-RU"/>
+              <a:t/>
+            </a:fld>
+            <a:endParaRPr lang="ru-RU"/>
+          </a:p>
+        </p:txBody>
+      </p:sp>
+    </p:spTree>
+  </p:cSld>
+</p:notes>
+</file>
+
+<file path=ppt/notesSlides/notesSlide22.xml><?xml version="1.0" encoding="utf-8"?>
+<p:notes xmlns:a="http://schemas.openxmlformats.org/drawingml/2006/main" xmlns:r="http://schemas.openxmlformats.org/officeDocument/2006/relationships" xmlns:p="http://schemas.openxmlformats.org/presentationml/2006/main" xmlns:m="http://schemas.openxmlformats.org/officeDocument/2006/math" xmlns:w="http://schemas.openxmlformats.org/wordprocessingml/2006/main">
+  <p:cSld name="">
+    <p:spTree>
+      <p:nvGrpSpPr>
+        <p:cNvPr id="1" name=""/>
+        <p:cNvGrpSpPr/>
+        <p:nvPr/>
+      </p:nvGrpSpPr>
+      <p:grpSpPr bwMode="auto">
+        <a:xfrm>
+          <a:off x="0" y="0"/>
+          <a:ext cx="0" cy="0"/>
+          <a:chOff x="0" y="0"/>
+          <a:chExt cx="0" cy="0"/>
+        </a:xfrm>
+      </p:grpSpPr>
+      <p:sp>
+        <p:nvSpPr>
+          <p:cNvPr id="887171195" name="Slide Image Placeholder 1"/>
+          <p:cNvSpPr>
+            <a:spLocks noChangeAspect="1" noGrp="1" noRot="1"/>
+          </p:cNvSpPr>
+          <p:nvPr>
+            <p:ph type="sldImg"/>
+          </p:nvPr>
+        </p:nvSpPr>
+        <p:spPr bwMode="auto">
+          <a:xfrm>
+            <a:off x="685800" y="1143000"/>
+            <a:ext cx="5486400" cy="3086100"/>
+          </a:xfrm>
+        </p:spPr>
+      </p:sp>
+      <p:sp>
+        <p:nvSpPr>
+          <p:cNvPr id="1296665718" name="Notes Placeholder 2"/>
+          <p:cNvSpPr>
+            <a:spLocks noGrp="1"/>
+          </p:cNvSpPr>
+          <p:nvPr>
+            <p:ph type="body" idx="1"/>
+          </p:nvPr>
+        </p:nvSpPr>
+        <p:spPr bwMode="auto"/>
+        <p:txBody>
+          <a:bodyPr/>
+          <a:lstStyle/>
+          <a:p>
+            <a:pPr>
+              <a:defRPr/>
+            </a:pPr>
+            <a:endParaRPr lang="ru-RU">
+              <a:latin typeface="Arial"/>
+              <a:cs typeface="Arial"/>
+            </a:endParaRPr>
+          </a:p>
+        </p:txBody>
+      </p:sp>
+      <p:sp>
+        <p:nvSpPr>
+          <p:cNvPr id="1782754467" name="Slide Number Placeholder 3"/>
+          <p:cNvSpPr>
+            <a:spLocks noGrp="1"/>
+          </p:cNvSpPr>
+          <p:nvPr>
+            <p:ph type="sldNum" sz="quarter" idx="10"/>
+          </p:nvPr>
+        </p:nvSpPr>
+        <p:spPr bwMode="auto"/>
+        <p:txBody>
+          <a:bodyPr/>
+          <a:lstStyle/>
+          <a:p>
+            <a:pPr>
+              <a:defRPr/>
+            </a:pPr>
+            <a:fld id="{83B7ED5F-49BB-5F4A-230A-5CC1BEDB6F7E}" type="slidenum">
+              <a:rPr lang="ru-RU"/>
+              <a:t/>
+            </a:fld>
+            <a:endParaRPr lang="ru-RU"/>
+          </a:p>
+        </p:txBody>
+      </p:sp>
+    </p:spTree>
+  </p:cSld>
+</p:notes>
+</file>
+
+<file path=ppt/notesSlides/notesSlide23.xml><?xml version="1.0" encoding="utf-8"?>
+<p:notes xmlns:a="http://schemas.openxmlformats.org/drawingml/2006/main" xmlns:r="http://schemas.openxmlformats.org/officeDocument/2006/relationships" xmlns:p="http://schemas.openxmlformats.org/presentationml/2006/main" xmlns:m="http://schemas.openxmlformats.org/officeDocument/2006/math" xmlns:w="http://schemas.openxmlformats.org/wordprocessingml/2006/main">
+  <p:cSld name="">
+    <p:spTree>
+      <p:nvGrpSpPr>
+        <p:cNvPr id="1" name=""/>
+        <p:cNvGrpSpPr/>
+        <p:nvPr/>
+      </p:nvGrpSpPr>
+      <p:grpSpPr bwMode="auto">
+        <a:xfrm>
+          <a:off x="0" y="0"/>
+          <a:ext cx="0" cy="0"/>
+          <a:chOff x="0" y="0"/>
+          <a:chExt cx="0" cy="0"/>
+        </a:xfrm>
+      </p:grpSpPr>
+      <p:sp>
+        <p:nvSpPr>
           <p:cNvPr id="1091744867" name="Slide Image Placeholder 1"/>
           <p:cNvSpPr>
             <a:spLocks noChangeAspect="1" noGrp="1" noRot="1"/>
@@ -1676,7 +1949,7 @@
 </p:notes>
 </file>
 
-<file path=ppt/notesSlides/notesSlide21.xml><?xml version="1.0" encoding="utf-8"?>
+<file path=ppt/notesSlides/notesSlide24.xml><?xml version="1.0" encoding="utf-8"?>
 <p:notes xmlns:a="http://schemas.openxmlformats.org/drawingml/2006/main" xmlns:r="http://schemas.openxmlformats.org/officeDocument/2006/relationships" xmlns:p="http://schemas.openxmlformats.org/presentationml/2006/main" xmlns:m="http://schemas.openxmlformats.org/officeDocument/2006/math" xmlns:w="http://schemas.openxmlformats.org/wordprocessingml/2006/main">
   <p:cSld name="">
     <p:spTree>
@@ -1766,7 +2039,7 @@
 </p:notes>
 </file>
 
-<file path=ppt/notesSlides/notesSlide22.xml><?xml version="1.0" encoding="utf-8"?>
+<file path=ppt/notesSlides/notesSlide25.xml><?xml version="1.0" encoding="utf-8"?>
 <p:notes xmlns:a="http://schemas.openxmlformats.org/drawingml/2006/main" xmlns:r="http://schemas.openxmlformats.org/officeDocument/2006/relationships" xmlns:p="http://schemas.openxmlformats.org/presentationml/2006/main" xmlns:m="http://schemas.openxmlformats.org/officeDocument/2006/math" xmlns:w="http://schemas.openxmlformats.org/wordprocessingml/2006/main">
   <p:cSld name="">
     <p:spTree>
@@ -1856,7 +2129,7 @@
 </p:notes>
 </file>
 
-<file path=ppt/notesSlides/notesSlide23.xml><?xml version="1.0" encoding="utf-8"?>
+<file path=ppt/notesSlides/notesSlide26.xml><?xml version="1.0" encoding="utf-8"?>
 <p:notes xmlns:a="http://schemas.openxmlformats.org/drawingml/2006/main" xmlns:r="http://schemas.openxmlformats.org/officeDocument/2006/relationships" xmlns:p="http://schemas.openxmlformats.org/presentationml/2006/main" xmlns:m="http://schemas.openxmlformats.org/officeDocument/2006/math" xmlns:w="http://schemas.openxmlformats.org/wordprocessingml/2006/main">
   <p:cSld name="">
     <p:spTree>
@@ -7558,6 +7831,282 @@
       </p:grpSpPr>
       <p:sp>
         <p:nvSpPr>
+          <p:cNvPr id="1591338637" name="Subtitle 2"/>
+          <p:cNvSpPr>
+            <a:spLocks noGrp="1"/>
+          </p:cNvSpPr>
+          <p:nvPr/>
+        </p:nvSpPr>
+        <p:spPr bwMode="auto">
+          <a:xfrm flipH="0" flipV="0">
+            <a:off x="309562" y="437414"/>
+            <a:ext cx="11572875" cy="606672"/>
+          </a:xfrm>
+        </p:spPr>
+        <p:txBody>
+          <a:bodyPr vertOverflow="overflow" horzOverflow="overflow" vert="horz" wrap="square" lIns="91440" tIns="45720" rIns="91440" bIns="45720" numCol="1" spcCol="0" rtlCol="0" fromWordArt="0" anchor="t" anchorCtr="0" forceAA="0" upright="0" compatLnSpc="0">
+            <a:normAutofit fontScale="95000" lnSpcReduction="1000"/>
+          </a:bodyPr>
+          <a:lstStyle>
+            <a:lvl1pPr marL="0" indent="0" algn="ctr" defTabSz="914400">
+              <a:lnSpc>
+                <a:spcPct val="90000"/>
+              </a:lnSpc>
+              <a:spcBef>
+                <a:spcPts val="998"/>
+              </a:spcBef>
+              <a:buFont typeface="Arial"/>
+              <a:buNone/>
+              <a:defRPr sz="2400">
+                <a:solidFill>
+                  <a:schemeClr val="tx1"/>
+                </a:solidFill>
+                <a:latin typeface="+mn-lt"/>
+                <a:ea typeface="+mn-ea"/>
+                <a:cs typeface="+mn-cs"/>
+              </a:defRPr>
+            </a:lvl1pPr>
+            <a:lvl2pPr marL="457200" indent="0" algn="ctr" defTabSz="914400">
+              <a:lnSpc>
+                <a:spcPct val="90000"/>
+              </a:lnSpc>
+              <a:spcBef>
+                <a:spcPts val="498"/>
+              </a:spcBef>
+              <a:buFont typeface="Arial"/>
+              <a:buNone/>
+              <a:defRPr sz="2000">
+                <a:solidFill>
+                  <a:schemeClr val="tx1"/>
+                </a:solidFill>
+                <a:latin typeface="+mn-lt"/>
+                <a:ea typeface="+mn-ea"/>
+                <a:cs typeface="+mn-cs"/>
+              </a:defRPr>
+            </a:lvl2pPr>
+            <a:lvl3pPr marL="914400" indent="0" algn="ctr" defTabSz="914400">
+              <a:lnSpc>
+                <a:spcPct val="90000"/>
+              </a:lnSpc>
+              <a:spcBef>
+                <a:spcPts val="498"/>
+              </a:spcBef>
+              <a:buFont typeface="Arial"/>
+              <a:buNone/>
+              <a:defRPr sz="1800">
+                <a:solidFill>
+                  <a:schemeClr val="tx1"/>
+                </a:solidFill>
+                <a:latin typeface="+mn-lt"/>
+                <a:ea typeface="+mn-ea"/>
+                <a:cs typeface="+mn-cs"/>
+              </a:defRPr>
+            </a:lvl3pPr>
+            <a:lvl4pPr marL="1371600" indent="0" algn="ctr" defTabSz="914400">
+              <a:lnSpc>
+                <a:spcPct val="90000"/>
+              </a:lnSpc>
+              <a:spcBef>
+                <a:spcPts val="498"/>
+              </a:spcBef>
+              <a:buFont typeface="Arial"/>
+              <a:buNone/>
+              <a:defRPr sz="1600">
+                <a:solidFill>
+                  <a:schemeClr val="tx1"/>
+                </a:solidFill>
+                <a:latin typeface="+mn-lt"/>
+                <a:ea typeface="+mn-ea"/>
+                <a:cs typeface="+mn-cs"/>
+              </a:defRPr>
+            </a:lvl4pPr>
+            <a:lvl5pPr marL="1828800" indent="0" algn="ctr" defTabSz="914400">
+              <a:lnSpc>
+                <a:spcPct val="90000"/>
+              </a:lnSpc>
+              <a:spcBef>
+                <a:spcPts val="498"/>
+              </a:spcBef>
+              <a:buFont typeface="Arial"/>
+              <a:buNone/>
+              <a:defRPr sz="1600">
+                <a:solidFill>
+                  <a:schemeClr val="tx1"/>
+                </a:solidFill>
+                <a:latin typeface="+mn-lt"/>
+                <a:ea typeface="+mn-ea"/>
+                <a:cs typeface="+mn-cs"/>
+              </a:defRPr>
+            </a:lvl5pPr>
+            <a:lvl6pPr marL="2286000" indent="0" algn="ctr" defTabSz="914400">
+              <a:lnSpc>
+                <a:spcPct val="90000"/>
+              </a:lnSpc>
+              <a:spcBef>
+                <a:spcPts val="498"/>
+              </a:spcBef>
+              <a:buFont typeface="Arial"/>
+              <a:buNone/>
+              <a:defRPr sz="1600">
+                <a:solidFill>
+                  <a:schemeClr val="tx1"/>
+                </a:solidFill>
+                <a:latin typeface="+mn-lt"/>
+                <a:ea typeface="+mn-ea"/>
+                <a:cs typeface="+mn-cs"/>
+              </a:defRPr>
+            </a:lvl6pPr>
+            <a:lvl7pPr marL="2743200" indent="0" algn="ctr" defTabSz="914400">
+              <a:lnSpc>
+                <a:spcPct val="90000"/>
+              </a:lnSpc>
+              <a:spcBef>
+                <a:spcPts val="498"/>
+              </a:spcBef>
+              <a:buFont typeface="Arial"/>
+              <a:buNone/>
+              <a:defRPr sz="1600">
+                <a:solidFill>
+                  <a:schemeClr val="tx1"/>
+                </a:solidFill>
+                <a:latin typeface="+mn-lt"/>
+                <a:ea typeface="+mn-ea"/>
+                <a:cs typeface="+mn-cs"/>
+              </a:defRPr>
+            </a:lvl7pPr>
+            <a:lvl8pPr marL="3200400" indent="0" algn="ctr" defTabSz="914400">
+              <a:lnSpc>
+                <a:spcPct val="90000"/>
+              </a:lnSpc>
+              <a:spcBef>
+                <a:spcPts val="498"/>
+              </a:spcBef>
+              <a:buFont typeface="Arial"/>
+              <a:buNone/>
+              <a:defRPr sz="1600">
+                <a:solidFill>
+                  <a:schemeClr val="tx1"/>
+                </a:solidFill>
+                <a:latin typeface="+mn-lt"/>
+                <a:ea typeface="+mn-ea"/>
+                <a:cs typeface="+mn-cs"/>
+              </a:defRPr>
+            </a:lvl8pPr>
+            <a:lvl9pPr marL="3657600" indent="0" algn="ctr" defTabSz="914400">
+              <a:lnSpc>
+                <a:spcPct val="90000"/>
+              </a:lnSpc>
+              <a:spcBef>
+                <a:spcPts val="498"/>
+              </a:spcBef>
+              <a:buFont typeface="Arial"/>
+              <a:buNone/>
+              <a:defRPr sz="1600">
+                <a:solidFill>
+                  <a:schemeClr val="tx1"/>
+                </a:solidFill>
+                <a:latin typeface="+mn-lt"/>
+                <a:ea typeface="+mn-ea"/>
+                <a:cs typeface="+mn-cs"/>
+              </a:defRPr>
+            </a:lvl9pPr>
+          </a:lstStyle>
+          <a:p>
+            <a:pPr algn="ctr">
+              <a:defRPr/>
+            </a:pPr>
+            <a:r>
+              <a:rPr lang="ru-RU" sz="2800" b="0" i="0" u="none" strike="noStrike" cap="none" spc="0">
+                <a:solidFill>
+                  <a:schemeClr val="bg1"/>
+                </a:solidFill>
+                <a:latin typeface="DejaVu Serif"/>
+                <a:ea typeface="DejaVu Serif"/>
+                <a:cs typeface="DejaVu Serif"/>
+              </a:rPr>
+              <a:t>Генерация анонимизированного трафика в HLS приложении</a:t>
+            </a:r>
+            <a:endParaRPr sz="2800" b="0">
+              <a:solidFill>
+                <a:schemeClr val="bg1"/>
+              </a:solidFill>
+              <a:latin typeface="DejaVu Serif"/>
+              <a:ea typeface="DejaVu Serif"/>
+              <a:cs typeface="DejaVu Serif"/>
+            </a:endParaRPr>
+          </a:p>
+        </p:txBody>
+      </p:sp>
+      <p:pic>
+        <p:nvPicPr>
+          <p:cNvPr id="532379592" name=""/>
+          <p:cNvPicPr>
+            <a:picLocks noChangeAspect="1"/>
+          </p:cNvPicPr>
+          <p:nvPr/>
+        </p:nvPicPr>
+        <p:blipFill>
+          <a:blip r:embed="rId3"/>
+          <a:stretch/>
+        </p:blipFill>
+        <p:spPr bwMode="auto">
+          <a:xfrm>
+            <a:off x="309562" y="1203812"/>
+            <a:ext cx="11572875" cy="4924424"/>
+          </a:xfrm>
+          <a:prstGeom prst="rect">
+            <a:avLst/>
+          </a:prstGeom>
+          <a:ln w="57150">
+            <a:solidFill>
+              <a:schemeClr val="bg2"/>
+            </a:solidFill>
+            <a:prstDash val="solid"/>
+          </a:ln>
+        </p:spPr>
+      </p:pic>
+    </p:spTree>
+  </p:cSld>
+  <p:clrMapOvr>
+    <a:masterClrMapping/>
+  </p:clrMapOvr>
+  <mc:AlternateContent xmlns:mc="http://schemas.openxmlformats.org/markup-compatibility/2006">
+    <mc:Choice xmlns:p159="http://schemas.microsoft.com/office/powerpoint/2015/09/main" xmlns:p14="http://schemas.microsoft.com/office/powerpoint/2010/main" Requires="p159">
+      <p:transition p14:dur="2000" advClick="1"/>
+    </mc:Choice>
+    <mc:Fallback>
+      <p:transition advClick="1"/>
+    </mc:Fallback>
+  </mc:AlternateContent>
+</p:sld>
+</file>
+
+<file path=ppt/slides/slide15.xml><?xml version="1.0" encoding="utf-8"?>
+<p:sld xmlns:a="http://schemas.openxmlformats.org/drawingml/2006/main" xmlns:r="http://schemas.openxmlformats.org/officeDocument/2006/relationships" xmlns:p="http://schemas.openxmlformats.org/presentationml/2006/main" xmlns:m="http://schemas.openxmlformats.org/officeDocument/2006/math" xmlns:w="http://schemas.openxmlformats.org/wordprocessingml/2006/main" showMasterPhAnim="0" show="1">
+  <p:cSld name="">
+    <p:bg>
+      <p:bgPr shadeToTitle="0">
+        <a:solidFill>
+          <a:schemeClr val="tx1"/>
+        </a:solidFill>
+      </p:bgPr>
+    </p:bg>
+    <p:spTree>
+      <p:nvGrpSpPr>
+        <p:cNvPr id="1" name=""/>
+        <p:cNvGrpSpPr/>
+        <p:nvPr/>
+      </p:nvGrpSpPr>
+      <p:grpSpPr bwMode="auto">
+        <a:xfrm>
+          <a:off x="0" y="0"/>
+          <a:ext cx="0" cy="0"/>
+          <a:chOff x="0" y="0"/>
+          <a:chExt cx="0" cy="0"/>
+        </a:xfrm>
+      </p:grpSpPr>
+      <p:sp>
+        <p:nvSpPr>
           <p:cNvPr id="1208313718" name="Subtitle 2"/>
           <p:cNvSpPr>
             <a:spLocks noGrp="1"/>
@@ -7831,7 +8380,7 @@
 </p:sld>
 </file>
 
-<file path=ppt/slides/slide15.xml><?xml version="1.0" encoding="utf-8"?>
+<file path=ppt/slides/slide16.xml><?xml version="1.0" encoding="utf-8"?>
 <p:sld xmlns:a="http://schemas.openxmlformats.org/drawingml/2006/main" xmlns:r="http://schemas.openxmlformats.org/officeDocument/2006/relationships" xmlns:p="http://schemas.openxmlformats.org/presentationml/2006/main" xmlns:m="http://schemas.openxmlformats.org/officeDocument/2006/math" xmlns:w="http://schemas.openxmlformats.org/wordprocessingml/2006/main" showMasterPhAnim="0" show="1">
   <p:cSld name="">
     <p:bg>
@@ -8141,7 +8690,283 @@
 </p:sld>
 </file>
 
-<file path=ppt/slides/slide16.xml><?xml version="1.0" encoding="utf-8"?>
+<file path=ppt/slides/slide17.xml><?xml version="1.0" encoding="utf-8"?>
+<p:sld xmlns:a="http://schemas.openxmlformats.org/drawingml/2006/main" xmlns:r="http://schemas.openxmlformats.org/officeDocument/2006/relationships" xmlns:p="http://schemas.openxmlformats.org/presentationml/2006/main" xmlns:m="http://schemas.openxmlformats.org/officeDocument/2006/math" xmlns:w="http://schemas.openxmlformats.org/wordprocessingml/2006/main" showMasterPhAnim="0" show="1">
+  <p:cSld name="">
+    <p:bg>
+      <p:bgPr shadeToTitle="0">
+        <a:solidFill>
+          <a:schemeClr val="tx1"/>
+        </a:solidFill>
+      </p:bgPr>
+    </p:bg>
+    <p:spTree>
+      <p:nvGrpSpPr>
+        <p:cNvPr id="1" name=""/>
+        <p:cNvGrpSpPr/>
+        <p:nvPr/>
+      </p:nvGrpSpPr>
+      <p:grpSpPr bwMode="auto">
+        <a:xfrm>
+          <a:off x="0" y="0"/>
+          <a:ext cx="0" cy="0"/>
+          <a:chOff x="0" y="0"/>
+          <a:chExt cx="0" cy="0"/>
+        </a:xfrm>
+      </p:grpSpPr>
+      <p:sp>
+        <p:nvSpPr>
+          <p:cNvPr id="765730181" name="Subtitle 2"/>
+          <p:cNvSpPr>
+            <a:spLocks noGrp="1"/>
+          </p:cNvSpPr>
+          <p:nvPr/>
+        </p:nvSpPr>
+        <p:spPr bwMode="auto">
+          <a:xfrm flipH="0" flipV="0">
+            <a:off x="309561" y="437413"/>
+            <a:ext cx="11572875" cy="606672"/>
+          </a:xfrm>
+        </p:spPr>
+        <p:txBody>
+          <a:bodyPr vertOverflow="overflow" horzOverflow="overflow" vert="horz" wrap="square" lIns="91440" tIns="45720" rIns="91440" bIns="45720" numCol="1" spcCol="0" rtlCol="0" fromWordArt="0" anchor="t" anchorCtr="0" forceAA="0" upright="0" compatLnSpc="0">
+            <a:normAutofit/>
+          </a:bodyPr>
+          <a:lstStyle>
+            <a:lvl1pPr marL="0" indent="0" algn="ctr" defTabSz="914400">
+              <a:lnSpc>
+                <a:spcPct val="90000"/>
+              </a:lnSpc>
+              <a:spcBef>
+                <a:spcPts val="998"/>
+              </a:spcBef>
+              <a:buFont typeface="Arial"/>
+              <a:buNone/>
+              <a:defRPr sz="2400">
+                <a:solidFill>
+                  <a:schemeClr val="tx1"/>
+                </a:solidFill>
+                <a:latin typeface="+mn-lt"/>
+                <a:ea typeface="+mn-ea"/>
+                <a:cs typeface="+mn-cs"/>
+              </a:defRPr>
+            </a:lvl1pPr>
+            <a:lvl2pPr marL="457200" indent="0" algn="ctr" defTabSz="914400">
+              <a:lnSpc>
+                <a:spcPct val="90000"/>
+              </a:lnSpc>
+              <a:spcBef>
+                <a:spcPts val="498"/>
+              </a:spcBef>
+              <a:buFont typeface="Arial"/>
+              <a:buNone/>
+              <a:defRPr sz="2000">
+                <a:solidFill>
+                  <a:schemeClr val="tx1"/>
+                </a:solidFill>
+                <a:latin typeface="+mn-lt"/>
+                <a:ea typeface="+mn-ea"/>
+                <a:cs typeface="+mn-cs"/>
+              </a:defRPr>
+            </a:lvl2pPr>
+            <a:lvl3pPr marL="914400" indent="0" algn="ctr" defTabSz="914400">
+              <a:lnSpc>
+                <a:spcPct val="90000"/>
+              </a:lnSpc>
+              <a:spcBef>
+                <a:spcPts val="498"/>
+              </a:spcBef>
+              <a:buFont typeface="Arial"/>
+              <a:buNone/>
+              <a:defRPr sz="1800">
+                <a:solidFill>
+                  <a:schemeClr val="tx1"/>
+                </a:solidFill>
+                <a:latin typeface="+mn-lt"/>
+                <a:ea typeface="+mn-ea"/>
+                <a:cs typeface="+mn-cs"/>
+              </a:defRPr>
+            </a:lvl3pPr>
+            <a:lvl4pPr marL="1371600" indent="0" algn="ctr" defTabSz="914400">
+              <a:lnSpc>
+                <a:spcPct val="90000"/>
+              </a:lnSpc>
+              <a:spcBef>
+                <a:spcPts val="498"/>
+              </a:spcBef>
+              <a:buFont typeface="Arial"/>
+              <a:buNone/>
+              <a:defRPr sz="1600">
+                <a:solidFill>
+                  <a:schemeClr val="tx1"/>
+                </a:solidFill>
+                <a:latin typeface="+mn-lt"/>
+                <a:ea typeface="+mn-ea"/>
+                <a:cs typeface="+mn-cs"/>
+              </a:defRPr>
+            </a:lvl4pPr>
+            <a:lvl5pPr marL="1828800" indent="0" algn="ctr" defTabSz="914400">
+              <a:lnSpc>
+                <a:spcPct val="90000"/>
+              </a:lnSpc>
+              <a:spcBef>
+                <a:spcPts val="498"/>
+              </a:spcBef>
+              <a:buFont typeface="Arial"/>
+              <a:buNone/>
+              <a:defRPr sz="1600">
+                <a:solidFill>
+                  <a:schemeClr val="tx1"/>
+                </a:solidFill>
+                <a:latin typeface="+mn-lt"/>
+                <a:ea typeface="+mn-ea"/>
+                <a:cs typeface="+mn-cs"/>
+              </a:defRPr>
+            </a:lvl5pPr>
+            <a:lvl6pPr marL="2286000" indent="0" algn="ctr" defTabSz="914400">
+              <a:lnSpc>
+                <a:spcPct val="90000"/>
+              </a:lnSpc>
+              <a:spcBef>
+                <a:spcPts val="498"/>
+              </a:spcBef>
+              <a:buFont typeface="Arial"/>
+              <a:buNone/>
+              <a:defRPr sz="1600">
+                <a:solidFill>
+                  <a:schemeClr val="tx1"/>
+                </a:solidFill>
+                <a:latin typeface="+mn-lt"/>
+                <a:ea typeface="+mn-ea"/>
+                <a:cs typeface="+mn-cs"/>
+              </a:defRPr>
+            </a:lvl6pPr>
+            <a:lvl7pPr marL="2743200" indent="0" algn="ctr" defTabSz="914400">
+              <a:lnSpc>
+                <a:spcPct val="90000"/>
+              </a:lnSpc>
+              <a:spcBef>
+                <a:spcPts val="498"/>
+              </a:spcBef>
+              <a:buFont typeface="Arial"/>
+              <a:buNone/>
+              <a:defRPr sz="1600">
+                <a:solidFill>
+                  <a:schemeClr val="tx1"/>
+                </a:solidFill>
+                <a:latin typeface="+mn-lt"/>
+                <a:ea typeface="+mn-ea"/>
+                <a:cs typeface="+mn-cs"/>
+              </a:defRPr>
+            </a:lvl7pPr>
+            <a:lvl8pPr marL="3200400" indent="0" algn="ctr" defTabSz="914400">
+              <a:lnSpc>
+                <a:spcPct val="90000"/>
+              </a:lnSpc>
+              <a:spcBef>
+                <a:spcPts val="498"/>
+              </a:spcBef>
+              <a:buFont typeface="Arial"/>
+              <a:buNone/>
+              <a:defRPr sz="1600">
+                <a:solidFill>
+                  <a:schemeClr val="tx1"/>
+                </a:solidFill>
+                <a:latin typeface="+mn-lt"/>
+                <a:ea typeface="+mn-ea"/>
+                <a:cs typeface="+mn-cs"/>
+              </a:defRPr>
+            </a:lvl8pPr>
+            <a:lvl9pPr marL="3657600" indent="0" algn="ctr" defTabSz="914400">
+              <a:lnSpc>
+                <a:spcPct val="90000"/>
+              </a:lnSpc>
+              <a:spcBef>
+                <a:spcPts val="498"/>
+              </a:spcBef>
+              <a:buFont typeface="Arial"/>
+              <a:buNone/>
+              <a:defRPr sz="1600">
+                <a:solidFill>
+                  <a:schemeClr val="tx1"/>
+                </a:solidFill>
+                <a:latin typeface="+mn-lt"/>
+                <a:ea typeface="+mn-ea"/>
+                <a:cs typeface="+mn-cs"/>
+              </a:defRPr>
+            </a:lvl9pPr>
+          </a:lstStyle>
+          <a:p>
+            <a:pPr algn="ctr">
+              <a:defRPr/>
+            </a:pPr>
+            <a:r>
+              <a:rPr lang="ru-RU" sz="2800" b="0" i="0" u="none" strike="noStrike" cap="none" spc="0">
+                <a:solidFill>
+                  <a:schemeClr val="bg1"/>
+                </a:solidFill>
+                <a:latin typeface="DejaVu Serif"/>
+                <a:ea typeface="DejaVu Serif"/>
+                <a:cs typeface="DejaVu Serif"/>
+              </a:rPr>
+              <a:t>Интерфейс чата в HLM приложении</a:t>
+            </a:r>
+            <a:endParaRPr sz="2800" b="0">
+              <a:solidFill>
+                <a:schemeClr val="bg1"/>
+              </a:solidFill>
+              <a:latin typeface="DejaVu Serif"/>
+              <a:ea typeface="DejaVu Serif"/>
+              <a:cs typeface="DejaVu Serif"/>
+            </a:endParaRPr>
+          </a:p>
+        </p:txBody>
+      </p:sp>
+      <p:pic>
+        <p:nvPicPr>
+          <p:cNvPr id="1239137001" name=""/>
+          <p:cNvPicPr>
+            <a:picLocks noChangeAspect="1"/>
+          </p:cNvPicPr>
+          <p:nvPr/>
+        </p:nvPicPr>
+        <p:blipFill>
+          <a:blip r:embed="rId3"/>
+          <a:stretch/>
+        </p:blipFill>
+        <p:spPr bwMode="auto">
+          <a:xfrm flipH="0" flipV="0">
+            <a:off x="838404" y="1241759"/>
+            <a:ext cx="10515189" cy="5124603"/>
+          </a:xfrm>
+          <a:prstGeom prst="rect">
+            <a:avLst/>
+          </a:prstGeom>
+          <a:ln w="57150">
+            <a:solidFill>
+              <a:schemeClr val="bg2"/>
+            </a:solidFill>
+            <a:prstDash val="solid"/>
+          </a:ln>
+        </p:spPr>
+      </p:pic>
+    </p:spTree>
+  </p:cSld>
+  <p:clrMapOvr>
+    <a:masterClrMapping/>
+  </p:clrMapOvr>
+  <mc:AlternateContent xmlns:mc="http://schemas.openxmlformats.org/markup-compatibility/2006">
+    <mc:Choice xmlns:p159="http://schemas.microsoft.com/office/powerpoint/2015/09/main" xmlns:p14="http://schemas.microsoft.com/office/powerpoint/2010/main" Requires="p159">
+      <p:transition p14:dur="2000" advClick="1"/>
+    </mc:Choice>
+    <mc:Fallback>
+      <p:transition advClick="1"/>
+    </mc:Fallback>
+  </mc:AlternateContent>
+</p:sld>
+</file>
+
+<file path=ppt/slides/slide18.xml><?xml version="1.0" encoding="utf-8"?>
 <p:sld xmlns:a="http://schemas.openxmlformats.org/drawingml/2006/main" xmlns:r="http://schemas.openxmlformats.org/officeDocument/2006/relationships" xmlns:p="http://schemas.openxmlformats.org/presentationml/2006/main" xmlns:m="http://schemas.openxmlformats.org/officeDocument/2006/math" xmlns:w="http://schemas.openxmlformats.org/wordprocessingml/2006/main" showMasterPhAnim="0" show="1">
   <p:cSld name="">
     <p:bg>
@@ -8451,659 +9276,6 @@
 </p:sld>
 </file>
 
-<file path=ppt/slides/slide17.xml><?xml version="1.0" encoding="utf-8"?>
-<p:sld xmlns:a="http://schemas.openxmlformats.org/drawingml/2006/main" xmlns:r="http://schemas.openxmlformats.org/officeDocument/2006/relationships" xmlns:p="http://schemas.openxmlformats.org/presentationml/2006/main" xmlns:m="http://schemas.openxmlformats.org/officeDocument/2006/math" xmlns:w="http://schemas.openxmlformats.org/wordprocessingml/2006/main" showMasterPhAnim="0" show="1">
-  <p:cSld name="">
-    <p:bg>
-      <p:bgPr shadeToTitle="0">
-        <a:solidFill>
-          <a:schemeClr val="tx1"/>
-        </a:solidFill>
-      </p:bgPr>
-    </p:bg>
-    <p:spTree>
-      <p:nvGrpSpPr>
-        <p:cNvPr id="1" name=""/>
-        <p:cNvGrpSpPr/>
-        <p:nvPr/>
-      </p:nvGrpSpPr>
-      <p:grpSpPr bwMode="auto">
-        <a:xfrm>
-          <a:off x="0" y="0"/>
-          <a:ext cx="0" cy="0"/>
-          <a:chOff x="0" y="0"/>
-          <a:chExt cx="0" cy="0"/>
-        </a:xfrm>
-      </p:grpSpPr>
-      <p:sp>
-        <p:nvSpPr>
-          <p:cNvPr id="1141099962" name="Subtitle 2"/>
-          <p:cNvSpPr>
-            <a:spLocks noGrp="1"/>
-          </p:cNvSpPr>
-          <p:nvPr/>
-        </p:nvSpPr>
-        <p:spPr bwMode="auto">
-          <a:xfrm flipH="0" flipV="0">
-            <a:off x="472583" y="2613875"/>
-            <a:ext cx="5885393" cy="1773117"/>
-          </a:xfrm>
-        </p:spPr>
-        <p:txBody>
-          <a:bodyPr vertOverflow="overflow" horzOverflow="overflow" vert="horz" wrap="square" lIns="91440" tIns="45720" rIns="91440" bIns="45720" numCol="1" spcCol="0" rtlCol="0" fromWordArt="0" anchor="t" anchorCtr="0" forceAA="0" upright="0" compatLnSpc="0">
-            <a:normAutofit/>
-          </a:bodyPr>
-          <a:lstStyle>
-            <a:lvl1pPr marL="0" indent="0" algn="ctr" defTabSz="914400">
-              <a:lnSpc>
-                <a:spcPct val="90000"/>
-              </a:lnSpc>
-              <a:spcBef>
-                <a:spcPts val="998"/>
-              </a:spcBef>
-              <a:buFont typeface="Arial"/>
-              <a:buNone/>
-              <a:defRPr sz="2400">
-                <a:solidFill>
-                  <a:schemeClr val="tx1"/>
-                </a:solidFill>
-                <a:latin typeface="+mn-lt"/>
-                <a:ea typeface="+mn-ea"/>
-                <a:cs typeface="+mn-cs"/>
-              </a:defRPr>
-            </a:lvl1pPr>
-            <a:lvl2pPr marL="457200" indent="0" algn="ctr" defTabSz="914400">
-              <a:lnSpc>
-                <a:spcPct val="90000"/>
-              </a:lnSpc>
-              <a:spcBef>
-                <a:spcPts val="498"/>
-              </a:spcBef>
-              <a:buFont typeface="Arial"/>
-              <a:buNone/>
-              <a:defRPr sz="2000">
-                <a:solidFill>
-                  <a:schemeClr val="tx1"/>
-                </a:solidFill>
-                <a:latin typeface="+mn-lt"/>
-                <a:ea typeface="+mn-ea"/>
-                <a:cs typeface="+mn-cs"/>
-              </a:defRPr>
-            </a:lvl2pPr>
-            <a:lvl3pPr marL="914400" indent="0" algn="ctr" defTabSz="914400">
-              <a:lnSpc>
-                <a:spcPct val="90000"/>
-              </a:lnSpc>
-              <a:spcBef>
-                <a:spcPts val="498"/>
-              </a:spcBef>
-              <a:buFont typeface="Arial"/>
-              <a:buNone/>
-              <a:defRPr sz="1800">
-                <a:solidFill>
-                  <a:schemeClr val="tx1"/>
-                </a:solidFill>
-                <a:latin typeface="+mn-lt"/>
-                <a:ea typeface="+mn-ea"/>
-                <a:cs typeface="+mn-cs"/>
-              </a:defRPr>
-            </a:lvl3pPr>
-            <a:lvl4pPr marL="1371600" indent="0" algn="ctr" defTabSz="914400">
-              <a:lnSpc>
-                <a:spcPct val="90000"/>
-              </a:lnSpc>
-              <a:spcBef>
-                <a:spcPts val="498"/>
-              </a:spcBef>
-              <a:buFont typeface="Arial"/>
-              <a:buNone/>
-              <a:defRPr sz="1600">
-                <a:solidFill>
-                  <a:schemeClr val="tx1"/>
-                </a:solidFill>
-                <a:latin typeface="+mn-lt"/>
-                <a:ea typeface="+mn-ea"/>
-                <a:cs typeface="+mn-cs"/>
-              </a:defRPr>
-            </a:lvl4pPr>
-            <a:lvl5pPr marL="1828800" indent="0" algn="ctr" defTabSz="914400">
-              <a:lnSpc>
-                <a:spcPct val="90000"/>
-              </a:lnSpc>
-              <a:spcBef>
-                <a:spcPts val="498"/>
-              </a:spcBef>
-              <a:buFont typeface="Arial"/>
-              <a:buNone/>
-              <a:defRPr sz="1600">
-                <a:solidFill>
-                  <a:schemeClr val="tx1"/>
-                </a:solidFill>
-                <a:latin typeface="+mn-lt"/>
-                <a:ea typeface="+mn-ea"/>
-                <a:cs typeface="+mn-cs"/>
-              </a:defRPr>
-            </a:lvl5pPr>
-            <a:lvl6pPr marL="2286000" indent="0" algn="ctr" defTabSz="914400">
-              <a:lnSpc>
-                <a:spcPct val="90000"/>
-              </a:lnSpc>
-              <a:spcBef>
-                <a:spcPts val="498"/>
-              </a:spcBef>
-              <a:buFont typeface="Arial"/>
-              <a:buNone/>
-              <a:defRPr sz="1600">
-                <a:solidFill>
-                  <a:schemeClr val="tx1"/>
-                </a:solidFill>
-                <a:latin typeface="+mn-lt"/>
-                <a:ea typeface="+mn-ea"/>
-                <a:cs typeface="+mn-cs"/>
-              </a:defRPr>
-            </a:lvl6pPr>
-            <a:lvl7pPr marL="2743200" indent="0" algn="ctr" defTabSz="914400">
-              <a:lnSpc>
-                <a:spcPct val="90000"/>
-              </a:lnSpc>
-              <a:spcBef>
-                <a:spcPts val="498"/>
-              </a:spcBef>
-              <a:buFont typeface="Arial"/>
-              <a:buNone/>
-              <a:defRPr sz="1600">
-                <a:solidFill>
-                  <a:schemeClr val="tx1"/>
-                </a:solidFill>
-                <a:latin typeface="+mn-lt"/>
-                <a:ea typeface="+mn-ea"/>
-                <a:cs typeface="+mn-cs"/>
-              </a:defRPr>
-            </a:lvl7pPr>
-            <a:lvl8pPr marL="3200400" indent="0" algn="ctr" defTabSz="914400">
-              <a:lnSpc>
-                <a:spcPct val="90000"/>
-              </a:lnSpc>
-              <a:spcBef>
-                <a:spcPts val="498"/>
-              </a:spcBef>
-              <a:buFont typeface="Arial"/>
-              <a:buNone/>
-              <a:defRPr sz="1600">
-                <a:solidFill>
-                  <a:schemeClr val="tx1"/>
-                </a:solidFill>
-                <a:latin typeface="+mn-lt"/>
-                <a:ea typeface="+mn-ea"/>
-                <a:cs typeface="+mn-cs"/>
-              </a:defRPr>
-            </a:lvl8pPr>
-            <a:lvl9pPr marL="3657600" indent="0" algn="ctr" defTabSz="914400">
-              <a:lnSpc>
-                <a:spcPct val="90000"/>
-              </a:lnSpc>
-              <a:spcBef>
-                <a:spcPts val="498"/>
-              </a:spcBef>
-              <a:buFont typeface="Arial"/>
-              <a:buNone/>
-              <a:defRPr sz="1600">
-                <a:solidFill>
-                  <a:schemeClr val="tx1"/>
-                </a:solidFill>
-                <a:latin typeface="+mn-lt"/>
-                <a:ea typeface="+mn-ea"/>
-                <a:cs typeface="+mn-cs"/>
-              </a:defRPr>
-            </a:lvl9pPr>
-          </a:lstStyle>
-          <a:p>
-            <a:pPr algn="ctr">
-              <a:defRPr/>
-            </a:pPr>
-            <a:r>
-              <a:rPr lang="ru-RU" sz="2800" b="0" i="0" u="none" strike="noStrike" cap="none" spc="0">
-                <a:solidFill>
-                  <a:schemeClr val="bg1"/>
-                </a:solidFill>
-                <a:latin typeface="DejaVu Serif"/>
-                <a:ea typeface="DejaVu Serif"/>
-                <a:cs typeface="DejaVu Serif"/>
-              </a:rPr>
-              <a:t>HLE (Hidden Lake Encryptor) —</a:t>
-            </a:r>
-            <a:r>
-              <a:rPr lang="ru-RU" sz="2800" b="0" i="0" u="none" strike="noStrike" cap="none" spc="0">
-                <a:solidFill>
-                  <a:schemeClr val="bg1"/>
-                </a:solidFill>
-                <a:latin typeface="DejaVu Serif"/>
-                <a:ea typeface="DejaVu Serif"/>
-                <a:cs typeface="DejaVu Serif"/>
-              </a:rPr>
-              <a:t> </a:t>
-            </a:r>
-            <a:r>
-              <a:rPr lang="ru-RU" sz="2800" b="0" i="0" u="none" strike="noStrike" cap="none" spc="0">
-                <a:solidFill>
-                  <a:schemeClr val="bg1"/>
-                </a:solidFill>
-                <a:latin typeface="DejaVu Serif"/>
-                <a:ea typeface="DejaVu Serif"/>
-                <a:cs typeface="DejaVu Serif"/>
-              </a:rPr>
-              <a:t>сервис </a:t>
-            </a:r>
-            <a:r>
-              <a:rPr lang="ru-RU" sz="2800" b="1" i="0" u="none" strike="noStrike" cap="none" spc="0">
-                <a:solidFill>
-                  <a:schemeClr val="bg1"/>
-                </a:solidFill>
-                <a:latin typeface="DejaVu Serif"/>
-                <a:ea typeface="DejaVu Serif"/>
-                <a:cs typeface="DejaVu Serif"/>
-              </a:rPr>
-              <a:t>шифрования </a:t>
-            </a:r>
-            <a:r>
-              <a:rPr lang="ru-RU" sz="2800" b="0" i="0" u="none" strike="noStrike" cap="none" spc="0">
-                <a:solidFill>
-                  <a:schemeClr val="bg1"/>
-                </a:solidFill>
-                <a:latin typeface="DejaVu Serif"/>
-                <a:ea typeface="DejaVu Serif"/>
-                <a:cs typeface="DejaVu Serif"/>
-              </a:rPr>
-              <a:t>и </a:t>
-            </a:r>
-            <a:r>
-              <a:rPr lang="ru-RU" sz="2800" b="0" i="0" u="none" strike="noStrike" cap="none" spc="0">
-                <a:solidFill>
-                  <a:schemeClr val="bg1"/>
-                </a:solidFill>
-                <a:latin typeface="DejaVu Serif"/>
-                <a:ea typeface="DejaVu Serif"/>
-                <a:cs typeface="DejaVu Serif"/>
-              </a:rPr>
-              <a:t>расшифрования </a:t>
-            </a:r>
-            <a:r>
-              <a:rPr lang="ru-RU" sz="2800" b="0" i="0" u="none" strike="noStrike" cap="none" spc="0">
-                <a:solidFill>
-                  <a:schemeClr val="bg1"/>
-                </a:solidFill>
-                <a:latin typeface="DejaVu Serif"/>
-                <a:ea typeface="DejaVu Serif"/>
-                <a:cs typeface="DejaVu Serif"/>
-              </a:rPr>
-              <a:t>сообщений формата </a:t>
-            </a:r>
-            <a:r>
-              <a:rPr lang="ru-RU" sz="2800" b="1" i="0" u="none" strike="noStrike" cap="none" spc="0">
-                <a:solidFill>
-                  <a:schemeClr val="bg1"/>
-                </a:solidFill>
-                <a:latin typeface="DejaVu Serif"/>
-                <a:ea typeface="DejaVu Serif"/>
-                <a:cs typeface="DejaVu Serif"/>
-              </a:rPr>
-              <a:t>go-peer</a:t>
-            </a:r>
-            <a:endParaRPr sz="2800" b="0">
-              <a:solidFill>
-                <a:schemeClr val="bg1"/>
-              </a:solidFill>
-              <a:latin typeface="DejaVu Serif"/>
-              <a:ea typeface="DejaVu Serif"/>
-              <a:cs typeface="DejaVu Serif"/>
-            </a:endParaRPr>
-          </a:p>
-        </p:txBody>
-      </p:sp>
-      <p:pic>
-        <p:nvPicPr>
-          <p:cNvPr id="1297139809" name=""/>
-          <p:cNvPicPr>
-            <a:picLocks noChangeAspect="1"/>
-          </p:cNvPicPr>
-          <p:nvPr/>
-        </p:nvPicPr>
-        <p:blipFill>
-          <a:blip r:embed="rId3"/>
-          <a:srcRect l="34000" t="20364" r="33295" b="22831"/>
-          <a:stretch/>
-        </p:blipFill>
-        <p:spPr bwMode="auto">
-          <a:xfrm flipH="0" flipV="0">
-            <a:off x="6870865" y="2199906"/>
-            <a:ext cx="4615961" cy="2601057"/>
-          </a:xfrm>
-          <a:prstGeom prst="rect">
-            <a:avLst/>
-          </a:prstGeom>
-          <a:ln w="57150">
-            <a:solidFill>
-              <a:schemeClr val="bg2"/>
-            </a:solidFill>
-            <a:prstDash val="solid"/>
-          </a:ln>
-        </p:spPr>
-      </p:pic>
-    </p:spTree>
-  </p:cSld>
-  <p:clrMapOvr>
-    <a:masterClrMapping/>
-  </p:clrMapOvr>
-  <mc:AlternateContent xmlns:mc="http://schemas.openxmlformats.org/markup-compatibility/2006">
-    <mc:Choice xmlns:p159="http://schemas.microsoft.com/office/powerpoint/2015/09/main" xmlns:p14="http://schemas.microsoft.com/office/powerpoint/2010/main" Requires="p159">
-      <p:transition p14:dur="2000" advClick="1"/>
-    </mc:Choice>
-    <mc:Fallback>
-      <p:transition advClick="1"/>
-    </mc:Fallback>
-  </mc:AlternateContent>
-</p:sld>
-</file>
-
-<file path=ppt/slides/slide18.xml><?xml version="1.0" encoding="utf-8"?>
-<p:sld xmlns:a="http://schemas.openxmlformats.org/drawingml/2006/main" xmlns:r="http://schemas.openxmlformats.org/officeDocument/2006/relationships" xmlns:p="http://schemas.openxmlformats.org/presentationml/2006/main" xmlns:m="http://schemas.openxmlformats.org/officeDocument/2006/math" xmlns:w="http://schemas.openxmlformats.org/wordprocessingml/2006/main" showMasterPhAnim="0" show="1">
-  <p:cSld name="">
-    <p:bg>
-      <p:bgPr shadeToTitle="0">
-        <a:solidFill>
-          <a:schemeClr val="tx1"/>
-        </a:solidFill>
-      </p:bgPr>
-    </p:bg>
-    <p:spTree>
-      <p:nvGrpSpPr>
-        <p:cNvPr id="1" name=""/>
-        <p:cNvGrpSpPr/>
-        <p:nvPr/>
-      </p:nvGrpSpPr>
-      <p:grpSpPr bwMode="auto">
-        <a:xfrm>
-          <a:off x="0" y="0"/>
-          <a:ext cx="0" cy="0"/>
-          <a:chOff x="0" y="0"/>
-          <a:chExt cx="0" cy="0"/>
-        </a:xfrm>
-      </p:grpSpPr>
-      <p:sp>
-        <p:nvSpPr>
-          <p:cNvPr id="610656097" name="Subtitle 2"/>
-          <p:cNvSpPr>
-            <a:spLocks noGrp="1"/>
-          </p:cNvSpPr>
-          <p:nvPr/>
-        </p:nvSpPr>
-        <p:spPr bwMode="auto">
-          <a:xfrm flipH="0" flipV="0">
-            <a:off x="5619747" y="2458180"/>
-            <a:ext cx="5885394" cy="2084510"/>
-          </a:xfrm>
-        </p:spPr>
-        <p:txBody>
-          <a:bodyPr vertOverflow="overflow" horzOverflow="overflow" vert="horz" wrap="square" lIns="91440" tIns="45720" rIns="91440" bIns="45720" numCol="1" spcCol="0" rtlCol="0" fromWordArt="0" anchor="t" anchorCtr="0" forceAA="0" upright="0" compatLnSpc="0">
-            <a:normAutofit/>
-          </a:bodyPr>
-          <a:lstStyle>
-            <a:lvl1pPr marL="0" indent="0" algn="ctr" defTabSz="914400">
-              <a:lnSpc>
-                <a:spcPct val="90000"/>
-              </a:lnSpc>
-              <a:spcBef>
-                <a:spcPts val="999"/>
-              </a:spcBef>
-              <a:buFont typeface="Arial"/>
-              <a:buNone/>
-              <a:defRPr sz="2400">
-                <a:solidFill>
-                  <a:schemeClr val="tx1"/>
-                </a:solidFill>
-                <a:latin typeface="+mn-lt"/>
-                <a:ea typeface="+mn-ea"/>
-                <a:cs typeface="+mn-cs"/>
-              </a:defRPr>
-            </a:lvl1pPr>
-            <a:lvl2pPr marL="457200" indent="0" algn="ctr" defTabSz="914400">
-              <a:lnSpc>
-                <a:spcPct val="90000"/>
-              </a:lnSpc>
-              <a:spcBef>
-                <a:spcPts val="499"/>
-              </a:spcBef>
-              <a:buFont typeface="Arial"/>
-              <a:buNone/>
-              <a:defRPr sz="2000">
-                <a:solidFill>
-                  <a:schemeClr val="tx1"/>
-                </a:solidFill>
-                <a:latin typeface="+mn-lt"/>
-                <a:ea typeface="+mn-ea"/>
-                <a:cs typeface="+mn-cs"/>
-              </a:defRPr>
-            </a:lvl2pPr>
-            <a:lvl3pPr marL="914400" indent="0" algn="ctr" defTabSz="914400">
-              <a:lnSpc>
-                <a:spcPct val="90000"/>
-              </a:lnSpc>
-              <a:spcBef>
-                <a:spcPts val="499"/>
-              </a:spcBef>
-              <a:buFont typeface="Arial"/>
-              <a:buNone/>
-              <a:defRPr sz="1800">
-                <a:solidFill>
-                  <a:schemeClr val="tx1"/>
-                </a:solidFill>
-                <a:latin typeface="+mn-lt"/>
-                <a:ea typeface="+mn-ea"/>
-                <a:cs typeface="+mn-cs"/>
-              </a:defRPr>
-            </a:lvl3pPr>
-            <a:lvl4pPr marL="1371600" indent="0" algn="ctr" defTabSz="914400">
-              <a:lnSpc>
-                <a:spcPct val="90000"/>
-              </a:lnSpc>
-              <a:spcBef>
-                <a:spcPts val="499"/>
-              </a:spcBef>
-              <a:buFont typeface="Arial"/>
-              <a:buNone/>
-              <a:defRPr sz="1600">
-                <a:solidFill>
-                  <a:schemeClr val="tx1"/>
-                </a:solidFill>
-                <a:latin typeface="+mn-lt"/>
-                <a:ea typeface="+mn-ea"/>
-                <a:cs typeface="+mn-cs"/>
-              </a:defRPr>
-            </a:lvl4pPr>
-            <a:lvl5pPr marL="1828800" indent="0" algn="ctr" defTabSz="914400">
-              <a:lnSpc>
-                <a:spcPct val="90000"/>
-              </a:lnSpc>
-              <a:spcBef>
-                <a:spcPts val="499"/>
-              </a:spcBef>
-              <a:buFont typeface="Arial"/>
-              <a:buNone/>
-              <a:defRPr sz="1600">
-                <a:solidFill>
-                  <a:schemeClr val="tx1"/>
-                </a:solidFill>
-                <a:latin typeface="+mn-lt"/>
-                <a:ea typeface="+mn-ea"/>
-                <a:cs typeface="+mn-cs"/>
-              </a:defRPr>
-            </a:lvl5pPr>
-            <a:lvl6pPr marL="2286000" indent="0" algn="ctr" defTabSz="914400">
-              <a:lnSpc>
-                <a:spcPct val="90000"/>
-              </a:lnSpc>
-              <a:spcBef>
-                <a:spcPts val="499"/>
-              </a:spcBef>
-              <a:buFont typeface="Arial"/>
-              <a:buNone/>
-              <a:defRPr sz="1600">
-                <a:solidFill>
-                  <a:schemeClr val="tx1"/>
-                </a:solidFill>
-                <a:latin typeface="+mn-lt"/>
-                <a:ea typeface="+mn-ea"/>
-                <a:cs typeface="+mn-cs"/>
-              </a:defRPr>
-            </a:lvl6pPr>
-            <a:lvl7pPr marL="2743200" indent="0" algn="ctr" defTabSz="914400">
-              <a:lnSpc>
-                <a:spcPct val="90000"/>
-              </a:lnSpc>
-              <a:spcBef>
-                <a:spcPts val="499"/>
-              </a:spcBef>
-              <a:buFont typeface="Arial"/>
-              <a:buNone/>
-              <a:defRPr sz="1600">
-                <a:solidFill>
-                  <a:schemeClr val="tx1"/>
-                </a:solidFill>
-                <a:latin typeface="+mn-lt"/>
-                <a:ea typeface="+mn-ea"/>
-                <a:cs typeface="+mn-cs"/>
-              </a:defRPr>
-            </a:lvl7pPr>
-            <a:lvl8pPr marL="3200400" indent="0" algn="ctr" defTabSz="914400">
-              <a:lnSpc>
-                <a:spcPct val="90000"/>
-              </a:lnSpc>
-              <a:spcBef>
-                <a:spcPts val="499"/>
-              </a:spcBef>
-              <a:buFont typeface="Arial"/>
-              <a:buNone/>
-              <a:defRPr sz="1600">
-                <a:solidFill>
-                  <a:schemeClr val="tx1"/>
-                </a:solidFill>
-                <a:latin typeface="+mn-lt"/>
-                <a:ea typeface="+mn-ea"/>
-                <a:cs typeface="+mn-cs"/>
-              </a:defRPr>
-            </a:lvl8pPr>
-            <a:lvl9pPr marL="3657600" indent="0" algn="ctr" defTabSz="914400">
-              <a:lnSpc>
-                <a:spcPct val="90000"/>
-              </a:lnSpc>
-              <a:spcBef>
-                <a:spcPts val="499"/>
-              </a:spcBef>
-              <a:buFont typeface="Arial"/>
-              <a:buNone/>
-              <a:defRPr sz="1600">
-                <a:solidFill>
-                  <a:schemeClr val="tx1"/>
-                </a:solidFill>
-                <a:latin typeface="+mn-lt"/>
-                <a:ea typeface="+mn-ea"/>
-                <a:cs typeface="+mn-cs"/>
-              </a:defRPr>
-            </a:lvl9pPr>
-          </a:lstStyle>
-          <a:p>
-            <a:pPr algn="ctr">
-              <a:defRPr/>
-            </a:pPr>
-            <a:r>
-              <a:rPr lang="ru-RU" sz="2800" b="0" i="0" u="none" strike="noStrike" cap="none" spc="0">
-                <a:solidFill>
-                  <a:schemeClr val="bg1"/>
-                </a:solidFill>
-                <a:latin typeface="DejaVu Serif"/>
-                <a:ea typeface="DejaVu Serif"/>
-                <a:cs typeface="DejaVu Serif"/>
-              </a:rPr>
-              <a:t>HLL (Hidden Lake Loader) — </a:t>
-            </a:r>
-            <a:r>
-              <a:rPr lang="ru-RU" sz="2800" b="1" i="0" u="none" strike="noStrike" cap="none" spc="0">
-                <a:solidFill>
-                  <a:schemeClr val="bg1"/>
-                </a:solidFill>
-                <a:latin typeface="DejaVu Serif"/>
-                <a:ea typeface="DejaVu Serif"/>
-                <a:cs typeface="DejaVu Serif"/>
-              </a:rPr>
-              <a:t>скачиватель </a:t>
-            </a:r>
-            <a:r>
-              <a:rPr lang="ru-RU" sz="2800" b="0" i="0" u="none" strike="noStrike" cap="none" spc="0">
-                <a:solidFill>
-                  <a:schemeClr val="bg1"/>
-                </a:solidFill>
-                <a:latin typeface="DejaVu Serif"/>
-                <a:ea typeface="DejaVu Serif"/>
-                <a:cs typeface="DejaVu Serif"/>
-              </a:rPr>
-              <a:t>и распределитель трафика между несколькими HLT сервисами</a:t>
-            </a:r>
-            <a:endParaRPr sz="2800" b="0">
-              <a:solidFill>
-                <a:schemeClr val="bg1"/>
-              </a:solidFill>
-              <a:latin typeface="DejaVu Serif"/>
-              <a:ea typeface="DejaVu Serif"/>
-              <a:cs typeface="DejaVu Serif"/>
-            </a:endParaRPr>
-          </a:p>
-        </p:txBody>
-      </p:sp>
-      <p:pic>
-        <p:nvPicPr>
-          <p:cNvPr id="1445042602" name=""/>
-          <p:cNvPicPr>
-            <a:picLocks noChangeAspect="1"/>
-          </p:cNvPicPr>
-          <p:nvPr/>
-        </p:nvPicPr>
-        <p:blipFill>
-          <a:blip r:embed="rId3"/>
-          <a:srcRect l="36077" t="24382" r="35798" b="28006"/>
-          <a:stretch/>
-        </p:blipFill>
-        <p:spPr bwMode="auto">
-          <a:xfrm flipH="0" flipV="0">
-            <a:off x="789518" y="2201740"/>
-            <a:ext cx="4469423" cy="2454518"/>
-          </a:xfrm>
-          <a:prstGeom prst="rect">
-            <a:avLst/>
-          </a:prstGeom>
-          <a:ln w="57150">
-            <a:solidFill>
-              <a:schemeClr val="bg2"/>
-            </a:solidFill>
-            <a:prstDash val="solid"/>
-          </a:ln>
-        </p:spPr>
-      </p:pic>
-    </p:spTree>
-  </p:cSld>
-  <p:clrMapOvr>
-    <a:masterClrMapping/>
-  </p:clrMapOvr>
-  <mc:AlternateContent xmlns:mc="http://schemas.openxmlformats.org/markup-compatibility/2006">
-    <mc:Choice xmlns:p159="http://schemas.microsoft.com/office/powerpoint/2015/09/main" xmlns:p14="http://schemas.microsoft.com/office/powerpoint/2010/main" Requires="p159">
-      <p:transition p14:dur="2000" advClick="1"/>
-    </mc:Choice>
-    <mc:Fallback>
-      <p:transition advClick="1"/>
-    </mc:Fallback>
-  </mc:AlternateContent>
-</p:sld>
-</file>
-
 <file path=ppt/slides/slide19.xml><?xml version="1.0" encoding="utf-8"?>
 <p:sld xmlns:a="http://schemas.openxmlformats.org/drawingml/2006/main" xmlns:r="http://schemas.openxmlformats.org/officeDocument/2006/relationships" xmlns:p="http://schemas.openxmlformats.org/presentationml/2006/main" xmlns:m="http://schemas.openxmlformats.org/officeDocument/2006/math" xmlns:w="http://schemas.openxmlformats.org/wordprocessingml/2006/main" showMasterPhAnim="0" show="1">
   <p:cSld name="">
@@ -9130,7 +9302,7 @@
       </p:grpSpPr>
       <p:sp>
         <p:nvSpPr>
-          <p:cNvPr id="492961581" name="Subtitle 2"/>
+          <p:cNvPr id="2018300836" name="Subtitle 2"/>
           <p:cNvSpPr>
             <a:spLocks noGrp="1"/>
           </p:cNvSpPr>
@@ -9138,8 +9310,8 @@
         </p:nvSpPr>
         <p:spPr bwMode="auto">
           <a:xfrm flipH="0" flipV="0">
-            <a:off x="417628" y="2577240"/>
-            <a:ext cx="5885392" cy="2020403"/>
+            <a:off x="309561" y="437413"/>
+            <a:ext cx="11572875" cy="606672"/>
           </a:xfrm>
         </p:spPr>
         <p:txBody>
@@ -9323,29 +9495,7 @@
                 <a:ea typeface="DejaVu Serif"/>
                 <a:cs typeface="DejaVu Serif"/>
               </a:rPr>
-              <a:t>HLA (Hidden Lake Adapters) — </a:t>
-            </a:r>
-            <a:r>
-              <a:rPr lang="ru-RU" sz="2800" b="1" i="0" u="none" strike="noStrike" cap="none" spc="0">
-                <a:solidFill>
-                  <a:schemeClr val="bg1"/>
-                </a:solidFill>
-                <a:latin typeface="DejaVu Serif"/>
-                <a:ea typeface="DejaVu Serif"/>
-                <a:cs typeface="DejaVu Serif"/>
-              </a:rPr>
-              <a:t>адаптеры </a:t>
-            </a:r>
-            <a:r>
-              <a:rPr lang="ru-RU" sz="2800" b="0" i="0" u="none" strike="noStrike" cap="none" spc="0">
-                <a:solidFill>
-                  <a:schemeClr val="bg1"/>
-                </a:solidFill>
-                <a:latin typeface="DejaVu Serif"/>
-                <a:ea typeface="DejaVu Serif"/>
-                <a:cs typeface="DejaVu Serif"/>
-              </a:rPr>
-              <a:t>для создания анонимных коммуникаций в инородных системах, включая централизованные</a:t>
+              <a:t>Скачивание файла в HLF приложении</a:t>
             </a:r>
             <a:endParaRPr sz="2800" b="0">
               <a:solidFill>
@@ -9360,7 +9510,7 @@
       </p:sp>
       <p:pic>
         <p:nvPicPr>
-          <p:cNvPr id="854405764" name=""/>
+          <p:cNvPr id="368688854" name=""/>
           <p:cNvPicPr>
             <a:picLocks noChangeAspect="1"/>
           </p:cNvPicPr>
@@ -9368,13 +9518,12 @@
         </p:nvPicPr>
         <p:blipFill>
           <a:blip r:embed="rId3"/>
-          <a:srcRect l="35787" t="21586" r="34502" b="22978"/>
           <a:stretch/>
         </p:blipFill>
         <p:spPr bwMode="auto">
           <a:xfrm flipH="0" flipV="0">
-            <a:off x="6541153" y="2018563"/>
-            <a:ext cx="4835769" cy="2927108"/>
+            <a:off x="967358" y="1190624"/>
+            <a:ext cx="10257282" cy="5346325"/>
           </a:xfrm>
           <a:prstGeom prst="rect">
             <a:avLst/>
@@ -9555,6 +9704,958 @@
       </p:grpSpPr>
       <p:sp>
         <p:nvSpPr>
+          <p:cNvPr id="1141099962" name="Subtitle 2"/>
+          <p:cNvSpPr>
+            <a:spLocks noGrp="1"/>
+          </p:cNvSpPr>
+          <p:nvPr/>
+        </p:nvSpPr>
+        <p:spPr bwMode="auto">
+          <a:xfrm flipH="0" flipV="0">
+            <a:off x="472583" y="2613875"/>
+            <a:ext cx="5885393" cy="1773117"/>
+          </a:xfrm>
+        </p:spPr>
+        <p:txBody>
+          <a:bodyPr vertOverflow="overflow" horzOverflow="overflow" vert="horz" wrap="square" lIns="91440" tIns="45720" rIns="91440" bIns="45720" numCol="1" spcCol="0" rtlCol="0" fromWordArt="0" anchor="t" anchorCtr="0" forceAA="0" upright="0" compatLnSpc="0">
+            <a:normAutofit/>
+          </a:bodyPr>
+          <a:lstStyle>
+            <a:lvl1pPr marL="0" indent="0" algn="ctr" defTabSz="914400">
+              <a:lnSpc>
+                <a:spcPct val="90000"/>
+              </a:lnSpc>
+              <a:spcBef>
+                <a:spcPts val="998"/>
+              </a:spcBef>
+              <a:buFont typeface="Arial"/>
+              <a:buNone/>
+              <a:defRPr sz="2400">
+                <a:solidFill>
+                  <a:schemeClr val="tx1"/>
+                </a:solidFill>
+                <a:latin typeface="+mn-lt"/>
+                <a:ea typeface="+mn-ea"/>
+                <a:cs typeface="+mn-cs"/>
+              </a:defRPr>
+            </a:lvl1pPr>
+            <a:lvl2pPr marL="457200" indent="0" algn="ctr" defTabSz="914400">
+              <a:lnSpc>
+                <a:spcPct val="90000"/>
+              </a:lnSpc>
+              <a:spcBef>
+                <a:spcPts val="498"/>
+              </a:spcBef>
+              <a:buFont typeface="Arial"/>
+              <a:buNone/>
+              <a:defRPr sz="2000">
+                <a:solidFill>
+                  <a:schemeClr val="tx1"/>
+                </a:solidFill>
+                <a:latin typeface="+mn-lt"/>
+                <a:ea typeface="+mn-ea"/>
+                <a:cs typeface="+mn-cs"/>
+              </a:defRPr>
+            </a:lvl2pPr>
+            <a:lvl3pPr marL="914400" indent="0" algn="ctr" defTabSz="914400">
+              <a:lnSpc>
+                <a:spcPct val="90000"/>
+              </a:lnSpc>
+              <a:spcBef>
+                <a:spcPts val="498"/>
+              </a:spcBef>
+              <a:buFont typeface="Arial"/>
+              <a:buNone/>
+              <a:defRPr sz="1800">
+                <a:solidFill>
+                  <a:schemeClr val="tx1"/>
+                </a:solidFill>
+                <a:latin typeface="+mn-lt"/>
+                <a:ea typeface="+mn-ea"/>
+                <a:cs typeface="+mn-cs"/>
+              </a:defRPr>
+            </a:lvl3pPr>
+            <a:lvl4pPr marL="1371600" indent="0" algn="ctr" defTabSz="914400">
+              <a:lnSpc>
+                <a:spcPct val="90000"/>
+              </a:lnSpc>
+              <a:spcBef>
+                <a:spcPts val="498"/>
+              </a:spcBef>
+              <a:buFont typeface="Arial"/>
+              <a:buNone/>
+              <a:defRPr sz="1600">
+                <a:solidFill>
+                  <a:schemeClr val="tx1"/>
+                </a:solidFill>
+                <a:latin typeface="+mn-lt"/>
+                <a:ea typeface="+mn-ea"/>
+                <a:cs typeface="+mn-cs"/>
+              </a:defRPr>
+            </a:lvl4pPr>
+            <a:lvl5pPr marL="1828800" indent="0" algn="ctr" defTabSz="914400">
+              <a:lnSpc>
+                <a:spcPct val="90000"/>
+              </a:lnSpc>
+              <a:spcBef>
+                <a:spcPts val="498"/>
+              </a:spcBef>
+              <a:buFont typeface="Arial"/>
+              <a:buNone/>
+              <a:defRPr sz="1600">
+                <a:solidFill>
+                  <a:schemeClr val="tx1"/>
+                </a:solidFill>
+                <a:latin typeface="+mn-lt"/>
+                <a:ea typeface="+mn-ea"/>
+                <a:cs typeface="+mn-cs"/>
+              </a:defRPr>
+            </a:lvl5pPr>
+            <a:lvl6pPr marL="2286000" indent="0" algn="ctr" defTabSz="914400">
+              <a:lnSpc>
+                <a:spcPct val="90000"/>
+              </a:lnSpc>
+              <a:spcBef>
+                <a:spcPts val="498"/>
+              </a:spcBef>
+              <a:buFont typeface="Arial"/>
+              <a:buNone/>
+              <a:defRPr sz="1600">
+                <a:solidFill>
+                  <a:schemeClr val="tx1"/>
+                </a:solidFill>
+                <a:latin typeface="+mn-lt"/>
+                <a:ea typeface="+mn-ea"/>
+                <a:cs typeface="+mn-cs"/>
+              </a:defRPr>
+            </a:lvl6pPr>
+            <a:lvl7pPr marL="2743200" indent="0" algn="ctr" defTabSz="914400">
+              <a:lnSpc>
+                <a:spcPct val="90000"/>
+              </a:lnSpc>
+              <a:spcBef>
+                <a:spcPts val="498"/>
+              </a:spcBef>
+              <a:buFont typeface="Arial"/>
+              <a:buNone/>
+              <a:defRPr sz="1600">
+                <a:solidFill>
+                  <a:schemeClr val="tx1"/>
+                </a:solidFill>
+                <a:latin typeface="+mn-lt"/>
+                <a:ea typeface="+mn-ea"/>
+                <a:cs typeface="+mn-cs"/>
+              </a:defRPr>
+            </a:lvl7pPr>
+            <a:lvl8pPr marL="3200400" indent="0" algn="ctr" defTabSz="914400">
+              <a:lnSpc>
+                <a:spcPct val="90000"/>
+              </a:lnSpc>
+              <a:spcBef>
+                <a:spcPts val="498"/>
+              </a:spcBef>
+              <a:buFont typeface="Arial"/>
+              <a:buNone/>
+              <a:defRPr sz="1600">
+                <a:solidFill>
+                  <a:schemeClr val="tx1"/>
+                </a:solidFill>
+                <a:latin typeface="+mn-lt"/>
+                <a:ea typeface="+mn-ea"/>
+                <a:cs typeface="+mn-cs"/>
+              </a:defRPr>
+            </a:lvl8pPr>
+            <a:lvl9pPr marL="3657600" indent="0" algn="ctr" defTabSz="914400">
+              <a:lnSpc>
+                <a:spcPct val="90000"/>
+              </a:lnSpc>
+              <a:spcBef>
+                <a:spcPts val="498"/>
+              </a:spcBef>
+              <a:buFont typeface="Arial"/>
+              <a:buNone/>
+              <a:defRPr sz="1600">
+                <a:solidFill>
+                  <a:schemeClr val="tx1"/>
+                </a:solidFill>
+                <a:latin typeface="+mn-lt"/>
+                <a:ea typeface="+mn-ea"/>
+                <a:cs typeface="+mn-cs"/>
+              </a:defRPr>
+            </a:lvl9pPr>
+          </a:lstStyle>
+          <a:p>
+            <a:pPr algn="ctr">
+              <a:defRPr/>
+            </a:pPr>
+            <a:r>
+              <a:rPr lang="ru-RU" sz="2800" b="0" i="0" u="none" strike="noStrike" cap="none" spc="0">
+                <a:solidFill>
+                  <a:schemeClr val="bg1"/>
+                </a:solidFill>
+                <a:latin typeface="DejaVu Serif"/>
+                <a:ea typeface="DejaVu Serif"/>
+                <a:cs typeface="DejaVu Serif"/>
+              </a:rPr>
+              <a:t>HLE (Hidden Lake Encryptor) —</a:t>
+            </a:r>
+            <a:r>
+              <a:rPr lang="ru-RU" sz="2800" b="0" i="0" u="none" strike="noStrike" cap="none" spc="0">
+                <a:solidFill>
+                  <a:schemeClr val="bg1"/>
+                </a:solidFill>
+                <a:latin typeface="DejaVu Serif"/>
+                <a:ea typeface="DejaVu Serif"/>
+                <a:cs typeface="DejaVu Serif"/>
+              </a:rPr>
+              <a:t> </a:t>
+            </a:r>
+            <a:r>
+              <a:rPr lang="ru-RU" sz="2800" b="0" i="0" u="none" strike="noStrike" cap="none" spc="0">
+                <a:solidFill>
+                  <a:schemeClr val="bg1"/>
+                </a:solidFill>
+                <a:latin typeface="DejaVu Serif"/>
+                <a:ea typeface="DejaVu Serif"/>
+                <a:cs typeface="DejaVu Serif"/>
+              </a:rPr>
+              <a:t>сервис </a:t>
+            </a:r>
+            <a:r>
+              <a:rPr lang="ru-RU" sz="2800" b="1" i="0" u="none" strike="noStrike" cap="none" spc="0">
+                <a:solidFill>
+                  <a:schemeClr val="bg1"/>
+                </a:solidFill>
+                <a:latin typeface="DejaVu Serif"/>
+                <a:ea typeface="DejaVu Serif"/>
+                <a:cs typeface="DejaVu Serif"/>
+              </a:rPr>
+              <a:t>шифрования </a:t>
+            </a:r>
+            <a:r>
+              <a:rPr lang="ru-RU" sz="2800" b="0" i="0" u="none" strike="noStrike" cap="none" spc="0">
+                <a:solidFill>
+                  <a:schemeClr val="bg1"/>
+                </a:solidFill>
+                <a:latin typeface="DejaVu Serif"/>
+                <a:ea typeface="DejaVu Serif"/>
+                <a:cs typeface="DejaVu Serif"/>
+              </a:rPr>
+              <a:t>и </a:t>
+            </a:r>
+            <a:r>
+              <a:rPr lang="ru-RU" sz="2800" b="0" i="0" u="none" strike="noStrike" cap="none" spc="0">
+                <a:solidFill>
+                  <a:schemeClr val="bg1"/>
+                </a:solidFill>
+                <a:latin typeface="DejaVu Serif"/>
+                <a:ea typeface="DejaVu Serif"/>
+                <a:cs typeface="DejaVu Serif"/>
+              </a:rPr>
+              <a:t>расшифрования </a:t>
+            </a:r>
+            <a:r>
+              <a:rPr lang="ru-RU" sz="2800" b="0" i="0" u="none" strike="noStrike" cap="none" spc="0">
+                <a:solidFill>
+                  <a:schemeClr val="bg1"/>
+                </a:solidFill>
+                <a:latin typeface="DejaVu Serif"/>
+                <a:ea typeface="DejaVu Serif"/>
+                <a:cs typeface="DejaVu Serif"/>
+              </a:rPr>
+              <a:t>сообщений формата </a:t>
+            </a:r>
+            <a:r>
+              <a:rPr lang="ru-RU" sz="2800" b="1" i="0" u="none" strike="noStrike" cap="none" spc="0">
+                <a:solidFill>
+                  <a:schemeClr val="bg1"/>
+                </a:solidFill>
+                <a:latin typeface="DejaVu Serif"/>
+                <a:ea typeface="DejaVu Serif"/>
+                <a:cs typeface="DejaVu Serif"/>
+              </a:rPr>
+              <a:t>go-peer</a:t>
+            </a:r>
+            <a:endParaRPr sz="2800" b="0">
+              <a:solidFill>
+                <a:schemeClr val="bg1"/>
+              </a:solidFill>
+              <a:latin typeface="DejaVu Serif"/>
+              <a:ea typeface="DejaVu Serif"/>
+              <a:cs typeface="DejaVu Serif"/>
+            </a:endParaRPr>
+          </a:p>
+        </p:txBody>
+      </p:sp>
+      <p:pic>
+        <p:nvPicPr>
+          <p:cNvPr id="1297139809" name=""/>
+          <p:cNvPicPr>
+            <a:picLocks noChangeAspect="1"/>
+          </p:cNvPicPr>
+          <p:nvPr/>
+        </p:nvPicPr>
+        <p:blipFill>
+          <a:blip r:embed="rId3"/>
+          <a:srcRect l="34000" t="20364" r="33295" b="22831"/>
+          <a:stretch/>
+        </p:blipFill>
+        <p:spPr bwMode="auto">
+          <a:xfrm flipH="0" flipV="0">
+            <a:off x="6870865" y="2199906"/>
+            <a:ext cx="4615961" cy="2601057"/>
+          </a:xfrm>
+          <a:prstGeom prst="rect">
+            <a:avLst/>
+          </a:prstGeom>
+          <a:ln w="57150">
+            <a:solidFill>
+              <a:schemeClr val="bg2"/>
+            </a:solidFill>
+            <a:prstDash val="solid"/>
+          </a:ln>
+        </p:spPr>
+      </p:pic>
+    </p:spTree>
+  </p:cSld>
+  <p:clrMapOvr>
+    <a:masterClrMapping/>
+  </p:clrMapOvr>
+  <mc:AlternateContent xmlns:mc="http://schemas.openxmlformats.org/markup-compatibility/2006">
+    <mc:Choice xmlns:p159="http://schemas.microsoft.com/office/powerpoint/2015/09/main" xmlns:p14="http://schemas.microsoft.com/office/powerpoint/2010/main" Requires="p159">
+      <p:transition p14:dur="2000" advClick="1"/>
+    </mc:Choice>
+    <mc:Fallback>
+      <p:transition advClick="1"/>
+    </mc:Fallback>
+  </mc:AlternateContent>
+</p:sld>
+</file>
+
+<file path=ppt/slides/slide21.xml><?xml version="1.0" encoding="utf-8"?>
+<p:sld xmlns:a="http://schemas.openxmlformats.org/drawingml/2006/main" xmlns:r="http://schemas.openxmlformats.org/officeDocument/2006/relationships" xmlns:p="http://schemas.openxmlformats.org/presentationml/2006/main" xmlns:m="http://schemas.openxmlformats.org/officeDocument/2006/math" xmlns:w="http://schemas.openxmlformats.org/wordprocessingml/2006/main" showMasterPhAnim="0" show="1">
+  <p:cSld name="">
+    <p:bg>
+      <p:bgPr shadeToTitle="0">
+        <a:solidFill>
+          <a:schemeClr val="tx1"/>
+        </a:solidFill>
+      </p:bgPr>
+    </p:bg>
+    <p:spTree>
+      <p:nvGrpSpPr>
+        <p:cNvPr id="1" name=""/>
+        <p:cNvGrpSpPr/>
+        <p:nvPr/>
+      </p:nvGrpSpPr>
+      <p:grpSpPr bwMode="auto">
+        <a:xfrm>
+          <a:off x="0" y="0"/>
+          <a:ext cx="0" cy="0"/>
+          <a:chOff x="0" y="0"/>
+          <a:chExt cx="0" cy="0"/>
+        </a:xfrm>
+      </p:grpSpPr>
+      <p:sp>
+        <p:nvSpPr>
+          <p:cNvPr id="610656097" name="Subtitle 2"/>
+          <p:cNvSpPr>
+            <a:spLocks noGrp="1"/>
+          </p:cNvSpPr>
+          <p:nvPr/>
+        </p:nvSpPr>
+        <p:spPr bwMode="auto">
+          <a:xfrm flipH="0" flipV="0">
+            <a:off x="5619747" y="2458180"/>
+            <a:ext cx="5885394" cy="2084510"/>
+          </a:xfrm>
+        </p:spPr>
+        <p:txBody>
+          <a:bodyPr vertOverflow="overflow" horzOverflow="overflow" vert="horz" wrap="square" lIns="91440" tIns="45720" rIns="91440" bIns="45720" numCol="1" spcCol="0" rtlCol="0" fromWordArt="0" anchor="t" anchorCtr="0" forceAA="0" upright="0" compatLnSpc="0">
+            <a:normAutofit/>
+          </a:bodyPr>
+          <a:lstStyle>
+            <a:lvl1pPr marL="0" indent="0" algn="ctr" defTabSz="914400">
+              <a:lnSpc>
+                <a:spcPct val="90000"/>
+              </a:lnSpc>
+              <a:spcBef>
+                <a:spcPts val="999"/>
+              </a:spcBef>
+              <a:buFont typeface="Arial"/>
+              <a:buNone/>
+              <a:defRPr sz="2400">
+                <a:solidFill>
+                  <a:schemeClr val="tx1"/>
+                </a:solidFill>
+                <a:latin typeface="+mn-lt"/>
+                <a:ea typeface="+mn-ea"/>
+                <a:cs typeface="+mn-cs"/>
+              </a:defRPr>
+            </a:lvl1pPr>
+            <a:lvl2pPr marL="457200" indent="0" algn="ctr" defTabSz="914400">
+              <a:lnSpc>
+                <a:spcPct val="90000"/>
+              </a:lnSpc>
+              <a:spcBef>
+                <a:spcPts val="499"/>
+              </a:spcBef>
+              <a:buFont typeface="Arial"/>
+              <a:buNone/>
+              <a:defRPr sz="2000">
+                <a:solidFill>
+                  <a:schemeClr val="tx1"/>
+                </a:solidFill>
+                <a:latin typeface="+mn-lt"/>
+                <a:ea typeface="+mn-ea"/>
+                <a:cs typeface="+mn-cs"/>
+              </a:defRPr>
+            </a:lvl2pPr>
+            <a:lvl3pPr marL="914400" indent="0" algn="ctr" defTabSz="914400">
+              <a:lnSpc>
+                <a:spcPct val="90000"/>
+              </a:lnSpc>
+              <a:spcBef>
+                <a:spcPts val="499"/>
+              </a:spcBef>
+              <a:buFont typeface="Arial"/>
+              <a:buNone/>
+              <a:defRPr sz="1800">
+                <a:solidFill>
+                  <a:schemeClr val="tx1"/>
+                </a:solidFill>
+                <a:latin typeface="+mn-lt"/>
+                <a:ea typeface="+mn-ea"/>
+                <a:cs typeface="+mn-cs"/>
+              </a:defRPr>
+            </a:lvl3pPr>
+            <a:lvl4pPr marL="1371600" indent="0" algn="ctr" defTabSz="914400">
+              <a:lnSpc>
+                <a:spcPct val="90000"/>
+              </a:lnSpc>
+              <a:spcBef>
+                <a:spcPts val="499"/>
+              </a:spcBef>
+              <a:buFont typeface="Arial"/>
+              <a:buNone/>
+              <a:defRPr sz="1600">
+                <a:solidFill>
+                  <a:schemeClr val="tx1"/>
+                </a:solidFill>
+                <a:latin typeface="+mn-lt"/>
+                <a:ea typeface="+mn-ea"/>
+                <a:cs typeface="+mn-cs"/>
+              </a:defRPr>
+            </a:lvl4pPr>
+            <a:lvl5pPr marL="1828800" indent="0" algn="ctr" defTabSz="914400">
+              <a:lnSpc>
+                <a:spcPct val="90000"/>
+              </a:lnSpc>
+              <a:spcBef>
+                <a:spcPts val="499"/>
+              </a:spcBef>
+              <a:buFont typeface="Arial"/>
+              <a:buNone/>
+              <a:defRPr sz="1600">
+                <a:solidFill>
+                  <a:schemeClr val="tx1"/>
+                </a:solidFill>
+                <a:latin typeface="+mn-lt"/>
+                <a:ea typeface="+mn-ea"/>
+                <a:cs typeface="+mn-cs"/>
+              </a:defRPr>
+            </a:lvl5pPr>
+            <a:lvl6pPr marL="2286000" indent="0" algn="ctr" defTabSz="914400">
+              <a:lnSpc>
+                <a:spcPct val="90000"/>
+              </a:lnSpc>
+              <a:spcBef>
+                <a:spcPts val="499"/>
+              </a:spcBef>
+              <a:buFont typeface="Arial"/>
+              <a:buNone/>
+              <a:defRPr sz="1600">
+                <a:solidFill>
+                  <a:schemeClr val="tx1"/>
+                </a:solidFill>
+                <a:latin typeface="+mn-lt"/>
+                <a:ea typeface="+mn-ea"/>
+                <a:cs typeface="+mn-cs"/>
+              </a:defRPr>
+            </a:lvl6pPr>
+            <a:lvl7pPr marL="2743200" indent="0" algn="ctr" defTabSz="914400">
+              <a:lnSpc>
+                <a:spcPct val="90000"/>
+              </a:lnSpc>
+              <a:spcBef>
+                <a:spcPts val="499"/>
+              </a:spcBef>
+              <a:buFont typeface="Arial"/>
+              <a:buNone/>
+              <a:defRPr sz="1600">
+                <a:solidFill>
+                  <a:schemeClr val="tx1"/>
+                </a:solidFill>
+                <a:latin typeface="+mn-lt"/>
+                <a:ea typeface="+mn-ea"/>
+                <a:cs typeface="+mn-cs"/>
+              </a:defRPr>
+            </a:lvl7pPr>
+            <a:lvl8pPr marL="3200400" indent="0" algn="ctr" defTabSz="914400">
+              <a:lnSpc>
+                <a:spcPct val="90000"/>
+              </a:lnSpc>
+              <a:spcBef>
+                <a:spcPts val="499"/>
+              </a:spcBef>
+              <a:buFont typeface="Arial"/>
+              <a:buNone/>
+              <a:defRPr sz="1600">
+                <a:solidFill>
+                  <a:schemeClr val="tx1"/>
+                </a:solidFill>
+                <a:latin typeface="+mn-lt"/>
+                <a:ea typeface="+mn-ea"/>
+                <a:cs typeface="+mn-cs"/>
+              </a:defRPr>
+            </a:lvl8pPr>
+            <a:lvl9pPr marL="3657600" indent="0" algn="ctr" defTabSz="914400">
+              <a:lnSpc>
+                <a:spcPct val="90000"/>
+              </a:lnSpc>
+              <a:spcBef>
+                <a:spcPts val="499"/>
+              </a:spcBef>
+              <a:buFont typeface="Arial"/>
+              <a:buNone/>
+              <a:defRPr sz="1600">
+                <a:solidFill>
+                  <a:schemeClr val="tx1"/>
+                </a:solidFill>
+                <a:latin typeface="+mn-lt"/>
+                <a:ea typeface="+mn-ea"/>
+                <a:cs typeface="+mn-cs"/>
+              </a:defRPr>
+            </a:lvl9pPr>
+          </a:lstStyle>
+          <a:p>
+            <a:pPr algn="ctr">
+              <a:defRPr/>
+            </a:pPr>
+            <a:r>
+              <a:rPr lang="ru-RU" sz="2800" b="0" i="0" u="none" strike="noStrike" cap="none" spc="0">
+                <a:solidFill>
+                  <a:schemeClr val="bg1"/>
+                </a:solidFill>
+                <a:latin typeface="DejaVu Serif"/>
+                <a:ea typeface="DejaVu Serif"/>
+                <a:cs typeface="DejaVu Serif"/>
+              </a:rPr>
+              <a:t>HLL (Hidden Lake Loader) — </a:t>
+            </a:r>
+            <a:r>
+              <a:rPr lang="ru-RU" sz="2800" b="1" i="0" u="none" strike="noStrike" cap="none" spc="0">
+                <a:solidFill>
+                  <a:schemeClr val="bg1"/>
+                </a:solidFill>
+                <a:latin typeface="DejaVu Serif"/>
+                <a:ea typeface="DejaVu Serif"/>
+                <a:cs typeface="DejaVu Serif"/>
+              </a:rPr>
+              <a:t>скачиватель </a:t>
+            </a:r>
+            <a:r>
+              <a:rPr lang="ru-RU" sz="2800" b="0" i="0" u="none" strike="noStrike" cap="none" spc="0">
+                <a:solidFill>
+                  <a:schemeClr val="bg1"/>
+                </a:solidFill>
+                <a:latin typeface="DejaVu Serif"/>
+                <a:ea typeface="DejaVu Serif"/>
+                <a:cs typeface="DejaVu Serif"/>
+              </a:rPr>
+              <a:t>и распределитель трафика между несколькими HLT сервисами</a:t>
+            </a:r>
+            <a:endParaRPr sz="2800" b="0">
+              <a:solidFill>
+                <a:schemeClr val="bg1"/>
+              </a:solidFill>
+              <a:latin typeface="DejaVu Serif"/>
+              <a:ea typeface="DejaVu Serif"/>
+              <a:cs typeface="DejaVu Serif"/>
+            </a:endParaRPr>
+          </a:p>
+        </p:txBody>
+      </p:sp>
+      <p:pic>
+        <p:nvPicPr>
+          <p:cNvPr id="1445042602" name=""/>
+          <p:cNvPicPr>
+            <a:picLocks noChangeAspect="1"/>
+          </p:cNvPicPr>
+          <p:nvPr/>
+        </p:nvPicPr>
+        <p:blipFill>
+          <a:blip r:embed="rId3"/>
+          <a:srcRect l="36077" t="24382" r="35798" b="28006"/>
+          <a:stretch/>
+        </p:blipFill>
+        <p:spPr bwMode="auto">
+          <a:xfrm flipH="0" flipV="0">
+            <a:off x="789518" y="2201740"/>
+            <a:ext cx="4469423" cy="2454518"/>
+          </a:xfrm>
+          <a:prstGeom prst="rect">
+            <a:avLst/>
+          </a:prstGeom>
+          <a:ln w="57150">
+            <a:solidFill>
+              <a:schemeClr val="bg2"/>
+            </a:solidFill>
+            <a:prstDash val="solid"/>
+          </a:ln>
+        </p:spPr>
+      </p:pic>
+    </p:spTree>
+  </p:cSld>
+  <p:clrMapOvr>
+    <a:masterClrMapping/>
+  </p:clrMapOvr>
+  <mc:AlternateContent xmlns:mc="http://schemas.openxmlformats.org/markup-compatibility/2006">
+    <mc:Choice xmlns:p159="http://schemas.microsoft.com/office/powerpoint/2015/09/main" xmlns:p14="http://schemas.microsoft.com/office/powerpoint/2010/main" Requires="p159">
+      <p:transition p14:dur="2000" advClick="1"/>
+    </mc:Choice>
+    <mc:Fallback>
+      <p:transition advClick="1"/>
+    </mc:Fallback>
+  </mc:AlternateContent>
+</p:sld>
+</file>
+
+<file path=ppt/slides/slide22.xml><?xml version="1.0" encoding="utf-8"?>
+<p:sld xmlns:a="http://schemas.openxmlformats.org/drawingml/2006/main" xmlns:r="http://schemas.openxmlformats.org/officeDocument/2006/relationships" xmlns:p="http://schemas.openxmlformats.org/presentationml/2006/main" xmlns:m="http://schemas.openxmlformats.org/officeDocument/2006/math" xmlns:w="http://schemas.openxmlformats.org/wordprocessingml/2006/main" showMasterPhAnim="0" show="1">
+  <p:cSld name="">
+    <p:bg>
+      <p:bgPr shadeToTitle="0">
+        <a:solidFill>
+          <a:schemeClr val="tx1"/>
+        </a:solidFill>
+      </p:bgPr>
+    </p:bg>
+    <p:spTree>
+      <p:nvGrpSpPr>
+        <p:cNvPr id="1" name=""/>
+        <p:cNvGrpSpPr/>
+        <p:nvPr/>
+      </p:nvGrpSpPr>
+      <p:grpSpPr bwMode="auto">
+        <a:xfrm>
+          <a:off x="0" y="0"/>
+          <a:ext cx="0" cy="0"/>
+          <a:chOff x="0" y="0"/>
+          <a:chExt cx="0" cy="0"/>
+        </a:xfrm>
+      </p:grpSpPr>
+      <p:sp>
+        <p:nvSpPr>
+          <p:cNvPr id="492961581" name="Subtitle 2"/>
+          <p:cNvSpPr>
+            <a:spLocks noGrp="1"/>
+          </p:cNvSpPr>
+          <p:nvPr/>
+        </p:nvSpPr>
+        <p:spPr bwMode="auto">
+          <a:xfrm flipH="0" flipV="0">
+            <a:off x="417628" y="2577240"/>
+            <a:ext cx="5885392" cy="2020403"/>
+          </a:xfrm>
+        </p:spPr>
+        <p:txBody>
+          <a:bodyPr vertOverflow="overflow" horzOverflow="overflow" vert="horz" wrap="square" lIns="91440" tIns="45720" rIns="91440" bIns="45720" numCol="1" spcCol="0" rtlCol="0" fromWordArt="0" anchor="t" anchorCtr="0" forceAA="0" upright="0" compatLnSpc="0">
+            <a:normAutofit/>
+          </a:bodyPr>
+          <a:lstStyle>
+            <a:lvl1pPr marL="0" indent="0" algn="ctr" defTabSz="914400">
+              <a:lnSpc>
+                <a:spcPct val="90000"/>
+              </a:lnSpc>
+              <a:spcBef>
+                <a:spcPts val="998"/>
+              </a:spcBef>
+              <a:buFont typeface="Arial"/>
+              <a:buNone/>
+              <a:defRPr sz="2400">
+                <a:solidFill>
+                  <a:schemeClr val="tx1"/>
+                </a:solidFill>
+                <a:latin typeface="+mn-lt"/>
+                <a:ea typeface="+mn-ea"/>
+                <a:cs typeface="+mn-cs"/>
+              </a:defRPr>
+            </a:lvl1pPr>
+            <a:lvl2pPr marL="457200" indent="0" algn="ctr" defTabSz="914400">
+              <a:lnSpc>
+                <a:spcPct val="90000"/>
+              </a:lnSpc>
+              <a:spcBef>
+                <a:spcPts val="498"/>
+              </a:spcBef>
+              <a:buFont typeface="Arial"/>
+              <a:buNone/>
+              <a:defRPr sz="2000">
+                <a:solidFill>
+                  <a:schemeClr val="tx1"/>
+                </a:solidFill>
+                <a:latin typeface="+mn-lt"/>
+                <a:ea typeface="+mn-ea"/>
+                <a:cs typeface="+mn-cs"/>
+              </a:defRPr>
+            </a:lvl2pPr>
+            <a:lvl3pPr marL="914400" indent="0" algn="ctr" defTabSz="914400">
+              <a:lnSpc>
+                <a:spcPct val="90000"/>
+              </a:lnSpc>
+              <a:spcBef>
+                <a:spcPts val="498"/>
+              </a:spcBef>
+              <a:buFont typeface="Arial"/>
+              <a:buNone/>
+              <a:defRPr sz="1800">
+                <a:solidFill>
+                  <a:schemeClr val="tx1"/>
+                </a:solidFill>
+                <a:latin typeface="+mn-lt"/>
+                <a:ea typeface="+mn-ea"/>
+                <a:cs typeface="+mn-cs"/>
+              </a:defRPr>
+            </a:lvl3pPr>
+            <a:lvl4pPr marL="1371600" indent="0" algn="ctr" defTabSz="914400">
+              <a:lnSpc>
+                <a:spcPct val="90000"/>
+              </a:lnSpc>
+              <a:spcBef>
+                <a:spcPts val="498"/>
+              </a:spcBef>
+              <a:buFont typeface="Arial"/>
+              <a:buNone/>
+              <a:defRPr sz="1600">
+                <a:solidFill>
+                  <a:schemeClr val="tx1"/>
+                </a:solidFill>
+                <a:latin typeface="+mn-lt"/>
+                <a:ea typeface="+mn-ea"/>
+                <a:cs typeface="+mn-cs"/>
+              </a:defRPr>
+            </a:lvl4pPr>
+            <a:lvl5pPr marL="1828800" indent="0" algn="ctr" defTabSz="914400">
+              <a:lnSpc>
+                <a:spcPct val="90000"/>
+              </a:lnSpc>
+              <a:spcBef>
+                <a:spcPts val="498"/>
+              </a:spcBef>
+              <a:buFont typeface="Arial"/>
+              <a:buNone/>
+              <a:defRPr sz="1600">
+                <a:solidFill>
+                  <a:schemeClr val="tx1"/>
+                </a:solidFill>
+                <a:latin typeface="+mn-lt"/>
+                <a:ea typeface="+mn-ea"/>
+                <a:cs typeface="+mn-cs"/>
+              </a:defRPr>
+            </a:lvl5pPr>
+            <a:lvl6pPr marL="2286000" indent="0" algn="ctr" defTabSz="914400">
+              <a:lnSpc>
+                <a:spcPct val="90000"/>
+              </a:lnSpc>
+              <a:spcBef>
+                <a:spcPts val="498"/>
+              </a:spcBef>
+              <a:buFont typeface="Arial"/>
+              <a:buNone/>
+              <a:defRPr sz="1600">
+                <a:solidFill>
+                  <a:schemeClr val="tx1"/>
+                </a:solidFill>
+                <a:latin typeface="+mn-lt"/>
+                <a:ea typeface="+mn-ea"/>
+                <a:cs typeface="+mn-cs"/>
+              </a:defRPr>
+            </a:lvl6pPr>
+            <a:lvl7pPr marL="2743200" indent="0" algn="ctr" defTabSz="914400">
+              <a:lnSpc>
+                <a:spcPct val="90000"/>
+              </a:lnSpc>
+              <a:spcBef>
+                <a:spcPts val="498"/>
+              </a:spcBef>
+              <a:buFont typeface="Arial"/>
+              <a:buNone/>
+              <a:defRPr sz="1600">
+                <a:solidFill>
+                  <a:schemeClr val="tx1"/>
+                </a:solidFill>
+                <a:latin typeface="+mn-lt"/>
+                <a:ea typeface="+mn-ea"/>
+                <a:cs typeface="+mn-cs"/>
+              </a:defRPr>
+            </a:lvl7pPr>
+            <a:lvl8pPr marL="3200400" indent="0" algn="ctr" defTabSz="914400">
+              <a:lnSpc>
+                <a:spcPct val="90000"/>
+              </a:lnSpc>
+              <a:spcBef>
+                <a:spcPts val="498"/>
+              </a:spcBef>
+              <a:buFont typeface="Arial"/>
+              <a:buNone/>
+              <a:defRPr sz="1600">
+                <a:solidFill>
+                  <a:schemeClr val="tx1"/>
+                </a:solidFill>
+                <a:latin typeface="+mn-lt"/>
+                <a:ea typeface="+mn-ea"/>
+                <a:cs typeface="+mn-cs"/>
+              </a:defRPr>
+            </a:lvl8pPr>
+            <a:lvl9pPr marL="3657600" indent="0" algn="ctr" defTabSz="914400">
+              <a:lnSpc>
+                <a:spcPct val="90000"/>
+              </a:lnSpc>
+              <a:spcBef>
+                <a:spcPts val="498"/>
+              </a:spcBef>
+              <a:buFont typeface="Arial"/>
+              <a:buNone/>
+              <a:defRPr sz="1600">
+                <a:solidFill>
+                  <a:schemeClr val="tx1"/>
+                </a:solidFill>
+                <a:latin typeface="+mn-lt"/>
+                <a:ea typeface="+mn-ea"/>
+                <a:cs typeface="+mn-cs"/>
+              </a:defRPr>
+            </a:lvl9pPr>
+          </a:lstStyle>
+          <a:p>
+            <a:pPr algn="ctr">
+              <a:defRPr/>
+            </a:pPr>
+            <a:r>
+              <a:rPr lang="ru-RU" sz="2800" b="0" i="0" u="none" strike="noStrike" cap="none" spc="0">
+                <a:solidFill>
+                  <a:schemeClr val="bg1"/>
+                </a:solidFill>
+                <a:latin typeface="DejaVu Serif"/>
+                <a:ea typeface="DejaVu Serif"/>
+                <a:cs typeface="DejaVu Serif"/>
+              </a:rPr>
+              <a:t>HLA (Hidden Lake Adapters) — </a:t>
+            </a:r>
+            <a:r>
+              <a:rPr lang="ru-RU" sz="2800" b="1" i="0" u="none" strike="noStrike" cap="none" spc="0">
+                <a:solidFill>
+                  <a:schemeClr val="bg1"/>
+                </a:solidFill>
+                <a:latin typeface="DejaVu Serif"/>
+                <a:ea typeface="DejaVu Serif"/>
+                <a:cs typeface="DejaVu Serif"/>
+              </a:rPr>
+              <a:t>адаптеры </a:t>
+            </a:r>
+            <a:r>
+              <a:rPr lang="ru-RU" sz="2800" b="0" i="0" u="none" strike="noStrike" cap="none" spc="0">
+                <a:solidFill>
+                  <a:schemeClr val="bg1"/>
+                </a:solidFill>
+                <a:latin typeface="DejaVu Serif"/>
+                <a:ea typeface="DejaVu Serif"/>
+                <a:cs typeface="DejaVu Serif"/>
+              </a:rPr>
+              <a:t>для создания анонимных коммуникаций в инородных системах, включая централизованные</a:t>
+            </a:r>
+            <a:endParaRPr sz="2800" b="0">
+              <a:solidFill>
+                <a:schemeClr val="bg1"/>
+              </a:solidFill>
+              <a:latin typeface="DejaVu Serif"/>
+              <a:ea typeface="DejaVu Serif"/>
+              <a:cs typeface="DejaVu Serif"/>
+            </a:endParaRPr>
+          </a:p>
+        </p:txBody>
+      </p:sp>
+      <p:pic>
+        <p:nvPicPr>
+          <p:cNvPr id="854405764" name=""/>
+          <p:cNvPicPr>
+            <a:picLocks noChangeAspect="1"/>
+          </p:cNvPicPr>
+          <p:nvPr/>
+        </p:nvPicPr>
+        <p:blipFill>
+          <a:blip r:embed="rId3"/>
+          <a:srcRect l="35787" t="21586" r="34502" b="22978"/>
+          <a:stretch/>
+        </p:blipFill>
+        <p:spPr bwMode="auto">
+          <a:xfrm flipH="0" flipV="0">
+            <a:off x="6541153" y="2018563"/>
+            <a:ext cx="4835769" cy="2927108"/>
+          </a:xfrm>
+          <a:prstGeom prst="rect">
+            <a:avLst/>
+          </a:prstGeom>
+          <a:ln w="57150">
+            <a:solidFill>
+              <a:schemeClr val="bg2"/>
+            </a:solidFill>
+            <a:prstDash val="solid"/>
+          </a:ln>
+        </p:spPr>
+      </p:pic>
+    </p:spTree>
+  </p:cSld>
+  <p:clrMapOvr>
+    <a:masterClrMapping/>
+  </p:clrMapOvr>
+  <mc:AlternateContent xmlns:mc="http://schemas.openxmlformats.org/markup-compatibility/2006">
+    <mc:Choice xmlns:p159="http://schemas.microsoft.com/office/powerpoint/2015/09/main" xmlns:p14="http://schemas.microsoft.com/office/powerpoint/2010/main" Requires="p159">
+      <p:transition p14:dur="2000" advClick="1"/>
+    </mc:Choice>
+    <mc:Fallback>
+      <p:transition advClick="1"/>
+    </mc:Fallback>
+  </mc:AlternateContent>
+</p:sld>
+</file>
+
+<file path=ppt/slides/slide23.xml><?xml version="1.0" encoding="utf-8"?>
+<p:sld xmlns:a="http://schemas.openxmlformats.org/drawingml/2006/main" xmlns:r="http://schemas.openxmlformats.org/officeDocument/2006/relationships" xmlns:p="http://schemas.openxmlformats.org/presentationml/2006/main" xmlns:m="http://schemas.openxmlformats.org/officeDocument/2006/math" xmlns:w="http://schemas.openxmlformats.org/wordprocessingml/2006/main" showMasterPhAnim="0" show="1">
+  <p:cSld name="">
+    <p:bg>
+      <p:bgPr shadeToTitle="0">
+        <a:solidFill>
+          <a:schemeClr val="tx1"/>
+        </a:solidFill>
+      </p:bgPr>
+    </p:bg>
+    <p:spTree>
+      <p:nvGrpSpPr>
+        <p:cNvPr id="1" name=""/>
+        <p:cNvGrpSpPr/>
+        <p:nvPr/>
+      </p:nvGrpSpPr>
+      <p:grpSpPr bwMode="auto">
+        <a:xfrm>
+          <a:off x="0" y="0"/>
+          <a:ext cx="0" cy="0"/>
+          <a:chOff x="0" y="0"/>
+          <a:chExt cx="0" cy="0"/>
+        </a:xfrm>
+      </p:grpSpPr>
+      <p:sp>
+        <p:nvSpPr>
           <p:cNvPr id="1831308246" name="Subtitle 2"/>
           <p:cNvSpPr>
             <a:spLocks noGrp="1"/>
@@ -10069,7 +11170,7 @@
 </p:sld>
 </file>
 
-<file path=ppt/slides/slide21.xml><?xml version="1.0" encoding="utf-8"?>
+<file path=ppt/slides/slide24.xml><?xml version="1.0" encoding="utf-8"?>
 <p:sld xmlns:a="http://schemas.openxmlformats.org/drawingml/2006/main" xmlns:r="http://schemas.openxmlformats.org/officeDocument/2006/relationships" xmlns:p="http://schemas.openxmlformats.org/presentationml/2006/main" xmlns:m="http://schemas.openxmlformats.org/officeDocument/2006/math" xmlns:w="http://schemas.openxmlformats.org/wordprocessingml/2006/main" showMasterPhAnim="0" show="1">
   <p:cSld name="">
     <p:bg>
@@ -13592,7 +14693,7 @@
 </p:sld>
 </file>
 
-<file path=ppt/slides/slide22.xml><?xml version="1.0" encoding="utf-8"?>
+<file path=ppt/slides/slide25.xml><?xml version="1.0" encoding="utf-8"?>
 <p:sld xmlns:a="http://schemas.openxmlformats.org/drawingml/2006/main" xmlns:r="http://schemas.openxmlformats.org/officeDocument/2006/relationships" xmlns:p="http://schemas.openxmlformats.org/presentationml/2006/main" xmlns:m="http://schemas.openxmlformats.org/officeDocument/2006/math" xmlns:w="http://schemas.openxmlformats.org/wordprocessingml/2006/main" showMasterPhAnim="0" show="1">
   <p:cSld name="">
     <p:bg>
@@ -14155,7 +15256,7 @@
 </p:sld>
 </file>
 
-<file path=ppt/slides/slide23.xml><?xml version="1.0" encoding="utf-8"?>
+<file path=ppt/slides/slide26.xml><?xml version="1.0" encoding="utf-8"?>
 <p:sld xmlns:a="http://schemas.openxmlformats.org/drawingml/2006/main" xmlns:r="http://schemas.openxmlformats.org/officeDocument/2006/relationships" xmlns:p="http://schemas.openxmlformats.org/presentationml/2006/main" xmlns:m="http://schemas.openxmlformats.org/officeDocument/2006/math" xmlns:w="http://schemas.openxmlformats.org/wordprocessingml/2006/main" showMasterPhAnim="0" show="1">
   <p:cSld name="">
     <p:bg>
@@ -17812,6 +18913,7 @@
                       <a:solidFill>
                         <a:schemeClr val="tx1"/>
                       </a:solidFill>
+                      <a:round/>
                     </a:lnR>
                     <a:lnT w="28575" algn="ctr">
                       <a:solidFill>
@@ -17873,6 +18975,7 @@
                       <a:solidFill>
                         <a:schemeClr val="tx1"/>
                       </a:solidFill>
+                      <a:round/>
                     </a:lnT>
                     <a:lnB w="28575" algn="ctr">
                       <a:solidFill>
@@ -17929,6 +19032,7 @@
                       <a:solidFill>
                         <a:schemeClr val="tx1"/>
                       </a:solidFill>
+                      <a:round/>
                     </a:lnT>
                     <a:lnB w="28575" algn="ctr">
                       <a:solidFill>
@@ -17975,6 +19079,7 @@
                       <a:solidFill>
                         <a:schemeClr val="tx1"/>
                       </a:solidFill>
+                      <a:round/>
                     </a:lnL>
                     <a:lnR w="28575" algn="ctr">
                       <a:solidFill>
@@ -17990,6 +19095,7 @@
                       <a:solidFill>
                         <a:schemeClr val="tx1"/>
                       </a:solidFill>
+                      <a:miter/>
                     </a:lnB>
                     <a:solidFill>
                       <a:schemeClr val="tx1">
@@ -18041,6 +19147,7 @@
                       <a:solidFill>
                         <a:schemeClr val="tx1"/>
                       </a:solidFill>
+                      <a:round/>
                     </a:lnT>
                     <a:lnB w="28575" algn="ctr">
                       <a:solidFill>
@@ -18087,6 +19194,7 @@
                       <a:solidFill>
                         <a:schemeClr val="tx1"/>
                       </a:solidFill>
+                      <a:round/>
                     </a:lnL>
                     <a:lnR w="28575" algn="ctr">
                       <a:solidFill>
@@ -18102,6 +19210,7 @@
                       <a:solidFill>
                         <a:schemeClr val="tx1"/>
                       </a:solidFill>
+                      <a:miter/>
                     </a:lnB>
                     <a:solidFill>
                       <a:schemeClr val="tx1">
@@ -18155,6 +19264,7 @@
                       <a:solidFill>
                         <a:schemeClr val="tx1"/>
                       </a:solidFill>
+                      <a:round/>
                     </a:lnT>
                     <a:lnB w="28575" algn="ctr">
                       <a:solidFill>
@@ -18201,11 +19311,13 @@
                       <a:solidFill>
                         <a:schemeClr val="tx1"/>
                       </a:solidFill>
+                      <a:round/>
                     </a:lnL>
                     <a:lnR w="28575" algn="ctr">
                       <a:solidFill>
                         <a:schemeClr val="tx1"/>
                       </a:solidFill>
+                      <a:round/>
                     </a:lnR>
                     <a:lnT w="28575" algn="ctr">
                       <a:solidFill>
@@ -18254,6 +19366,7 @@
                       <a:solidFill>
                         <a:schemeClr val="tx1"/>
                       </a:solidFill>
+                      <a:round/>
                     </a:lnL>
                     <a:lnR w="28575" algn="ctr">
                       <a:solidFill>
@@ -18317,6 +19430,7 @@
                       <a:solidFill>
                         <a:schemeClr val="tx1"/>
                       </a:solidFill>
+                      <a:round/>
                     </a:lnT>
                     <a:lnB w="28575" algn="ctr">
                       <a:solidFill>
@@ -18360,6 +19474,7 @@
                       <a:solidFill>
                         <a:schemeClr val="tx1"/>
                       </a:solidFill>
+                      <a:round/>
                     </a:lnL>
                     <a:lnR w="28575" algn="ctr">
                       <a:solidFill>
@@ -18423,6 +19538,7 @@
                       <a:solidFill>
                         <a:schemeClr val="tx1"/>
                       </a:solidFill>
+                      <a:round/>
                     </a:lnT>
                     <a:lnB w="28575" algn="ctr">
                       <a:solidFill>
@@ -18478,6 +19594,7 @@
                       <a:solidFill>
                         <a:schemeClr val="tx1"/>
                       </a:solidFill>
+                      <a:round/>
                     </a:lnT>
                     <a:lnB w="28575" algn="ctr">
                       <a:solidFill>
@@ -18529,6 +19646,7 @@
                       <a:solidFill>
                         <a:schemeClr val="tx1"/>
                       </a:solidFill>
+                      <a:miter/>
                     </a:lnR>
                     <a:lnT w="28575" algn="ctr">
                       <a:solidFill>
@@ -18582,6 +19700,7 @@
                       <a:solidFill>
                         <a:schemeClr val="tx1"/>
                       </a:solidFill>
+                      <a:round/>
                     </a:lnR>
                     <a:lnT w="28575" algn="ctr">
                       <a:solidFill>
@@ -18640,6 +19759,7 @@
                       <a:solidFill>
                         <a:schemeClr val="tx1"/>
                       </a:solidFill>
+                      <a:miter/>
                     </a:lnT>
                     <a:lnB w="28575" algn="ctr">
                       <a:solidFill>
@@ -18683,6 +19803,7 @@
                       <a:solidFill>
                         <a:schemeClr val="tx1"/>
                       </a:solidFill>
+                      <a:miter/>
                     </a:lnL>
                     <a:lnR w="28575" algn="ctr">
                       <a:solidFill>
@@ -18746,6 +19867,7 @@
                       <a:solidFill>
                         <a:schemeClr val="tx1"/>
                       </a:solidFill>
+                      <a:round/>
                     </a:lnT>
                     <a:lnB w="28575" algn="ctr">
                       <a:solidFill>
@@ -18796,6 +19918,7 @@
                       <a:solidFill>
                         <a:schemeClr val="tx1"/>
                       </a:solidFill>
+                      <a:miter/>
                     </a:lnR>
                     <a:lnT w="28575" algn="ctr">
                       <a:solidFill>
@@ -18857,6 +19980,7 @@
                       <a:solidFill>
                         <a:schemeClr val="tx1"/>
                       </a:solidFill>
+                      <a:miter/>
                     </a:lnT>
                     <a:lnB w="28575" algn="ctr">
                       <a:solidFill>
@@ -18910,6 +20034,7 @@
                       <a:solidFill>
                         <a:schemeClr val="tx1"/>
                       </a:solidFill>
+                      <a:miter/>
                     </a:lnT>
                     <a:lnB w="28575" algn="ctr">
                       <a:solidFill>
@@ -18953,6 +20078,7 @@
                       <a:solidFill>
                         <a:schemeClr val="tx1"/>
                       </a:solidFill>
+                      <a:miter/>
                     </a:lnL>
                     <a:lnR w="28575" algn="ctr">
                       <a:solidFill>
@@ -19016,6 +20142,7 @@
                       <a:solidFill>
                         <a:schemeClr val="tx1"/>
                       </a:solidFill>
+                      <a:miter/>
                     </a:lnT>
                     <a:lnB w="28575" algn="ctr">
                       <a:solidFill>
@@ -19059,6 +20186,7 @@
                       <a:solidFill>
                         <a:schemeClr val="tx1"/>
                       </a:solidFill>
+                      <a:miter/>
                     </a:lnL>
                     <a:lnR w="28575" algn="ctr">
                       <a:solidFill>
@@ -19124,6 +20252,7 @@
                       <a:solidFill>
                         <a:schemeClr val="tx1"/>
                       </a:solidFill>
+                      <a:round/>
                     </a:lnT>
                     <a:lnB w="28575" algn="ctr">
                       <a:solidFill>
@@ -19175,6 +20304,7 @@
                       <a:solidFill>
                         <a:schemeClr val="tx1"/>
                       </a:solidFill>
+                      <a:miter/>
                     </a:lnR>
                     <a:lnT w="28575" algn="ctr">
                       <a:solidFill>
@@ -19228,6 +20358,7 @@
                       <a:solidFill>
                         <a:schemeClr val="tx1"/>
                       </a:solidFill>
+                      <a:round/>
                     </a:lnR>
                     <a:lnT w="28575" algn="ctr">
                       <a:solidFill>
@@ -19286,6 +20417,7 @@
                       <a:solidFill>
                         <a:schemeClr val="tx1"/>
                       </a:solidFill>
+                      <a:round/>
                     </a:lnT>
                     <a:lnB w="28575" algn="ctr">
                       <a:solidFill>
@@ -19329,6 +20461,7 @@
                       <a:solidFill>
                         <a:schemeClr val="tx1"/>
                       </a:solidFill>
+                      <a:miter/>
                     </a:lnL>
                     <a:lnR w="28575" algn="ctr">
                       <a:solidFill>
@@ -19344,6 +20477,7 @@
                       <a:solidFill>
                         <a:schemeClr val="tx1"/>
                       </a:solidFill>
+                      <a:miter/>
                     </a:lnB>
                     <a:solidFill>
                       <a:schemeClr val="bg1"/>
@@ -19392,6 +20526,7 @@
                       <a:solidFill>
                         <a:schemeClr val="tx1"/>
                       </a:solidFill>
+                      <a:miter/>
                     </a:lnT>
                     <a:lnB w="28575" algn="ctr">
                       <a:solidFill>
@@ -19442,6 +20577,7 @@
                       <a:solidFill>
                         <a:schemeClr val="tx1"/>
                       </a:solidFill>
+                      <a:miter/>
                     </a:lnR>
                     <a:lnT w="28575" algn="ctr">
                       <a:solidFill>
@@ -19503,6 +20639,7 @@
                       <a:solidFill>
                         <a:schemeClr val="tx1"/>
                       </a:solidFill>
+                      <a:miter/>
                     </a:lnT>
                     <a:lnB w="28575" algn="ctr">
                       <a:solidFill>
@@ -19556,6 +20693,7 @@
                       <a:solidFill>
                         <a:schemeClr val="tx1"/>
                       </a:solidFill>
+                      <a:miter/>
                     </a:lnT>
                     <a:lnB w="28575" algn="ctr">
                       <a:solidFill>
@@ -19599,6 +20737,7 @@
                       <a:solidFill>
                         <a:schemeClr val="tx1"/>
                       </a:solidFill>
+                      <a:miter/>
                     </a:lnL>
                     <a:lnR w="28575" algn="ctr">
                       <a:solidFill>
@@ -19662,6 +20801,7 @@
                       <a:solidFill>
                         <a:schemeClr val="tx1"/>
                       </a:solidFill>
+                      <a:miter/>
                     </a:lnT>
                     <a:lnB w="28575" algn="ctr">
                       <a:solidFill>
@@ -19705,6 +20845,7 @@
                       <a:solidFill>
                         <a:schemeClr val="tx1"/>
                       </a:solidFill>
+                      <a:miter/>
                     </a:lnL>
                     <a:lnR w="28575" algn="ctr">
                       <a:solidFill>
@@ -19759,6 +20900,7 @@
                       <a:solidFill>
                         <a:schemeClr val="tx1"/>
                       </a:solidFill>
+                      <a:miter/>
                     </a:lnL>
                     <a:lnR w="28575" algn="ctr">
                       <a:solidFill>
@@ -19815,6 +20957,7 @@
                       <a:solidFill>
                         <a:schemeClr val="tx1"/>
                       </a:solidFill>
+                      <a:miter/>
                     </a:lnL>
                     <a:lnR w="28575" algn="ctr">
                       <a:solidFill>
@@ -19883,6 +21026,7 @@
                       <a:solidFill>
                         <a:schemeClr val="tx1"/>
                       </a:solidFill>
+                      <a:miter/>
                     </a:lnB>
                     <a:solidFill>
                       <a:schemeClr val="bg1"/>
@@ -19989,6 +21133,7 @@
                       <a:solidFill>
                         <a:schemeClr val="tx1"/>
                       </a:solidFill>
+                      <a:miter/>
                     </a:lnB>
                     <a:solidFill>
                       <a:schemeClr val="bg1"/>
@@ -20415,6 +21560,7 @@
                       <a:solidFill>
                         <a:schemeClr val="tx1"/>
                       </a:solidFill>
+                      <a:round/>
                     </a:lnT>
                     <a:lnB w="28575" algn="ctr">
                       <a:solidFill>
@@ -20466,6 +21612,7 @@
                       <a:solidFill>
                         <a:schemeClr val="tx1"/>
                       </a:solidFill>
+                      <a:miter/>
                     </a:lnR>
                     <a:lnT w="28575" algn="ctr">
                       <a:solidFill>
@@ -20519,6 +21666,7 @@
                       <a:solidFill>
                         <a:schemeClr val="tx1"/>
                       </a:solidFill>
+                      <a:round/>
                     </a:lnR>
                     <a:lnT w="28575" algn="ctr">
                       <a:solidFill>
@@ -20577,11 +21725,13 @@
                       <a:solidFill>
                         <a:schemeClr val="tx1"/>
                       </a:solidFill>
+                      <a:round/>
                     </a:lnT>
                     <a:lnB w="28575" algn="ctr">
                       <a:solidFill>
                         <a:schemeClr val="tx1"/>
                       </a:solidFill>
+                      <a:round/>
                     </a:lnB>
                     <a:solidFill>
                       <a:schemeClr val="bg1"/>
@@ -20683,6 +21833,7 @@
                       <a:solidFill>
                         <a:schemeClr val="tx1"/>
                       </a:solidFill>
+                      <a:miter/>
                     </a:lnT>
                     <a:lnB w="28575" algn="ctr">
                       <a:solidFill>
@@ -20799,6 +21950,7 @@
                       <a:solidFill>
                         <a:schemeClr val="tx1"/>
                       </a:solidFill>
+                      <a:round/>
                     </a:lnB>
                     <a:solidFill>
                       <a:schemeClr val="bg2"/>
@@ -20842,6 +21994,7 @@
                       <a:solidFill>
                         <a:schemeClr val="tx1"/>
                       </a:solidFill>
+                      <a:round/>
                     </a:lnR>
                     <a:lnT w="28575" algn="ctr">
                       <a:solidFill>
@@ -20948,6 +22101,7 @@
                       <a:solidFill>
                         <a:schemeClr val="tx1"/>
                       </a:solidFill>
+                      <a:round/>
                     </a:lnR>
                     <a:lnT w="28575" algn="ctr">
                       <a:solidFill>
@@ -21011,6 +22165,7 @@
                       <a:solidFill>
                         <a:schemeClr val="tx1"/>
                       </a:solidFill>
+                      <a:round/>
                     </a:lnB>
                     <a:solidFill>
                       <a:schemeClr val="bg1"/>

--- a/docs/hidden_lake_anonymous_network_view.pptx
+++ b/docs/hidden_lake_anonymous_network_view.pptx
@@ -5,7 +5,7 @@
     <p:sldMasterId id="2147483648" r:id="rId1"/>
   </p:sldMasterIdLst>
   <p:notesMasterIdLst>
-    <p:notesMasterId r:id="rId30"/>
+    <p:notesMasterId r:id="rId31"/>
   </p:notesMasterIdLst>
   <p:sldIdLst>
     <p:sldId id="256" r:id="rId4"/>
@@ -34,6 +34,7 @@
     <p:sldId id="279" r:id="rId27"/>
     <p:sldId id="280" r:id="rId28"/>
     <p:sldId id="281" r:id="rId29"/>
+    <p:sldId id="282" r:id="rId30"/>
   </p:sldIdLst>
   <p:sldSz cx="12192000" cy="6858000"/>
   <p:notesSz cx="6858000" cy="9144000"/>
@@ -1068,96 +1069,6 @@
       </p:grpSpPr>
       <p:sp>
         <p:nvSpPr>
-          <p:cNvPr id="574307386" name="Slide Image Placeholder 1"/>
-          <p:cNvSpPr>
-            <a:spLocks noChangeAspect="1" noGrp="1" noRot="1"/>
-          </p:cNvSpPr>
-          <p:nvPr>
-            <p:ph type="sldImg"/>
-          </p:nvPr>
-        </p:nvSpPr>
-        <p:spPr bwMode="auto">
-          <a:xfrm>
-            <a:off x="685800" y="1143000"/>
-            <a:ext cx="5486400" cy="3086100"/>
-          </a:xfrm>
-        </p:spPr>
-      </p:sp>
-      <p:sp>
-        <p:nvSpPr>
-          <p:cNvPr id="716982056" name="Notes Placeholder 2"/>
-          <p:cNvSpPr>
-            <a:spLocks noGrp="1"/>
-          </p:cNvSpPr>
-          <p:nvPr>
-            <p:ph type="body" idx="1"/>
-          </p:nvPr>
-        </p:nvSpPr>
-        <p:spPr bwMode="auto"/>
-        <p:txBody>
-          <a:bodyPr/>
-          <a:lstStyle/>
-          <a:p>
-            <a:pPr>
-              <a:defRPr/>
-            </a:pPr>
-            <a:endParaRPr lang="ru-RU">
-              <a:latin typeface="Arial"/>
-              <a:cs typeface="Arial"/>
-            </a:endParaRPr>
-          </a:p>
-        </p:txBody>
-      </p:sp>
-      <p:sp>
-        <p:nvSpPr>
-          <p:cNvPr id="1006799162" name="Slide Number Placeholder 3"/>
-          <p:cNvSpPr>
-            <a:spLocks noGrp="1"/>
-          </p:cNvSpPr>
-          <p:nvPr>
-            <p:ph type="sldNum" sz="quarter" idx="10"/>
-          </p:nvPr>
-        </p:nvSpPr>
-        <p:spPr bwMode="auto"/>
-        <p:txBody>
-          <a:bodyPr/>
-          <a:lstStyle/>
-          <a:p>
-            <a:pPr>
-              <a:defRPr/>
-            </a:pPr>
-            <a:fld id="{8575ACDA-FA98-2F21-3065-E8D8A25F7103}" type="slidenum">
-              <a:rPr lang="ru-RU"/>
-              <a:t/>
-            </a:fld>
-            <a:endParaRPr lang="ru-RU"/>
-          </a:p>
-        </p:txBody>
-      </p:sp>
-    </p:spTree>
-  </p:cSld>
-</p:notes>
-</file>
-
-<file path=ppt/notesSlides/notesSlide16.xml><?xml version="1.0" encoding="utf-8"?>
-<p:notes xmlns:a="http://schemas.openxmlformats.org/drawingml/2006/main" xmlns:r="http://schemas.openxmlformats.org/officeDocument/2006/relationships" xmlns:p="http://schemas.openxmlformats.org/presentationml/2006/main" xmlns:m="http://schemas.openxmlformats.org/officeDocument/2006/math" xmlns:w="http://schemas.openxmlformats.org/wordprocessingml/2006/main">
-  <p:cSld name="">
-    <p:spTree>
-      <p:nvGrpSpPr>
-        <p:cNvPr id="1" name=""/>
-        <p:cNvGrpSpPr/>
-        <p:nvPr/>
-      </p:nvGrpSpPr>
-      <p:grpSpPr bwMode="auto">
-        <a:xfrm>
-          <a:off x="0" y="0"/>
-          <a:ext cx="0" cy="0"/>
-          <a:chOff x="0" y="0"/>
-          <a:chExt cx="0" cy="0"/>
-        </a:xfrm>
-      </p:grpSpPr>
-      <p:sp>
-        <p:nvSpPr>
           <p:cNvPr id="1988723447" name="Slide Image Placeholder 1"/>
           <p:cNvSpPr>
             <a:spLocks noChangeAspect="1" noGrp="1" noRot="1"/>
@@ -1229,7 +1140,7 @@
 </p:notes>
 </file>
 
-<file path=ppt/notesSlides/notesSlide17.xml><?xml version="1.0" encoding="utf-8"?>
+<file path=ppt/notesSlides/notesSlide16.xml><?xml version="1.0" encoding="utf-8"?>
 <p:notes xmlns:a="http://schemas.openxmlformats.org/drawingml/2006/main" xmlns:r="http://schemas.openxmlformats.org/officeDocument/2006/relationships" xmlns:p="http://schemas.openxmlformats.org/presentationml/2006/main" xmlns:m="http://schemas.openxmlformats.org/officeDocument/2006/math" xmlns:w="http://schemas.openxmlformats.org/wordprocessingml/2006/main">
   <p:cSld name="">
     <p:spTree>
@@ -1319,7 +1230,7 @@
 </p:notes>
 </file>
 
-<file path=ppt/notesSlides/notesSlide18.xml><?xml version="1.0" encoding="utf-8"?>
+<file path=ppt/notesSlides/notesSlide17.xml><?xml version="1.0" encoding="utf-8"?>
 <p:notes xmlns:a="http://schemas.openxmlformats.org/drawingml/2006/main" xmlns:r="http://schemas.openxmlformats.org/officeDocument/2006/relationships" xmlns:p="http://schemas.openxmlformats.org/presentationml/2006/main" xmlns:m="http://schemas.openxmlformats.org/officeDocument/2006/math" xmlns:w="http://schemas.openxmlformats.org/wordprocessingml/2006/main">
   <p:cSld name="">
     <p:spTree>
@@ -1409,7 +1320,7 @@
 </p:notes>
 </file>
 
-<file path=ppt/notesSlides/notesSlide19.xml><?xml version="1.0" encoding="utf-8"?>
+<file path=ppt/notesSlides/notesSlide18.xml><?xml version="1.0" encoding="utf-8"?>
 <p:notes xmlns:a="http://schemas.openxmlformats.org/drawingml/2006/main" xmlns:r="http://schemas.openxmlformats.org/officeDocument/2006/relationships" xmlns:p="http://schemas.openxmlformats.org/presentationml/2006/main" xmlns:m="http://schemas.openxmlformats.org/officeDocument/2006/math" xmlns:w="http://schemas.openxmlformats.org/wordprocessingml/2006/main">
   <p:cSld name="">
     <p:spTree>
@@ -1487,6 +1398,96 @@
               <a:defRPr/>
             </a:pPr>
             <a:fld id="{15673679-EA8F-0157-713A-F473ACDABB1A}" type="slidenum">
+              <a:rPr lang="ru-RU"/>
+              <a:t/>
+            </a:fld>
+            <a:endParaRPr lang="ru-RU"/>
+          </a:p>
+        </p:txBody>
+      </p:sp>
+    </p:spTree>
+  </p:cSld>
+</p:notes>
+</file>
+
+<file path=ppt/notesSlides/notesSlide19.xml><?xml version="1.0" encoding="utf-8"?>
+<p:notes xmlns:a="http://schemas.openxmlformats.org/drawingml/2006/main" xmlns:r="http://schemas.openxmlformats.org/officeDocument/2006/relationships" xmlns:p="http://schemas.openxmlformats.org/presentationml/2006/main" xmlns:m="http://schemas.openxmlformats.org/officeDocument/2006/math" xmlns:w="http://schemas.openxmlformats.org/wordprocessingml/2006/main">
+  <p:cSld name="">
+    <p:spTree>
+      <p:nvGrpSpPr>
+        <p:cNvPr id="1" name=""/>
+        <p:cNvGrpSpPr/>
+        <p:nvPr/>
+      </p:nvGrpSpPr>
+      <p:grpSpPr bwMode="auto">
+        <a:xfrm>
+          <a:off x="0" y="0"/>
+          <a:ext cx="0" cy="0"/>
+          <a:chOff x="0" y="0"/>
+          <a:chExt cx="0" cy="0"/>
+        </a:xfrm>
+      </p:grpSpPr>
+      <p:sp>
+        <p:nvSpPr>
+          <p:cNvPr id="574307386" name="Slide Image Placeholder 1"/>
+          <p:cNvSpPr>
+            <a:spLocks noChangeAspect="1" noGrp="1" noRot="1"/>
+          </p:cNvSpPr>
+          <p:nvPr>
+            <p:ph type="sldImg"/>
+          </p:nvPr>
+        </p:nvSpPr>
+        <p:spPr bwMode="auto">
+          <a:xfrm>
+            <a:off x="685800" y="1143000"/>
+            <a:ext cx="5486400" cy="3086100"/>
+          </a:xfrm>
+        </p:spPr>
+      </p:sp>
+      <p:sp>
+        <p:nvSpPr>
+          <p:cNvPr id="716982056" name="Notes Placeholder 2"/>
+          <p:cNvSpPr>
+            <a:spLocks noGrp="1"/>
+          </p:cNvSpPr>
+          <p:nvPr>
+            <p:ph type="body" idx="1"/>
+          </p:nvPr>
+        </p:nvSpPr>
+        <p:spPr bwMode="auto"/>
+        <p:txBody>
+          <a:bodyPr/>
+          <a:lstStyle/>
+          <a:p>
+            <a:pPr>
+              <a:defRPr/>
+            </a:pPr>
+            <a:endParaRPr lang="ru-RU">
+              <a:latin typeface="Arial"/>
+              <a:cs typeface="Arial"/>
+            </a:endParaRPr>
+          </a:p>
+        </p:txBody>
+      </p:sp>
+      <p:sp>
+        <p:nvSpPr>
+          <p:cNvPr id="1006799162" name="Slide Number Placeholder 3"/>
+          <p:cNvSpPr>
+            <a:spLocks noGrp="1"/>
+          </p:cNvSpPr>
+          <p:nvPr>
+            <p:ph type="sldNum" sz="quarter" idx="10"/>
+          </p:nvPr>
+        </p:nvSpPr>
+        <p:spPr bwMode="auto"/>
+        <p:txBody>
+          <a:bodyPr/>
+          <a:lstStyle/>
+          <a:p>
+            <a:pPr>
+              <a:defRPr/>
+            </a:pPr>
+            <a:fld id="{8575ACDA-FA98-2F21-3065-E8D8A25F7103}" type="slidenum">
               <a:rPr lang="ru-RU"/>
               <a:t/>
             </a:fld>
@@ -1878,6 +1879,96 @@
       </p:grpSpPr>
       <p:sp>
         <p:nvSpPr>
+          <p:cNvPr id="2067795023" name="Slide Image Placeholder 1"/>
+          <p:cNvSpPr>
+            <a:spLocks noChangeAspect="1" noGrp="1" noRot="1"/>
+          </p:cNvSpPr>
+          <p:nvPr>
+            <p:ph type="sldImg"/>
+          </p:nvPr>
+        </p:nvSpPr>
+        <p:spPr bwMode="auto">
+          <a:xfrm>
+            <a:off x="685800" y="1143000"/>
+            <a:ext cx="5486400" cy="3086100"/>
+          </a:xfrm>
+        </p:spPr>
+      </p:sp>
+      <p:sp>
+        <p:nvSpPr>
+          <p:cNvPr id="1089759838" name="Notes Placeholder 2"/>
+          <p:cNvSpPr>
+            <a:spLocks noGrp="1"/>
+          </p:cNvSpPr>
+          <p:nvPr>
+            <p:ph type="body" idx="1"/>
+          </p:nvPr>
+        </p:nvSpPr>
+        <p:spPr bwMode="auto"/>
+        <p:txBody>
+          <a:bodyPr/>
+          <a:lstStyle/>
+          <a:p>
+            <a:pPr>
+              <a:defRPr/>
+            </a:pPr>
+            <a:endParaRPr lang="ru-RU">
+              <a:latin typeface="Arial"/>
+              <a:cs typeface="Arial"/>
+            </a:endParaRPr>
+          </a:p>
+        </p:txBody>
+      </p:sp>
+      <p:sp>
+        <p:nvSpPr>
+          <p:cNvPr id="2097925036" name="Slide Number Placeholder 3"/>
+          <p:cNvSpPr>
+            <a:spLocks noGrp="1"/>
+          </p:cNvSpPr>
+          <p:nvPr>
+            <p:ph type="sldNum" sz="quarter" idx="10"/>
+          </p:nvPr>
+        </p:nvSpPr>
+        <p:spPr bwMode="auto"/>
+        <p:txBody>
+          <a:bodyPr/>
+          <a:lstStyle/>
+          <a:p>
+            <a:pPr>
+              <a:defRPr/>
+            </a:pPr>
+            <a:fld id="{B88D874A-C611-2A7F-483A-E348895C6137}" type="slidenum">
+              <a:rPr lang="ru-RU"/>
+              <a:t/>
+            </a:fld>
+            <a:endParaRPr lang="ru-RU"/>
+          </a:p>
+        </p:txBody>
+      </p:sp>
+    </p:spTree>
+  </p:cSld>
+</p:notes>
+</file>
+
+<file path=ppt/notesSlides/notesSlide24.xml><?xml version="1.0" encoding="utf-8"?>
+<p:notes xmlns:a="http://schemas.openxmlformats.org/drawingml/2006/main" xmlns:r="http://schemas.openxmlformats.org/officeDocument/2006/relationships" xmlns:p="http://schemas.openxmlformats.org/presentationml/2006/main" xmlns:m="http://schemas.openxmlformats.org/officeDocument/2006/math" xmlns:w="http://schemas.openxmlformats.org/wordprocessingml/2006/main">
+  <p:cSld name="">
+    <p:spTree>
+      <p:nvGrpSpPr>
+        <p:cNvPr id="1" name=""/>
+        <p:cNvGrpSpPr/>
+        <p:nvPr/>
+      </p:nvGrpSpPr>
+      <p:grpSpPr bwMode="auto">
+        <a:xfrm>
+          <a:off x="0" y="0"/>
+          <a:ext cx="0" cy="0"/>
+          <a:chOff x="0" y="0"/>
+          <a:chExt cx="0" cy="0"/>
+        </a:xfrm>
+      </p:grpSpPr>
+      <p:sp>
+        <p:nvSpPr>
           <p:cNvPr id="1091744867" name="Slide Image Placeholder 1"/>
           <p:cNvSpPr>
             <a:spLocks noChangeAspect="1" noGrp="1" noRot="1"/>
@@ -1949,7 +2040,7 @@
 </p:notes>
 </file>
 
-<file path=ppt/notesSlides/notesSlide24.xml><?xml version="1.0" encoding="utf-8"?>
+<file path=ppt/notesSlides/notesSlide25.xml><?xml version="1.0" encoding="utf-8"?>
 <p:notes xmlns:a="http://schemas.openxmlformats.org/drawingml/2006/main" xmlns:r="http://schemas.openxmlformats.org/officeDocument/2006/relationships" xmlns:p="http://schemas.openxmlformats.org/presentationml/2006/main" xmlns:m="http://schemas.openxmlformats.org/officeDocument/2006/math" xmlns:w="http://schemas.openxmlformats.org/wordprocessingml/2006/main">
   <p:cSld name="">
     <p:spTree>
@@ -2039,7 +2130,7 @@
 </p:notes>
 </file>
 
-<file path=ppt/notesSlides/notesSlide25.xml><?xml version="1.0" encoding="utf-8"?>
+<file path=ppt/notesSlides/notesSlide26.xml><?xml version="1.0" encoding="utf-8"?>
 <p:notes xmlns:a="http://schemas.openxmlformats.org/drawingml/2006/main" xmlns:r="http://schemas.openxmlformats.org/officeDocument/2006/relationships" xmlns:p="http://schemas.openxmlformats.org/presentationml/2006/main" xmlns:m="http://schemas.openxmlformats.org/officeDocument/2006/math" xmlns:w="http://schemas.openxmlformats.org/wordprocessingml/2006/main">
   <p:cSld name="">
     <p:spTree>
@@ -2129,7 +2220,7 @@
 </p:notes>
 </file>
 
-<file path=ppt/notesSlides/notesSlide26.xml><?xml version="1.0" encoding="utf-8"?>
+<file path=ppt/notesSlides/notesSlide27.xml><?xml version="1.0" encoding="utf-8"?>
 <p:notes xmlns:a="http://schemas.openxmlformats.org/drawingml/2006/main" xmlns:r="http://schemas.openxmlformats.org/officeDocument/2006/relationships" xmlns:p="http://schemas.openxmlformats.org/presentationml/2006/main" xmlns:m="http://schemas.openxmlformats.org/officeDocument/2006/math" xmlns:w="http://schemas.openxmlformats.org/wordprocessingml/2006/main">
   <p:cSld name="">
     <p:spTree>
@@ -8107,305 +8198,6 @@
       </p:grpSpPr>
       <p:sp>
         <p:nvSpPr>
-          <p:cNvPr id="1208313718" name="Subtitle 2"/>
-          <p:cNvSpPr>
-            <a:spLocks noGrp="1"/>
-          </p:cNvSpPr>
-          <p:nvPr/>
-        </p:nvSpPr>
-        <p:spPr bwMode="auto">
-          <a:xfrm flipH="0" flipV="0">
-            <a:off x="5515384" y="2584571"/>
-            <a:ext cx="6063027" cy="2157780"/>
-          </a:xfrm>
-        </p:spPr>
-        <p:txBody>
-          <a:bodyPr vertOverflow="overflow" horzOverflow="overflow" vert="horz" wrap="square" lIns="91440" tIns="45720" rIns="91440" bIns="45720" numCol="1" spcCol="0" rtlCol="0" fromWordArt="0" anchor="t" anchorCtr="0" forceAA="0" upright="0" compatLnSpc="0">
-            <a:normAutofit/>
-          </a:bodyPr>
-          <a:lstStyle>
-            <a:lvl1pPr marL="0" indent="0" algn="ctr" defTabSz="914400">
-              <a:lnSpc>
-                <a:spcPct val="90000"/>
-              </a:lnSpc>
-              <a:spcBef>
-                <a:spcPts val="999"/>
-              </a:spcBef>
-              <a:buFont typeface="Arial"/>
-              <a:buNone/>
-              <a:defRPr sz="2400">
-                <a:solidFill>
-                  <a:schemeClr val="tx1"/>
-                </a:solidFill>
-                <a:latin typeface="+mn-lt"/>
-                <a:ea typeface="+mn-ea"/>
-                <a:cs typeface="+mn-cs"/>
-              </a:defRPr>
-            </a:lvl1pPr>
-            <a:lvl2pPr marL="457200" indent="0" algn="ctr" defTabSz="914400">
-              <a:lnSpc>
-                <a:spcPct val="90000"/>
-              </a:lnSpc>
-              <a:spcBef>
-                <a:spcPts val="499"/>
-              </a:spcBef>
-              <a:buFont typeface="Arial"/>
-              <a:buNone/>
-              <a:defRPr sz="2000">
-                <a:solidFill>
-                  <a:schemeClr val="tx1"/>
-                </a:solidFill>
-                <a:latin typeface="+mn-lt"/>
-                <a:ea typeface="+mn-ea"/>
-                <a:cs typeface="+mn-cs"/>
-              </a:defRPr>
-            </a:lvl2pPr>
-            <a:lvl3pPr marL="914400" indent="0" algn="ctr" defTabSz="914400">
-              <a:lnSpc>
-                <a:spcPct val="90000"/>
-              </a:lnSpc>
-              <a:spcBef>
-                <a:spcPts val="499"/>
-              </a:spcBef>
-              <a:buFont typeface="Arial"/>
-              <a:buNone/>
-              <a:defRPr sz="1800">
-                <a:solidFill>
-                  <a:schemeClr val="tx1"/>
-                </a:solidFill>
-                <a:latin typeface="+mn-lt"/>
-                <a:ea typeface="+mn-ea"/>
-                <a:cs typeface="+mn-cs"/>
-              </a:defRPr>
-            </a:lvl3pPr>
-            <a:lvl4pPr marL="1371600" indent="0" algn="ctr" defTabSz="914400">
-              <a:lnSpc>
-                <a:spcPct val="90000"/>
-              </a:lnSpc>
-              <a:spcBef>
-                <a:spcPts val="499"/>
-              </a:spcBef>
-              <a:buFont typeface="Arial"/>
-              <a:buNone/>
-              <a:defRPr sz="1600">
-                <a:solidFill>
-                  <a:schemeClr val="tx1"/>
-                </a:solidFill>
-                <a:latin typeface="+mn-lt"/>
-                <a:ea typeface="+mn-ea"/>
-                <a:cs typeface="+mn-cs"/>
-              </a:defRPr>
-            </a:lvl4pPr>
-            <a:lvl5pPr marL="1828800" indent="0" algn="ctr" defTabSz="914400">
-              <a:lnSpc>
-                <a:spcPct val="90000"/>
-              </a:lnSpc>
-              <a:spcBef>
-                <a:spcPts val="499"/>
-              </a:spcBef>
-              <a:buFont typeface="Arial"/>
-              <a:buNone/>
-              <a:defRPr sz="1600">
-                <a:solidFill>
-                  <a:schemeClr val="tx1"/>
-                </a:solidFill>
-                <a:latin typeface="+mn-lt"/>
-                <a:ea typeface="+mn-ea"/>
-                <a:cs typeface="+mn-cs"/>
-              </a:defRPr>
-            </a:lvl5pPr>
-            <a:lvl6pPr marL="2286000" indent="0" algn="ctr" defTabSz="914400">
-              <a:lnSpc>
-                <a:spcPct val="90000"/>
-              </a:lnSpc>
-              <a:spcBef>
-                <a:spcPts val="499"/>
-              </a:spcBef>
-              <a:buFont typeface="Arial"/>
-              <a:buNone/>
-              <a:defRPr sz="1600">
-                <a:solidFill>
-                  <a:schemeClr val="tx1"/>
-                </a:solidFill>
-                <a:latin typeface="+mn-lt"/>
-                <a:ea typeface="+mn-ea"/>
-                <a:cs typeface="+mn-cs"/>
-              </a:defRPr>
-            </a:lvl6pPr>
-            <a:lvl7pPr marL="2743200" indent="0" algn="ctr" defTabSz="914400">
-              <a:lnSpc>
-                <a:spcPct val="90000"/>
-              </a:lnSpc>
-              <a:spcBef>
-                <a:spcPts val="499"/>
-              </a:spcBef>
-              <a:buFont typeface="Arial"/>
-              <a:buNone/>
-              <a:defRPr sz="1600">
-                <a:solidFill>
-                  <a:schemeClr val="tx1"/>
-                </a:solidFill>
-                <a:latin typeface="+mn-lt"/>
-                <a:ea typeface="+mn-ea"/>
-                <a:cs typeface="+mn-cs"/>
-              </a:defRPr>
-            </a:lvl7pPr>
-            <a:lvl8pPr marL="3200400" indent="0" algn="ctr" defTabSz="914400">
-              <a:lnSpc>
-                <a:spcPct val="90000"/>
-              </a:lnSpc>
-              <a:spcBef>
-                <a:spcPts val="499"/>
-              </a:spcBef>
-              <a:buFont typeface="Arial"/>
-              <a:buNone/>
-              <a:defRPr sz="1600">
-                <a:solidFill>
-                  <a:schemeClr val="tx1"/>
-                </a:solidFill>
-                <a:latin typeface="+mn-lt"/>
-                <a:ea typeface="+mn-ea"/>
-                <a:cs typeface="+mn-cs"/>
-              </a:defRPr>
-            </a:lvl8pPr>
-            <a:lvl9pPr marL="3657600" indent="0" algn="ctr" defTabSz="914400">
-              <a:lnSpc>
-                <a:spcPct val="90000"/>
-              </a:lnSpc>
-              <a:spcBef>
-                <a:spcPts val="499"/>
-              </a:spcBef>
-              <a:buFont typeface="Arial"/>
-              <a:buNone/>
-              <a:defRPr sz="1600">
-                <a:solidFill>
-                  <a:schemeClr val="tx1"/>
-                </a:solidFill>
-                <a:latin typeface="+mn-lt"/>
-                <a:ea typeface="+mn-ea"/>
-                <a:cs typeface="+mn-cs"/>
-              </a:defRPr>
-            </a:lvl9pPr>
-          </a:lstStyle>
-          <a:p>
-            <a:pPr algn="ctr">
-              <a:defRPr/>
-            </a:pPr>
-            <a:r>
-              <a:rPr lang="ru-RU" sz="2800" b="0" i="0" u="none" strike="noStrike" cap="none" spc="0">
-                <a:solidFill>
-                  <a:schemeClr val="bg1"/>
-                </a:solidFill>
-                <a:latin typeface="DejaVu Serif"/>
-                <a:ea typeface="DejaVu Serif"/>
-                <a:cs typeface="DejaVu Serif"/>
-              </a:rPr>
-              <a:t>HLT (Hidden Lake Traffic) — </a:t>
-            </a:r>
-            <a:r>
-              <a:rPr lang="ru-RU" sz="2800" b="1" i="0" u="none" strike="noStrike" cap="none" spc="0">
-                <a:solidFill>
-                  <a:schemeClr val="bg1"/>
-                </a:solidFill>
-                <a:latin typeface="DejaVu Serif"/>
-                <a:ea typeface="DejaVu Serif"/>
-                <a:cs typeface="DejaVu Serif"/>
-              </a:rPr>
-              <a:t>распределитель </a:t>
-            </a:r>
-            <a:r>
-              <a:rPr lang="ru-RU" sz="2800" b="0" i="0" u="none" strike="noStrike" cap="none" spc="0">
-                <a:solidFill>
-                  <a:schemeClr val="bg1"/>
-                </a:solidFill>
-                <a:latin typeface="DejaVu Serif"/>
-                <a:ea typeface="DejaVu Serif"/>
-                <a:cs typeface="DejaVu Serif"/>
-              </a:rPr>
-              <a:t>трафика в анонимной сети. Может исполнять роль ретрансляции и хранения трафика</a:t>
-            </a:r>
-            <a:endParaRPr sz="2800" b="0">
-              <a:solidFill>
-                <a:schemeClr val="bg1"/>
-              </a:solidFill>
-              <a:latin typeface="DejaVu Serif"/>
-              <a:ea typeface="DejaVu Serif"/>
-              <a:cs typeface="DejaVu Serif"/>
-            </a:endParaRPr>
-          </a:p>
-        </p:txBody>
-      </p:sp>
-      <p:pic>
-        <p:nvPicPr>
-          <p:cNvPr id="1693610764" name=""/>
-          <p:cNvPicPr>
-            <a:picLocks noChangeAspect="1"/>
-          </p:cNvPicPr>
-          <p:nvPr/>
-        </p:nvPicPr>
-        <p:blipFill>
-          <a:blip r:embed="rId3"/>
-          <a:srcRect l="32325" t="19386" r="32769" b="19021"/>
-          <a:stretch/>
-        </p:blipFill>
-        <p:spPr bwMode="auto">
-          <a:xfrm flipH="0" flipV="0">
-            <a:off x="1375673" y="2511302"/>
-            <a:ext cx="3718413" cy="2128470"/>
-          </a:xfrm>
-          <a:prstGeom prst="rect">
-            <a:avLst/>
-          </a:prstGeom>
-          <a:ln w="57150">
-            <a:solidFill>
-              <a:schemeClr val="bg2"/>
-            </a:solidFill>
-            <a:prstDash val="solid"/>
-          </a:ln>
-        </p:spPr>
-      </p:pic>
-    </p:spTree>
-  </p:cSld>
-  <p:clrMapOvr>
-    <a:masterClrMapping/>
-  </p:clrMapOvr>
-  <mc:AlternateContent xmlns:mc="http://schemas.openxmlformats.org/markup-compatibility/2006">
-    <mc:Choice xmlns:p159="http://schemas.microsoft.com/office/powerpoint/2015/09/main" xmlns:p14="http://schemas.microsoft.com/office/powerpoint/2010/main" Requires="p159">
-      <p:transition p14:dur="2000" advClick="1"/>
-    </mc:Choice>
-    <mc:Fallback>
-      <p:transition advClick="1"/>
-    </mc:Fallback>
-  </mc:AlternateContent>
-</p:sld>
-</file>
-
-<file path=ppt/slides/slide16.xml><?xml version="1.0" encoding="utf-8"?>
-<p:sld xmlns:a="http://schemas.openxmlformats.org/drawingml/2006/main" xmlns:r="http://schemas.openxmlformats.org/officeDocument/2006/relationships" xmlns:p="http://schemas.openxmlformats.org/presentationml/2006/main" xmlns:m="http://schemas.openxmlformats.org/officeDocument/2006/math" xmlns:w="http://schemas.openxmlformats.org/wordprocessingml/2006/main" showMasterPhAnim="0" show="1">
-  <p:cSld name="">
-    <p:bg>
-      <p:bgPr shadeToTitle="0">
-        <a:solidFill>
-          <a:schemeClr val="tx1"/>
-        </a:solidFill>
-      </p:bgPr>
-    </p:bg>
-    <p:spTree>
-      <p:nvGrpSpPr>
-        <p:cNvPr id="1" name=""/>
-        <p:cNvGrpSpPr/>
-        <p:nvPr/>
-      </p:nvGrpSpPr>
-      <p:grpSpPr bwMode="auto">
-        <a:xfrm>
-          <a:off x="0" y="0"/>
-          <a:ext cx="0" cy="0"/>
-          <a:chOff x="0" y="0"/>
-          <a:chExt cx="0" cy="0"/>
-        </a:xfrm>
-      </p:grpSpPr>
-      <p:sp>
-        <p:nvSpPr>
           <p:cNvPr id="1433510226" name="Subtitle 2"/>
           <p:cNvSpPr>
             <a:spLocks noGrp="1"/>
@@ -8690,7 +8482,7 @@
 </p:sld>
 </file>
 
-<file path=ppt/slides/slide17.xml><?xml version="1.0" encoding="utf-8"?>
+<file path=ppt/slides/slide16.xml><?xml version="1.0" encoding="utf-8"?>
 <p:sld xmlns:a="http://schemas.openxmlformats.org/drawingml/2006/main" xmlns:r="http://schemas.openxmlformats.org/officeDocument/2006/relationships" xmlns:p="http://schemas.openxmlformats.org/presentationml/2006/main" xmlns:m="http://schemas.openxmlformats.org/officeDocument/2006/math" xmlns:w="http://schemas.openxmlformats.org/wordprocessingml/2006/main" showMasterPhAnim="0" show="1">
   <p:cSld name="">
     <p:bg>
@@ -8966,7 +8758,7 @@
 </p:sld>
 </file>
 
-<file path=ppt/slides/slide18.xml><?xml version="1.0" encoding="utf-8"?>
+<file path=ppt/slides/slide17.xml><?xml version="1.0" encoding="utf-8"?>
 <p:sld xmlns:a="http://schemas.openxmlformats.org/drawingml/2006/main" xmlns:r="http://schemas.openxmlformats.org/officeDocument/2006/relationships" xmlns:p="http://schemas.openxmlformats.org/presentationml/2006/main" xmlns:m="http://schemas.openxmlformats.org/officeDocument/2006/math" xmlns:w="http://schemas.openxmlformats.org/wordprocessingml/2006/main" showMasterPhAnim="0" show="1">
   <p:cSld name="">
     <p:bg>
@@ -9276,7 +9068,7 @@
 </p:sld>
 </file>
 
-<file path=ppt/slides/slide19.xml><?xml version="1.0" encoding="utf-8"?>
+<file path=ppt/slides/slide18.xml><?xml version="1.0" encoding="utf-8"?>
 <p:sld xmlns:a="http://schemas.openxmlformats.org/drawingml/2006/main" xmlns:r="http://schemas.openxmlformats.org/officeDocument/2006/relationships" xmlns:p="http://schemas.openxmlformats.org/presentationml/2006/main" xmlns:m="http://schemas.openxmlformats.org/officeDocument/2006/math" xmlns:w="http://schemas.openxmlformats.org/wordprocessingml/2006/main" showMasterPhAnim="0" show="1">
   <p:cSld name="">
     <p:bg>
@@ -9524,6 +9316,305 @@
           <a:xfrm flipH="0" flipV="0">
             <a:off x="967358" y="1190624"/>
             <a:ext cx="10257282" cy="5346325"/>
+          </a:xfrm>
+          <a:prstGeom prst="rect">
+            <a:avLst/>
+          </a:prstGeom>
+          <a:ln w="57150">
+            <a:solidFill>
+              <a:schemeClr val="bg2"/>
+            </a:solidFill>
+            <a:prstDash val="solid"/>
+          </a:ln>
+        </p:spPr>
+      </p:pic>
+    </p:spTree>
+  </p:cSld>
+  <p:clrMapOvr>
+    <a:masterClrMapping/>
+  </p:clrMapOvr>
+  <mc:AlternateContent xmlns:mc="http://schemas.openxmlformats.org/markup-compatibility/2006">
+    <mc:Choice xmlns:p159="http://schemas.microsoft.com/office/powerpoint/2015/09/main" xmlns:p14="http://schemas.microsoft.com/office/powerpoint/2010/main" Requires="p159">
+      <p:transition p14:dur="2000" advClick="1"/>
+    </mc:Choice>
+    <mc:Fallback>
+      <p:transition advClick="1"/>
+    </mc:Fallback>
+  </mc:AlternateContent>
+</p:sld>
+</file>
+
+<file path=ppt/slides/slide19.xml><?xml version="1.0" encoding="utf-8"?>
+<p:sld xmlns:a="http://schemas.openxmlformats.org/drawingml/2006/main" xmlns:r="http://schemas.openxmlformats.org/officeDocument/2006/relationships" xmlns:p="http://schemas.openxmlformats.org/presentationml/2006/main" xmlns:m="http://schemas.openxmlformats.org/officeDocument/2006/math" xmlns:w="http://schemas.openxmlformats.org/wordprocessingml/2006/main" showMasterPhAnim="0" show="1">
+  <p:cSld name="">
+    <p:bg>
+      <p:bgPr shadeToTitle="0">
+        <a:solidFill>
+          <a:schemeClr val="tx1"/>
+        </a:solidFill>
+      </p:bgPr>
+    </p:bg>
+    <p:spTree>
+      <p:nvGrpSpPr>
+        <p:cNvPr id="1" name=""/>
+        <p:cNvGrpSpPr/>
+        <p:nvPr/>
+      </p:nvGrpSpPr>
+      <p:grpSpPr bwMode="auto">
+        <a:xfrm>
+          <a:off x="0" y="0"/>
+          <a:ext cx="0" cy="0"/>
+          <a:chOff x="0" y="0"/>
+          <a:chExt cx="0" cy="0"/>
+        </a:xfrm>
+      </p:grpSpPr>
+      <p:sp>
+        <p:nvSpPr>
+          <p:cNvPr id="1208313718" name="Subtitle 2"/>
+          <p:cNvSpPr>
+            <a:spLocks noGrp="1"/>
+          </p:cNvSpPr>
+          <p:nvPr/>
+        </p:nvSpPr>
+        <p:spPr bwMode="auto">
+          <a:xfrm flipH="0" flipV="0">
+            <a:off x="5515384" y="2584571"/>
+            <a:ext cx="6063027" cy="2157780"/>
+          </a:xfrm>
+        </p:spPr>
+        <p:txBody>
+          <a:bodyPr vertOverflow="overflow" horzOverflow="overflow" vert="horz" wrap="square" lIns="91440" tIns="45720" rIns="91440" bIns="45720" numCol="1" spcCol="0" rtlCol="0" fromWordArt="0" anchor="t" anchorCtr="0" forceAA="0" upright="0" compatLnSpc="0">
+            <a:normAutofit/>
+          </a:bodyPr>
+          <a:lstStyle>
+            <a:lvl1pPr marL="0" indent="0" algn="ctr" defTabSz="914400">
+              <a:lnSpc>
+                <a:spcPct val="90000"/>
+              </a:lnSpc>
+              <a:spcBef>
+                <a:spcPts val="999"/>
+              </a:spcBef>
+              <a:buFont typeface="Arial"/>
+              <a:buNone/>
+              <a:defRPr sz="2400">
+                <a:solidFill>
+                  <a:schemeClr val="tx1"/>
+                </a:solidFill>
+                <a:latin typeface="+mn-lt"/>
+                <a:ea typeface="+mn-ea"/>
+                <a:cs typeface="+mn-cs"/>
+              </a:defRPr>
+            </a:lvl1pPr>
+            <a:lvl2pPr marL="457200" indent="0" algn="ctr" defTabSz="914400">
+              <a:lnSpc>
+                <a:spcPct val="90000"/>
+              </a:lnSpc>
+              <a:spcBef>
+                <a:spcPts val="499"/>
+              </a:spcBef>
+              <a:buFont typeface="Arial"/>
+              <a:buNone/>
+              <a:defRPr sz="2000">
+                <a:solidFill>
+                  <a:schemeClr val="tx1"/>
+                </a:solidFill>
+                <a:latin typeface="+mn-lt"/>
+                <a:ea typeface="+mn-ea"/>
+                <a:cs typeface="+mn-cs"/>
+              </a:defRPr>
+            </a:lvl2pPr>
+            <a:lvl3pPr marL="914400" indent="0" algn="ctr" defTabSz="914400">
+              <a:lnSpc>
+                <a:spcPct val="90000"/>
+              </a:lnSpc>
+              <a:spcBef>
+                <a:spcPts val="499"/>
+              </a:spcBef>
+              <a:buFont typeface="Arial"/>
+              <a:buNone/>
+              <a:defRPr sz="1800">
+                <a:solidFill>
+                  <a:schemeClr val="tx1"/>
+                </a:solidFill>
+                <a:latin typeface="+mn-lt"/>
+                <a:ea typeface="+mn-ea"/>
+                <a:cs typeface="+mn-cs"/>
+              </a:defRPr>
+            </a:lvl3pPr>
+            <a:lvl4pPr marL="1371600" indent="0" algn="ctr" defTabSz="914400">
+              <a:lnSpc>
+                <a:spcPct val="90000"/>
+              </a:lnSpc>
+              <a:spcBef>
+                <a:spcPts val="499"/>
+              </a:spcBef>
+              <a:buFont typeface="Arial"/>
+              <a:buNone/>
+              <a:defRPr sz="1600">
+                <a:solidFill>
+                  <a:schemeClr val="tx1"/>
+                </a:solidFill>
+                <a:latin typeface="+mn-lt"/>
+                <a:ea typeface="+mn-ea"/>
+                <a:cs typeface="+mn-cs"/>
+              </a:defRPr>
+            </a:lvl4pPr>
+            <a:lvl5pPr marL="1828800" indent="0" algn="ctr" defTabSz="914400">
+              <a:lnSpc>
+                <a:spcPct val="90000"/>
+              </a:lnSpc>
+              <a:spcBef>
+                <a:spcPts val="499"/>
+              </a:spcBef>
+              <a:buFont typeface="Arial"/>
+              <a:buNone/>
+              <a:defRPr sz="1600">
+                <a:solidFill>
+                  <a:schemeClr val="tx1"/>
+                </a:solidFill>
+                <a:latin typeface="+mn-lt"/>
+                <a:ea typeface="+mn-ea"/>
+                <a:cs typeface="+mn-cs"/>
+              </a:defRPr>
+            </a:lvl5pPr>
+            <a:lvl6pPr marL="2286000" indent="0" algn="ctr" defTabSz="914400">
+              <a:lnSpc>
+                <a:spcPct val="90000"/>
+              </a:lnSpc>
+              <a:spcBef>
+                <a:spcPts val="499"/>
+              </a:spcBef>
+              <a:buFont typeface="Arial"/>
+              <a:buNone/>
+              <a:defRPr sz="1600">
+                <a:solidFill>
+                  <a:schemeClr val="tx1"/>
+                </a:solidFill>
+                <a:latin typeface="+mn-lt"/>
+                <a:ea typeface="+mn-ea"/>
+                <a:cs typeface="+mn-cs"/>
+              </a:defRPr>
+            </a:lvl6pPr>
+            <a:lvl7pPr marL="2743200" indent="0" algn="ctr" defTabSz="914400">
+              <a:lnSpc>
+                <a:spcPct val="90000"/>
+              </a:lnSpc>
+              <a:spcBef>
+                <a:spcPts val="499"/>
+              </a:spcBef>
+              <a:buFont typeface="Arial"/>
+              <a:buNone/>
+              <a:defRPr sz="1600">
+                <a:solidFill>
+                  <a:schemeClr val="tx1"/>
+                </a:solidFill>
+                <a:latin typeface="+mn-lt"/>
+                <a:ea typeface="+mn-ea"/>
+                <a:cs typeface="+mn-cs"/>
+              </a:defRPr>
+            </a:lvl7pPr>
+            <a:lvl8pPr marL="3200400" indent="0" algn="ctr" defTabSz="914400">
+              <a:lnSpc>
+                <a:spcPct val="90000"/>
+              </a:lnSpc>
+              <a:spcBef>
+                <a:spcPts val="499"/>
+              </a:spcBef>
+              <a:buFont typeface="Arial"/>
+              <a:buNone/>
+              <a:defRPr sz="1600">
+                <a:solidFill>
+                  <a:schemeClr val="tx1"/>
+                </a:solidFill>
+                <a:latin typeface="+mn-lt"/>
+                <a:ea typeface="+mn-ea"/>
+                <a:cs typeface="+mn-cs"/>
+              </a:defRPr>
+            </a:lvl8pPr>
+            <a:lvl9pPr marL="3657600" indent="0" algn="ctr" defTabSz="914400">
+              <a:lnSpc>
+                <a:spcPct val="90000"/>
+              </a:lnSpc>
+              <a:spcBef>
+                <a:spcPts val="499"/>
+              </a:spcBef>
+              <a:buFont typeface="Arial"/>
+              <a:buNone/>
+              <a:defRPr sz="1600">
+                <a:solidFill>
+                  <a:schemeClr val="tx1"/>
+                </a:solidFill>
+                <a:latin typeface="+mn-lt"/>
+                <a:ea typeface="+mn-ea"/>
+                <a:cs typeface="+mn-cs"/>
+              </a:defRPr>
+            </a:lvl9pPr>
+          </a:lstStyle>
+          <a:p>
+            <a:pPr algn="ctr">
+              <a:defRPr/>
+            </a:pPr>
+            <a:r>
+              <a:rPr lang="ru-RU" sz="2800" b="0" i="0" u="none" strike="noStrike" cap="none" spc="0">
+                <a:solidFill>
+                  <a:schemeClr val="bg1"/>
+                </a:solidFill>
+                <a:latin typeface="DejaVu Serif"/>
+                <a:ea typeface="DejaVu Serif"/>
+                <a:cs typeface="DejaVu Serif"/>
+              </a:rPr>
+              <a:t>HLT (Hidden Lake Traffic) — </a:t>
+            </a:r>
+            <a:r>
+              <a:rPr lang="ru-RU" sz="2800" b="1" i="0" u="none" strike="noStrike" cap="none" spc="0">
+                <a:solidFill>
+                  <a:schemeClr val="bg1"/>
+                </a:solidFill>
+                <a:latin typeface="DejaVu Serif"/>
+                <a:ea typeface="DejaVu Serif"/>
+                <a:cs typeface="DejaVu Serif"/>
+              </a:rPr>
+              <a:t>распределитель </a:t>
+            </a:r>
+            <a:r>
+              <a:rPr lang="ru-RU" sz="2800" b="0" i="0" u="none" strike="noStrike" cap="none" spc="0">
+                <a:solidFill>
+                  <a:schemeClr val="bg1"/>
+                </a:solidFill>
+                <a:latin typeface="DejaVu Serif"/>
+                <a:ea typeface="DejaVu Serif"/>
+                <a:cs typeface="DejaVu Serif"/>
+              </a:rPr>
+              <a:t>трафика в анонимной сети. Может исполнять роль ретрансляции и хранения трафика</a:t>
+            </a:r>
+            <a:endParaRPr sz="2800" b="0">
+              <a:solidFill>
+                <a:schemeClr val="bg1"/>
+              </a:solidFill>
+              <a:latin typeface="DejaVu Serif"/>
+              <a:ea typeface="DejaVu Serif"/>
+              <a:cs typeface="DejaVu Serif"/>
+            </a:endParaRPr>
+          </a:p>
+        </p:txBody>
+      </p:sp>
+      <p:pic>
+        <p:nvPicPr>
+          <p:cNvPr id="1693610764" name=""/>
+          <p:cNvPicPr>
+            <a:picLocks noChangeAspect="1"/>
+          </p:cNvPicPr>
+          <p:nvPr/>
+        </p:nvPicPr>
+        <p:blipFill>
+          <a:blip r:embed="rId3"/>
+          <a:srcRect l="32325" t="19386" r="32769" b="19021"/>
+          <a:stretch/>
+        </p:blipFill>
+        <p:spPr bwMode="auto">
+          <a:xfrm flipH="0" flipV="0">
+            <a:off x="1375673" y="2511302"/>
+            <a:ext cx="3718413" cy="2128470"/>
           </a:xfrm>
           <a:prstGeom prst="rect">
             <a:avLst/>
@@ -10273,7 +10364,7 @@
                 <a:ea typeface="DejaVu Serif"/>
                 <a:cs typeface="DejaVu Serif"/>
               </a:rPr>
-              <a:t>и распределитель трафика между несколькими HLT сервисами</a:t>
+              <a:t>и ручной распределитель трафика между несколькими HLT сервисами</a:t>
             </a:r>
             <a:endParaRPr sz="2800" b="0">
               <a:solidFill>
@@ -10656,6 +10747,282 @@
       </p:grpSpPr>
       <p:sp>
         <p:nvSpPr>
+          <p:cNvPr id="1561637267" name="Subtitle 2"/>
+          <p:cNvSpPr>
+            <a:spLocks noGrp="1"/>
+          </p:cNvSpPr>
+          <p:nvPr/>
+        </p:nvSpPr>
+        <p:spPr bwMode="auto">
+          <a:xfrm flipH="0" flipV="0">
+            <a:off x="309560" y="437412"/>
+            <a:ext cx="11572875" cy="606672"/>
+          </a:xfrm>
+        </p:spPr>
+        <p:txBody>
+          <a:bodyPr vertOverflow="overflow" horzOverflow="overflow" vert="horz" wrap="square" lIns="91440" tIns="45720" rIns="91440" bIns="45720" numCol="1" spcCol="0" rtlCol="0" fromWordArt="0" anchor="t" anchorCtr="0" forceAA="0" upright="0" compatLnSpc="0">
+            <a:normAutofit/>
+          </a:bodyPr>
+          <a:lstStyle>
+            <a:lvl1pPr marL="0" indent="0" algn="ctr" defTabSz="914400">
+              <a:lnSpc>
+                <a:spcPct val="90000"/>
+              </a:lnSpc>
+              <a:spcBef>
+                <a:spcPts val="997"/>
+              </a:spcBef>
+              <a:buFont typeface="Arial"/>
+              <a:buNone/>
+              <a:defRPr sz="2400">
+                <a:solidFill>
+                  <a:schemeClr val="tx1"/>
+                </a:solidFill>
+                <a:latin typeface="+mn-lt"/>
+                <a:ea typeface="+mn-ea"/>
+                <a:cs typeface="+mn-cs"/>
+              </a:defRPr>
+            </a:lvl1pPr>
+            <a:lvl2pPr marL="457200" indent="0" algn="ctr" defTabSz="914400">
+              <a:lnSpc>
+                <a:spcPct val="90000"/>
+              </a:lnSpc>
+              <a:spcBef>
+                <a:spcPts val="497"/>
+              </a:spcBef>
+              <a:buFont typeface="Arial"/>
+              <a:buNone/>
+              <a:defRPr sz="2000">
+                <a:solidFill>
+                  <a:schemeClr val="tx1"/>
+                </a:solidFill>
+                <a:latin typeface="+mn-lt"/>
+                <a:ea typeface="+mn-ea"/>
+                <a:cs typeface="+mn-cs"/>
+              </a:defRPr>
+            </a:lvl2pPr>
+            <a:lvl3pPr marL="914400" indent="0" algn="ctr" defTabSz="914400">
+              <a:lnSpc>
+                <a:spcPct val="90000"/>
+              </a:lnSpc>
+              <a:spcBef>
+                <a:spcPts val="497"/>
+              </a:spcBef>
+              <a:buFont typeface="Arial"/>
+              <a:buNone/>
+              <a:defRPr sz="1800">
+                <a:solidFill>
+                  <a:schemeClr val="tx1"/>
+                </a:solidFill>
+                <a:latin typeface="+mn-lt"/>
+                <a:ea typeface="+mn-ea"/>
+                <a:cs typeface="+mn-cs"/>
+              </a:defRPr>
+            </a:lvl3pPr>
+            <a:lvl4pPr marL="1371600" indent="0" algn="ctr" defTabSz="914400">
+              <a:lnSpc>
+                <a:spcPct val="90000"/>
+              </a:lnSpc>
+              <a:spcBef>
+                <a:spcPts val="497"/>
+              </a:spcBef>
+              <a:buFont typeface="Arial"/>
+              <a:buNone/>
+              <a:defRPr sz="1600">
+                <a:solidFill>
+                  <a:schemeClr val="tx1"/>
+                </a:solidFill>
+                <a:latin typeface="+mn-lt"/>
+                <a:ea typeface="+mn-ea"/>
+                <a:cs typeface="+mn-cs"/>
+              </a:defRPr>
+            </a:lvl4pPr>
+            <a:lvl5pPr marL="1828800" indent="0" algn="ctr" defTabSz="914400">
+              <a:lnSpc>
+                <a:spcPct val="90000"/>
+              </a:lnSpc>
+              <a:spcBef>
+                <a:spcPts val="497"/>
+              </a:spcBef>
+              <a:buFont typeface="Arial"/>
+              <a:buNone/>
+              <a:defRPr sz="1600">
+                <a:solidFill>
+                  <a:schemeClr val="tx1"/>
+                </a:solidFill>
+                <a:latin typeface="+mn-lt"/>
+                <a:ea typeface="+mn-ea"/>
+                <a:cs typeface="+mn-cs"/>
+              </a:defRPr>
+            </a:lvl5pPr>
+            <a:lvl6pPr marL="2286000" indent="0" algn="ctr" defTabSz="914400">
+              <a:lnSpc>
+                <a:spcPct val="90000"/>
+              </a:lnSpc>
+              <a:spcBef>
+                <a:spcPts val="497"/>
+              </a:spcBef>
+              <a:buFont typeface="Arial"/>
+              <a:buNone/>
+              <a:defRPr sz="1600">
+                <a:solidFill>
+                  <a:schemeClr val="tx1"/>
+                </a:solidFill>
+                <a:latin typeface="+mn-lt"/>
+                <a:ea typeface="+mn-ea"/>
+                <a:cs typeface="+mn-cs"/>
+              </a:defRPr>
+            </a:lvl6pPr>
+            <a:lvl7pPr marL="2743200" indent="0" algn="ctr" defTabSz="914400">
+              <a:lnSpc>
+                <a:spcPct val="90000"/>
+              </a:lnSpc>
+              <a:spcBef>
+                <a:spcPts val="497"/>
+              </a:spcBef>
+              <a:buFont typeface="Arial"/>
+              <a:buNone/>
+              <a:defRPr sz="1600">
+                <a:solidFill>
+                  <a:schemeClr val="tx1"/>
+                </a:solidFill>
+                <a:latin typeface="+mn-lt"/>
+                <a:ea typeface="+mn-ea"/>
+                <a:cs typeface="+mn-cs"/>
+              </a:defRPr>
+            </a:lvl7pPr>
+            <a:lvl8pPr marL="3200400" indent="0" algn="ctr" defTabSz="914400">
+              <a:lnSpc>
+                <a:spcPct val="90000"/>
+              </a:lnSpc>
+              <a:spcBef>
+                <a:spcPts val="497"/>
+              </a:spcBef>
+              <a:buFont typeface="Arial"/>
+              <a:buNone/>
+              <a:defRPr sz="1600">
+                <a:solidFill>
+                  <a:schemeClr val="tx1"/>
+                </a:solidFill>
+                <a:latin typeface="+mn-lt"/>
+                <a:ea typeface="+mn-ea"/>
+                <a:cs typeface="+mn-cs"/>
+              </a:defRPr>
+            </a:lvl8pPr>
+            <a:lvl9pPr marL="3657600" indent="0" algn="ctr" defTabSz="914400">
+              <a:lnSpc>
+                <a:spcPct val="90000"/>
+              </a:lnSpc>
+              <a:spcBef>
+                <a:spcPts val="497"/>
+              </a:spcBef>
+              <a:buFont typeface="Arial"/>
+              <a:buNone/>
+              <a:defRPr sz="1600">
+                <a:solidFill>
+                  <a:schemeClr val="tx1"/>
+                </a:solidFill>
+                <a:latin typeface="+mn-lt"/>
+                <a:ea typeface="+mn-ea"/>
+                <a:cs typeface="+mn-cs"/>
+              </a:defRPr>
+            </a:lvl9pPr>
+          </a:lstStyle>
+          <a:p>
+            <a:pPr algn="ctr">
+              <a:defRPr/>
+            </a:pPr>
+            <a:r>
+              <a:rPr lang="ru-RU" sz="2800" b="0" i="0" u="none" strike="noStrike" cap="none" spc="0">
+                <a:solidFill>
+                  <a:schemeClr val="bg1"/>
+                </a:solidFill>
+                <a:latin typeface="DejaVu Serif"/>
+                <a:ea typeface="DejaVu Serif"/>
+                <a:cs typeface="DejaVu Serif"/>
+              </a:rPr>
+              <a:t>Использование централизованного сервиса «chatingar»</a:t>
+            </a:r>
+            <a:endParaRPr sz="2800" b="0">
+              <a:solidFill>
+                <a:schemeClr val="bg1"/>
+              </a:solidFill>
+              <a:latin typeface="DejaVu Serif"/>
+              <a:ea typeface="DejaVu Serif"/>
+              <a:cs typeface="DejaVu Serif"/>
+            </a:endParaRPr>
+          </a:p>
+        </p:txBody>
+      </p:sp>
+      <p:pic>
+        <p:nvPicPr>
+          <p:cNvPr id="610432717" name=""/>
+          <p:cNvPicPr>
+            <a:picLocks noChangeAspect="1"/>
+          </p:cNvPicPr>
+          <p:nvPr/>
+        </p:nvPicPr>
+        <p:blipFill>
+          <a:blip r:embed="rId3"/>
+          <a:stretch/>
+        </p:blipFill>
+        <p:spPr bwMode="auto">
+          <a:xfrm flipH="0" flipV="0">
+            <a:off x="1029796" y="1192419"/>
+            <a:ext cx="10132404" cy="5222031"/>
+          </a:xfrm>
+          <a:prstGeom prst="rect">
+            <a:avLst/>
+          </a:prstGeom>
+          <a:ln w="57150">
+            <a:solidFill>
+              <a:schemeClr val="bg2"/>
+            </a:solidFill>
+            <a:prstDash val="solid"/>
+          </a:ln>
+        </p:spPr>
+      </p:pic>
+    </p:spTree>
+  </p:cSld>
+  <p:clrMapOvr>
+    <a:masterClrMapping/>
+  </p:clrMapOvr>
+  <mc:AlternateContent xmlns:mc="http://schemas.openxmlformats.org/markup-compatibility/2006">
+    <mc:Choice xmlns:p159="http://schemas.microsoft.com/office/powerpoint/2015/09/main" xmlns:p14="http://schemas.microsoft.com/office/powerpoint/2010/main" Requires="p159">
+      <p:transition p14:dur="2000" advClick="1"/>
+    </mc:Choice>
+    <mc:Fallback>
+      <p:transition advClick="1"/>
+    </mc:Fallback>
+  </mc:AlternateContent>
+</p:sld>
+</file>
+
+<file path=ppt/slides/slide24.xml><?xml version="1.0" encoding="utf-8"?>
+<p:sld xmlns:a="http://schemas.openxmlformats.org/drawingml/2006/main" xmlns:r="http://schemas.openxmlformats.org/officeDocument/2006/relationships" xmlns:p="http://schemas.openxmlformats.org/presentationml/2006/main" xmlns:m="http://schemas.openxmlformats.org/officeDocument/2006/math" xmlns:w="http://schemas.openxmlformats.org/wordprocessingml/2006/main" showMasterPhAnim="0" show="1">
+  <p:cSld name="">
+    <p:bg>
+      <p:bgPr shadeToTitle="0">
+        <a:solidFill>
+          <a:schemeClr val="tx1"/>
+        </a:solidFill>
+      </p:bgPr>
+    </p:bg>
+    <p:spTree>
+      <p:nvGrpSpPr>
+        <p:cNvPr id="1" name=""/>
+        <p:cNvGrpSpPr/>
+        <p:nvPr/>
+      </p:nvGrpSpPr>
+      <p:grpSpPr bwMode="auto">
+        <a:xfrm>
+          <a:off x="0" y="0"/>
+          <a:ext cx="0" cy="0"/>
+          <a:chOff x="0" y="0"/>
+          <a:chExt cx="0" cy="0"/>
+        </a:xfrm>
+      </p:grpSpPr>
+      <p:sp>
+        <p:nvSpPr>
           <p:cNvPr id="1831308246" name="Subtitle 2"/>
           <p:cNvSpPr>
             <a:spLocks noGrp="1"/>
@@ -11170,7 +11537,7 @@
 </p:sld>
 </file>
 
-<file path=ppt/slides/slide24.xml><?xml version="1.0" encoding="utf-8"?>
+<file path=ppt/slides/slide25.xml><?xml version="1.0" encoding="utf-8"?>
 <p:sld xmlns:a="http://schemas.openxmlformats.org/drawingml/2006/main" xmlns:r="http://schemas.openxmlformats.org/officeDocument/2006/relationships" xmlns:p="http://schemas.openxmlformats.org/presentationml/2006/main" xmlns:m="http://schemas.openxmlformats.org/officeDocument/2006/math" xmlns:w="http://schemas.openxmlformats.org/wordprocessingml/2006/main" showMasterPhAnim="0" show="1">
   <p:cSld name="">
     <p:bg>
@@ -14693,7 +15060,7 @@
 </p:sld>
 </file>
 
-<file path=ppt/slides/slide25.xml><?xml version="1.0" encoding="utf-8"?>
+<file path=ppt/slides/slide26.xml><?xml version="1.0" encoding="utf-8"?>
 <p:sld xmlns:a="http://schemas.openxmlformats.org/drawingml/2006/main" xmlns:r="http://schemas.openxmlformats.org/officeDocument/2006/relationships" xmlns:p="http://schemas.openxmlformats.org/presentationml/2006/main" xmlns:m="http://schemas.openxmlformats.org/officeDocument/2006/math" xmlns:w="http://schemas.openxmlformats.org/wordprocessingml/2006/main" showMasterPhAnim="0" show="1">
   <p:cSld name="">
     <p:bg>
@@ -15256,7 +15623,7 @@
 </p:sld>
 </file>
 
-<file path=ppt/slides/slide26.xml><?xml version="1.0" encoding="utf-8"?>
+<file path=ppt/slides/slide27.xml><?xml version="1.0" encoding="utf-8"?>
 <p:sld xmlns:a="http://schemas.openxmlformats.org/drawingml/2006/main" xmlns:r="http://schemas.openxmlformats.org/officeDocument/2006/relationships" xmlns:p="http://schemas.openxmlformats.org/presentationml/2006/main" xmlns:m="http://schemas.openxmlformats.org/officeDocument/2006/math" xmlns:w="http://schemas.openxmlformats.org/wordprocessingml/2006/main" showMasterPhAnim="0" show="1">
   <p:cSld name="">
     <p:bg>
@@ -18913,7 +19280,6 @@
                       <a:solidFill>
                         <a:schemeClr val="tx1"/>
                       </a:solidFill>
-                      <a:round/>
                     </a:lnR>
                     <a:lnT w="28575" algn="ctr">
                       <a:solidFill>
@@ -18975,7 +19341,6 @@
                       <a:solidFill>
                         <a:schemeClr val="tx1"/>
                       </a:solidFill>
-                      <a:round/>
                     </a:lnT>
                     <a:lnB w="28575" algn="ctr">
                       <a:solidFill>
@@ -19032,7 +19397,6 @@
                       <a:solidFill>
                         <a:schemeClr val="tx1"/>
                       </a:solidFill>
-                      <a:round/>
                     </a:lnT>
                     <a:lnB w="28575" algn="ctr">
                       <a:solidFill>
@@ -19079,7 +19443,6 @@
                       <a:solidFill>
                         <a:schemeClr val="tx1"/>
                       </a:solidFill>
-                      <a:round/>
                     </a:lnL>
                     <a:lnR w="28575" algn="ctr">
                       <a:solidFill>
@@ -19095,7 +19458,6 @@
                       <a:solidFill>
                         <a:schemeClr val="tx1"/>
                       </a:solidFill>
-                      <a:miter/>
                     </a:lnB>
                     <a:solidFill>
                       <a:schemeClr val="tx1">
@@ -19147,7 +19509,6 @@
                       <a:solidFill>
                         <a:schemeClr val="tx1"/>
                       </a:solidFill>
-                      <a:round/>
                     </a:lnT>
                     <a:lnB w="28575" algn="ctr">
                       <a:solidFill>
@@ -19194,7 +19555,6 @@
                       <a:solidFill>
                         <a:schemeClr val="tx1"/>
                       </a:solidFill>
-                      <a:round/>
                     </a:lnL>
                     <a:lnR w="28575" algn="ctr">
                       <a:solidFill>
@@ -19210,7 +19570,6 @@
                       <a:solidFill>
                         <a:schemeClr val="tx1"/>
                       </a:solidFill>
-                      <a:miter/>
                     </a:lnB>
                     <a:solidFill>
                       <a:schemeClr val="tx1">
@@ -19264,7 +19623,6 @@
                       <a:solidFill>
                         <a:schemeClr val="tx1"/>
                       </a:solidFill>
-                      <a:round/>
                     </a:lnT>
                     <a:lnB w="28575" algn="ctr">
                       <a:solidFill>
@@ -19311,13 +19669,11 @@
                       <a:solidFill>
                         <a:schemeClr val="tx1"/>
                       </a:solidFill>
-                      <a:round/>
                     </a:lnL>
                     <a:lnR w="28575" algn="ctr">
                       <a:solidFill>
                         <a:schemeClr val="tx1"/>
                       </a:solidFill>
-                      <a:round/>
                     </a:lnR>
                     <a:lnT w="28575" algn="ctr">
                       <a:solidFill>
@@ -19366,7 +19722,6 @@
                       <a:solidFill>
                         <a:schemeClr val="tx1"/>
                       </a:solidFill>
-                      <a:round/>
                     </a:lnL>
                     <a:lnR w="28575" algn="ctr">
                       <a:solidFill>
@@ -19430,7 +19785,6 @@
                       <a:solidFill>
                         <a:schemeClr val="tx1"/>
                       </a:solidFill>
-                      <a:round/>
                     </a:lnT>
                     <a:lnB w="28575" algn="ctr">
                       <a:solidFill>
@@ -19474,7 +19828,6 @@
                       <a:solidFill>
                         <a:schemeClr val="tx1"/>
                       </a:solidFill>
-                      <a:round/>
                     </a:lnL>
                     <a:lnR w="28575" algn="ctr">
                       <a:solidFill>
@@ -19538,7 +19891,6 @@
                       <a:solidFill>
                         <a:schemeClr val="tx1"/>
                       </a:solidFill>
-                      <a:round/>
                     </a:lnT>
                     <a:lnB w="28575" algn="ctr">
                       <a:solidFill>
@@ -19594,7 +19946,6 @@
                       <a:solidFill>
                         <a:schemeClr val="tx1"/>
                       </a:solidFill>
-                      <a:round/>
                     </a:lnT>
                     <a:lnB w="28575" algn="ctr">
                       <a:solidFill>
@@ -19646,7 +19997,6 @@
                       <a:solidFill>
                         <a:schemeClr val="tx1"/>
                       </a:solidFill>
-                      <a:miter/>
                     </a:lnR>
                     <a:lnT w="28575" algn="ctr">
                       <a:solidFill>
@@ -19700,7 +20050,6 @@
                       <a:solidFill>
                         <a:schemeClr val="tx1"/>
                       </a:solidFill>
-                      <a:round/>
                     </a:lnR>
                     <a:lnT w="28575" algn="ctr">
                       <a:solidFill>
@@ -19759,7 +20108,6 @@
                       <a:solidFill>
                         <a:schemeClr val="tx1"/>
                       </a:solidFill>
-                      <a:miter/>
                     </a:lnT>
                     <a:lnB w="28575" algn="ctr">
                       <a:solidFill>
@@ -19803,7 +20151,6 @@
                       <a:solidFill>
                         <a:schemeClr val="tx1"/>
                       </a:solidFill>
-                      <a:miter/>
                     </a:lnL>
                     <a:lnR w="28575" algn="ctr">
                       <a:solidFill>
@@ -19867,7 +20214,6 @@
                       <a:solidFill>
                         <a:schemeClr val="tx1"/>
                       </a:solidFill>
-                      <a:round/>
                     </a:lnT>
                     <a:lnB w="28575" algn="ctr">
                       <a:solidFill>
@@ -19918,7 +20264,6 @@
                       <a:solidFill>
                         <a:schemeClr val="tx1"/>
                       </a:solidFill>
-                      <a:miter/>
                     </a:lnR>
                     <a:lnT w="28575" algn="ctr">
                       <a:solidFill>
@@ -19980,7 +20325,6 @@
                       <a:solidFill>
                         <a:schemeClr val="tx1"/>
                       </a:solidFill>
-                      <a:miter/>
                     </a:lnT>
                     <a:lnB w="28575" algn="ctr">
                       <a:solidFill>
@@ -20034,7 +20378,6 @@
                       <a:solidFill>
                         <a:schemeClr val="tx1"/>
                       </a:solidFill>
-                      <a:miter/>
                     </a:lnT>
                     <a:lnB w="28575" algn="ctr">
                       <a:solidFill>
@@ -20078,7 +20421,6 @@
                       <a:solidFill>
                         <a:schemeClr val="tx1"/>
                       </a:solidFill>
-                      <a:miter/>
                     </a:lnL>
                     <a:lnR w="28575" algn="ctr">
                       <a:solidFill>
@@ -20142,7 +20484,6 @@
                       <a:solidFill>
                         <a:schemeClr val="tx1"/>
                       </a:solidFill>
-                      <a:miter/>
                     </a:lnT>
                     <a:lnB w="28575" algn="ctr">
                       <a:solidFill>
@@ -20186,7 +20527,6 @@
                       <a:solidFill>
                         <a:schemeClr val="tx1"/>
                       </a:solidFill>
-                      <a:miter/>
                     </a:lnL>
                     <a:lnR w="28575" algn="ctr">
                       <a:solidFill>
@@ -20252,7 +20592,6 @@
                       <a:solidFill>
                         <a:schemeClr val="tx1"/>
                       </a:solidFill>
-                      <a:round/>
                     </a:lnT>
                     <a:lnB w="28575" algn="ctr">
                       <a:solidFill>
@@ -20304,7 +20643,6 @@
                       <a:solidFill>
                         <a:schemeClr val="tx1"/>
                       </a:solidFill>
-                      <a:miter/>
                     </a:lnR>
                     <a:lnT w="28575" algn="ctr">
                       <a:solidFill>
@@ -20358,7 +20696,6 @@
                       <a:solidFill>
                         <a:schemeClr val="tx1"/>
                       </a:solidFill>
-                      <a:round/>
                     </a:lnR>
                     <a:lnT w="28575" algn="ctr">
                       <a:solidFill>
@@ -20417,7 +20754,6 @@
                       <a:solidFill>
                         <a:schemeClr val="tx1"/>
                       </a:solidFill>
-                      <a:round/>
                     </a:lnT>
                     <a:lnB w="28575" algn="ctr">
                       <a:solidFill>
@@ -20461,7 +20797,6 @@
                       <a:solidFill>
                         <a:schemeClr val="tx1"/>
                       </a:solidFill>
-                      <a:miter/>
                     </a:lnL>
                     <a:lnR w="28575" algn="ctr">
                       <a:solidFill>
@@ -20477,7 +20812,6 @@
                       <a:solidFill>
                         <a:schemeClr val="tx1"/>
                       </a:solidFill>
-                      <a:miter/>
                     </a:lnB>
                     <a:solidFill>
                       <a:schemeClr val="bg1"/>
@@ -20526,7 +20860,6 @@
                       <a:solidFill>
                         <a:schemeClr val="tx1"/>
                       </a:solidFill>
-                      <a:miter/>
                     </a:lnT>
                     <a:lnB w="28575" algn="ctr">
                       <a:solidFill>
@@ -20577,7 +20910,6 @@
                       <a:solidFill>
                         <a:schemeClr val="tx1"/>
                       </a:solidFill>
-                      <a:miter/>
                     </a:lnR>
                     <a:lnT w="28575" algn="ctr">
                       <a:solidFill>
@@ -20639,7 +20971,6 @@
                       <a:solidFill>
                         <a:schemeClr val="tx1"/>
                       </a:solidFill>
-                      <a:miter/>
                     </a:lnT>
                     <a:lnB w="28575" algn="ctr">
                       <a:solidFill>
@@ -20693,7 +21024,6 @@
                       <a:solidFill>
                         <a:schemeClr val="tx1"/>
                       </a:solidFill>
-                      <a:miter/>
                     </a:lnT>
                     <a:lnB w="28575" algn="ctr">
                       <a:solidFill>
@@ -20737,7 +21067,6 @@
                       <a:solidFill>
                         <a:schemeClr val="tx1"/>
                       </a:solidFill>
-                      <a:miter/>
                     </a:lnL>
                     <a:lnR w="28575" algn="ctr">
                       <a:solidFill>
@@ -20801,7 +21130,6 @@
                       <a:solidFill>
                         <a:schemeClr val="tx1"/>
                       </a:solidFill>
-                      <a:miter/>
                     </a:lnT>
                     <a:lnB w="28575" algn="ctr">
                       <a:solidFill>
@@ -20845,7 +21173,6 @@
                       <a:solidFill>
                         <a:schemeClr val="tx1"/>
                       </a:solidFill>
-                      <a:miter/>
                     </a:lnL>
                     <a:lnR w="28575" algn="ctr">
                       <a:solidFill>
@@ -20900,7 +21227,6 @@
                       <a:solidFill>
                         <a:schemeClr val="tx1"/>
                       </a:solidFill>
-                      <a:miter/>
                     </a:lnL>
                     <a:lnR w="28575" algn="ctr">
                       <a:solidFill>
@@ -20957,7 +21283,6 @@
                       <a:solidFill>
                         <a:schemeClr val="tx1"/>
                       </a:solidFill>
-                      <a:miter/>
                     </a:lnL>
                     <a:lnR w="28575" algn="ctr">
                       <a:solidFill>
@@ -21026,7 +21351,6 @@
                       <a:solidFill>
                         <a:schemeClr val="tx1"/>
                       </a:solidFill>
-                      <a:miter/>
                     </a:lnB>
                     <a:solidFill>
                       <a:schemeClr val="bg1"/>
@@ -21133,7 +21457,6 @@
                       <a:solidFill>
                         <a:schemeClr val="tx1"/>
                       </a:solidFill>
-                      <a:miter/>
                     </a:lnB>
                     <a:solidFill>
                       <a:schemeClr val="bg1"/>
@@ -21560,7 +21883,6 @@
                       <a:solidFill>
                         <a:schemeClr val="tx1"/>
                       </a:solidFill>
-                      <a:round/>
                     </a:lnT>
                     <a:lnB w="28575" algn="ctr">
                       <a:solidFill>
@@ -21612,7 +21934,6 @@
                       <a:solidFill>
                         <a:schemeClr val="tx1"/>
                       </a:solidFill>
-                      <a:miter/>
                     </a:lnR>
                     <a:lnT w="28575" algn="ctr">
                       <a:solidFill>
@@ -21666,7 +21987,6 @@
                       <a:solidFill>
                         <a:schemeClr val="tx1"/>
                       </a:solidFill>
-                      <a:round/>
                     </a:lnR>
                     <a:lnT w="28575" algn="ctr">
                       <a:solidFill>
@@ -21725,13 +22045,11 @@
                       <a:solidFill>
                         <a:schemeClr val="tx1"/>
                       </a:solidFill>
-                      <a:round/>
                     </a:lnT>
                     <a:lnB w="28575" algn="ctr">
                       <a:solidFill>
                         <a:schemeClr val="tx1"/>
                       </a:solidFill>
-                      <a:round/>
                     </a:lnB>
                     <a:solidFill>
                       <a:schemeClr val="bg1"/>
@@ -21833,7 +22151,6 @@
                       <a:solidFill>
                         <a:schemeClr val="tx1"/>
                       </a:solidFill>
-                      <a:miter/>
                     </a:lnT>
                     <a:lnB w="28575" algn="ctr">
                       <a:solidFill>
@@ -21950,7 +22267,6 @@
                       <a:solidFill>
                         <a:schemeClr val="tx1"/>
                       </a:solidFill>
-                      <a:round/>
                     </a:lnB>
                     <a:solidFill>
                       <a:schemeClr val="bg2"/>
@@ -21994,7 +22310,6 @@
                       <a:solidFill>
                         <a:schemeClr val="tx1"/>
                       </a:solidFill>
-                      <a:round/>
                     </a:lnR>
                     <a:lnT w="28575" algn="ctr">
                       <a:solidFill>
@@ -22101,7 +22416,6 @@
                       <a:solidFill>
                         <a:schemeClr val="tx1"/>
                       </a:solidFill>
-                      <a:round/>
                     </a:lnR>
                     <a:lnT w="28575" algn="ctr">
                       <a:solidFill>
@@ -22165,7 +22479,6 @@
                       <a:solidFill>
                         <a:schemeClr val="tx1"/>
                       </a:solidFill>
-                      <a:round/>
                     </a:lnB>
                     <a:solidFill>
                       <a:schemeClr val="bg1"/>

--- a/docs/hidden_lake_anonymous_network_view.pptx
+++ b/docs/hidden_lake_anonymous_network_view.pptx
@@ -13164,7 +13164,7 @@
                           <a:ea typeface="Times New Roman"/>
                           <a:cs typeface="Times New Roman"/>
                         </a:rPr>
-                        <a:t>Закрытая архитектура сети</a:t>
+                        <a:t>Замкнутая архитектура сети</a:t>
                       </a:r>
                       <a:endParaRPr sz="2200" b="1">
                         <a:latin typeface="Times New Roman"/>
@@ -13934,7 +13934,6 @@
                       <a:solidFill>
                         <a:schemeClr val="tx1"/>
                       </a:solidFill>
-                      <a:bevel/>
                     </a:lnR>
                     <a:lnT w="28575" algn="ctr">
                       <a:solidFill>
@@ -13996,7 +13995,6 @@
                       <a:solidFill>
                         <a:schemeClr val="tx1"/>
                       </a:solidFill>
-                      <a:bevel/>
                     </a:lnT>
                     <a:lnB w="28575" algn="ctr">
                       <a:solidFill>
@@ -14050,7 +14048,6 @@
                       <a:solidFill>
                         <a:schemeClr val="tx1"/>
                       </a:solidFill>
-                      <a:bevel/>
                     </a:lnT>
                     <a:lnB w="28575" algn="ctr">
                       <a:solidFill>
@@ -14094,7 +14091,6 @@
                       <a:solidFill>
                         <a:schemeClr val="tx1"/>
                       </a:solidFill>
-                      <a:bevel/>
                     </a:lnL>
                     <a:lnR w="28575" algn="ctr">
                       <a:solidFill>
@@ -14158,7 +14154,6 @@
                       <a:solidFill>
                         <a:schemeClr val="tx1"/>
                       </a:solidFill>
-                      <a:bevel/>
                     </a:lnT>
                     <a:lnB w="28575" algn="ctr">
                       <a:solidFill>
@@ -14196,7 +14191,6 @@
                       <a:solidFill>
                         <a:schemeClr val="tx1"/>
                       </a:solidFill>
-                      <a:bevel/>
                     </a:lnL>
                     <a:lnR w="28575" algn="ctr">
                       <a:solidFill>
@@ -14256,7 +14250,6 @@
                       <a:solidFill>
                         <a:schemeClr val="tx1"/>
                       </a:solidFill>
-                      <a:bevel/>
                     </a:lnL>
                     <a:lnR w="28575" algn="ctr">
                       <a:solidFill>
@@ -15027,7 +15020,6 @@
                       <a:solidFill>
                         <a:schemeClr val="tx1"/>
                       </a:solidFill>
-                      <a:bevel/>
                     </a:lnT>
                     <a:lnB w="28575" algn="ctr">
                       <a:solidFill>
@@ -21242,6 +21234,7 @@
                       <a:solidFill>
                         <a:schemeClr val="tx1"/>
                       </a:solidFill>
+                      <a:bevel/>
                     </a:lnB>
                     <a:solidFill>
                       <a:schemeClr val="tx1">
@@ -21298,6 +21291,7 @@
                       <a:solidFill>
                         <a:schemeClr val="tx1"/>
                       </a:solidFill>
+                      <a:bevel/>
                     </a:lnB>
                     <a:solidFill>
                       <a:schemeClr val="bg2"/>
@@ -21341,6 +21335,7 @@
                       <a:solidFill>
                         <a:schemeClr val="tx1"/>
                       </a:solidFill>
+                      <a:bevel/>
                     </a:lnR>
                     <a:lnT w="28575" algn="ctr">
                       <a:solidFill>
@@ -21394,6 +21389,7 @@
                       <a:solidFill>
                         <a:schemeClr val="tx1"/>
                       </a:solidFill>
+                      <a:bevel/>
                     </a:lnR>
                     <a:lnT w="28575" algn="ctr">
                       <a:solidFill>
@@ -21447,6 +21443,7 @@
                       <a:solidFill>
                         <a:schemeClr val="tx1"/>
                       </a:solidFill>
+                      <a:bevel/>
                     </a:lnR>
                     <a:lnT w="28575" algn="ctr">
                       <a:solidFill>
@@ -21500,6 +21497,7 @@
                       <a:solidFill>
                         <a:schemeClr val="tx1"/>
                       </a:solidFill>
+                      <a:bevel/>
                     </a:lnR>
                     <a:lnT w="28575" algn="ctr">
                       <a:solidFill>
@@ -21560,6 +21558,7 @@
                       <a:solidFill>
                         <a:schemeClr val="tx1"/>
                       </a:solidFill>
+                      <a:bevel/>
                     </a:lnT>
                     <a:lnB w="28575" algn="ctr">
                       <a:solidFill>
@@ -21611,6 +21610,7 @@
                       <a:solidFill>
                         <a:schemeClr val="tx1"/>
                       </a:solidFill>
+                      <a:bevel/>
                     </a:lnR>
                     <a:lnT w="28575" algn="ctr">
                       <a:solidFill>
@@ -21659,6 +21659,7 @@
                       <a:solidFill>
                         <a:schemeClr val="tx1"/>
                       </a:solidFill>
+                      <a:bevel/>
                     </a:lnL>
                     <a:lnR w="28575" algn="ctr">
                       <a:solidFill>
@@ -21722,6 +21723,7 @@
                       <a:solidFill>
                         <a:schemeClr val="tx1"/>
                       </a:solidFill>
+                      <a:bevel/>
                     </a:lnT>
                     <a:lnB w="28575" algn="ctr">
                       <a:solidFill>
@@ -21765,6 +21767,7 @@
                       <a:solidFill>
                         <a:schemeClr val="tx1"/>
                       </a:solidFill>
+                      <a:bevel/>
                     </a:lnL>
                     <a:lnR w="28575" algn="ctr">
                       <a:solidFill>
@@ -21828,6 +21831,7 @@
                       <a:solidFill>
                         <a:schemeClr val="tx1"/>
                       </a:solidFill>
+                      <a:bevel/>
                     </a:lnT>
                     <a:lnB w="28575" algn="ctr">
                       <a:solidFill>
@@ -22098,6 +22102,7 @@
                       <a:solidFill>
                         <a:schemeClr val="tx1"/>
                       </a:solidFill>
+                      <a:bevel/>
                     </a:lnT>
                     <a:lnB w="28575" algn="ctr">
                       <a:solidFill>
@@ -22206,6 +22211,7 @@
                       <a:solidFill>
                         <a:schemeClr val="tx1"/>
                       </a:solidFill>
+                      <a:bevel/>
                     </a:lnT>
                     <a:lnB w="28575" algn="ctr">
                       <a:solidFill>
@@ -22368,6 +22374,7 @@
                       <a:solidFill>
                         <a:schemeClr val="tx1"/>
                       </a:solidFill>
+                      <a:bevel/>
                     </a:lnT>
                     <a:lnB w="28575" algn="ctr">
                       <a:solidFill>
@@ -22474,6 +22481,7 @@
                       <a:solidFill>
                         <a:schemeClr val="tx1"/>
                       </a:solidFill>
+                      <a:bevel/>
                     </a:lnT>
                     <a:lnB w="28575" algn="ctr">
                       <a:solidFill>
@@ -22524,6 +22532,7 @@
                       <a:solidFill>
                         <a:schemeClr val="tx1"/>
                       </a:solidFill>
+                      <a:bevel/>
                     </a:lnR>
                     <a:lnT w="28575" algn="ctr">
                       <a:solidFill>
@@ -22585,6 +22594,7 @@
                       <a:solidFill>
                         <a:schemeClr val="tx1"/>
                       </a:solidFill>
+                      <a:bevel/>
                     </a:lnT>
                     <a:lnB w="28575" algn="ctr">
                       <a:solidFill>
@@ -22638,6 +22648,7 @@
                       <a:solidFill>
                         <a:schemeClr val="tx1"/>
                       </a:solidFill>
+                      <a:bevel/>
                     </a:lnT>
                     <a:lnB w="28575" algn="ctr">
                       <a:solidFill>
@@ -22681,6 +22692,7 @@
                       <a:solidFill>
                         <a:schemeClr val="tx1"/>
                       </a:solidFill>
+                      <a:bevel/>
                     </a:lnL>
                     <a:lnR w="28575" algn="ctr">
                       <a:solidFill>
@@ -22744,6 +22756,7 @@
                       <a:solidFill>
                         <a:schemeClr val="tx1"/>
                       </a:solidFill>
+                      <a:bevel/>
                     </a:lnT>
                     <a:lnB w="28575" algn="ctr">
                       <a:solidFill>
@@ -22787,6 +22800,7 @@
                       <a:solidFill>
                         <a:schemeClr val="tx1"/>
                       </a:solidFill>
+                      <a:bevel/>
                     </a:lnL>
                     <a:lnR w="28575" algn="ctr">
                       <a:solidFill>

--- a/docs/hidden_lake_anonymous_network_view.pptx
+++ b/docs/hidden_lake_anonymous_network_view.pptx
@@ -5,7 +5,7 @@
     <p:sldMasterId id="2147483648" r:id="rId1"/>
   </p:sldMasterIdLst>
   <p:notesMasterIdLst>
-    <p:notesMasterId r:id="rId31"/>
+    <p:notesMasterId r:id="rId33"/>
   </p:notesMasterIdLst>
   <p:sldIdLst>
     <p:sldId id="256" r:id="rId4"/>
@@ -35,6 +35,8 @@
     <p:sldId id="280" r:id="rId28"/>
     <p:sldId id="281" r:id="rId29"/>
     <p:sldId id="282" r:id="rId30"/>
+    <p:sldId id="283" r:id="rId31"/>
+    <p:sldId id="284" r:id="rId32"/>
   </p:sldIdLst>
   <p:sldSz cx="12192000" cy="6858000"/>
   <p:notesSz cx="6858000" cy="9144000"/>
@@ -1429,7 +1431,7 @@
       </p:grpSpPr>
       <p:sp>
         <p:nvSpPr>
-          <p:cNvPr id="574307386" name="Slide Image Placeholder 1"/>
+          <p:cNvPr id="198049003" name="Slide Image Placeholder 1"/>
           <p:cNvSpPr>
             <a:spLocks noChangeAspect="1" noGrp="1" noRot="1"/>
           </p:cNvSpPr>
@@ -1446,7 +1448,7 @@
       </p:sp>
       <p:sp>
         <p:nvSpPr>
-          <p:cNvPr id="716982056" name="Notes Placeholder 2"/>
+          <p:cNvPr id="143197274" name="Notes Placeholder 2"/>
           <p:cNvSpPr>
             <a:spLocks noGrp="1"/>
           </p:cNvSpPr>
@@ -1471,7 +1473,7 @@
       </p:sp>
       <p:sp>
         <p:nvSpPr>
-          <p:cNvPr id="1006799162" name="Slide Number Placeholder 3"/>
+          <p:cNvPr id="1751459773" name="Slide Number Placeholder 3"/>
           <p:cNvSpPr>
             <a:spLocks noGrp="1"/>
           </p:cNvSpPr>
@@ -1487,7 +1489,7 @@
             <a:pPr>
               <a:defRPr/>
             </a:pPr>
-            <a:fld id="{8575ACDA-FA98-2F21-3065-E8D8A25F7103}" type="slidenum">
+            <a:fld id="{9FFD9498-E2DF-04F9-C971-72E38F9F0670}" type="slidenum">
               <a:rPr lang="ru-RU"/>
               <a:t/>
             </a:fld>
@@ -1609,6 +1611,186 @@
       </p:grpSpPr>
       <p:sp>
         <p:nvSpPr>
+          <p:cNvPr id="991324849" name="Slide Image Placeholder 1"/>
+          <p:cNvSpPr>
+            <a:spLocks noChangeAspect="1" noGrp="1" noRot="1"/>
+          </p:cNvSpPr>
+          <p:nvPr>
+            <p:ph type="sldImg"/>
+          </p:nvPr>
+        </p:nvSpPr>
+        <p:spPr bwMode="auto">
+          <a:xfrm>
+            <a:off x="685800" y="1143000"/>
+            <a:ext cx="5486400" cy="3086100"/>
+          </a:xfrm>
+        </p:spPr>
+      </p:sp>
+      <p:sp>
+        <p:nvSpPr>
+          <p:cNvPr id="918362325" name="Notes Placeholder 2"/>
+          <p:cNvSpPr>
+            <a:spLocks noGrp="1"/>
+          </p:cNvSpPr>
+          <p:nvPr>
+            <p:ph type="body" idx="1"/>
+          </p:nvPr>
+        </p:nvSpPr>
+        <p:spPr bwMode="auto"/>
+        <p:txBody>
+          <a:bodyPr/>
+          <a:lstStyle/>
+          <a:p>
+            <a:pPr>
+              <a:defRPr/>
+            </a:pPr>
+            <a:endParaRPr lang="ru-RU">
+              <a:latin typeface="Arial"/>
+              <a:cs typeface="Arial"/>
+            </a:endParaRPr>
+          </a:p>
+        </p:txBody>
+      </p:sp>
+      <p:sp>
+        <p:nvSpPr>
+          <p:cNvPr id="1011958162" name="Slide Number Placeholder 3"/>
+          <p:cNvSpPr>
+            <a:spLocks noGrp="1"/>
+          </p:cNvSpPr>
+          <p:nvPr>
+            <p:ph type="sldNum" sz="quarter" idx="10"/>
+          </p:nvPr>
+        </p:nvSpPr>
+        <p:spPr bwMode="auto"/>
+        <p:txBody>
+          <a:bodyPr/>
+          <a:lstStyle/>
+          <a:p>
+            <a:pPr>
+              <a:defRPr/>
+            </a:pPr>
+            <a:fld id="{853FB87C-C643-1972-EF01-7AC76EC25541}" type="slidenum">
+              <a:rPr lang="ru-RU"/>
+              <a:t/>
+            </a:fld>
+            <a:endParaRPr lang="ru-RU"/>
+          </a:p>
+        </p:txBody>
+      </p:sp>
+    </p:spTree>
+  </p:cSld>
+</p:notes>
+</file>
+
+<file path=ppt/notesSlides/notesSlide21.xml><?xml version="1.0" encoding="utf-8"?>
+<p:notes xmlns:a="http://schemas.openxmlformats.org/drawingml/2006/main" xmlns:r="http://schemas.openxmlformats.org/officeDocument/2006/relationships" xmlns:p="http://schemas.openxmlformats.org/presentationml/2006/main" xmlns:m="http://schemas.openxmlformats.org/officeDocument/2006/math" xmlns:w="http://schemas.openxmlformats.org/wordprocessingml/2006/main">
+  <p:cSld name="">
+    <p:spTree>
+      <p:nvGrpSpPr>
+        <p:cNvPr id="1" name=""/>
+        <p:cNvGrpSpPr/>
+        <p:nvPr/>
+      </p:nvGrpSpPr>
+      <p:grpSpPr bwMode="auto">
+        <a:xfrm>
+          <a:off x="0" y="0"/>
+          <a:ext cx="0" cy="0"/>
+          <a:chOff x="0" y="0"/>
+          <a:chExt cx="0" cy="0"/>
+        </a:xfrm>
+      </p:grpSpPr>
+      <p:sp>
+        <p:nvSpPr>
+          <p:cNvPr id="574307386" name="Slide Image Placeholder 1"/>
+          <p:cNvSpPr>
+            <a:spLocks noChangeAspect="1" noGrp="1" noRot="1"/>
+          </p:cNvSpPr>
+          <p:nvPr>
+            <p:ph type="sldImg"/>
+          </p:nvPr>
+        </p:nvSpPr>
+        <p:spPr bwMode="auto">
+          <a:xfrm>
+            <a:off x="685800" y="1143000"/>
+            <a:ext cx="5486400" cy="3086100"/>
+          </a:xfrm>
+        </p:spPr>
+      </p:sp>
+      <p:sp>
+        <p:nvSpPr>
+          <p:cNvPr id="716982056" name="Notes Placeholder 2"/>
+          <p:cNvSpPr>
+            <a:spLocks noGrp="1"/>
+          </p:cNvSpPr>
+          <p:nvPr>
+            <p:ph type="body" idx="1"/>
+          </p:nvPr>
+        </p:nvSpPr>
+        <p:spPr bwMode="auto"/>
+        <p:txBody>
+          <a:bodyPr/>
+          <a:lstStyle/>
+          <a:p>
+            <a:pPr>
+              <a:defRPr/>
+            </a:pPr>
+            <a:endParaRPr lang="ru-RU">
+              <a:latin typeface="Arial"/>
+              <a:cs typeface="Arial"/>
+            </a:endParaRPr>
+          </a:p>
+        </p:txBody>
+      </p:sp>
+      <p:sp>
+        <p:nvSpPr>
+          <p:cNvPr id="1006799162" name="Slide Number Placeholder 3"/>
+          <p:cNvSpPr>
+            <a:spLocks noGrp="1"/>
+          </p:cNvSpPr>
+          <p:nvPr>
+            <p:ph type="sldNum" sz="quarter" idx="10"/>
+          </p:nvPr>
+        </p:nvSpPr>
+        <p:spPr bwMode="auto"/>
+        <p:txBody>
+          <a:bodyPr/>
+          <a:lstStyle/>
+          <a:p>
+            <a:pPr>
+              <a:defRPr/>
+            </a:pPr>
+            <a:fld id="{8575ACDA-FA98-2F21-3065-E8D8A25F7103}" type="slidenum">
+              <a:rPr lang="ru-RU"/>
+              <a:t/>
+            </a:fld>
+            <a:endParaRPr lang="ru-RU"/>
+          </a:p>
+        </p:txBody>
+      </p:sp>
+    </p:spTree>
+  </p:cSld>
+</p:notes>
+</file>
+
+<file path=ppt/notesSlides/notesSlide22.xml><?xml version="1.0" encoding="utf-8"?>
+<p:notes xmlns:a="http://schemas.openxmlformats.org/drawingml/2006/main" xmlns:r="http://schemas.openxmlformats.org/officeDocument/2006/relationships" xmlns:p="http://schemas.openxmlformats.org/presentationml/2006/main" xmlns:m="http://schemas.openxmlformats.org/officeDocument/2006/math" xmlns:w="http://schemas.openxmlformats.org/wordprocessingml/2006/main">
+  <p:cSld name="">
+    <p:spTree>
+      <p:nvGrpSpPr>
+        <p:cNvPr id="1" name=""/>
+        <p:cNvGrpSpPr/>
+        <p:nvPr/>
+      </p:nvGrpSpPr>
+      <p:grpSpPr bwMode="auto">
+        <a:xfrm>
+          <a:off x="0" y="0"/>
+          <a:ext cx="0" cy="0"/>
+          <a:chOff x="0" y="0"/>
+          <a:chExt cx="0" cy="0"/>
+        </a:xfrm>
+      </p:grpSpPr>
+      <p:sp>
+        <p:nvSpPr>
           <p:cNvPr id="1560645010" name="Slide Image Placeholder 1"/>
           <p:cNvSpPr>
             <a:spLocks noChangeAspect="1" noGrp="1" noRot="1"/>
@@ -1680,7 +1862,7 @@
 </p:notes>
 </file>
 
-<file path=ppt/notesSlides/notesSlide21.xml><?xml version="1.0" encoding="utf-8"?>
+<file path=ppt/notesSlides/notesSlide23.xml><?xml version="1.0" encoding="utf-8"?>
 <p:notes xmlns:a="http://schemas.openxmlformats.org/drawingml/2006/main" xmlns:r="http://schemas.openxmlformats.org/officeDocument/2006/relationships" xmlns:p="http://schemas.openxmlformats.org/presentationml/2006/main" xmlns:m="http://schemas.openxmlformats.org/officeDocument/2006/math" xmlns:w="http://schemas.openxmlformats.org/wordprocessingml/2006/main">
   <p:cSld name="">
     <p:spTree>
@@ -1770,7 +1952,7 @@
 </p:notes>
 </file>
 
-<file path=ppt/notesSlides/notesSlide22.xml><?xml version="1.0" encoding="utf-8"?>
+<file path=ppt/notesSlides/notesSlide24.xml><?xml version="1.0" encoding="utf-8"?>
 <p:notes xmlns:a="http://schemas.openxmlformats.org/drawingml/2006/main" xmlns:r="http://schemas.openxmlformats.org/officeDocument/2006/relationships" xmlns:p="http://schemas.openxmlformats.org/presentationml/2006/main" xmlns:m="http://schemas.openxmlformats.org/officeDocument/2006/math" xmlns:w="http://schemas.openxmlformats.org/wordprocessingml/2006/main">
   <p:cSld name="">
     <p:spTree>
@@ -1860,7 +2042,7 @@
 </p:notes>
 </file>
 
-<file path=ppt/notesSlides/notesSlide23.xml><?xml version="1.0" encoding="utf-8"?>
+<file path=ppt/notesSlides/notesSlide25.xml><?xml version="1.0" encoding="utf-8"?>
 <p:notes xmlns:a="http://schemas.openxmlformats.org/drawingml/2006/main" xmlns:r="http://schemas.openxmlformats.org/officeDocument/2006/relationships" xmlns:p="http://schemas.openxmlformats.org/presentationml/2006/main" xmlns:m="http://schemas.openxmlformats.org/officeDocument/2006/math" xmlns:w="http://schemas.openxmlformats.org/wordprocessingml/2006/main">
   <p:cSld name="">
     <p:spTree>
@@ -1950,7 +2132,7 @@
 </p:notes>
 </file>
 
-<file path=ppt/notesSlides/notesSlide24.xml><?xml version="1.0" encoding="utf-8"?>
+<file path=ppt/notesSlides/notesSlide26.xml><?xml version="1.0" encoding="utf-8"?>
 <p:notes xmlns:a="http://schemas.openxmlformats.org/drawingml/2006/main" xmlns:r="http://schemas.openxmlformats.org/officeDocument/2006/relationships" xmlns:p="http://schemas.openxmlformats.org/presentationml/2006/main" xmlns:m="http://schemas.openxmlformats.org/officeDocument/2006/math" xmlns:w="http://schemas.openxmlformats.org/wordprocessingml/2006/main">
   <p:cSld name="">
     <p:spTree>
@@ -2040,7 +2222,7 @@
 </p:notes>
 </file>
 
-<file path=ppt/notesSlides/notesSlide25.xml><?xml version="1.0" encoding="utf-8"?>
+<file path=ppt/notesSlides/notesSlide27.xml><?xml version="1.0" encoding="utf-8"?>
 <p:notes xmlns:a="http://schemas.openxmlformats.org/drawingml/2006/main" xmlns:r="http://schemas.openxmlformats.org/officeDocument/2006/relationships" xmlns:p="http://schemas.openxmlformats.org/presentationml/2006/main" xmlns:m="http://schemas.openxmlformats.org/officeDocument/2006/math" xmlns:w="http://schemas.openxmlformats.org/wordprocessingml/2006/main">
   <p:cSld name="">
     <p:spTree>
@@ -2130,7 +2312,7 @@
 </p:notes>
 </file>
 
-<file path=ppt/notesSlides/notesSlide26.xml><?xml version="1.0" encoding="utf-8"?>
+<file path=ppt/notesSlides/notesSlide28.xml><?xml version="1.0" encoding="utf-8"?>
 <p:notes xmlns:a="http://schemas.openxmlformats.org/drawingml/2006/main" xmlns:r="http://schemas.openxmlformats.org/officeDocument/2006/relationships" xmlns:p="http://schemas.openxmlformats.org/presentationml/2006/main" xmlns:m="http://schemas.openxmlformats.org/officeDocument/2006/math" xmlns:w="http://schemas.openxmlformats.org/wordprocessingml/2006/main">
   <p:cSld name="">
     <p:spTree>
@@ -2220,7 +2402,7 @@
 </p:notes>
 </file>
 
-<file path=ppt/notesSlides/notesSlide27.xml><?xml version="1.0" encoding="utf-8"?>
+<file path=ppt/notesSlides/notesSlide29.xml><?xml version="1.0" encoding="utf-8"?>
 <p:notes xmlns:a="http://schemas.openxmlformats.org/drawingml/2006/main" xmlns:r="http://schemas.openxmlformats.org/officeDocument/2006/relationships" xmlns:p="http://schemas.openxmlformats.org/presentationml/2006/main" xmlns:m="http://schemas.openxmlformats.org/officeDocument/2006/math" xmlns:w="http://schemas.openxmlformats.org/wordprocessingml/2006/main">
   <p:cSld name="">
     <p:spTree>
@@ -7137,7 +7319,7 @@
                 <a:ea typeface="DejaVu Serif"/>
                 <a:cs typeface="DejaVu Serif"/>
               </a:rPr>
-              <a:t>6 сервисов</a:t>
+              <a:t>7 сервисов</a:t>
             </a:r>
             <a:r>
               <a:rPr lang="ru-RU" sz="2600" b="0" i="0" u="none" strike="noStrike" cap="none" spc="0">
@@ -7170,7 +7352,7 @@
                 <a:ea typeface="DejaVu Serif"/>
                 <a:cs typeface="DejaVu Serif"/>
               </a:rPr>
-              <a:t>сервис — HLS, два </a:t>
+              <a:t>сервис — HLS, три </a:t>
             </a:r>
             <a:r>
               <a:rPr lang="ru-RU" sz="2600" b="1" i="0" u="none" strike="noStrike" cap="none" spc="0">
@@ -7192,7 +7374,7 @@
                 <a:ea typeface="DejaVu Serif"/>
                 <a:cs typeface="DejaVu Serif"/>
               </a:rPr>
-              <a:t>сервиса — HLM, HLF, три </a:t>
+              <a:t>сервиса — HLM, HLF, HLR, три </a:t>
             </a:r>
             <a:r>
               <a:rPr lang="ru-RU" sz="2600" b="1" i="0" u="none" strike="noStrike" cap="none" spc="0">
@@ -9370,7 +9552,7 @@
       </p:grpSpPr>
       <p:sp>
         <p:nvSpPr>
-          <p:cNvPr id="1208313718" name="Subtitle 2"/>
+          <p:cNvPr id="1517985254" name="Subtitle 2"/>
           <p:cNvSpPr>
             <a:spLocks noGrp="1"/>
           </p:cNvSpPr>
@@ -9378,8 +9560,8 @@
         </p:nvSpPr>
         <p:spPr bwMode="auto">
           <a:xfrm flipH="0" flipV="0">
-            <a:off x="5515384" y="2584571"/>
-            <a:ext cx="6063027" cy="2157780"/>
+            <a:off x="496441" y="2699970"/>
+            <a:ext cx="6026392" cy="1754798"/>
           </a:xfrm>
         </p:spPr>
         <p:txBody>
@@ -9392,7 +9574,7 @@
                 <a:spcPct val="90000"/>
               </a:lnSpc>
               <a:spcBef>
-                <a:spcPts val="999"/>
+                <a:spcPts val="998"/>
               </a:spcBef>
               <a:buFont typeface="Arial"/>
               <a:buNone/>
@@ -9410,7 +9592,7 @@
                 <a:spcPct val="90000"/>
               </a:lnSpc>
               <a:spcBef>
-                <a:spcPts val="499"/>
+                <a:spcPts val="498"/>
               </a:spcBef>
               <a:buFont typeface="Arial"/>
               <a:buNone/>
@@ -9428,7 +9610,7 @@
                 <a:spcPct val="90000"/>
               </a:lnSpc>
               <a:spcBef>
-                <a:spcPts val="499"/>
+                <a:spcPts val="498"/>
               </a:spcBef>
               <a:buFont typeface="Arial"/>
               <a:buNone/>
@@ -9446,7 +9628,7 @@
                 <a:spcPct val="90000"/>
               </a:lnSpc>
               <a:spcBef>
-                <a:spcPts val="499"/>
+                <a:spcPts val="498"/>
               </a:spcBef>
               <a:buFont typeface="Arial"/>
               <a:buNone/>
@@ -9464,7 +9646,7 @@
                 <a:spcPct val="90000"/>
               </a:lnSpc>
               <a:spcBef>
-                <a:spcPts val="499"/>
+                <a:spcPts val="498"/>
               </a:spcBef>
               <a:buFont typeface="Arial"/>
               <a:buNone/>
@@ -9482,7 +9664,7 @@
                 <a:spcPct val="90000"/>
               </a:lnSpc>
               <a:spcBef>
-                <a:spcPts val="499"/>
+                <a:spcPts val="498"/>
               </a:spcBef>
               <a:buFont typeface="Arial"/>
               <a:buNone/>
@@ -9500,7 +9682,7 @@
                 <a:spcPct val="90000"/>
               </a:lnSpc>
               <a:spcBef>
-                <a:spcPts val="499"/>
+                <a:spcPts val="498"/>
               </a:spcBef>
               <a:buFont typeface="Arial"/>
               <a:buNone/>
@@ -9518,7 +9700,7 @@
                 <a:spcPct val="90000"/>
               </a:lnSpc>
               <a:spcBef>
-                <a:spcPts val="499"/>
+                <a:spcPts val="498"/>
               </a:spcBef>
               <a:buFont typeface="Arial"/>
               <a:buNone/>
@@ -9536,7 +9718,7 @@
                 <a:spcPct val="90000"/>
               </a:lnSpc>
               <a:spcBef>
-                <a:spcPts val="499"/>
+                <a:spcPts val="498"/>
               </a:spcBef>
               <a:buFont typeface="Arial"/>
               <a:buNone/>
@@ -9563,10 +9745,10 @@
                 <a:ea typeface="DejaVu Serif"/>
                 <a:cs typeface="DejaVu Serif"/>
               </a:rPr>
-              <a:t>HLT (Hidden Lake Traffic) — </a:t>
-            </a:r>
-            <a:r>
-              <a:rPr lang="ru-RU" sz="2800" b="1" i="0" u="none" strike="noStrike" cap="none" spc="0">
+              <a:t>HLR (Hidden Lake Remoter) — </a:t>
+            </a:r>
+            <a:r>
+              <a:rPr lang="ru-RU" sz="2800" b="0" i="0" u="none" strike="noStrike" cap="none" spc="0">
                 <a:solidFill>
                   <a:schemeClr val="bg1"/>
                 </a:solidFill>
@@ -9574,10 +9756,10 @@
                 <a:ea typeface="DejaVu Serif"/>
                 <a:cs typeface="DejaVu Serif"/>
               </a:rPr>
-              <a:t>распределитель </a:t>
-            </a:r>
-            <a:r>
-              <a:rPr lang="ru-RU" sz="2800" b="0" i="0" u="none" strike="noStrike" cap="none" spc="0">
+              <a:t>анонимный </a:t>
+            </a:r>
+            <a:r>
+              <a:rPr lang="ru-RU" sz="2800" b="1" i="0" u="none" strike="noStrike" cap="none" spc="0">
                 <a:solidFill>
                   <a:schemeClr val="bg1"/>
                 </a:solidFill>
@@ -9585,7 +9767,18 @@
                 <a:ea typeface="DejaVu Serif"/>
                 <a:cs typeface="DejaVu Serif"/>
               </a:rPr>
-              <a:t>трафика в анонимной сети. Может исполнять роль ретрансляции и хранения трафика</a:t>
+              <a:t>удалённый доступ</a:t>
+            </a:r>
+            <a:r>
+              <a:rPr lang="ru-RU" sz="2800" b="0" i="0" u="none" strike="noStrike" cap="none" spc="0">
+                <a:solidFill>
+                  <a:schemeClr val="bg1"/>
+                </a:solidFill>
+                <a:latin typeface="DejaVu Serif"/>
+                <a:ea typeface="DejaVu Serif"/>
+                <a:cs typeface="DejaVu Serif"/>
+              </a:rPr>
+              <a:t>, вызывающий функции HLS</a:t>
             </a:r>
             <a:endParaRPr sz="2800" b="0">
               <a:solidFill>
@@ -9600,7 +9793,7 @@
       </p:sp>
       <p:pic>
         <p:nvPicPr>
-          <p:cNvPr id="1693610764" name=""/>
+          <p:cNvPr id="1806751390" name=""/>
           <p:cNvPicPr>
             <a:picLocks noChangeAspect="1"/>
           </p:cNvPicPr>
@@ -9608,13 +9801,13 @@
         </p:nvPicPr>
         <p:blipFill>
           <a:blip r:embed="rId3"/>
-          <a:srcRect l="32325" t="19386" r="32769" b="19021"/>
+          <a:srcRect l="31565" t="12903" r="30874" b="14269"/>
           <a:stretch/>
         </p:blipFill>
         <p:spPr bwMode="auto">
           <a:xfrm flipH="0" flipV="0">
-            <a:off x="1375673" y="2511302"/>
-            <a:ext cx="3718413" cy="2128470"/>
+            <a:off x="6760961" y="2198076"/>
+            <a:ext cx="4579326" cy="2344615"/>
           </a:xfrm>
           <a:prstGeom prst="rect">
             <a:avLst/>
@@ -9795,6 +9988,581 @@
       </p:grpSpPr>
       <p:sp>
         <p:nvSpPr>
+          <p:cNvPr id="1136789279" name="Subtitle 2"/>
+          <p:cNvSpPr>
+            <a:spLocks noGrp="1"/>
+          </p:cNvSpPr>
+          <p:nvPr/>
+        </p:nvSpPr>
+        <p:spPr bwMode="auto">
+          <a:xfrm flipH="0" flipV="0">
+            <a:off x="309560" y="437412"/>
+            <a:ext cx="11572875" cy="606672"/>
+          </a:xfrm>
+        </p:spPr>
+        <p:txBody>
+          <a:bodyPr vertOverflow="overflow" horzOverflow="overflow" vert="horz" wrap="square" lIns="91440" tIns="45720" rIns="91440" bIns="45720" numCol="1" spcCol="0" rtlCol="0" fromWordArt="0" anchor="t" anchorCtr="0" forceAA="0" upright="0" compatLnSpc="0">
+            <a:normAutofit/>
+          </a:bodyPr>
+          <a:lstStyle>
+            <a:lvl1pPr marL="0" indent="0" algn="ctr" defTabSz="914400">
+              <a:lnSpc>
+                <a:spcPct val="90000"/>
+              </a:lnSpc>
+              <a:spcBef>
+                <a:spcPts val="997"/>
+              </a:spcBef>
+              <a:buFont typeface="Arial"/>
+              <a:buNone/>
+              <a:defRPr sz="2400">
+                <a:solidFill>
+                  <a:schemeClr val="tx1"/>
+                </a:solidFill>
+                <a:latin typeface="+mn-lt"/>
+                <a:ea typeface="+mn-ea"/>
+                <a:cs typeface="+mn-cs"/>
+              </a:defRPr>
+            </a:lvl1pPr>
+            <a:lvl2pPr marL="457200" indent="0" algn="ctr" defTabSz="914400">
+              <a:lnSpc>
+                <a:spcPct val="90000"/>
+              </a:lnSpc>
+              <a:spcBef>
+                <a:spcPts val="497"/>
+              </a:spcBef>
+              <a:buFont typeface="Arial"/>
+              <a:buNone/>
+              <a:defRPr sz="2000">
+                <a:solidFill>
+                  <a:schemeClr val="tx1"/>
+                </a:solidFill>
+                <a:latin typeface="+mn-lt"/>
+                <a:ea typeface="+mn-ea"/>
+                <a:cs typeface="+mn-cs"/>
+              </a:defRPr>
+            </a:lvl2pPr>
+            <a:lvl3pPr marL="914400" indent="0" algn="ctr" defTabSz="914400">
+              <a:lnSpc>
+                <a:spcPct val="90000"/>
+              </a:lnSpc>
+              <a:spcBef>
+                <a:spcPts val="497"/>
+              </a:spcBef>
+              <a:buFont typeface="Arial"/>
+              <a:buNone/>
+              <a:defRPr sz="1800">
+                <a:solidFill>
+                  <a:schemeClr val="tx1"/>
+                </a:solidFill>
+                <a:latin typeface="+mn-lt"/>
+                <a:ea typeface="+mn-ea"/>
+                <a:cs typeface="+mn-cs"/>
+              </a:defRPr>
+            </a:lvl3pPr>
+            <a:lvl4pPr marL="1371600" indent="0" algn="ctr" defTabSz="914400">
+              <a:lnSpc>
+                <a:spcPct val="90000"/>
+              </a:lnSpc>
+              <a:spcBef>
+                <a:spcPts val="497"/>
+              </a:spcBef>
+              <a:buFont typeface="Arial"/>
+              <a:buNone/>
+              <a:defRPr sz="1600">
+                <a:solidFill>
+                  <a:schemeClr val="tx1"/>
+                </a:solidFill>
+                <a:latin typeface="+mn-lt"/>
+                <a:ea typeface="+mn-ea"/>
+                <a:cs typeface="+mn-cs"/>
+              </a:defRPr>
+            </a:lvl4pPr>
+            <a:lvl5pPr marL="1828800" indent="0" algn="ctr" defTabSz="914400">
+              <a:lnSpc>
+                <a:spcPct val="90000"/>
+              </a:lnSpc>
+              <a:spcBef>
+                <a:spcPts val="497"/>
+              </a:spcBef>
+              <a:buFont typeface="Arial"/>
+              <a:buNone/>
+              <a:defRPr sz="1600">
+                <a:solidFill>
+                  <a:schemeClr val="tx1"/>
+                </a:solidFill>
+                <a:latin typeface="+mn-lt"/>
+                <a:ea typeface="+mn-ea"/>
+                <a:cs typeface="+mn-cs"/>
+              </a:defRPr>
+            </a:lvl5pPr>
+            <a:lvl6pPr marL="2286000" indent="0" algn="ctr" defTabSz="914400">
+              <a:lnSpc>
+                <a:spcPct val="90000"/>
+              </a:lnSpc>
+              <a:spcBef>
+                <a:spcPts val="497"/>
+              </a:spcBef>
+              <a:buFont typeface="Arial"/>
+              <a:buNone/>
+              <a:defRPr sz="1600">
+                <a:solidFill>
+                  <a:schemeClr val="tx1"/>
+                </a:solidFill>
+                <a:latin typeface="+mn-lt"/>
+                <a:ea typeface="+mn-ea"/>
+                <a:cs typeface="+mn-cs"/>
+              </a:defRPr>
+            </a:lvl6pPr>
+            <a:lvl7pPr marL="2743200" indent="0" algn="ctr" defTabSz="914400">
+              <a:lnSpc>
+                <a:spcPct val="90000"/>
+              </a:lnSpc>
+              <a:spcBef>
+                <a:spcPts val="497"/>
+              </a:spcBef>
+              <a:buFont typeface="Arial"/>
+              <a:buNone/>
+              <a:defRPr sz="1600">
+                <a:solidFill>
+                  <a:schemeClr val="tx1"/>
+                </a:solidFill>
+                <a:latin typeface="+mn-lt"/>
+                <a:ea typeface="+mn-ea"/>
+                <a:cs typeface="+mn-cs"/>
+              </a:defRPr>
+            </a:lvl7pPr>
+            <a:lvl8pPr marL="3200400" indent="0" algn="ctr" defTabSz="914400">
+              <a:lnSpc>
+                <a:spcPct val="90000"/>
+              </a:lnSpc>
+              <a:spcBef>
+                <a:spcPts val="497"/>
+              </a:spcBef>
+              <a:buFont typeface="Arial"/>
+              <a:buNone/>
+              <a:defRPr sz="1600">
+                <a:solidFill>
+                  <a:schemeClr val="tx1"/>
+                </a:solidFill>
+                <a:latin typeface="+mn-lt"/>
+                <a:ea typeface="+mn-ea"/>
+                <a:cs typeface="+mn-cs"/>
+              </a:defRPr>
+            </a:lvl8pPr>
+            <a:lvl9pPr marL="3657600" indent="0" algn="ctr" defTabSz="914400">
+              <a:lnSpc>
+                <a:spcPct val="90000"/>
+              </a:lnSpc>
+              <a:spcBef>
+                <a:spcPts val="497"/>
+              </a:spcBef>
+              <a:buFont typeface="Arial"/>
+              <a:buNone/>
+              <a:defRPr sz="1600">
+                <a:solidFill>
+                  <a:schemeClr val="tx1"/>
+                </a:solidFill>
+                <a:latin typeface="+mn-lt"/>
+                <a:ea typeface="+mn-ea"/>
+                <a:cs typeface="+mn-cs"/>
+              </a:defRPr>
+            </a:lvl9pPr>
+          </a:lstStyle>
+          <a:p>
+            <a:pPr algn="ctr">
+              <a:defRPr/>
+            </a:pPr>
+            <a:r>
+              <a:rPr lang="ru-RU" sz="2800" b="0" i="0" u="none" strike="noStrike" cap="none" spc="0">
+                <a:solidFill>
+                  <a:schemeClr val="bg1"/>
+                </a:solidFill>
+                <a:latin typeface="DejaVu Serif"/>
+                <a:ea typeface="DejaVu Serif"/>
+                <a:cs typeface="DejaVu Serif"/>
+              </a:rPr>
+              <a:t>Исполнение удалённой команды при помощи HLR</a:t>
+            </a:r>
+            <a:endParaRPr sz="2800" b="0">
+              <a:solidFill>
+                <a:schemeClr val="bg1"/>
+              </a:solidFill>
+              <a:latin typeface="DejaVu Serif"/>
+              <a:ea typeface="DejaVu Serif"/>
+              <a:cs typeface="DejaVu Serif"/>
+            </a:endParaRPr>
+          </a:p>
+        </p:txBody>
+      </p:sp>
+      <p:pic>
+        <p:nvPicPr>
+          <p:cNvPr id="1337636750" name=""/>
+          <p:cNvPicPr>
+            <a:picLocks noChangeAspect="1"/>
+          </p:cNvPicPr>
+          <p:nvPr/>
+        </p:nvPicPr>
+        <p:blipFill>
+          <a:blip r:embed="rId3"/>
+          <a:stretch/>
+        </p:blipFill>
+        <p:spPr bwMode="auto">
+          <a:xfrm flipH="0" flipV="0">
+            <a:off x="398055" y="1297207"/>
+            <a:ext cx="11395886" cy="4878655"/>
+          </a:xfrm>
+          <a:prstGeom prst="rect">
+            <a:avLst/>
+          </a:prstGeom>
+          <a:ln w="57150">
+            <a:solidFill>
+              <a:schemeClr val="bg2"/>
+            </a:solidFill>
+            <a:prstDash val="solid"/>
+          </a:ln>
+        </p:spPr>
+      </p:pic>
+    </p:spTree>
+  </p:cSld>
+  <p:clrMapOvr>
+    <a:masterClrMapping/>
+  </p:clrMapOvr>
+  <mc:AlternateContent xmlns:mc="http://schemas.openxmlformats.org/markup-compatibility/2006">
+    <mc:Choice xmlns:p159="http://schemas.microsoft.com/office/powerpoint/2015/09/main" xmlns:p14="http://schemas.microsoft.com/office/powerpoint/2010/main" Requires="p159">
+      <p:transition p14:dur="2000" advClick="1"/>
+    </mc:Choice>
+    <mc:Fallback>
+      <p:transition advClick="1"/>
+    </mc:Fallback>
+  </mc:AlternateContent>
+</p:sld>
+</file>
+
+<file path=ppt/slides/slide21.xml><?xml version="1.0" encoding="utf-8"?>
+<p:sld xmlns:a="http://schemas.openxmlformats.org/drawingml/2006/main" xmlns:r="http://schemas.openxmlformats.org/officeDocument/2006/relationships" xmlns:p="http://schemas.openxmlformats.org/presentationml/2006/main" xmlns:m="http://schemas.openxmlformats.org/officeDocument/2006/math" xmlns:w="http://schemas.openxmlformats.org/wordprocessingml/2006/main" showMasterPhAnim="0" show="1">
+  <p:cSld name="">
+    <p:bg>
+      <p:bgPr shadeToTitle="0">
+        <a:solidFill>
+          <a:schemeClr val="tx1"/>
+        </a:solidFill>
+      </p:bgPr>
+    </p:bg>
+    <p:spTree>
+      <p:nvGrpSpPr>
+        <p:cNvPr id="1" name=""/>
+        <p:cNvGrpSpPr/>
+        <p:nvPr/>
+      </p:nvGrpSpPr>
+      <p:grpSpPr bwMode="auto">
+        <a:xfrm>
+          <a:off x="0" y="0"/>
+          <a:ext cx="0" cy="0"/>
+          <a:chOff x="0" y="0"/>
+          <a:chExt cx="0" cy="0"/>
+        </a:xfrm>
+      </p:grpSpPr>
+      <p:sp>
+        <p:nvSpPr>
+          <p:cNvPr id="1208313718" name="Subtitle 2"/>
+          <p:cNvSpPr>
+            <a:spLocks noGrp="1"/>
+          </p:cNvSpPr>
+          <p:nvPr/>
+        </p:nvSpPr>
+        <p:spPr bwMode="auto">
+          <a:xfrm flipH="0" flipV="0">
+            <a:off x="5515384" y="2584571"/>
+            <a:ext cx="6063027" cy="2157780"/>
+          </a:xfrm>
+        </p:spPr>
+        <p:txBody>
+          <a:bodyPr vertOverflow="overflow" horzOverflow="overflow" vert="horz" wrap="square" lIns="91440" tIns="45720" rIns="91440" bIns="45720" numCol="1" spcCol="0" rtlCol="0" fromWordArt="0" anchor="t" anchorCtr="0" forceAA="0" upright="0" compatLnSpc="0">
+            <a:normAutofit/>
+          </a:bodyPr>
+          <a:lstStyle>
+            <a:lvl1pPr marL="0" indent="0" algn="ctr" defTabSz="914400">
+              <a:lnSpc>
+                <a:spcPct val="90000"/>
+              </a:lnSpc>
+              <a:spcBef>
+                <a:spcPts val="999"/>
+              </a:spcBef>
+              <a:buFont typeface="Arial"/>
+              <a:buNone/>
+              <a:defRPr sz="2400">
+                <a:solidFill>
+                  <a:schemeClr val="tx1"/>
+                </a:solidFill>
+                <a:latin typeface="+mn-lt"/>
+                <a:ea typeface="+mn-ea"/>
+                <a:cs typeface="+mn-cs"/>
+              </a:defRPr>
+            </a:lvl1pPr>
+            <a:lvl2pPr marL="457200" indent="0" algn="ctr" defTabSz="914400">
+              <a:lnSpc>
+                <a:spcPct val="90000"/>
+              </a:lnSpc>
+              <a:spcBef>
+                <a:spcPts val="499"/>
+              </a:spcBef>
+              <a:buFont typeface="Arial"/>
+              <a:buNone/>
+              <a:defRPr sz="2000">
+                <a:solidFill>
+                  <a:schemeClr val="tx1"/>
+                </a:solidFill>
+                <a:latin typeface="+mn-lt"/>
+                <a:ea typeface="+mn-ea"/>
+                <a:cs typeface="+mn-cs"/>
+              </a:defRPr>
+            </a:lvl2pPr>
+            <a:lvl3pPr marL="914400" indent="0" algn="ctr" defTabSz="914400">
+              <a:lnSpc>
+                <a:spcPct val="90000"/>
+              </a:lnSpc>
+              <a:spcBef>
+                <a:spcPts val="499"/>
+              </a:spcBef>
+              <a:buFont typeface="Arial"/>
+              <a:buNone/>
+              <a:defRPr sz="1800">
+                <a:solidFill>
+                  <a:schemeClr val="tx1"/>
+                </a:solidFill>
+                <a:latin typeface="+mn-lt"/>
+                <a:ea typeface="+mn-ea"/>
+                <a:cs typeface="+mn-cs"/>
+              </a:defRPr>
+            </a:lvl3pPr>
+            <a:lvl4pPr marL="1371600" indent="0" algn="ctr" defTabSz="914400">
+              <a:lnSpc>
+                <a:spcPct val="90000"/>
+              </a:lnSpc>
+              <a:spcBef>
+                <a:spcPts val="499"/>
+              </a:spcBef>
+              <a:buFont typeface="Arial"/>
+              <a:buNone/>
+              <a:defRPr sz="1600">
+                <a:solidFill>
+                  <a:schemeClr val="tx1"/>
+                </a:solidFill>
+                <a:latin typeface="+mn-lt"/>
+                <a:ea typeface="+mn-ea"/>
+                <a:cs typeface="+mn-cs"/>
+              </a:defRPr>
+            </a:lvl4pPr>
+            <a:lvl5pPr marL="1828800" indent="0" algn="ctr" defTabSz="914400">
+              <a:lnSpc>
+                <a:spcPct val="90000"/>
+              </a:lnSpc>
+              <a:spcBef>
+                <a:spcPts val="499"/>
+              </a:spcBef>
+              <a:buFont typeface="Arial"/>
+              <a:buNone/>
+              <a:defRPr sz="1600">
+                <a:solidFill>
+                  <a:schemeClr val="tx1"/>
+                </a:solidFill>
+                <a:latin typeface="+mn-lt"/>
+                <a:ea typeface="+mn-ea"/>
+                <a:cs typeface="+mn-cs"/>
+              </a:defRPr>
+            </a:lvl5pPr>
+            <a:lvl6pPr marL="2286000" indent="0" algn="ctr" defTabSz="914400">
+              <a:lnSpc>
+                <a:spcPct val="90000"/>
+              </a:lnSpc>
+              <a:spcBef>
+                <a:spcPts val="499"/>
+              </a:spcBef>
+              <a:buFont typeface="Arial"/>
+              <a:buNone/>
+              <a:defRPr sz="1600">
+                <a:solidFill>
+                  <a:schemeClr val="tx1"/>
+                </a:solidFill>
+                <a:latin typeface="+mn-lt"/>
+                <a:ea typeface="+mn-ea"/>
+                <a:cs typeface="+mn-cs"/>
+              </a:defRPr>
+            </a:lvl6pPr>
+            <a:lvl7pPr marL="2743200" indent="0" algn="ctr" defTabSz="914400">
+              <a:lnSpc>
+                <a:spcPct val="90000"/>
+              </a:lnSpc>
+              <a:spcBef>
+                <a:spcPts val="499"/>
+              </a:spcBef>
+              <a:buFont typeface="Arial"/>
+              <a:buNone/>
+              <a:defRPr sz="1600">
+                <a:solidFill>
+                  <a:schemeClr val="tx1"/>
+                </a:solidFill>
+                <a:latin typeface="+mn-lt"/>
+                <a:ea typeface="+mn-ea"/>
+                <a:cs typeface="+mn-cs"/>
+              </a:defRPr>
+            </a:lvl7pPr>
+            <a:lvl8pPr marL="3200400" indent="0" algn="ctr" defTabSz="914400">
+              <a:lnSpc>
+                <a:spcPct val="90000"/>
+              </a:lnSpc>
+              <a:spcBef>
+                <a:spcPts val="499"/>
+              </a:spcBef>
+              <a:buFont typeface="Arial"/>
+              <a:buNone/>
+              <a:defRPr sz="1600">
+                <a:solidFill>
+                  <a:schemeClr val="tx1"/>
+                </a:solidFill>
+                <a:latin typeface="+mn-lt"/>
+                <a:ea typeface="+mn-ea"/>
+                <a:cs typeface="+mn-cs"/>
+              </a:defRPr>
+            </a:lvl8pPr>
+            <a:lvl9pPr marL="3657600" indent="0" algn="ctr" defTabSz="914400">
+              <a:lnSpc>
+                <a:spcPct val="90000"/>
+              </a:lnSpc>
+              <a:spcBef>
+                <a:spcPts val="499"/>
+              </a:spcBef>
+              <a:buFont typeface="Arial"/>
+              <a:buNone/>
+              <a:defRPr sz="1600">
+                <a:solidFill>
+                  <a:schemeClr val="tx1"/>
+                </a:solidFill>
+                <a:latin typeface="+mn-lt"/>
+                <a:ea typeface="+mn-ea"/>
+                <a:cs typeface="+mn-cs"/>
+              </a:defRPr>
+            </a:lvl9pPr>
+          </a:lstStyle>
+          <a:p>
+            <a:pPr algn="ctr">
+              <a:defRPr/>
+            </a:pPr>
+            <a:r>
+              <a:rPr lang="ru-RU" sz="2800" b="0" i="0" u="none" strike="noStrike" cap="none" spc="0">
+                <a:solidFill>
+                  <a:schemeClr val="bg1"/>
+                </a:solidFill>
+                <a:latin typeface="DejaVu Serif"/>
+                <a:ea typeface="DejaVu Serif"/>
+                <a:cs typeface="DejaVu Serif"/>
+              </a:rPr>
+              <a:t>HLT (Hidden Lake Traffic) — </a:t>
+            </a:r>
+            <a:r>
+              <a:rPr lang="ru-RU" sz="2800" b="1" i="0" u="none" strike="noStrike" cap="none" spc="0">
+                <a:solidFill>
+                  <a:schemeClr val="bg1"/>
+                </a:solidFill>
+                <a:latin typeface="DejaVu Serif"/>
+                <a:ea typeface="DejaVu Serif"/>
+                <a:cs typeface="DejaVu Serif"/>
+              </a:rPr>
+              <a:t>распределитель </a:t>
+            </a:r>
+            <a:r>
+              <a:rPr lang="ru-RU" sz="2800" b="0" i="0" u="none" strike="noStrike" cap="none" spc="0">
+                <a:solidFill>
+                  <a:schemeClr val="bg1"/>
+                </a:solidFill>
+                <a:latin typeface="DejaVu Serif"/>
+                <a:ea typeface="DejaVu Serif"/>
+                <a:cs typeface="DejaVu Serif"/>
+              </a:rPr>
+              <a:t>трафика в анонимной сети. Может исполнять роль ретрансляции и хранения трафика</a:t>
+            </a:r>
+            <a:endParaRPr sz="2800" b="0">
+              <a:solidFill>
+                <a:schemeClr val="bg1"/>
+              </a:solidFill>
+              <a:latin typeface="DejaVu Serif"/>
+              <a:ea typeface="DejaVu Serif"/>
+              <a:cs typeface="DejaVu Serif"/>
+            </a:endParaRPr>
+          </a:p>
+        </p:txBody>
+      </p:sp>
+      <p:pic>
+        <p:nvPicPr>
+          <p:cNvPr id="1693610764" name=""/>
+          <p:cNvPicPr>
+            <a:picLocks noChangeAspect="1"/>
+          </p:cNvPicPr>
+          <p:nvPr/>
+        </p:nvPicPr>
+        <p:blipFill>
+          <a:blip r:embed="rId3"/>
+          <a:srcRect l="32325" t="19386" r="32769" b="19021"/>
+          <a:stretch/>
+        </p:blipFill>
+        <p:spPr bwMode="auto">
+          <a:xfrm flipH="0" flipV="0">
+            <a:off x="1375673" y="2511302"/>
+            <a:ext cx="3718413" cy="2128470"/>
+          </a:xfrm>
+          <a:prstGeom prst="rect">
+            <a:avLst/>
+          </a:prstGeom>
+          <a:ln w="57150">
+            <a:solidFill>
+              <a:schemeClr val="bg2"/>
+            </a:solidFill>
+            <a:prstDash val="solid"/>
+          </a:ln>
+        </p:spPr>
+      </p:pic>
+    </p:spTree>
+  </p:cSld>
+  <p:clrMapOvr>
+    <a:masterClrMapping/>
+  </p:clrMapOvr>
+  <mc:AlternateContent xmlns:mc="http://schemas.openxmlformats.org/markup-compatibility/2006">
+    <mc:Choice xmlns:p159="http://schemas.microsoft.com/office/powerpoint/2015/09/main" xmlns:p14="http://schemas.microsoft.com/office/powerpoint/2010/main" Requires="p159">
+      <p:transition p14:dur="2000" advClick="1"/>
+    </mc:Choice>
+    <mc:Fallback>
+      <p:transition advClick="1"/>
+    </mc:Fallback>
+  </mc:AlternateContent>
+</p:sld>
+</file>
+
+<file path=ppt/slides/slide22.xml><?xml version="1.0" encoding="utf-8"?>
+<p:sld xmlns:a="http://schemas.openxmlformats.org/drawingml/2006/main" xmlns:r="http://schemas.openxmlformats.org/officeDocument/2006/relationships" xmlns:p="http://schemas.openxmlformats.org/presentationml/2006/main" xmlns:m="http://schemas.openxmlformats.org/officeDocument/2006/math" xmlns:w="http://schemas.openxmlformats.org/wordprocessingml/2006/main" showMasterPhAnim="0" show="1">
+  <p:cSld name="">
+    <p:bg>
+      <p:bgPr shadeToTitle="0">
+        <a:solidFill>
+          <a:schemeClr val="tx1"/>
+        </a:solidFill>
+      </p:bgPr>
+    </p:bg>
+    <p:spTree>
+      <p:nvGrpSpPr>
+        <p:cNvPr id="1" name=""/>
+        <p:cNvGrpSpPr/>
+        <p:nvPr/>
+      </p:nvGrpSpPr>
+      <p:grpSpPr bwMode="auto">
+        <a:xfrm>
+          <a:off x="0" y="0"/>
+          <a:ext cx="0" cy="0"/>
+          <a:chOff x="0" y="0"/>
+          <a:chExt cx="0" cy="0"/>
+        </a:xfrm>
+      </p:grpSpPr>
+      <p:sp>
+        <p:nvSpPr>
           <p:cNvPr id="1141099962" name="Subtitle 2"/>
           <p:cNvSpPr>
             <a:spLocks noGrp="1"/>
@@ -10123,7 +10891,7 @@
 </p:sld>
 </file>
 
-<file path=ppt/slides/slide21.xml><?xml version="1.0" encoding="utf-8"?>
+<file path=ppt/slides/slide23.xml><?xml version="1.0" encoding="utf-8"?>
 <p:sld xmlns:a="http://schemas.openxmlformats.org/drawingml/2006/main" xmlns:r="http://schemas.openxmlformats.org/officeDocument/2006/relationships" xmlns:p="http://schemas.openxmlformats.org/presentationml/2006/main" xmlns:m="http://schemas.openxmlformats.org/officeDocument/2006/math" xmlns:w="http://schemas.openxmlformats.org/wordprocessingml/2006/main" showMasterPhAnim="0" show="1">
   <p:cSld name="">
     <p:bg>
@@ -10422,7 +11190,7 @@
 </p:sld>
 </file>
 
-<file path=ppt/slides/slide22.xml><?xml version="1.0" encoding="utf-8"?>
+<file path=ppt/slides/slide24.xml><?xml version="1.0" encoding="utf-8"?>
 <p:sld xmlns:a="http://schemas.openxmlformats.org/drawingml/2006/main" xmlns:r="http://schemas.openxmlformats.org/officeDocument/2006/relationships" xmlns:p="http://schemas.openxmlformats.org/presentationml/2006/main" xmlns:m="http://schemas.openxmlformats.org/officeDocument/2006/math" xmlns:w="http://schemas.openxmlformats.org/wordprocessingml/2006/main" showMasterPhAnim="0" show="1">
   <p:cSld name="">
     <p:bg>
@@ -10721,7 +11489,7 @@
 </p:sld>
 </file>
 
-<file path=ppt/slides/slide23.xml><?xml version="1.0" encoding="utf-8"?>
+<file path=ppt/slides/slide25.xml><?xml version="1.0" encoding="utf-8"?>
 <p:sld xmlns:a="http://schemas.openxmlformats.org/drawingml/2006/main" xmlns:r="http://schemas.openxmlformats.org/officeDocument/2006/relationships" xmlns:p="http://schemas.openxmlformats.org/presentationml/2006/main" xmlns:m="http://schemas.openxmlformats.org/officeDocument/2006/math" xmlns:w="http://schemas.openxmlformats.org/wordprocessingml/2006/main" showMasterPhAnim="0" show="1">
   <p:cSld name="">
     <p:bg>
@@ -10997,7 +11765,7 @@
 </p:sld>
 </file>
 
-<file path=ppt/slides/slide24.xml><?xml version="1.0" encoding="utf-8"?>
+<file path=ppt/slides/slide26.xml><?xml version="1.0" encoding="utf-8"?>
 <p:sld xmlns:a="http://schemas.openxmlformats.org/drawingml/2006/main" xmlns:r="http://schemas.openxmlformats.org/officeDocument/2006/relationships" xmlns:p="http://schemas.openxmlformats.org/presentationml/2006/main" xmlns:m="http://schemas.openxmlformats.org/officeDocument/2006/math" xmlns:w="http://schemas.openxmlformats.org/wordprocessingml/2006/main" showMasterPhAnim="0" show="1">
   <p:cSld name="">
     <p:bg>
@@ -11537,7 +12305,7 @@
 </p:sld>
 </file>
 
-<file path=ppt/slides/slide25.xml><?xml version="1.0" encoding="utf-8"?>
+<file path=ppt/slides/slide27.xml><?xml version="1.0" encoding="utf-8"?>
 <p:sld xmlns:a="http://schemas.openxmlformats.org/drawingml/2006/main" xmlns:r="http://schemas.openxmlformats.org/officeDocument/2006/relationships" xmlns:p="http://schemas.openxmlformats.org/presentationml/2006/main" xmlns:m="http://schemas.openxmlformats.org/officeDocument/2006/math" xmlns:w="http://schemas.openxmlformats.org/wordprocessingml/2006/main" showMasterPhAnim="0" show="1">
   <p:cSld name="">
     <p:bg>
@@ -15052,7 +15820,7 @@
 </p:sld>
 </file>
 
-<file path=ppt/slides/slide26.xml><?xml version="1.0" encoding="utf-8"?>
+<file path=ppt/slides/slide28.xml><?xml version="1.0" encoding="utf-8"?>
 <p:sld xmlns:a="http://schemas.openxmlformats.org/drawingml/2006/main" xmlns:r="http://schemas.openxmlformats.org/officeDocument/2006/relationships" xmlns:p="http://schemas.openxmlformats.org/presentationml/2006/main" xmlns:m="http://schemas.openxmlformats.org/officeDocument/2006/math" xmlns:w="http://schemas.openxmlformats.org/wordprocessingml/2006/main" showMasterPhAnim="0" show="1">
   <p:cSld name="">
     <p:bg>
@@ -15615,7 +16383,7 @@
 </p:sld>
 </file>
 
-<file path=ppt/slides/slide27.xml><?xml version="1.0" encoding="utf-8"?>
+<file path=ppt/slides/slide29.xml><?xml version="1.0" encoding="utf-8"?>
 <p:sld xmlns:a="http://schemas.openxmlformats.org/drawingml/2006/main" xmlns:r="http://schemas.openxmlformats.org/officeDocument/2006/relationships" xmlns:p="http://schemas.openxmlformats.org/presentationml/2006/main" xmlns:m="http://schemas.openxmlformats.org/officeDocument/2006/math" xmlns:w="http://schemas.openxmlformats.org/wordprocessingml/2006/main" showMasterPhAnim="0" show="1">
   <p:cSld name="">
     <p:bg>
